--- a/EDA on Flavour of Cacao.pptx
+++ b/EDA on Flavour of Cacao.pptx
@@ -5,7 +5,14 @@
     <p:sldMasterId id="2147483648" r:id="rId1"/>
   </p:sldMasterIdLst>
   <p:sldIdLst>
-    <p:sldId id="256" r:id="rId2"/>
+    <p:sldId id="257" r:id="rId2"/>
+    <p:sldId id="258" r:id="rId3"/>
+    <p:sldId id="259" r:id="rId4"/>
+    <p:sldId id="260" r:id="rId5"/>
+    <p:sldId id="261" r:id="rId6"/>
+    <p:sldId id="262" r:id="rId7"/>
+    <p:sldId id="265" r:id="rId8"/>
+    <p:sldId id="266" r:id="rId9"/>
   </p:sldIdLst>
   <p:sldSz cx="12192000" cy="6858000"/>
   <p:notesSz cx="6858000" cy="9144000"/>
@@ -104,7 +111,2550 @@
       </a:defRPr>
     </a:lvl9pPr>
   </p:defaultTextStyle>
+  <p:extLst>
+    <p:ext uri="{EFAFB233-063F-42B5-8137-9DF3F51BA10A}">
+      <p15:sldGuideLst xmlns:p15="http://schemas.microsoft.com/office/powerpoint/2012/main"/>
+    </p:ext>
+  </p:extLst>
 </p:presentation>
+</file>
+
+<file path=ppt/diagrams/colors1.xml><?xml version="1.0" encoding="utf-8"?>
+<dgm:colorsDef xmlns:dgm="http://schemas.openxmlformats.org/drawingml/2006/diagram" xmlns:a="http://schemas.openxmlformats.org/drawingml/2006/main" uniqueId="urn:microsoft.com/office/officeart/2005/8/colors/accent1_2">
+  <dgm:title val=""/>
+  <dgm:desc val=""/>
+  <dgm:catLst>
+    <dgm:cat type="accent1" pri="11200"/>
+  </dgm:catLst>
+  <dgm:styleLbl name="node0">
+    <dgm:fillClrLst meth="repeat">
+      <a:schemeClr val="accent1"/>
+    </dgm:fillClrLst>
+    <dgm:linClrLst meth="repeat">
+      <a:schemeClr val="lt1"/>
+    </dgm:linClrLst>
+    <dgm:effectClrLst/>
+    <dgm:txLinClrLst/>
+    <dgm:txFillClrLst/>
+    <dgm:txEffectClrLst/>
+  </dgm:styleLbl>
+  <dgm:styleLbl name="alignNode1">
+    <dgm:fillClrLst meth="repeat">
+      <a:schemeClr val="accent1"/>
+    </dgm:fillClrLst>
+    <dgm:linClrLst meth="repeat">
+      <a:schemeClr val="accent1"/>
+    </dgm:linClrLst>
+    <dgm:effectClrLst/>
+    <dgm:txLinClrLst/>
+    <dgm:txFillClrLst/>
+    <dgm:txEffectClrLst/>
+  </dgm:styleLbl>
+  <dgm:styleLbl name="node1">
+    <dgm:fillClrLst meth="repeat">
+      <a:schemeClr val="accent1"/>
+    </dgm:fillClrLst>
+    <dgm:linClrLst meth="repeat">
+      <a:schemeClr val="lt1"/>
+    </dgm:linClrLst>
+    <dgm:effectClrLst/>
+    <dgm:txLinClrLst/>
+    <dgm:txFillClrLst/>
+    <dgm:txEffectClrLst/>
+  </dgm:styleLbl>
+  <dgm:styleLbl name="lnNode1">
+    <dgm:fillClrLst meth="repeat">
+      <a:schemeClr val="accent1"/>
+    </dgm:fillClrLst>
+    <dgm:linClrLst meth="repeat">
+      <a:schemeClr val="lt1"/>
+    </dgm:linClrLst>
+    <dgm:effectClrLst/>
+    <dgm:txLinClrLst/>
+    <dgm:txFillClrLst/>
+    <dgm:txEffectClrLst/>
+  </dgm:styleLbl>
+  <dgm:styleLbl name="vennNode1">
+    <dgm:fillClrLst meth="repeat">
+      <a:schemeClr val="accent1">
+        <a:alpha val="50000"/>
+      </a:schemeClr>
+    </dgm:fillClrLst>
+    <dgm:linClrLst meth="repeat">
+      <a:schemeClr val="lt1"/>
+    </dgm:linClrLst>
+    <dgm:effectClrLst/>
+    <dgm:txLinClrLst/>
+    <dgm:txFillClrLst/>
+    <dgm:txEffectClrLst/>
+  </dgm:styleLbl>
+  <dgm:styleLbl name="node2">
+    <dgm:fillClrLst meth="repeat">
+      <a:schemeClr val="accent1"/>
+    </dgm:fillClrLst>
+    <dgm:linClrLst meth="repeat">
+      <a:schemeClr val="lt1"/>
+    </dgm:linClrLst>
+    <dgm:effectClrLst/>
+    <dgm:txLinClrLst/>
+    <dgm:txFillClrLst/>
+    <dgm:txEffectClrLst/>
+  </dgm:styleLbl>
+  <dgm:styleLbl name="node3">
+    <dgm:fillClrLst meth="repeat">
+      <a:schemeClr val="accent1"/>
+    </dgm:fillClrLst>
+    <dgm:linClrLst meth="repeat">
+      <a:schemeClr val="lt1"/>
+    </dgm:linClrLst>
+    <dgm:effectClrLst/>
+    <dgm:txLinClrLst/>
+    <dgm:txFillClrLst/>
+    <dgm:txEffectClrLst/>
+  </dgm:styleLbl>
+  <dgm:styleLbl name="node4">
+    <dgm:fillClrLst meth="repeat">
+      <a:schemeClr val="accent1"/>
+    </dgm:fillClrLst>
+    <dgm:linClrLst meth="repeat">
+      <a:schemeClr val="lt1"/>
+    </dgm:linClrLst>
+    <dgm:effectClrLst/>
+    <dgm:txLinClrLst/>
+    <dgm:txFillClrLst/>
+    <dgm:txEffectClrLst/>
+  </dgm:styleLbl>
+  <dgm:styleLbl name="fgImgPlace1">
+    <dgm:fillClrLst meth="repeat">
+      <a:schemeClr val="accent1">
+        <a:tint val="50000"/>
+      </a:schemeClr>
+    </dgm:fillClrLst>
+    <dgm:linClrLst meth="repeat">
+      <a:schemeClr val="lt1"/>
+    </dgm:linClrLst>
+    <dgm:effectClrLst/>
+    <dgm:txLinClrLst/>
+    <dgm:txFillClrLst meth="repeat">
+      <a:schemeClr val="lt1"/>
+    </dgm:txFillClrLst>
+    <dgm:txEffectClrLst/>
+  </dgm:styleLbl>
+  <dgm:styleLbl name="alignImgPlace1">
+    <dgm:fillClrLst meth="repeat">
+      <a:schemeClr val="accent1">
+        <a:tint val="50000"/>
+      </a:schemeClr>
+    </dgm:fillClrLst>
+    <dgm:linClrLst meth="repeat">
+      <a:schemeClr val="lt1"/>
+    </dgm:linClrLst>
+    <dgm:effectClrLst/>
+    <dgm:txLinClrLst/>
+    <dgm:txFillClrLst meth="repeat">
+      <a:schemeClr val="lt1"/>
+    </dgm:txFillClrLst>
+    <dgm:txEffectClrLst/>
+  </dgm:styleLbl>
+  <dgm:styleLbl name="bgImgPlace1">
+    <dgm:fillClrLst meth="repeat">
+      <a:schemeClr val="accent1">
+        <a:tint val="50000"/>
+      </a:schemeClr>
+    </dgm:fillClrLst>
+    <dgm:linClrLst meth="repeat">
+      <a:schemeClr val="lt1"/>
+    </dgm:linClrLst>
+    <dgm:effectClrLst/>
+    <dgm:txLinClrLst/>
+    <dgm:txFillClrLst meth="repeat">
+      <a:schemeClr val="lt1"/>
+    </dgm:txFillClrLst>
+    <dgm:txEffectClrLst/>
+  </dgm:styleLbl>
+  <dgm:styleLbl name="sibTrans2D1">
+    <dgm:fillClrLst meth="repeat">
+      <a:schemeClr val="accent1">
+        <a:tint val="60000"/>
+      </a:schemeClr>
+    </dgm:fillClrLst>
+    <dgm:linClrLst meth="repeat">
+      <a:schemeClr val="accent1">
+        <a:tint val="60000"/>
+      </a:schemeClr>
+    </dgm:linClrLst>
+    <dgm:effectClrLst/>
+    <dgm:txLinClrLst/>
+    <dgm:txFillClrLst/>
+    <dgm:txEffectClrLst/>
+  </dgm:styleLbl>
+  <dgm:styleLbl name="fgSibTrans2D1">
+    <dgm:fillClrLst meth="repeat">
+      <a:schemeClr val="accent1">
+        <a:tint val="60000"/>
+      </a:schemeClr>
+    </dgm:fillClrLst>
+    <dgm:linClrLst meth="repeat">
+      <a:schemeClr val="accent1">
+        <a:tint val="60000"/>
+      </a:schemeClr>
+    </dgm:linClrLst>
+    <dgm:effectClrLst/>
+    <dgm:txLinClrLst/>
+    <dgm:txFillClrLst/>
+    <dgm:txEffectClrLst/>
+  </dgm:styleLbl>
+  <dgm:styleLbl name="bgSibTrans2D1">
+    <dgm:fillClrLst meth="repeat">
+      <a:schemeClr val="accent1">
+        <a:tint val="60000"/>
+      </a:schemeClr>
+    </dgm:fillClrLst>
+    <dgm:linClrLst meth="repeat">
+      <a:schemeClr val="accent1">
+        <a:tint val="60000"/>
+      </a:schemeClr>
+    </dgm:linClrLst>
+    <dgm:effectClrLst/>
+    <dgm:txLinClrLst/>
+    <dgm:txFillClrLst/>
+    <dgm:txEffectClrLst/>
+  </dgm:styleLbl>
+  <dgm:styleLbl name="sibTrans1D1">
+    <dgm:fillClrLst meth="repeat">
+      <a:schemeClr val="accent1"/>
+    </dgm:fillClrLst>
+    <dgm:linClrLst meth="repeat">
+      <a:schemeClr val="accent1"/>
+    </dgm:linClrLst>
+    <dgm:effectClrLst/>
+    <dgm:txLinClrLst/>
+    <dgm:txFillClrLst meth="repeat">
+      <a:schemeClr val="tx1"/>
+    </dgm:txFillClrLst>
+    <dgm:txEffectClrLst/>
+  </dgm:styleLbl>
+  <dgm:styleLbl name="callout">
+    <dgm:fillClrLst meth="repeat">
+      <a:schemeClr val="accent1"/>
+    </dgm:fillClrLst>
+    <dgm:linClrLst meth="repeat">
+      <a:schemeClr val="accent1">
+        <a:tint val="50000"/>
+      </a:schemeClr>
+    </dgm:linClrLst>
+    <dgm:effectClrLst/>
+    <dgm:txLinClrLst/>
+    <dgm:txFillClrLst meth="repeat">
+      <a:schemeClr val="tx1"/>
+    </dgm:txFillClrLst>
+    <dgm:txEffectClrLst/>
+  </dgm:styleLbl>
+  <dgm:styleLbl name="asst0">
+    <dgm:fillClrLst meth="repeat">
+      <a:schemeClr val="accent1"/>
+    </dgm:fillClrLst>
+    <dgm:linClrLst meth="repeat">
+      <a:schemeClr val="lt1"/>
+    </dgm:linClrLst>
+    <dgm:effectClrLst/>
+    <dgm:txLinClrLst/>
+    <dgm:txFillClrLst/>
+    <dgm:txEffectClrLst/>
+  </dgm:styleLbl>
+  <dgm:styleLbl name="asst1">
+    <dgm:fillClrLst meth="repeat">
+      <a:schemeClr val="accent1"/>
+    </dgm:fillClrLst>
+    <dgm:linClrLst meth="repeat">
+      <a:schemeClr val="lt1"/>
+    </dgm:linClrLst>
+    <dgm:effectClrLst/>
+    <dgm:txLinClrLst/>
+    <dgm:txFillClrLst/>
+    <dgm:txEffectClrLst/>
+  </dgm:styleLbl>
+  <dgm:styleLbl name="asst2">
+    <dgm:fillClrLst meth="repeat">
+      <a:schemeClr val="accent1"/>
+    </dgm:fillClrLst>
+    <dgm:linClrLst meth="repeat">
+      <a:schemeClr val="lt1"/>
+    </dgm:linClrLst>
+    <dgm:effectClrLst/>
+    <dgm:txLinClrLst/>
+    <dgm:txFillClrLst/>
+    <dgm:txEffectClrLst/>
+  </dgm:styleLbl>
+  <dgm:styleLbl name="asst3">
+    <dgm:fillClrLst meth="repeat">
+      <a:schemeClr val="accent1"/>
+    </dgm:fillClrLst>
+    <dgm:linClrLst meth="repeat">
+      <a:schemeClr val="lt1"/>
+    </dgm:linClrLst>
+    <dgm:effectClrLst/>
+    <dgm:txLinClrLst/>
+    <dgm:txFillClrLst/>
+    <dgm:txEffectClrLst/>
+  </dgm:styleLbl>
+  <dgm:styleLbl name="asst4">
+    <dgm:fillClrLst meth="repeat">
+      <a:schemeClr val="accent1"/>
+    </dgm:fillClrLst>
+    <dgm:linClrLst meth="repeat">
+      <a:schemeClr val="lt1"/>
+    </dgm:linClrLst>
+    <dgm:effectClrLst/>
+    <dgm:txLinClrLst/>
+    <dgm:txFillClrLst/>
+    <dgm:txEffectClrLst/>
+  </dgm:styleLbl>
+  <dgm:styleLbl name="parChTrans2D1">
+    <dgm:fillClrLst meth="repeat">
+      <a:schemeClr val="accent1">
+        <a:tint val="60000"/>
+      </a:schemeClr>
+    </dgm:fillClrLst>
+    <dgm:linClrLst meth="repeat">
+      <a:schemeClr val="accent1">
+        <a:tint val="60000"/>
+      </a:schemeClr>
+    </dgm:linClrLst>
+    <dgm:effectClrLst/>
+    <dgm:txLinClrLst/>
+    <dgm:txFillClrLst meth="repeat">
+      <a:schemeClr val="lt1"/>
+    </dgm:txFillClrLst>
+    <dgm:txEffectClrLst/>
+  </dgm:styleLbl>
+  <dgm:styleLbl name="parChTrans2D2">
+    <dgm:fillClrLst meth="repeat">
+      <a:schemeClr val="accent1"/>
+    </dgm:fillClrLst>
+    <dgm:linClrLst meth="repeat">
+      <a:schemeClr val="accent1"/>
+    </dgm:linClrLst>
+    <dgm:effectClrLst/>
+    <dgm:txLinClrLst/>
+    <dgm:txFillClrLst meth="repeat">
+      <a:schemeClr val="lt1"/>
+    </dgm:txFillClrLst>
+    <dgm:txEffectClrLst/>
+  </dgm:styleLbl>
+  <dgm:styleLbl name="parChTrans2D3">
+    <dgm:fillClrLst meth="repeat">
+      <a:schemeClr val="accent1"/>
+    </dgm:fillClrLst>
+    <dgm:linClrLst meth="repeat">
+      <a:schemeClr val="accent1"/>
+    </dgm:linClrLst>
+    <dgm:effectClrLst/>
+    <dgm:txLinClrLst/>
+    <dgm:txFillClrLst meth="repeat">
+      <a:schemeClr val="lt1"/>
+    </dgm:txFillClrLst>
+    <dgm:txEffectClrLst/>
+  </dgm:styleLbl>
+  <dgm:styleLbl name="parChTrans2D4">
+    <dgm:fillClrLst meth="repeat">
+      <a:schemeClr val="accent1"/>
+    </dgm:fillClrLst>
+    <dgm:linClrLst meth="repeat">
+      <a:schemeClr val="accent1"/>
+    </dgm:linClrLst>
+    <dgm:effectClrLst/>
+    <dgm:txLinClrLst/>
+    <dgm:txFillClrLst meth="repeat">
+      <a:schemeClr val="lt1"/>
+    </dgm:txFillClrLst>
+    <dgm:txEffectClrLst/>
+  </dgm:styleLbl>
+  <dgm:styleLbl name="parChTrans1D1">
+    <dgm:fillClrLst meth="repeat">
+      <a:schemeClr val="accent1"/>
+    </dgm:fillClrLst>
+    <dgm:linClrLst meth="repeat">
+      <a:schemeClr val="accent1">
+        <a:shade val="60000"/>
+      </a:schemeClr>
+    </dgm:linClrLst>
+    <dgm:effectClrLst/>
+    <dgm:txLinClrLst/>
+    <dgm:txFillClrLst meth="repeat">
+      <a:schemeClr val="tx1"/>
+    </dgm:txFillClrLst>
+    <dgm:txEffectClrLst/>
+  </dgm:styleLbl>
+  <dgm:styleLbl name="parChTrans1D2">
+    <dgm:fillClrLst meth="repeat">
+      <a:schemeClr val="accent1"/>
+    </dgm:fillClrLst>
+    <dgm:linClrLst meth="repeat">
+      <a:schemeClr val="accent1">
+        <a:shade val="60000"/>
+      </a:schemeClr>
+    </dgm:linClrLst>
+    <dgm:effectClrLst/>
+    <dgm:txLinClrLst/>
+    <dgm:txFillClrLst meth="repeat">
+      <a:schemeClr val="tx1"/>
+    </dgm:txFillClrLst>
+    <dgm:txEffectClrLst/>
+  </dgm:styleLbl>
+  <dgm:styleLbl name="parChTrans1D3">
+    <dgm:fillClrLst meth="repeat">
+      <a:schemeClr val="accent1"/>
+    </dgm:fillClrLst>
+    <dgm:linClrLst meth="repeat">
+      <a:schemeClr val="accent1">
+        <a:shade val="80000"/>
+      </a:schemeClr>
+    </dgm:linClrLst>
+    <dgm:effectClrLst/>
+    <dgm:txLinClrLst/>
+    <dgm:txFillClrLst meth="repeat">
+      <a:schemeClr val="tx1"/>
+    </dgm:txFillClrLst>
+    <dgm:txEffectClrLst/>
+  </dgm:styleLbl>
+  <dgm:styleLbl name="parChTrans1D4">
+    <dgm:fillClrLst meth="repeat">
+      <a:schemeClr val="accent1"/>
+    </dgm:fillClrLst>
+    <dgm:linClrLst meth="repeat">
+      <a:schemeClr val="accent1">
+        <a:shade val="80000"/>
+      </a:schemeClr>
+    </dgm:linClrLst>
+    <dgm:effectClrLst/>
+    <dgm:txLinClrLst/>
+    <dgm:txFillClrLst meth="repeat">
+      <a:schemeClr val="tx1"/>
+    </dgm:txFillClrLst>
+    <dgm:txEffectClrLst/>
+  </dgm:styleLbl>
+  <dgm:styleLbl name="fgAcc1">
+    <dgm:fillClrLst meth="repeat">
+      <a:schemeClr val="lt1">
+        <a:alpha val="90000"/>
+      </a:schemeClr>
+    </dgm:fillClrLst>
+    <dgm:linClrLst meth="repeat">
+      <a:schemeClr val="accent1"/>
+    </dgm:linClrLst>
+    <dgm:effectClrLst/>
+    <dgm:txLinClrLst/>
+    <dgm:txFillClrLst meth="repeat">
+      <a:schemeClr val="dk1"/>
+    </dgm:txFillClrLst>
+    <dgm:txEffectClrLst/>
+  </dgm:styleLbl>
+  <dgm:styleLbl name="conFgAcc1">
+    <dgm:fillClrLst meth="repeat">
+      <a:schemeClr val="lt1">
+        <a:alpha val="90000"/>
+      </a:schemeClr>
+    </dgm:fillClrLst>
+    <dgm:linClrLst meth="repeat">
+      <a:schemeClr val="accent1"/>
+    </dgm:linClrLst>
+    <dgm:effectClrLst/>
+    <dgm:txLinClrLst/>
+    <dgm:txFillClrLst meth="repeat">
+      <a:schemeClr val="dk1"/>
+    </dgm:txFillClrLst>
+    <dgm:txEffectClrLst/>
+  </dgm:styleLbl>
+  <dgm:styleLbl name="alignAcc1">
+    <dgm:fillClrLst meth="repeat">
+      <a:schemeClr val="lt1">
+        <a:alpha val="90000"/>
+      </a:schemeClr>
+    </dgm:fillClrLst>
+    <dgm:linClrLst meth="repeat">
+      <a:schemeClr val="accent1"/>
+    </dgm:linClrLst>
+    <dgm:effectClrLst/>
+    <dgm:txLinClrLst/>
+    <dgm:txFillClrLst meth="repeat">
+      <a:schemeClr val="dk1"/>
+    </dgm:txFillClrLst>
+    <dgm:txEffectClrLst/>
+  </dgm:styleLbl>
+  <dgm:styleLbl name="trAlignAcc1">
+    <dgm:fillClrLst meth="repeat">
+      <a:schemeClr val="lt1">
+        <a:alpha val="40000"/>
+      </a:schemeClr>
+    </dgm:fillClrLst>
+    <dgm:linClrLst meth="repeat">
+      <a:schemeClr val="accent1"/>
+    </dgm:linClrLst>
+    <dgm:effectClrLst/>
+    <dgm:txLinClrLst/>
+    <dgm:txFillClrLst meth="repeat">
+      <a:schemeClr val="dk1"/>
+    </dgm:txFillClrLst>
+    <dgm:txEffectClrLst/>
+  </dgm:styleLbl>
+  <dgm:styleLbl name="bgAcc1">
+    <dgm:fillClrLst meth="repeat">
+      <a:schemeClr val="lt1">
+        <a:alpha val="90000"/>
+      </a:schemeClr>
+    </dgm:fillClrLst>
+    <dgm:linClrLst meth="repeat">
+      <a:schemeClr val="accent1"/>
+    </dgm:linClrLst>
+    <dgm:effectClrLst/>
+    <dgm:txLinClrLst/>
+    <dgm:txFillClrLst meth="repeat">
+      <a:schemeClr val="dk1"/>
+    </dgm:txFillClrLst>
+    <dgm:txEffectClrLst/>
+  </dgm:styleLbl>
+  <dgm:styleLbl name="solidFgAcc1">
+    <dgm:fillClrLst meth="repeat">
+      <a:schemeClr val="lt1"/>
+    </dgm:fillClrLst>
+    <dgm:linClrLst meth="repeat">
+      <a:schemeClr val="accent1"/>
+    </dgm:linClrLst>
+    <dgm:effectClrLst/>
+    <dgm:txLinClrLst/>
+    <dgm:txFillClrLst meth="repeat">
+      <a:schemeClr val="dk1"/>
+    </dgm:txFillClrLst>
+    <dgm:txEffectClrLst/>
+  </dgm:styleLbl>
+  <dgm:styleLbl name="solidAlignAcc1">
+    <dgm:fillClrLst meth="repeat">
+      <a:schemeClr val="lt1"/>
+    </dgm:fillClrLst>
+    <dgm:linClrLst meth="repeat">
+      <a:schemeClr val="accent1"/>
+    </dgm:linClrLst>
+    <dgm:effectClrLst/>
+    <dgm:txLinClrLst/>
+    <dgm:txFillClrLst meth="repeat">
+      <a:schemeClr val="dk1"/>
+    </dgm:txFillClrLst>
+    <dgm:txEffectClrLst/>
+  </dgm:styleLbl>
+  <dgm:styleLbl name="solidBgAcc1">
+    <dgm:fillClrLst meth="repeat">
+      <a:schemeClr val="lt1"/>
+    </dgm:fillClrLst>
+    <dgm:linClrLst meth="repeat">
+      <a:schemeClr val="accent1"/>
+    </dgm:linClrLst>
+    <dgm:effectClrLst/>
+    <dgm:txLinClrLst/>
+    <dgm:txFillClrLst meth="repeat">
+      <a:schemeClr val="dk1"/>
+    </dgm:txFillClrLst>
+    <dgm:txEffectClrLst/>
+  </dgm:styleLbl>
+  <dgm:styleLbl name="fgAccFollowNode1">
+    <dgm:fillClrLst meth="repeat">
+      <a:schemeClr val="accent1">
+        <a:alpha val="90000"/>
+        <a:tint val="40000"/>
+      </a:schemeClr>
+    </dgm:fillClrLst>
+    <dgm:linClrLst meth="repeat">
+      <a:schemeClr val="accent1">
+        <a:alpha val="90000"/>
+        <a:tint val="40000"/>
+      </a:schemeClr>
+    </dgm:linClrLst>
+    <dgm:effectClrLst/>
+    <dgm:txLinClrLst/>
+    <dgm:txFillClrLst meth="repeat">
+      <a:schemeClr val="dk1"/>
+    </dgm:txFillClrLst>
+    <dgm:txEffectClrLst/>
+  </dgm:styleLbl>
+  <dgm:styleLbl name="alignAccFollowNode1">
+    <dgm:fillClrLst meth="repeat">
+      <a:schemeClr val="accent1">
+        <a:alpha val="90000"/>
+        <a:tint val="40000"/>
+      </a:schemeClr>
+    </dgm:fillClrLst>
+    <dgm:linClrLst meth="repeat">
+      <a:schemeClr val="accent1">
+        <a:alpha val="90000"/>
+        <a:tint val="40000"/>
+      </a:schemeClr>
+    </dgm:linClrLst>
+    <dgm:effectClrLst/>
+    <dgm:txLinClrLst/>
+    <dgm:txFillClrLst meth="repeat">
+      <a:schemeClr val="dk1"/>
+    </dgm:txFillClrLst>
+    <dgm:txEffectClrLst/>
+  </dgm:styleLbl>
+  <dgm:styleLbl name="bgAccFollowNode1">
+    <dgm:fillClrLst meth="repeat">
+      <a:schemeClr val="accent1">
+        <a:alpha val="90000"/>
+        <a:tint val="40000"/>
+      </a:schemeClr>
+    </dgm:fillClrLst>
+    <dgm:linClrLst meth="repeat">
+      <a:schemeClr val="accent1">
+        <a:alpha val="90000"/>
+        <a:tint val="40000"/>
+      </a:schemeClr>
+    </dgm:linClrLst>
+    <dgm:effectClrLst/>
+    <dgm:txLinClrLst/>
+    <dgm:txFillClrLst meth="repeat">
+      <a:schemeClr val="dk1"/>
+    </dgm:txFillClrLst>
+    <dgm:txEffectClrLst/>
+  </dgm:styleLbl>
+  <dgm:styleLbl name="fgAcc0">
+    <dgm:fillClrLst meth="repeat">
+      <a:schemeClr val="lt1">
+        <a:alpha val="90000"/>
+      </a:schemeClr>
+    </dgm:fillClrLst>
+    <dgm:linClrLst meth="repeat">
+      <a:schemeClr val="accent1"/>
+    </dgm:linClrLst>
+    <dgm:effectClrLst/>
+    <dgm:txLinClrLst/>
+    <dgm:txFillClrLst meth="repeat">
+      <a:schemeClr val="dk1"/>
+    </dgm:txFillClrLst>
+    <dgm:txEffectClrLst/>
+  </dgm:styleLbl>
+  <dgm:styleLbl name="fgAcc2">
+    <dgm:fillClrLst meth="repeat">
+      <a:schemeClr val="lt1">
+        <a:alpha val="90000"/>
+      </a:schemeClr>
+    </dgm:fillClrLst>
+    <dgm:linClrLst meth="repeat">
+      <a:schemeClr val="accent1"/>
+    </dgm:linClrLst>
+    <dgm:effectClrLst/>
+    <dgm:txLinClrLst/>
+    <dgm:txFillClrLst meth="repeat">
+      <a:schemeClr val="dk1"/>
+    </dgm:txFillClrLst>
+    <dgm:txEffectClrLst/>
+  </dgm:styleLbl>
+  <dgm:styleLbl name="fgAcc3">
+    <dgm:fillClrLst meth="repeat">
+      <a:schemeClr val="lt1">
+        <a:alpha val="90000"/>
+      </a:schemeClr>
+    </dgm:fillClrLst>
+    <dgm:linClrLst meth="repeat">
+      <a:schemeClr val="accent1"/>
+    </dgm:linClrLst>
+    <dgm:effectClrLst/>
+    <dgm:txLinClrLst/>
+    <dgm:txFillClrLst meth="repeat">
+      <a:schemeClr val="dk1"/>
+    </dgm:txFillClrLst>
+    <dgm:txEffectClrLst/>
+  </dgm:styleLbl>
+  <dgm:styleLbl name="fgAcc4">
+    <dgm:fillClrLst meth="repeat">
+      <a:schemeClr val="lt1">
+        <a:alpha val="90000"/>
+      </a:schemeClr>
+    </dgm:fillClrLst>
+    <dgm:linClrLst meth="repeat">
+      <a:schemeClr val="accent1"/>
+    </dgm:linClrLst>
+    <dgm:effectClrLst/>
+    <dgm:txLinClrLst/>
+    <dgm:txFillClrLst meth="repeat">
+      <a:schemeClr val="dk1"/>
+    </dgm:txFillClrLst>
+    <dgm:txEffectClrLst/>
+  </dgm:styleLbl>
+  <dgm:styleLbl name="bgShp">
+    <dgm:fillClrLst meth="repeat">
+      <a:schemeClr val="accent1">
+        <a:tint val="40000"/>
+      </a:schemeClr>
+    </dgm:fillClrLst>
+    <dgm:linClrLst meth="repeat">
+      <a:schemeClr val="accent1"/>
+    </dgm:linClrLst>
+    <dgm:effectClrLst/>
+    <dgm:txLinClrLst/>
+    <dgm:txFillClrLst meth="repeat">
+      <a:schemeClr val="dk1"/>
+    </dgm:txFillClrLst>
+    <dgm:txEffectClrLst/>
+  </dgm:styleLbl>
+  <dgm:styleLbl name="dkBgShp">
+    <dgm:fillClrLst meth="repeat">
+      <a:schemeClr val="accent1">
+        <a:shade val="80000"/>
+      </a:schemeClr>
+    </dgm:fillClrLst>
+    <dgm:linClrLst meth="repeat">
+      <a:schemeClr val="accent1"/>
+    </dgm:linClrLst>
+    <dgm:effectClrLst/>
+    <dgm:txLinClrLst/>
+    <dgm:txFillClrLst meth="repeat">
+      <a:schemeClr val="lt1"/>
+    </dgm:txFillClrLst>
+    <dgm:txEffectClrLst/>
+  </dgm:styleLbl>
+  <dgm:styleLbl name="trBgShp">
+    <dgm:fillClrLst meth="repeat">
+      <a:schemeClr val="accent1">
+        <a:tint val="50000"/>
+        <a:alpha val="40000"/>
+      </a:schemeClr>
+    </dgm:fillClrLst>
+    <dgm:linClrLst meth="repeat">
+      <a:schemeClr val="accent1"/>
+    </dgm:linClrLst>
+    <dgm:effectClrLst/>
+    <dgm:txLinClrLst/>
+    <dgm:txFillClrLst meth="repeat">
+      <a:schemeClr val="lt1"/>
+    </dgm:txFillClrLst>
+    <dgm:txEffectClrLst/>
+  </dgm:styleLbl>
+  <dgm:styleLbl name="fgShp">
+    <dgm:fillClrLst meth="repeat">
+      <a:schemeClr val="accent1">
+        <a:tint val="60000"/>
+      </a:schemeClr>
+    </dgm:fillClrLst>
+    <dgm:linClrLst meth="repeat">
+      <a:schemeClr val="lt1"/>
+    </dgm:linClrLst>
+    <dgm:effectClrLst/>
+    <dgm:txLinClrLst/>
+    <dgm:txFillClrLst meth="repeat">
+      <a:schemeClr val="dk1"/>
+    </dgm:txFillClrLst>
+    <dgm:txEffectClrLst/>
+  </dgm:styleLbl>
+  <dgm:styleLbl name="revTx">
+    <dgm:fillClrLst meth="repeat">
+      <a:schemeClr val="lt1">
+        <a:alpha val="0"/>
+      </a:schemeClr>
+    </dgm:fillClrLst>
+    <dgm:linClrLst meth="repeat">
+      <a:schemeClr val="dk1">
+        <a:alpha val="0"/>
+      </a:schemeClr>
+    </dgm:linClrLst>
+    <dgm:effectClrLst/>
+    <dgm:txLinClrLst/>
+    <dgm:txFillClrLst meth="repeat">
+      <a:schemeClr val="tx1"/>
+    </dgm:txFillClrLst>
+    <dgm:txEffectClrLst/>
+  </dgm:styleLbl>
+</dgm:colorsDef>
+</file>
+
+<file path=ppt/diagrams/data1.xml><?xml version="1.0" encoding="utf-8"?>
+<dgm:dataModel xmlns:dgm="http://schemas.openxmlformats.org/drawingml/2006/diagram" xmlns:a="http://schemas.openxmlformats.org/drawingml/2006/main">
+  <dgm:ptLst>
+    <dgm:pt modelId="{D1F67415-8865-4692-BC65-FC9E4AABCB29}" type="doc">
+      <dgm:prSet loTypeId="urn:microsoft.com/office/officeart/2005/8/layout/chevron1" loCatId="process" qsTypeId="urn:microsoft.com/office/officeart/2005/8/quickstyle/simple1" qsCatId="simple" csTypeId="urn:microsoft.com/office/officeart/2005/8/colors/accent1_2" csCatId="accent1" phldr="1"/>
+      <dgm:spPr/>
+    </dgm:pt>
+    <dgm:pt modelId="{88E471F6-D656-4529-B761-A89F68BB41EE}">
+      <dgm:prSet phldrT="[Text]"/>
+      <dgm:spPr/>
+      <dgm:t>
+        <a:bodyPr/>
+        <a:lstStyle/>
+        <a:p>
+          <a:r>
+            <a:rPr lang="en-US" b="1"/>
+            <a:t>Step 1: </a:t>
+          </a:r>
+          <a:r>
+            <a:rPr lang="en-US"/>
+            <a:t>Understanding the dataset</a:t>
+          </a:r>
+        </a:p>
+      </dgm:t>
+    </dgm:pt>
+    <dgm:pt modelId="{755A385C-324F-4085-8AE1-47FDE58415A2}" type="parTrans" cxnId="{6682740F-4FF3-4BF6-BE3C-E9145007493C}">
+      <dgm:prSet/>
+      <dgm:spPr/>
+      <dgm:t>
+        <a:bodyPr/>
+        <a:lstStyle/>
+        <a:p>
+          <a:endParaRPr lang="en-US"/>
+        </a:p>
+      </dgm:t>
+    </dgm:pt>
+    <dgm:pt modelId="{437A6BAA-F2DB-4CA9-B381-2F98E8058DFF}" type="sibTrans" cxnId="{6682740F-4FF3-4BF6-BE3C-E9145007493C}">
+      <dgm:prSet/>
+      <dgm:spPr/>
+      <dgm:t>
+        <a:bodyPr/>
+        <a:lstStyle/>
+        <a:p>
+          <a:endParaRPr lang="en-US"/>
+        </a:p>
+      </dgm:t>
+    </dgm:pt>
+    <dgm:pt modelId="{E9B10FB2-2CD7-427D-A971-70B74C35F581}">
+      <dgm:prSet phldrT="[Text]"/>
+      <dgm:spPr/>
+      <dgm:t>
+        <a:bodyPr/>
+        <a:lstStyle/>
+        <a:p>
+          <a:r>
+            <a:rPr lang="en-US" b="1"/>
+            <a:t>Step 2: </a:t>
+          </a:r>
+          <a:r>
+            <a:rPr lang="en-US"/>
+            <a:t>Cleaning the dataset</a:t>
+          </a:r>
+        </a:p>
+      </dgm:t>
+    </dgm:pt>
+    <dgm:pt modelId="{9A43F568-B655-4216-9C72-B59FD463DA0B}" type="parTrans" cxnId="{2E65B085-E2BF-4DA9-BA80-A4D8511D8340}">
+      <dgm:prSet/>
+      <dgm:spPr/>
+      <dgm:t>
+        <a:bodyPr/>
+        <a:lstStyle/>
+        <a:p>
+          <a:endParaRPr lang="en-US"/>
+        </a:p>
+      </dgm:t>
+    </dgm:pt>
+    <dgm:pt modelId="{4228A227-BE8B-4F9C-8876-D7C7752AC444}" type="sibTrans" cxnId="{2E65B085-E2BF-4DA9-BA80-A4D8511D8340}">
+      <dgm:prSet/>
+      <dgm:spPr/>
+      <dgm:t>
+        <a:bodyPr/>
+        <a:lstStyle/>
+        <a:p>
+          <a:endParaRPr lang="en-US"/>
+        </a:p>
+      </dgm:t>
+    </dgm:pt>
+    <dgm:pt modelId="{8F7A89BD-32F7-47B4-8570-CBD304B4A7E5}">
+      <dgm:prSet phldrT="[Text]"/>
+      <dgm:spPr/>
+      <dgm:t>
+        <a:bodyPr/>
+        <a:lstStyle/>
+        <a:p>
+          <a:r>
+            <a:rPr lang="en-US" b="1"/>
+            <a:t>Step 3:</a:t>
+          </a:r>
+        </a:p>
+        <a:p>
+          <a:r>
+            <a:rPr lang="en-US" b="0"/>
+            <a:t>Analysis of relationship </a:t>
+          </a:r>
+        </a:p>
+      </dgm:t>
+    </dgm:pt>
+    <dgm:pt modelId="{FB619746-F67B-42E9-B1F8-7AC87200F82F}" type="parTrans" cxnId="{E44A6951-9DF1-4D59-B6A0-53B82EFB1B78}">
+      <dgm:prSet/>
+      <dgm:spPr/>
+      <dgm:t>
+        <a:bodyPr/>
+        <a:lstStyle/>
+        <a:p>
+          <a:endParaRPr lang="en-US"/>
+        </a:p>
+      </dgm:t>
+    </dgm:pt>
+    <dgm:pt modelId="{A29F6D9B-9017-4C22-B7A7-D30602162FB8}" type="sibTrans" cxnId="{E44A6951-9DF1-4D59-B6A0-53B82EFB1B78}">
+      <dgm:prSet/>
+      <dgm:spPr/>
+      <dgm:t>
+        <a:bodyPr/>
+        <a:lstStyle/>
+        <a:p>
+          <a:endParaRPr lang="en-US"/>
+        </a:p>
+      </dgm:t>
+    </dgm:pt>
+    <dgm:pt modelId="{CD917632-4AFB-4853-AC11-8A65111435BB}" type="pres">
+      <dgm:prSet presAssocID="{D1F67415-8865-4692-BC65-FC9E4AABCB29}" presName="Name0" presStyleCnt="0">
+        <dgm:presLayoutVars>
+          <dgm:dir/>
+          <dgm:animLvl val="lvl"/>
+          <dgm:resizeHandles val="exact"/>
+        </dgm:presLayoutVars>
+      </dgm:prSet>
+      <dgm:spPr/>
+    </dgm:pt>
+    <dgm:pt modelId="{6C8B6D5F-314B-4DD4-9019-9DBB41E824DB}" type="pres">
+      <dgm:prSet presAssocID="{88E471F6-D656-4529-B761-A89F68BB41EE}" presName="parTxOnly" presStyleLbl="node1" presStyleIdx="0" presStyleCnt="3">
+        <dgm:presLayoutVars>
+          <dgm:chMax val="0"/>
+          <dgm:chPref val="0"/>
+          <dgm:bulletEnabled val="1"/>
+        </dgm:presLayoutVars>
+      </dgm:prSet>
+      <dgm:spPr/>
+    </dgm:pt>
+    <dgm:pt modelId="{DFD76AF7-531A-4A81-86C1-1C269FC132E3}" type="pres">
+      <dgm:prSet presAssocID="{437A6BAA-F2DB-4CA9-B381-2F98E8058DFF}" presName="parTxOnlySpace" presStyleCnt="0"/>
+      <dgm:spPr/>
+    </dgm:pt>
+    <dgm:pt modelId="{3CF99ADA-C788-4B33-ADB7-A196388B26DA}" type="pres">
+      <dgm:prSet presAssocID="{E9B10FB2-2CD7-427D-A971-70B74C35F581}" presName="parTxOnly" presStyleLbl="node1" presStyleIdx="1" presStyleCnt="3">
+        <dgm:presLayoutVars>
+          <dgm:chMax val="0"/>
+          <dgm:chPref val="0"/>
+          <dgm:bulletEnabled val="1"/>
+        </dgm:presLayoutVars>
+      </dgm:prSet>
+      <dgm:spPr/>
+    </dgm:pt>
+    <dgm:pt modelId="{7384990C-416C-4E4B-AC27-7318B2EAA0BF}" type="pres">
+      <dgm:prSet presAssocID="{4228A227-BE8B-4F9C-8876-D7C7752AC444}" presName="parTxOnlySpace" presStyleCnt="0"/>
+      <dgm:spPr/>
+    </dgm:pt>
+    <dgm:pt modelId="{9DB26EB4-DDC6-4940-AE4F-E6DB161A0109}" type="pres">
+      <dgm:prSet presAssocID="{8F7A89BD-32F7-47B4-8570-CBD304B4A7E5}" presName="parTxOnly" presStyleLbl="node1" presStyleIdx="2" presStyleCnt="3">
+        <dgm:presLayoutVars>
+          <dgm:chMax val="0"/>
+          <dgm:chPref val="0"/>
+          <dgm:bulletEnabled val="1"/>
+        </dgm:presLayoutVars>
+      </dgm:prSet>
+      <dgm:spPr/>
+    </dgm:pt>
+  </dgm:ptLst>
+  <dgm:cxnLst>
+    <dgm:cxn modelId="{6682740F-4FF3-4BF6-BE3C-E9145007493C}" srcId="{D1F67415-8865-4692-BC65-FC9E4AABCB29}" destId="{88E471F6-D656-4529-B761-A89F68BB41EE}" srcOrd="0" destOrd="0" parTransId="{755A385C-324F-4085-8AE1-47FDE58415A2}" sibTransId="{437A6BAA-F2DB-4CA9-B381-2F98E8058DFF}"/>
+    <dgm:cxn modelId="{CA7DEF40-63A0-4CC8-B3C2-DCA1E932F712}" type="presOf" srcId="{D1F67415-8865-4692-BC65-FC9E4AABCB29}" destId="{CD917632-4AFB-4853-AC11-8A65111435BB}" srcOrd="0" destOrd="0" presId="urn:microsoft.com/office/officeart/2005/8/layout/chevron1"/>
+    <dgm:cxn modelId="{AD8D3960-FFA2-4EB9-983F-352098481902}" type="presOf" srcId="{88E471F6-D656-4529-B761-A89F68BB41EE}" destId="{6C8B6D5F-314B-4DD4-9019-9DBB41E824DB}" srcOrd="0" destOrd="0" presId="urn:microsoft.com/office/officeart/2005/8/layout/chevron1"/>
+    <dgm:cxn modelId="{E44A6951-9DF1-4D59-B6A0-53B82EFB1B78}" srcId="{D1F67415-8865-4692-BC65-FC9E4AABCB29}" destId="{8F7A89BD-32F7-47B4-8570-CBD304B4A7E5}" srcOrd="2" destOrd="0" parTransId="{FB619746-F67B-42E9-B1F8-7AC87200F82F}" sibTransId="{A29F6D9B-9017-4C22-B7A7-D30602162FB8}"/>
+    <dgm:cxn modelId="{2E65B085-E2BF-4DA9-BA80-A4D8511D8340}" srcId="{D1F67415-8865-4692-BC65-FC9E4AABCB29}" destId="{E9B10FB2-2CD7-427D-A971-70B74C35F581}" srcOrd="1" destOrd="0" parTransId="{9A43F568-B655-4216-9C72-B59FD463DA0B}" sibTransId="{4228A227-BE8B-4F9C-8876-D7C7752AC444}"/>
+    <dgm:cxn modelId="{20517DE7-9EFF-4140-A271-752220D2F42F}" type="presOf" srcId="{E9B10FB2-2CD7-427D-A971-70B74C35F581}" destId="{3CF99ADA-C788-4B33-ADB7-A196388B26DA}" srcOrd="0" destOrd="0" presId="urn:microsoft.com/office/officeart/2005/8/layout/chevron1"/>
+    <dgm:cxn modelId="{1B0728E9-9560-4DEB-A1C1-FAFB64E55D70}" type="presOf" srcId="{8F7A89BD-32F7-47B4-8570-CBD304B4A7E5}" destId="{9DB26EB4-DDC6-4940-AE4F-E6DB161A0109}" srcOrd="0" destOrd="0" presId="urn:microsoft.com/office/officeart/2005/8/layout/chevron1"/>
+    <dgm:cxn modelId="{60C5F007-CF16-4E7D-BE0C-9825ACD251F4}" type="presParOf" srcId="{CD917632-4AFB-4853-AC11-8A65111435BB}" destId="{6C8B6D5F-314B-4DD4-9019-9DBB41E824DB}" srcOrd="0" destOrd="0" presId="urn:microsoft.com/office/officeart/2005/8/layout/chevron1"/>
+    <dgm:cxn modelId="{4B9DE9F7-2308-4CE3-BAB1-541CB1EE1956}" type="presParOf" srcId="{CD917632-4AFB-4853-AC11-8A65111435BB}" destId="{DFD76AF7-531A-4A81-86C1-1C269FC132E3}" srcOrd="1" destOrd="0" presId="urn:microsoft.com/office/officeart/2005/8/layout/chevron1"/>
+    <dgm:cxn modelId="{8039A960-5132-4194-8837-955A9E75FF5F}" type="presParOf" srcId="{CD917632-4AFB-4853-AC11-8A65111435BB}" destId="{3CF99ADA-C788-4B33-ADB7-A196388B26DA}" srcOrd="2" destOrd="0" presId="urn:microsoft.com/office/officeart/2005/8/layout/chevron1"/>
+    <dgm:cxn modelId="{910310F0-6DDB-4E0A-B4A4-143389E9B42B}" type="presParOf" srcId="{CD917632-4AFB-4853-AC11-8A65111435BB}" destId="{7384990C-416C-4E4B-AC27-7318B2EAA0BF}" srcOrd="3" destOrd="0" presId="urn:microsoft.com/office/officeart/2005/8/layout/chevron1"/>
+    <dgm:cxn modelId="{51393D75-F6CE-4CC5-9412-6BC960F71F8B}" type="presParOf" srcId="{CD917632-4AFB-4853-AC11-8A65111435BB}" destId="{9DB26EB4-DDC6-4940-AE4F-E6DB161A0109}" srcOrd="4" destOrd="0" presId="urn:microsoft.com/office/officeart/2005/8/layout/chevron1"/>
+  </dgm:cxnLst>
+  <dgm:bg/>
+  <dgm:whole/>
+  <dgm:extLst>
+    <a:ext uri="http://schemas.microsoft.com/office/drawing/2008/diagram">
+      <dsp:dataModelExt xmlns:dsp="http://schemas.microsoft.com/office/drawing/2008/diagram" relId="rId6" minVer="http://schemas.openxmlformats.org/drawingml/2006/diagram"/>
+    </a:ext>
+  </dgm:extLst>
+</dgm:dataModel>
+</file>
+
+<file path=ppt/diagrams/drawing1.xml><?xml version="1.0" encoding="utf-8"?>
+<dsp:drawing xmlns:dgm="http://schemas.openxmlformats.org/drawingml/2006/diagram" xmlns:dsp="http://schemas.microsoft.com/office/drawing/2008/diagram" xmlns:a="http://schemas.openxmlformats.org/drawingml/2006/main">
+  <dsp:spTree>
+    <dsp:nvGrpSpPr>
+      <dsp:cNvPr id="0" name=""/>
+      <dsp:cNvGrpSpPr/>
+    </dsp:nvGrpSpPr>
+    <dsp:grpSpPr/>
+    <dsp:sp modelId="{6C8B6D5F-314B-4DD4-9019-9DBB41E824DB}">
+      <dsp:nvSpPr>
+        <dsp:cNvPr id="0" name=""/>
+        <dsp:cNvSpPr/>
+      </dsp:nvSpPr>
+      <dsp:spPr>
+        <a:xfrm>
+          <a:off x="2310" y="1068746"/>
+          <a:ext cx="2815028" cy="1126011"/>
+        </a:xfrm>
+        <a:prstGeom prst="chevron">
+          <a:avLst/>
+        </a:prstGeom>
+        <a:solidFill>
+          <a:schemeClr val="accent1">
+            <a:hueOff val="0"/>
+            <a:satOff val="0"/>
+            <a:lumOff val="0"/>
+            <a:alphaOff val="0"/>
+          </a:schemeClr>
+        </a:solidFill>
+        <a:ln w="12700" cap="flat" cmpd="sng" algn="ctr">
+          <a:solidFill>
+            <a:schemeClr val="lt1">
+              <a:hueOff val="0"/>
+              <a:satOff val="0"/>
+              <a:lumOff val="0"/>
+              <a:alphaOff val="0"/>
+            </a:schemeClr>
+          </a:solidFill>
+          <a:prstDash val="solid"/>
+          <a:miter lim="800000"/>
+        </a:ln>
+        <a:effectLst/>
+      </dsp:spPr>
+      <dsp:style>
+        <a:lnRef idx="2">
+          <a:scrgbClr r="0" g="0" b="0"/>
+        </a:lnRef>
+        <a:fillRef idx="1">
+          <a:scrgbClr r="0" g="0" b="0"/>
+        </a:fillRef>
+        <a:effectRef idx="0">
+          <a:scrgbClr r="0" g="0" b="0"/>
+        </a:effectRef>
+        <a:fontRef idx="minor">
+          <a:schemeClr val="lt1"/>
+        </a:fontRef>
+      </dsp:style>
+      <dsp:txBody>
+        <a:bodyPr spcFirstLastPara="0" vert="horz" wrap="square" lIns="80010" tIns="26670" rIns="26670" bIns="26670" numCol="1" spcCol="1270" anchor="ctr" anchorCtr="0">
+          <a:noAutofit/>
+        </a:bodyPr>
+        <a:lstStyle/>
+        <a:p>
+          <a:pPr marL="0" lvl="0" indent="0" algn="ctr" defTabSz="889000">
+            <a:lnSpc>
+              <a:spcPct val="90000"/>
+            </a:lnSpc>
+            <a:spcBef>
+              <a:spcPct val="0"/>
+            </a:spcBef>
+            <a:spcAft>
+              <a:spcPct val="35000"/>
+            </a:spcAft>
+            <a:buNone/>
+          </a:pPr>
+          <a:r>
+            <a:rPr lang="en-US" sz="2000" b="1" kern="1200"/>
+            <a:t>Step 1: </a:t>
+          </a:r>
+          <a:r>
+            <a:rPr lang="en-US" sz="2000" kern="1200"/>
+            <a:t>Understanding the dataset</a:t>
+          </a:r>
+        </a:p>
+      </dsp:txBody>
+      <dsp:txXfrm>
+        <a:off x="565316" y="1068746"/>
+        <a:ext cx="1689017" cy="1126011"/>
+      </dsp:txXfrm>
+    </dsp:sp>
+    <dsp:sp modelId="{3CF99ADA-C788-4B33-ADB7-A196388B26DA}">
+      <dsp:nvSpPr>
+        <dsp:cNvPr id="0" name=""/>
+        <dsp:cNvSpPr/>
+      </dsp:nvSpPr>
+      <dsp:spPr>
+        <a:xfrm>
+          <a:off x="2535835" y="1068746"/>
+          <a:ext cx="2815028" cy="1126011"/>
+        </a:xfrm>
+        <a:prstGeom prst="chevron">
+          <a:avLst/>
+        </a:prstGeom>
+        <a:solidFill>
+          <a:schemeClr val="accent1">
+            <a:hueOff val="0"/>
+            <a:satOff val="0"/>
+            <a:lumOff val="0"/>
+            <a:alphaOff val="0"/>
+          </a:schemeClr>
+        </a:solidFill>
+        <a:ln w="12700" cap="flat" cmpd="sng" algn="ctr">
+          <a:solidFill>
+            <a:schemeClr val="lt1">
+              <a:hueOff val="0"/>
+              <a:satOff val="0"/>
+              <a:lumOff val="0"/>
+              <a:alphaOff val="0"/>
+            </a:schemeClr>
+          </a:solidFill>
+          <a:prstDash val="solid"/>
+          <a:miter lim="800000"/>
+        </a:ln>
+        <a:effectLst/>
+      </dsp:spPr>
+      <dsp:style>
+        <a:lnRef idx="2">
+          <a:scrgbClr r="0" g="0" b="0"/>
+        </a:lnRef>
+        <a:fillRef idx="1">
+          <a:scrgbClr r="0" g="0" b="0"/>
+        </a:fillRef>
+        <a:effectRef idx="0">
+          <a:scrgbClr r="0" g="0" b="0"/>
+        </a:effectRef>
+        <a:fontRef idx="minor">
+          <a:schemeClr val="lt1"/>
+        </a:fontRef>
+      </dsp:style>
+      <dsp:txBody>
+        <a:bodyPr spcFirstLastPara="0" vert="horz" wrap="square" lIns="80010" tIns="26670" rIns="26670" bIns="26670" numCol="1" spcCol="1270" anchor="ctr" anchorCtr="0">
+          <a:noAutofit/>
+        </a:bodyPr>
+        <a:lstStyle/>
+        <a:p>
+          <a:pPr marL="0" lvl="0" indent="0" algn="ctr" defTabSz="889000">
+            <a:lnSpc>
+              <a:spcPct val="90000"/>
+            </a:lnSpc>
+            <a:spcBef>
+              <a:spcPct val="0"/>
+            </a:spcBef>
+            <a:spcAft>
+              <a:spcPct val="35000"/>
+            </a:spcAft>
+            <a:buNone/>
+          </a:pPr>
+          <a:r>
+            <a:rPr lang="en-US" sz="2000" b="1" kern="1200"/>
+            <a:t>Step 2: </a:t>
+          </a:r>
+          <a:r>
+            <a:rPr lang="en-US" sz="2000" kern="1200"/>
+            <a:t>Cleaning the dataset</a:t>
+          </a:r>
+        </a:p>
+      </dsp:txBody>
+      <dsp:txXfrm>
+        <a:off x="3098841" y="1068746"/>
+        <a:ext cx="1689017" cy="1126011"/>
+      </dsp:txXfrm>
+    </dsp:sp>
+    <dsp:sp modelId="{9DB26EB4-DDC6-4940-AE4F-E6DB161A0109}">
+      <dsp:nvSpPr>
+        <dsp:cNvPr id="0" name=""/>
+        <dsp:cNvSpPr/>
+      </dsp:nvSpPr>
+      <dsp:spPr>
+        <a:xfrm>
+          <a:off x="5069361" y="1068746"/>
+          <a:ext cx="2815028" cy="1126011"/>
+        </a:xfrm>
+        <a:prstGeom prst="chevron">
+          <a:avLst/>
+        </a:prstGeom>
+        <a:solidFill>
+          <a:schemeClr val="accent1">
+            <a:hueOff val="0"/>
+            <a:satOff val="0"/>
+            <a:lumOff val="0"/>
+            <a:alphaOff val="0"/>
+          </a:schemeClr>
+        </a:solidFill>
+        <a:ln w="12700" cap="flat" cmpd="sng" algn="ctr">
+          <a:solidFill>
+            <a:schemeClr val="lt1">
+              <a:hueOff val="0"/>
+              <a:satOff val="0"/>
+              <a:lumOff val="0"/>
+              <a:alphaOff val="0"/>
+            </a:schemeClr>
+          </a:solidFill>
+          <a:prstDash val="solid"/>
+          <a:miter lim="800000"/>
+        </a:ln>
+        <a:effectLst/>
+      </dsp:spPr>
+      <dsp:style>
+        <a:lnRef idx="2">
+          <a:scrgbClr r="0" g="0" b="0"/>
+        </a:lnRef>
+        <a:fillRef idx="1">
+          <a:scrgbClr r="0" g="0" b="0"/>
+        </a:fillRef>
+        <a:effectRef idx="0">
+          <a:scrgbClr r="0" g="0" b="0"/>
+        </a:effectRef>
+        <a:fontRef idx="minor">
+          <a:schemeClr val="lt1"/>
+        </a:fontRef>
+      </dsp:style>
+      <dsp:txBody>
+        <a:bodyPr spcFirstLastPara="0" vert="horz" wrap="square" lIns="80010" tIns="26670" rIns="26670" bIns="26670" numCol="1" spcCol="1270" anchor="ctr" anchorCtr="0">
+          <a:noAutofit/>
+        </a:bodyPr>
+        <a:lstStyle/>
+        <a:p>
+          <a:pPr marL="0" lvl="0" indent="0" algn="ctr" defTabSz="889000">
+            <a:lnSpc>
+              <a:spcPct val="90000"/>
+            </a:lnSpc>
+            <a:spcBef>
+              <a:spcPct val="0"/>
+            </a:spcBef>
+            <a:spcAft>
+              <a:spcPct val="35000"/>
+            </a:spcAft>
+            <a:buNone/>
+          </a:pPr>
+          <a:r>
+            <a:rPr lang="en-US" sz="2000" b="1" kern="1200"/>
+            <a:t>Step 3:</a:t>
+          </a:r>
+        </a:p>
+        <a:p>
+          <a:pPr marL="0" lvl="0" indent="0" algn="ctr" defTabSz="889000">
+            <a:lnSpc>
+              <a:spcPct val="90000"/>
+            </a:lnSpc>
+            <a:spcBef>
+              <a:spcPct val="0"/>
+            </a:spcBef>
+            <a:spcAft>
+              <a:spcPct val="35000"/>
+            </a:spcAft>
+            <a:buNone/>
+          </a:pPr>
+          <a:r>
+            <a:rPr lang="en-US" sz="2000" b="0" kern="1200"/>
+            <a:t>Analysis of relationship </a:t>
+          </a:r>
+        </a:p>
+      </dsp:txBody>
+      <dsp:txXfrm>
+        <a:off x="5632367" y="1068746"/>
+        <a:ext cx="1689017" cy="1126011"/>
+      </dsp:txXfrm>
+    </dsp:sp>
+  </dsp:spTree>
+</dsp:drawing>
+</file>
+
+<file path=ppt/diagrams/layout1.xml><?xml version="1.0" encoding="utf-8"?>
+<dgm:layoutDef xmlns:dgm="http://schemas.openxmlformats.org/drawingml/2006/diagram" xmlns:a="http://schemas.openxmlformats.org/drawingml/2006/main" uniqueId="urn:microsoft.com/office/officeart/2005/8/layout/chevron1">
+  <dgm:title val=""/>
+  <dgm:desc val=""/>
+  <dgm:catLst>
+    <dgm:cat type="process" pri="9000"/>
+  </dgm:catLst>
+  <dgm:sampData useDef="1">
+    <dgm:dataModel>
+      <dgm:ptLst/>
+      <dgm:bg/>
+      <dgm:whole/>
+    </dgm:dataModel>
+  </dgm:sampData>
+  <dgm:styleData>
+    <dgm:dataModel>
+      <dgm:ptLst>
+        <dgm:pt modelId="0" type="doc"/>
+        <dgm:pt modelId="1"/>
+        <dgm:pt modelId="2"/>
+      </dgm:ptLst>
+      <dgm:cxnLst>
+        <dgm:cxn modelId="3" srcId="0" destId="1" srcOrd="0" destOrd="0"/>
+        <dgm:cxn modelId="4" srcId="0" destId="2" srcOrd="1" destOrd="0"/>
+      </dgm:cxnLst>
+      <dgm:bg/>
+      <dgm:whole/>
+    </dgm:dataModel>
+  </dgm:styleData>
+  <dgm:clrData>
+    <dgm:dataModel>
+      <dgm:ptLst>
+        <dgm:pt modelId="0" type="doc"/>
+        <dgm:pt modelId="1"/>
+        <dgm:pt modelId="2"/>
+        <dgm:pt modelId="3"/>
+        <dgm:pt modelId="4"/>
+      </dgm:ptLst>
+      <dgm:cxnLst>
+        <dgm:cxn modelId="5" srcId="0" destId="1" srcOrd="0" destOrd="0"/>
+        <dgm:cxn modelId="6" srcId="0" destId="2" srcOrd="1" destOrd="0"/>
+        <dgm:cxn modelId="7" srcId="0" destId="3" srcOrd="2" destOrd="0"/>
+        <dgm:cxn modelId="8" srcId="0" destId="4" srcOrd="3" destOrd="0"/>
+      </dgm:cxnLst>
+      <dgm:bg/>
+      <dgm:whole/>
+    </dgm:dataModel>
+  </dgm:clrData>
+  <dgm:layoutNode name="Name0">
+    <dgm:varLst>
+      <dgm:dir/>
+      <dgm:animLvl val="lvl"/>
+      <dgm:resizeHandles val="exact"/>
+    </dgm:varLst>
+    <dgm:choose name="Name1">
+      <dgm:if name="Name2" func="var" arg="dir" op="equ" val="norm">
+        <dgm:alg type="lin"/>
+      </dgm:if>
+      <dgm:else name="Name3">
+        <dgm:alg type="lin">
+          <dgm:param type="linDir" val="fromR"/>
+        </dgm:alg>
+      </dgm:else>
+    </dgm:choose>
+    <dgm:shape xmlns:r="http://schemas.openxmlformats.org/officeDocument/2006/relationships" r:blip="">
+      <dgm:adjLst/>
+    </dgm:shape>
+    <dgm:presOf/>
+    <dgm:choose name="Name4">
+      <dgm:if name="Name5" axis="des" func="maxDepth" op="gte" val="2">
+        <dgm:constrLst>
+          <dgm:constr type="h" for="ch" forName="composite" refType="h"/>
+          <dgm:constr type="w" for="ch" forName="composite" refType="w"/>
+          <dgm:constr type="w" for="des" forName="parTx"/>
+          <dgm:constr type="h" for="des" forName="parTx" op="equ"/>
+          <dgm:constr type="w" for="des" forName="desTx"/>
+          <dgm:constr type="h" for="des" forName="desTx" op="equ"/>
+          <dgm:constr type="primFontSz" for="des" forName="parTx" val="65"/>
+          <dgm:constr type="secFontSz" for="des" forName="desTx" refType="primFontSz" refFor="des" refForName="parTx" op="equ"/>
+          <dgm:constr type="h" for="des" forName="parTx" refType="primFontSz" refFor="des" refForName="parTx" fact="1.5"/>
+          <dgm:constr type="h" for="des" forName="desTx" refType="primFontSz" refFor="des" refForName="parTx" fact="0.5"/>
+          <dgm:constr type="w" for="ch" forName="space" op="equ" val="-6"/>
+        </dgm:constrLst>
+        <dgm:ruleLst>
+          <dgm:rule type="w" for="ch" forName="composite" val="0" fact="NaN" max="NaN"/>
+          <dgm:rule type="primFontSz" for="des" forName="parTx" val="5" fact="NaN" max="NaN"/>
+        </dgm:ruleLst>
+        <dgm:forEach name="Name6" axis="ch" ptType="node">
+          <dgm:layoutNode name="composite">
+            <dgm:alg type="composite"/>
+            <dgm:shape xmlns:r="http://schemas.openxmlformats.org/officeDocument/2006/relationships" r:blip="">
+              <dgm:adjLst/>
+            </dgm:shape>
+            <dgm:presOf/>
+            <dgm:choose name="Name7">
+              <dgm:if name="Name8" func="var" arg="dir" op="equ" val="norm">
+                <dgm:constrLst>
+                  <dgm:constr type="l" for="ch" forName="parTx"/>
+                  <dgm:constr type="w" for="ch" forName="parTx" refType="w"/>
+                  <dgm:constr type="t" for="ch" forName="parTx"/>
+                  <dgm:constr type="l" for="ch" forName="desTx"/>
+                  <dgm:constr type="w" for="ch" forName="desTx" refType="w" refFor="ch" refForName="parTx" fact="0.8"/>
+                  <dgm:constr type="t" for="ch" forName="desTx" refType="h" refFor="ch" refForName="parTx" fact="1.125"/>
+                </dgm:constrLst>
+              </dgm:if>
+              <dgm:else name="Name9">
+                <dgm:constrLst>
+                  <dgm:constr type="l" for="ch" forName="parTx"/>
+                  <dgm:constr type="w" for="ch" forName="parTx" refType="w"/>
+                  <dgm:constr type="t" for="ch" forName="parTx"/>
+                  <dgm:constr type="l" for="ch" forName="desTx" refType="w" fact="0.2"/>
+                  <dgm:constr type="w" for="ch" forName="desTx" refType="w" refFor="ch" refForName="parTx" fact="0.8"/>
+                  <dgm:constr type="t" for="ch" forName="desTx" refType="h" refFor="ch" refForName="parTx" fact="1.125"/>
+                </dgm:constrLst>
+              </dgm:else>
+            </dgm:choose>
+            <dgm:ruleLst>
+              <dgm:rule type="h" val="INF" fact="NaN" max="NaN"/>
+            </dgm:ruleLst>
+            <dgm:layoutNode name="parTx">
+              <dgm:varLst>
+                <dgm:chMax val="0"/>
+                <dgm:chPref val="0"/>
+                <dgm:bulletEnabled val="1"/>
+              </dgm:varLst>
+              <dgm:alg type="tx"/>
+              <dgm:choose name="Name10">
+                <dgm:if name="Name11" func="var" arg="dir" op="equ" val="norm">
+                  <dgm:shape xmlns:r="http://schemas.openxmlformats.org/officeDocument/2006/relationships" type="chevron" r:blip="">
+                    <dgm:adjLst/>
+                  </dgm:shape>
+                </dgm:if>
+                <dgm:else name="Name12">
+                  <dgm:shape xmlns:r="http://schemas.openxmlformats.org/officeDocument/2006/relationships" rot="180" type="chevron" r:blip="">
+                    <dgm:adjLst/>
+                  </dgm:shape>
+                </dgm:else>
+              </dgm:choose>
+              <dgm:presOf axis="self" ptType="node"/>
+              <dgm:choose name="Name13">
+                <dgm:if name="Name14" func="var" arg="dir" op="equ" val="norm">
+                  <dgm:constrLst>
+                    <dgm:constr type="h" refType="w" op="lte" fact="0.4"/>
+                    <dgm:constr type="h"/>
+                    <dgm:constr type="tMarg" refType="primFontSz" fact="0.105"/>
+                    <dgm:constr type="bMarg" refType="primFontSz" fact="0.105"/>
+                    <dgm:constr type="lMarg" refType="primFontSz" fact="0.315"/>
+                    <dgm:constr type="rMarg" refType="primFontSz" fact="0.105"/>
+                  </dgm:constrLst>
+                </dgm:if>
+                <dgm:else name="Name15">
+                  <dgm:constrLst>
+                    <dgm:constr type="h" refType="w" op="lte" fact="0.4"/>
+                    <dgm:constr type="h"/>
+                    <dgm:constr type="tMarg" refType="primFontSz" fact="0.105"/>
+                    <dgm:constr type="bMarg" refType="primFontSz" fact="0.105"/>
+                    <dgm:constr type="lMarg" refType="primFontSz" fact="0.105"/>
+                    <dgm:constr type="rMarg" refType="primFontSz" fact="0.315"/>
+                  </dgm:constrLst>
+                </dgm:else>
+              </dgm:choose>
+              <dgm:ruleLst>
+                <dgm:rule type="h" val="INF" fact="NaN" max="NaN"/>
+              </dgm:ruleLst>
+            </dgm:layoutNode>
+            <dgm:layoutNode name="desTx" styleLbl="revTx">
+              <dgm:varLst>
+                <dgm:bulletEnabled val="1"/>
+              </dgm:varLst>
+              <dgm:alg type="tx">
+                <dgm:param type="stBulletLvl" val="1"/>
+              </dgm:alg>
+              <dgm:choose name="Name16">
+                <dgm:if name="Name17" axis="ch" ptType="node" func="cnt" op="gte" val="1">
+                  <dgm:shape xmlns:r="http://schemas.openxmlformats.org/officeDocument/2006/relationships" type="rect" r:blip="">
+                    <dgm:adjLst/>
+                  </dgm:shape>
+                </dgm:if>
+                <dgm:else name="Name18">
+                  <dgm:shape xmlns:r="http://schemas.openxmlformats.org/officeDocument/2006/relationships" type="rect" r:blip="" hideGeom="1">
+                    <dgm:adjLst/>
+                  </dgm:shape>
+                </dgm:else>
+              </dgm:choose>
+              <dgm:presOf axis="des" ptType="node"/>
+              <dgm:constrLst>
+                <dgm:constr type="secFontSz" val="65"/>
+                <dgm:constr type="primFontSz" refType="secFontSz"/>
+                <dgm:constr type="h"/>
+                <dgm:constr type="tMarg"/>
+                <dgm:constr type="bMarg"/>
+                <dgm:constr type="rMarg"/>
+                <dgm:constr type="lMarg"/>
+              </dgm:constrLst>
+              <dgm:ruleLst>
+                <dgm:rule type="h" val="INF" fact="NaN" max="NaN"/>
+              </dgm:ruleLst>
+            </dgm:layoutNode>
+          </dgm:layoutNode>
+          <dgm:forEach name="Name19" axis="followSib" ptType="sibTrans" cnt="1">
+            <dgm:layoutNode name="space">
+              <dgm:alg type="sp"/>
+              <dgm:shape xmlns:r="http://schemas.openxmlformats.org/officeDocument/2006/relationships" r:blip="">
+                <dgm:adjLst/>
+              </dgm:shape>
+              <dgm:presOf/>
+              <dgm:constrLst/>
+              <dgm:ruleLst/>
+            </dgm:layoutNode>
+          </dgm:forEach>
+        </dgm:forEach>
+      </dgm:if>
+      <dgm:else name="Name20">
+        <dgm:constrLst>
+          <dgm:constr type="w" for="ch" forName="parTxOnly" refType="w"/>
+          <dgm:constr type="h" for="des" forName="parTxOnly" op="equ"/>
+          <dgm:constr type="primFontSz" for="des" forName="parTxOnly" op="equ" val="65"/>
+          <dgm:constr type="w" for="ch" forName="parTxOnlySpace" refType="w" refFor="ch" refForName="parTxOnly" fact="-0.1"/>
+        </dgm:constrLst>
+        <dgm:ruleLst/>
+        <dgm:forEach name="Name21" axis="ch" ptType="node">
+          <dgm:layoutNode name="parTxOnly">
+            <dgm:varLst>
+              <dgm:chMax val="0"/>
+              <dgm:chPref val="0"/>
+              <dgm:bulletEnabled val="1"/>
+            </dgm:varLst>
+            <dgm:alg type="tx"/>
+            <dgm:choose name="Name22">
+              <dgm:if name="Name23" func="var" arg="dir" op="equ" val="norm">
+                <dgm:shape xmlns:r="http://schemas.openxmlformats.org/officeDocument/2006/relationships" type="chevron" r:blip="">
+                  <dgm:adjLst/>
+                </dgm:shape>
+              </dgm:if>
+              <dgm:else name="Name24">
+                <dgm:shape xmlns:r="http://schemas.openxmlformats.org/officeDocument/2006/relationships" rot="180" type="chevron" r:blip="">
+                  <dgm:adjLst/>
+                </dgm:shape>
+              </dgm:else>
+            </dgm:choose>
+            <dgm:presOf axis="self" ptType="node"/>
+            <dgm:choose name="Name25">
+              <dgm:if name="Name26" func="var" arg="dir" op="equ" val="norm">
+                <dgm:constrLst>
+                  <dgm:constr type="h" refType="w" op="equ" fact="0.4"/>
+                  <dgm:constr type="tMarg" refType="primFontSz" fact="0.105"/>
+                  <dgm:constr type="bMarg" refType="primFontSz" fact="0.105"/>
+                  <dgm:constr type="lMarg" refType="primFontSz" fact="0.315"/>
+                  <dgm:constr type="rMarg" refType="primFontSz" fact="0.105"/>
+                </dgm:constrLst>
+              </dgm:if>
+              <dgm:else name="Name27">
+                <dgm:constrLst>
+                  <dgm:constr type="h" refType="w" op="equ" fact="0.4"/>
+                  <dgm:constr type="tMarg" refType="primFontSz" fact="0.105"/>
+                  <dgm:constr type="bMarg" refType="primFontSz" fact="0.105"/>
+                  <dgm:constr type="lMarg" refType="primFontSz" fact="0.105"/>
+                  <dgm:constr type="rMarg" refType="primFontSz" fact="0.315"/>
+                </dgm:constrLst>
+              </dgm:else>
+            </dgm:choose>
+            <dgm:ruleLst>
+              <dgm:rule type="primFontSz" val="5" fact="NaN" max="NaN"/>
+            </dgm:ruleLst>
+          </dgm:layoutNode>
+          <dgm:forEach name="Name28" axis="followSib" ptType="sibTrans" cnt="1">
+            <dgm:layoutNode name="parTxOnlySpace">
+              <dgm:alg type="sp"/>
+              <dgm:shape xmlns:r="http://schemas.openxmlformats.org/officeDocument/2006/relationships" r:blip="">
+                <dgm:adjLst/>
+              </dgm:shape>
+              <dgm:presOf/>
+              <dgm:constrLst/>
+              <dgm:ruleLst/>
+            </dgm:layoutNode>
+          </dgm:forEach>
+        </dgm:forEach>
+      </dgm:else>
+    </dgm:choose>
+  </dgm:layoutNode>
+</dgm:layoutDef>
+</file>
+
+<file path=ppt/diagrams/quickStyle1.xml><?xml version="1.0" encoding="utf-8"?>
+<dgm:styleDef xmlns:dgm="http://schemas.openxmlformats.org/drawingml/2006/diagram" xmlns:a="http://schemas.openxmlformats.org/drawingml/2006/main" uniqueId="urn:microsoft.com/office/officeart/2005/8/quickstyle/simple1">
+  <dgm:title val=""/>
+  <dgm:desc val=""/>
+  <dgm:catLst>
+    <dgm:cat type="simple" pri="10100"/>
+  </dgm:catLst>
+  <dgm:scene3d>
+    <a:camera prst="orthographicFront"/>
+    <a:lightRig rig="threePt" dir="t"/>
+  </dgm:scene3d>
+  <dgm:styleLbl name="node0">
+    <dgm:scene3d>
+      <a:camera prst="orthographicFront"/>
+      <a:lightRig rig="threePt" dir="t"/>
+    </dgm:scene3d>
+    <dgm:sp3d/>
+    <dgm:txPr/>
+    <dgm:style>
+      <a:lnRef idx="2">
+        <a:scrgbClr r="0" g="0" b="0"/>
+      </a:lnRef>
+      <a:fillRef idx="1">
+        <a:scrgbClr r="0" g="0" b="0"/>
+      </a:fillRef>
+      <a:effectRef idx="0">
+        <a:scrgbClr r="0" g="0" b="0"/>
+      </a:effectRef>
+      <a:fontRef idx="minor">
+        <a:schemeClr val="lt1"/>
+      </a:fontRef>
+    </dgm:style>
+  </dgm:styleLbl>
+  <dgm:styleLbl name="lnNode1">
+    <dgm:scene3d>
+      <a:camera prst="orthographicFront"/>
+      <a:lightRig rig="threePt" dir="t"/>
+    </dgm:scene3d>
+    <dgm:sp3d/>
+    <dgm:txPr/>
+    <dgm:style>
+      <a:lnRef idx="2">
+        <a:scrgbClr r="0" g="0" b="0"/>
+      </a:lnRef>
+      <a:fillRef idx="1">
+        <a:scrgbClr r="0" g="0" b="0"/>
+      </a:fillRef>
+      <a:effectRef idx="0">
+        <a:scrgbClr r="0" g="0" b="0"/>
+      </a:effectRef>
+      <a:fontRef idx="minor">
+        <a:schemeClr val="lt1"/>
+      </a:fontRef>
+    </dgm:style>
+  </dgm:styleLbl>
+  <dgm:styleLbl name="vennNode1">
+    <dgm:scene3d>
+      <a:camera prst="orthographicFront"/>
+      <a:lightRig rig="threePt" dir="t"/>
+    </dgm:scene3d>
+    <dgm:sp3d/>
+    <dgm:txPr/>
+    <dgm:style>
+      <a:lnRef idx="2">
+        <a:scrgbClr r="0" g="0" b="0"/>
+      </a:lnRef>
+      <a:fillRef idx="1">
+        <a:scrgbClr r="0" g="0" b="0"/>
+      </a:fillRef>
+      <a:effectRef idx="0">
+        <a:scrgbClr r="0" g="0" b="0"/>
+      </a:effectRef>
+      <a:fontRef idx="minor">
+        <a:schemeClr val="tx1"/>
+      </a:fontRef>
+    </dgm:style>
+  </dgm:styleLbl>
+  <dgm:styleLbl name="alignNode1">
+    <dgm:scene3d>
+      <a:camera prst="orthographicFront"/>
+      <a:lightRig rig="threePt" dir="t"/>
+    </dgm:scene3d>
+    <dgm:sp3d/>
+    <dgm:txPr/>
+    <dgm:style>
+      <a:lnRef idx="2">
+        <a:scrgbClr r="0" g="0" b="0"/>
+      </a:lnRef>
+      <a:fillRef idx="1">
+        <a:scrgbClr r="0" g="0" b="0"/>
+      </a:fillRef>
+      <a:effectRef idx="0">
+        <a:scrgbClr r="0" g="0" b="0"/>
+      </a:effectRef>
+      <a:fontRef idx="minor">
+        <a:schemeClr val="lt1"/>
+      </a:fontRef>
+    </dgm:style>
+  </dgm:styleLbl>
+  <dgm:styleLbl name="node1">
+    <dgm:scene3d>
+      <a:camera prst="orthographicFront"/>
+      <a:lightRig rig="threePt" dir="t"/>
+    </dgm:scene3d>
+    <dgm:sp3d/>
+    <dgm:txPr/>
+    <dgm:style>
+      <a:lnRef idx="2">
+        <a:scrgbClr r="0" g="0" b="0"/>
+      </a:lnRef>
+      <a:fillRef idx="1">
+        <a:scrgbClr r="0" g="0" b="0"/>
+      </a:fillRef>
+      <a:effectRef idx="0">
+        <a:scrgbClr r="0" g="0" b="0"/>
+      </a:effectRef>
+      <a:fontRef idx="minor">
+        <a:schemeClr val="lt1"/>
+      </a:fontRef>
+    </dgm:style>
+  </dgm:styleLbl>
+  <dgm:styleLbl name="node2">
+    <dgm:scene3d>
+      <a:camera prst="orthographicFront"/>
+      <a:lightRig rig="threePt" dir="t"/>
+    </dgm:scene3d>
+    <dgm:sp3d/>
+    <dgm:txPr/>
+    <dgm:style>
+      <a:lnRef idx="2">
+        <a:scrgbClr r="0" g="0" b="0"/>
+      </a:lnRef>
+      <a:fillRef idx="1">
+        <a:scrgbClr r="0" g="0" b="0"/>
+      </a:fillRef>
+      <a:effectRef idx="0">
+        <a:scrgbClr r="0" g="0" b="0"/>
+      </a:effectRef>
+      <a:fontRef idx="minor">
+        <a:schemeClr val="lt1"/>
+      </a:fontRef>
+    </dgm:style>
+  </dgm:styleLbl>
+  <dgm:styleLbl name="node3">
+    <dgm:scene3d>
+      <a:camera prst="orthographicFront"/>
+      <a:lightRig rig="threePt" dir="t"/>
+    </dgm:scene3d>
+    <dgm:sp3d/>
+    <dgm:txPr/>
+    <dgm:style>
+      <a:lnRef idx="2">
+        <a:scrgbClr r="0" g="0" b="0"/>
+      </a:lnRef>
+      <a:fillRef idx="1">
+        <a:scrgbClr r="0" g="0" b="0"/>
+      </a:fillRef>
+      <a:effectRef idx="0">
+        <a:scrgbClr r="0" g="0" b="0"/>
+      </a:effectRef>
+      <a:fontRef idx="minor">
+        <a:schemeClr val="lt1"/>
+      </a:fontRef>
+    </dgm:style>
+  </dgm:styleLbl>
+  <dgm:styleLbl name="node4">
+    <dgm:scene3d>
+      <a:camera prst="orthographicFront"/>
+      <a:lightRig rig="threePt" dir="t"/>
+    </dgm:scene3d>
+    <dgm:sp3d/>
+    <dgm:txPr/>
+    <dgm:style>
+      <a:lnRef idx="2">
+        <a:scrgbClr r="0" g="0" b="0"/>
+      </a:lnRef>
+      <a:fillRef idx="1">
+        <a:scrgbClr r="0" g="0" b="0"/>
+      </a:fillRef>
+      <a:effectRef idx="0">
+        <a:scrgbClr r="0" g="0" b="0"/>
+      </a:effectRef>
+      <a:fontRef idx="minor">
+        <a:schemeClr val="lt1"/>
+      </a:fontRef>
+    </dgm:style>
+  </dgm:styleLbl>
+  <dgm:styleLbl name="fgImgPlace1">
+    <dgm:scene3d>
+      <a:camera prst="orthographicFront"/>
+      <a:lightRig rig="threePt" dir="t"/>
+    </dgm:scene3d>
+    <dgm:sp3d/>
+    <dgm:txPr/>
+    <dgm:style>
+      <a:lnRef idx="2">
+        <a:scrgbClr r="0" g="0" b="0"/>
+      </a:lnRef>
+      <a:fillRef idx="1">
+        <a:scrgbClr r="0" g="0" b="0"/>
+      </a:fillRef>
+      <a:effectRef idx="0">
+        <a:scrgbClr r="0" g="0" b="0"/>
+      </a:effectRef>
+      <a:fontRef idx="minor"/>
+    </dgm:style>
+  </dgm:styleLbl>
+  <dgm:styleLbl name="alignImgPlace1">
+    <dgm:scene3d>
+      <a:camera prst="orthographicFront"/>
+      <a:lightRig rig="threePt" dir="t"/>
+    </dgm:scene3d>
+    <dgm:sp3d/>
+    <dgm:txPr/>
+    <dgm:style>
+      <a:lnRef idx="2">
+        <a:scrgbClr r="0" g="0" b="0"/>
+      </a:lnRef>
+      <a:fillRef idx="1">
+        <a:scrgbClr r="0" g="0" b="0"/>
+      </a:fillRef>
+      <a:effectRef idx="0">
+        <a:scrgbClr r="0" g="0" b="0"/>
+      </a:effectRef>
+      <a:fontRef idx="minor"/>
+    </dgm:style>
+  </dgm:styleLbl>
+  <dgm:styleLbl name="bgImgPlace1">
+    <dgm:scene3d>
+      <a:camera prst="orthographicFront"/>
+      <a:lightRig rig="threePt" dir="t"/>
+    </dgm:scene3d>
+    <dgm:sp3d/>
+    <dgm:txPr/>
+    <dgm:style>
+      <a:lnRef idx="2">
+        <a:scrgbClr r="0" g="0" b="0"/>
+      </a:lnRef>
+      <a:fillRef idx="1">
+        <a:scrgbClr r="0" g="0" b="0"/>
+      </a:fillRef>
+      <a:effectRef idx="0">
+        <a:scrgbClr r="0" g="0" b="0"/>
+      </a:effectRef>
+      <a:fontRef idx="minor"/>
+    </dgm:style>
+  </dgm:styleLbl>
+  <dgm:styleLbl name="sibTrans2D1">
+    <dgm:scene3d>
+      <a:camera prst="orthographicFront"/>
+      <a:lightRig rig="threePt" dir="t"/>
+    </dgm:scene3d>
+    <dgm:sp3d/>
+    <dgm:txPr/>
+    <dgm:style>
+      <a:lnRef idx="0">
+        <a:scrgbClr r="0" g="0" b="0"/>
+      </a:lnRef>
+      <a:fillRef idx="1">
+        <a:scrgbClr r="0" g="0" b="0"/>
+      </a:fillRef>
+      <a:effectRef idx="0">
+        <a:scrgbClr r="0" g="0" b="0"/>
+      </a:effectRef>
+      <a:fontRef idx="minor">
+        <a:schemeClr val="lt1"/>
+      </a:fontRef>
+    </dgm:style>
+  </dgm:styleLbl>
+  <dgm:styleLbl name="fgSibTrans2D1">
+    <dgm:scene3d>
+      <a:camera prst="orthographicFront"/>
+      <a:lightRig rig="threePt" dir="t"/>
+    </dgm:scene3d>
+    <dgm:sp3d/>
+    <dgm:txPr/>
+    <dgm:style>
+      <a:lnRef idx="0">
+        <a:scrgbClr r="0" g="0" b="0"/>
+      </a:lnRef>
+      <a:fillRef idx="1">
+        <a:scrgbClr r="0" g="0" b="0"/>
+      </a:fillRef>
+      <a:effectRef idx="0">
+        <a:scrgbClr r="0" g="0" b="0"/>
+      </a:effectRef>
+      <a:fontRef idx="minor">
+        <a:schemeClr val="lt1"/>
+      </a:fontRef>
+    </dgm:style>
+  </dgm:styleLbl>
+  <dgm:styleLbl name="bgSibTrans2D1">
+    <dgm:scene3d>
+      <a:camera prst="orthographicFront"/>
+      <a:lightRig rig="threePt" dir="t"/>
+    </dgm:scene3d>
+    <dgm:sp3d/>
+    <dgm:txPr/>
+    <dgm:style>
+      <a:lnRef idx="0">
+        <a:scrgbClr r="0" g="0" b="0"/>
+      </a:lnRef>
+      <a:fillRef idx="1">
+        <a:scrgbClr r="0" g="0" b="0"/>
+      </a:fillRef>
+      <a:effectRef idx="0">
+        <a:scrgbClr r="0" g="0" b="0"/>
+      </a:effectRef>
+      <a:fontRef idx="minor">
+        <a:schemeClr val="lt1"/>
+      </a:fontRef>
+    </dgm:style>
+  </dgm:styleLbl>
+  <dgm:styleLbl name="sibTrans1D1">
+    <dgm:scene3d>
+      <a:camera prst="orthographicFront"/>
+      <a:lightRig rig="threePt" dir="t"/>
+    </dgm:scene3d>
+    <dgm:sp3d/>
+    <dgm:txPr/>
+    <dgm:style>
+      <a:lnRef idx="1">
+        <a:scrgbClr r="0" g="0" b="0"/>
+      </a:lnRef>
+      <a:fillRef idx="0">
+        <a:scrgbClr r="0" g="0" b="0"/>
+      </a:fillRef>
+      <a:effectRef idx="0">
+        <a:scrgbClr r="0" g="0" b="0"/>
+      </a:effectRef>
+      <a:fontRef idx="minor"/>
+    </dgm:style>
+  </dgm:styleLbl>
+  <dgm:styleLbl name="callout">
+    <dgm:scene3d>
+      <a:camera prst="orthographicFront"/>
+      <a:lightRig rig="threePt" dir="t"/>
+    </dgm:scene3d>
+    <dgm:sp3d/>
+    <dgm:txPr/>
+    <dgm:style>
+      <a:lnRef idx="2">
+        <a:scrgbClr r="0" g="0" b="0"/>
+      </a:lnRef>
+      <a:fillRef idx="1">
+        <a:scrgbClr r="0" g="0" b="0"/>
+      </a:fillRef>
+      <a:effectRef idx="0">
+        <a:scrgbClr r="0" g="0" b="0"/>
+      </a:effectRef>
+      <a:fontRef idx="minor"/>
+    </dgm:style>
+  </dgm:styleLbl>
+  <dgm:styleLbl name="asst0">
+    <dgm:scene3d>
+      <a:camera prst="orthographicFront"/>
+      <a:lightRig rig="threePt" dir="t"/>
+    </dgm:scene3d>
+    <dgm:sp3d/>
+    <dgm:txPr/>
+    <dgm:style>
+      <a:lnRef idx="2">
+        <a:scrgbClr r="0" g="0" b="0"/>
+      </a:lnRef>
+      <a:fillRef idx="1">
+        <a:scrgbClr r="0" g="0" b="0"/>
+      </a:fillRef>
+      <a:effectRef idx="0">
+        <a:scrgbClr r="0" g="0" b="0"/>
+      </a:effectRef>
+      <a:fontRef idx="minor">
+        <a:schemeClr val="lt1"/>
+      </a:fontRef>
+    </dgm:style>
+  </dgm:styleLbl>
+  <dgm:styleLbl name="asst1">
+    <dgm:scene3d>
+      <a:camera prst="orthographicFront"/>
+      <a:lightRig rig="threePt" dir="t"/>
+    </dgm:scene3d>
+    <dgm:sp3d/>
+    <dgm:txPr/>
+    <dgm:style>
+      <a:lnRef idx="2">
+        <a:scrgbClr r="0" g="0" b="0"/>
+      </a:lnRef>
+      <a:fillRef idx="1">
+        <a:scrgbClr r="0" g="0" b="0"/>
+      </a:fillRef>
+      <a:effectRef idx="0">
+        <a:scrgbClr r="0" g="0" b="0"/>
+      </a:effectRef>
+      <a:fontRef idx="minor">
+        <a:schemeClr val="lt1"/>
+      </a:fontRef>
+    </dgm:style>
+  </dgm:styleLbl>
+  <dgm:styleLbl name="asst2">
+    <dgm:scene3d>
+      <a:camera prst="orthographicFront"/>
+      <a:lightRig rig="threePt" dir="t"/>
+    </dgm:scene3d>
+    <dgm:sp3d/>
+    <dgm:txPr/>
+    <dgm:style>
+      <a:lnRef idx="2">
+        <a:scrgbClr r="0" g="0" b="0"/>
+      </a:lnRef>
+      <a:fillRef idx="1">
+        <a:scrgbClr r="0" g="0" b="0"/>
+      </a:fillRef>
+      <a:effectRef idx="0">
+        <a:scrgbClr r="0" g="0" b="0"/>
+      </a:effectRef>
+      <a:fontRef idx="minor">
+        <a:schemeClr val="lt1"/>
+      </a:fontRef>
+    </dgm:style>
+  </dgm:styleLbl>
+  <dgm:styleLbl name="asst3">
+    <dgm:scene3d>
+      <a:camera prst="orthographicFront"/>
+      <a:lightRig rig="threePt" dir="t"/>
+    </dgm:scene3d>
+    <dgm:sp3d/>
+    <dgm:txPr/>
+    <dgm:style>
+      <a:lnRef idx="2">
+        <a:scrgbClr r="0" g="0" b="0"/>
+      </a:lnRef>
+      <a:fillRef idx="1">
+        <a:scrgbClr r="0" g="0" b="0"/>
+      </a:fillRef>
+      <a:effectRef idx="0">
+        <a:scrgbClr r="0" g="0" b="0"/>
+      </a:effectRef>
+      <a:fontRef idx="minor">
+        <a:schemeClr val="lt1"/>
+      </a:fontRef>
+    </dgm:style>
+  </dgm:styleLbl>
+  <dgm:styleLbl name="asst4">
+    <dgm:scene3d>
+      <a:camera prst="orthographicFront"/>
+      <a:lightRig rig="threePt" dir="t"/>
+    </dgm:scene3d>
+    <dgm:sp3d/>
+    <dgm:txPr/>
+    <dgm:style>
+      <a:lnRef idx="2">
+        <a:scrgbClr r="0" g="0" b="0"/>
+      </a:lnRef>
+      <a:fillRef idx="1">
+        <a:scrgbClr r="0" g="0" b="0"/>
+      </a:fillRef>
+      <a:effectRef idx="0">
+        <a:scrgbClr r="0" g="0" b="0"/>
+      </a:effectRef>
+      <a:fontRef idx="minor">
+        <a:schemeClr val="lt1"/>
+      </a:fontRef>
+    </dgm:style>
+  </dgm:styleLbl>
+  <dgm:styleLbl name="parChTrans2D1">
+    <dgm:scene3d>
+      <a:camera prst="orthographicFront"/>
+      <a:lightRig rig="threePt" dir="t"/>
+    </dgm:scene3d>
+    <dgm:sp3d/>
+    <dgm:txPr/>
+    <dgm:style>
+      <a:lnRef idx="2">
+        <a:scrgbClr r="0" g="0" b="0"/>
+      </a:lnRef>
+      <a:fillRef idx="1">
+        <a:scrgbClr r="0" g="0" b="0"/>
+      </a:fillRef>
+      <a:effectRef idx="0">
+        <a:scrgbClr r="0" g="0" b="0"/>
+      </a:effectRef>
+      <a:fontRef idx="minor">
+        <a:schemeClr val="lt1"/>
+      </a:fontRef>
+    </dgm:style>
+  </dgm:styleLbl>
+  <dgm:styleLbl name="parChTrans2D2">
+    <dgm:scene3d>
+      <a:camera prst="orthographicFront"/>
+      <a:lightRig rig="threePt" dir="t"/>
+    </dgm:scene3d>
+    <dgm:sp3d/>
+    <dgm:txPr/>
+    <dgm:style>
+      <a:lnRef idx="2">
+        <a:scrgbClr r="0" g="0" b="0"/>
+      </a:lnRef>
+      <a:fillRef idx="1">
+        <a:scrgbClr r="0" g="0" b="0"/>
+      </a:fillRef>
+      <a:effectRef idx="0">
+        <a:scrgbClr r="0" g="0" b="0"/>
+      </a:effectRef>
+      <a:fontRef idx="minor">
+        <a:schemeClr val="lt1"/>
+      </a:fontRef>
+    </dgm:style>
+  </dgm:styleLbl>
+  <dgm:styleLbl name="parChTrans2D3">
+    <dgm:scene3d>
+      <a:camera prst="orthographicFront"/>
+      <a:lightRig rig="threePt" dir="t"/>
+    </dgm:scene3d>
+    <dgm:sp3d/>
+    <dgm:txPr/>
+    <dgm:style>
+      <a:lnRef idx="2">
+        <a:scrgbClr r="0" g="0" b="0"/>
+      </a:lnRef>
+      <a:fillRef idx="1">
+        <a:scrgbClr r="0" g="0" b="0"/>
+      </a:fillRef>
+      <a:effectRef idx="0">
+        <a:scrgbClr r="0" g="0" b="0"/>
+      </a:effectRef>
+      <a:fontRef idx="minor">
+        <a:schemeClr val="lt1"/>
+      </a:fontRef>
+    </dgm:style>
+  </dgm:styleLbl>
+  <dgm:styleLbl name="parChTrans2D4">
+    <dgm:scene3d>
+      <a:camera prst="orthographicFront"/>
+      <a:lightRig rig="threePt" dir="t"/>
+    </dgm:scene3d>
+    <dgm:sp3d/>
+    <dgm:txPr/>
+    <dgm:style>
+      <a:lnRef idx="2">
+        <a:scrgbClr r="0" g="0" b="0"/>
+      </a:lnRef>
+      <a:fillRef idx="1">
+        <a:scrgbClr r="0" g="0" b="0"/>
+      </a:fillRef>
+      <a:effectRef idx="0">
+        <a:scrgbClr r="0" g="0" b="0"/>
+      </a:effectRef>
+      <a:fontRef idx="minor">
+        <a:schemeClr val="lt1"/>
+      </a:fontRef>
+    </dgm:style>
+  </dgm:styleLbl>
+  <dgm:styleLbl name="parChTrans1D1">
+    <dgm:scene3d>
+      <a:camera prst="orthographicFront"/>
+      <a:lightRig rig="threePt" dir="t"/>
+    </dgm:scene3d>
+    <dgm:sp3d/>
+    <dgm:txPr/>
+    <dgm:style>
+      <a:lnRef idx="2">
+        <a:scrgbClr r="0" g="0" b="0"/>
+      </a:lnRef>
+      <a:fillRef idx="0">
+        <a:scrgbClr r="0" g="0" b="0"/>
+      </a:fillRef>
+      <a:effectRef idx="0">
+        <a:scrgbClr r="0" g="0" b="0"/>
+      </a:effectRef>
+      <a:fontRef idx="minor"/>
+    </dgm:style>
+  </dgm:styleLbl>
+  <dgm:styleLbl name="parChTrans1D2">
+    <dgm:scene3d>
+      <a:camera prst="orthographicFront"/>
+      <a:lightRig rig="threePt" dir="t"/>
+    </dgm:scene3d>
+    <dgm:sp3d/>
+    <dgm:txPr/>
+    <dgm:style>
+      <a:lnRef idx="2">
+        <a:scrgbClr r="0" g="0" b="0"/>
+      </a:lnRef>
+      <a:fillRef idx="0">
+        <a:scrgbClr r="0" g="0" b="0"/>
+      </a:fillRef>
+      <a:effectRef idx="0">
+        <a:scrgbClr r="0" g="0" b="0"/>
+      </a:effectRef>
+      <a:fontRef idx="minor"/>
+    </dgm:style>
+  </dgm:styleLbl>
+  <dgm:styleLbl name="parChTrans1D3">
+    <dgm:scene3d>
+      <a:camera prst="orthographicFront"/>
+      <a:lightRig rig="threePt" dir="t"/>
+    </dgm:scene3d>
+    <dgm:sp3d/>
+    <dgm:txPr/>
+    <dgm:style>
+      <a:lnRef idx="2">
+        <a:scrgbClr r="0" g="0" b="0"/>
+      </a:lnRef>
+      <a:fillRef idx="0">
+        <a:scrgbClr r="0" g="0" b="0"/>
+      </a:fillRef>
+      <a:effectRef idx="0">
+        <a:scrgbClr r="0" g="0" b="0"/>
+      </a:effectRef>
+      <a:fontRef idx="minor"/>
+    </dgm:style>
+  </dgm:styleLbl>
+  <dgm:styleLbl name="parChTrans1D4">
+    <dgm:scene3d>
+      <a:camera prst="orthographicFront"/>
+      <a:lightRig rig="threePt" dir="t"/>
+    </dgm:scene3d>
+    <dgm:sp3d/>
+    <dgm:txPr/>
+    <dgm:style>
+      <a:lnRef idx="2">
+        <a:scrgbClr r="0" g="0" b="0"/>
+      </a:lnRef>
+      <a:fillRef idx="0">
+        <a:scrgbClr r="0" g="0" b="0"/>
+      </a:fillRef>
+      <a:effectRef idx="0">
+        <a:scrgbClr r="0" g="0" b="0"/>
+      </a:effectRef>
+      <a:fontRef idx="minor"/>
+    </dgm:style>
+  </dgm:styleLbl>
+  <dgm:styleLbl name="fgAcc1">
+    <dgm:scene3d>
+      <a:camera prst="orthographicFront"/>
+      <a:lightRig rig="threePt" dir="t"/>
+    </dgm:scene3d>
+    <dgm:sp3d/>
+    <dgm:txPr/>
+    <dgm:style>
+      <a:lnRef idx="2">
+        <a:scrgbClr r="0" g="0" b="0"/>
+      </a:lnRef>
+      <a:fillRef idx="1">
+        <a:scrgbClr r="0" g="0" b="0"/>
+      </a:fillRef>
+      <a:effectRef idx="0">
+        <a:scrgbClr r="0" g="0" b="0"/>
+      </a:effectRef>
+      <a:fontRef idx="minor"/>
+    </dgm:style>
+  </dgm:styleLbl>
+  <dgm:styleLbl name="conFgAcc1">
+    <dgm:scene3d>
+      <a:camera prst="orthographicFront"/>
+      <a:lightRig rig="threePt" dir="t"/>
+    </dgm:scene3d>
+    <dgm:sp3d/>
+    <dgm:txPr/>
+    <dgm:style>
+      <a:lnRef idx="2">
+        <a:scrgbClr r="0" g="0" b="0"/>
+      </a:lnRef>
+      <a:fillRef idx="1">
+        <a:scrgbClr r="0" g="0" b="0"/>
+      </a:fillRef>
+      <a:effectRef idx="0">
+        <a:scrgbClr r="0" g="0" b="0"/>
+      </a:effectRef>
+      <a:fontRef idx="minor"/>
+    </dgm:style>
+  </dgm:styleLbl>
+  <dgm:styleLbl name="alignAcc1">
+    <dgm:scene3d>
+      <a:camera prst="orthographicFront"/>
+      <a:lightRig rig="threePt" dir="t"/>
+    </dgm:scene3d>
+    <dgm:sp3d/>
+    <dgm:txPr/>
+    <dgm:style>
+      <a:lnRef idx="2">
+        <a:scrgbClr r="0" g="0" b="0"/>
+      </a:lnRef>
+      <a:fillRef idx="1">
+        <a:scrgbClr r="0" g="0" b="0"/>
+      </a:fillRef>
+      <a:effectRef idx="0">
+        <a:scrgbClr r="0" g="0" b="0"/>
+      </a:effectRef>
+      <a:fontRef idx="minor"/>
+    </dgm:style>
+  </dgm:styleLbl>
+  <dgm:styleLbl name="trAlignAcc1">
+    <dgm:scene3d>
+      <a:camera prst="orthographicFront"/>
+      <a:lightRig rig="threePt" dir="t"/>
+    </dgm:scene3d>
+    <dgm:sp3d/>
+    <dgm:txPr/>
+    <dgm:style>
+      <a:lnRef idx="1">
+        <a:scrgbClr r="0" g="0" b="0"/>
+      </a:lnRef>
+      <a:fillRef idx="1">
+        <a:scrgbClr r="0" g="0" b="0"/>
+      </a:fillRef>
+      <a:effectRef idx="0">
+        <a:scrgbClr r="0" g="0" b="0"/>
+      </a:effectRef>
+      <a:fontRef idx="minor"/>
+    </dgm:style>
+  </dgm:styleLbl>
+  <dgm:styleLbl name="bgAcc1">
+    <dgm:scene3d>
+      <a:camera prst="orthographicFront"/>
+      <a:lightRig rig="threePt" dir="t"/>
+    </dgm:scene3d>
+    <dgm:sp3d/>
+    <dgm:txPr/>
+    <dgm:style>
+      <a:lnRef idx="2">
+        <a:scrgbClr r="0" g="0" b="0"/>
+      </a:lnRef>
+      <a:fillRef idx="1">
+        <a:scrgbClr r="0" g="0" b="0"/>
+      </a:fillRef>
+      <a:effectRef idx="0">
+        <a:scrgbClr r="0" g="0" b="0"/>
+      </a:effectRef>
+      <a:fontRef idx="minor"/>
+    </dgm:style>
+  </dgm:styleLbl>
+  <dgm:styleLbl name="solidFgAcc1">
+    <dgm:scene3d>
+      <a:camera prst="orthographicFront"/>
+      <a:lightRig rig="threePt" dir="t"/>
+    </dgm:scene3d>
+    <dgm:sp3d/>
+    <dgm:txPr/>
+    <dgm:style>
+      <a:lnRef idx="2">
+        <a:scrgbClr r="0" g="0" b="0"/>
+      </a:lnRef>
+      <a:fillRef idx="1">
+        <a:scrgbClr r="0" g="0" b="0"/>
+      </a:fillRef>
+      <a:effectRef idx="0">
+        <a:scrgbClr r="0" g="0" b="0"/>
+      </a:effectRef>
+      <a:fontRef idx="minor"/>
+    </dgm:style>
+  </dgm:styleLbl>
+  <dgm:styleLbl name="solidAlignAcc1">
+    <dgm:scene3d>
+      <a:camera prst="orthographicFront"/>
+      <a:lightRig rig="threePt" dir="t"/>
+    </dgm:scene3d>
+    <dgm:sp3d/>
+    <dgm:txPr/>
+    <dgm:style>
+      <a:lnRef idx="2">
+        <a:scrgbClr r="0" g="0" b="0"/>
+      </a:lnRef>
+      <a:fillRef idx="1">
+        <a:scrgbClr r="0" g="0" b="0"/>
+      </a:fillRef>
+      <a:effectRef idx="0">
+        <a:scrgbClr r="0" g="0" b="0"/>
+      </a:effectRef>
+      <a:fontRef idx="minor"/>
+    </dgm:style>
+  </dgm:styleLbl>
+  <dgm:styleLbl name="solidBgAcc1">
+    <dgm:scene3d>
+      <a:camera prst="orthographicFront"/>
+      <a:lightRig rig="threePt" dir="t"/>
+    </dgm:scene3d>
+    <dgm:sp3d/>
+    <dgm:txPr/>
+    <dgm:style>
+      <a:lnRef idx="2">
+        <a:scrgbClr r="0" g="0" b="0"/>
+      </a:lnRef>
+      <a:fillRef idx="1">
+        <a:scrgbClr r="0" g="0" b="0"/>
+      </a:fillRef>
+      <a:effectRef idx="0">
+        <a:scrgbClr r="0" g="0" b="0"/>
+      </a:effectRef>
+      <a:fontRef idx="minor"/>
+    </dgm:style>
+  </dgm:styleLbl>
+  <dgm:styleLbl name="fgAccFollowNode1">
+    <dgm:scene3d>
+      <a:camera prst="orthographicFront"/>
+      <a:lightRig rig="threePt" dir="t"/>
+    </dgm:scene3d>
+    <dgm:sp3d/>
+    <dgm:txPr/>
+    <dgm:style>
+      <a:lnRef idx="2">
+        <a:scrgbClr r="0" g="0" b="0"/>
+      </a:lnRef>
+      <a:fillRef idx="1">
+        <a:scrgbClr r="0" g="0" b="0"/>
+      </a:fillRef>
+      <a:effectRef idx="0">
+        <a:scrgbClr r="0" g="0" b="0"/>
+      </a:effectRef>
+      <a:fontRef idx="minor"/>
+    </dgm:style>
+  </dgm:styleLbl>
+  <dgm:styleLbl name="alignAccFollowNode1">
+    <dgm:scene3d>
+      <a:camera prst="orthographicFront"/>
+      <a:lightRig rig="threePt" dir="t"/>
+    </dgm:scene3d>
+    <dgm:sp3d/>
+    <dgm:txPr/>
+    <dgm:style>
+      <a:lnRef idx="2">
+        <a:scrgbClr r="0" g="0" b="0"/>
+      </a:lnRef>
+      <a:fillRef idx="1">
+        <a:scrgbClr r="0" g="0" b="0"/>
+      </a:fillRef>
+      <a:effectRef idx="0">
+        <a:scrgbClr r="0" g="0" b="0"/>
+      </a:effectRef>
+      <a:fontRef idx="minor"/>
+    </dgm:style>
+  </dgm:styleLbl>
+  <dgm:styleLbl name="bgAccFollowNode1">
+    <dgm:scene3d>
+      <a:camera prst="orthographicFront"/>
+      <a:lightRig rig="threePt" dir="t"/>
+    </dgm:scene3d>
+    <dgm:sp3d/>
+    <dgm:txPr/>
+    <dgm:style>
+      <a:lnRef idx="2">
+        <a:scrgbClr r="0" g="0" b="0"/>
+      </a:lnRef>
+      <a:fillRef idx="1">
+        <a:scrgbClr r="0" g="0" b="0"/>
+      </a:fillRef>
+      <a:effectRef idx="0">
+        <a:scrgbClr r="0" g="0" b="0"/>
+      </a:effectRef>
+      <a:fontRef idx="minor"/>
+    </dgm:style>
+  </dgm:styleLbl>
+  <dgm:styleLbl name="fgAcc0">
+    <dgm:scene3d>
+      <a:camera prst="orthographicFront"/>
+      <a:lightRig rig="threePt" dir="t"/>
+    </dgm:scene3d>
+    <dgm:sp3d/>
+    <dgm:txPr/>
+    <dgm:style>
+      <a:lnRef idx="2">
+        <a:scrgbClr r="0" g="0" b="0"/>
+      </a:lnRef>
+      <a:fillRef idx="1">
+        <a:scrgbClr r="0" g="0" b="0"/>
+      </a:fillRef>
+      <a:effectRef idx="0">
+        <a:scrgbClr r="0" g="0" b="0"/>
+      </a:effectRef>
+      <a:fontRef idx="minor"/>
+    </dgm:style>
+  </dgm:styleLbl>
+  <dgm:styleLbl name="fgAcc2">
+    <dgm:scene3d>
+      <a:camera prst="orthographicFront"/>
+      <a:lightRig rig="threePt" dir="t"/>
+    </dgm:scene3d>
+    <dgm:sp3d/>
+    <dgm:txPr/>
+    <dgm:style>
+      <a:lnRef idx="2">
+        <a:scrgbClr r="0" g="0" b="0"/>
+      </a:lnRef>
+      <a:fillRef idx="1">
+        <a:scrgbClr r="0" g="0" b="0"/>
+      </a:fillRef>
+      <a:effectRef idx="0">
+        <a:scrgbClr r="0" g="0" b="0"/>
+      </a:effectRef>
+      <a:fontRef idx="minor"/>
+    </dgm:style>
+  </dgm:styleLbl>
+  <dgm:styleLbl name="fgAcc3">
+    <dgm:scene3d>
+      <a:camera prst="orthographicFront"/>
+      <a:lightRig rig="threePt" dir="t"/>
+    </dgm:scene3d>
+    <dgm:sp3d/>
+    <dgm:txPr/>
+    <dgm:style>
+      <a:lnRef idx="2">
+        <a:scrgbClr r="0" g="0" b="0"/>
+      </a:lnRef>
+      <a:fillRef idx="1">
+        <a:scrgbClr r="0" g="0" b="0"/>
+      </a:fillRef>
+      <a:effectRef idx="0">
+        <a:scrgbClr r="0" g="0" b="0"/>
+      </a:effectRef>
+      <a:fontRef idx="minor"/>
+    </dgm:style>
+  </dgm:styleLbl>
+  <dgm:styleLbl name="fgAcc4">
+    <dgm:scene3d>
+      <a:camera prst="orthographicFront"/>
+      <a:lightRig rig="threePt" dir="t"/>
+    </dgm:scene3d>
+    <dgm:sp3d/>
+    <dgm:txPr/>
+    <dgm:style>
+      <a:lnRef idx="2">
+        <a:scrgbClr r="0" g="0" b="0"/>
+      </a:lnRef>
+      <a:fillRef idx="1">
+        <a:scrgbClr r="0" g="0" b="0"/>
+      </a:fillRef>
+      <a:effectRef idx="0">
+        <a:scrgbClr r="0" g="0" b="0"/>
+      </a:effectRef>
+      <a:fontRef idx="minor"/>
+    </dgm:style>
+  </dgm:styleLbl>
+  <dgm:styleLbl name="bgShp">
+    <dgm:scene3d>
+      <a:camera prst="orthographicFront"/>
+      <a:lightRig rig="threePt" dir="t"/>
+    </dgm:scene3d>
+    <dgm:sp3d/>
+    <dgm:txPr/>
+    <dgm:style>
+      <a:lnRef idx="0">
+        <a:scrgbClr r="0" g="0" b="0"/>
+      </a:lnRef>
+      <a:fillRef idx="1">
+        <a:scrgbClr r="0" g="0" b="0"/>
+      </a:fillRef>
+      <a:effectRef idx="0">
+        <a:scrgbClr r="0" g="0" b="0"/>
+      </a:effectRef>
+      <a:fontRef idx="minor"/>
+    </dgm:style>
+  </dgm:styleLbl>
+  <dgm:styleLbl name="dkBgShp">
+    <dgm:scene3d>
+      <a:camera prst="orthographicFront"/>
+      <a:lightRig rig="threePt" dir="t"/>
+    </dgm:scene3d>
+    <dgm:sp3d/>
+    <dgm:txPr/>
+    <dgm:style>
+      <a:lnRef idx="0">
+        <a:scrgbClr r="0" g="0" b="0"/>
+      </a:lnRef>
+      <a:fillRef idx="1">
+        <a:scrgbClr r="0" g="0" b="0"/>
+      </a:fillRef>
+      <a:effectRef idx="0">
+        <a:scrgbClr r="0" g="0" b="0"/>
+      </a:effectRef>
+      <a:fontRef idx="minor"/>
+    </dgm:style>
+  </dgm:styleLbl>
+  <dgm:styleLbl name="trBgShp">
+    <dgm:scene3d>
+      <a:camera prst="orthographicFront"/>
+      <a:lightRig rig="threePt" dir="t"/>
+    </dgm:scene3d>
+    <dgm:sp3d/>
+    <dgm:txPr/>
+    <dgm:style>
+      <a:lnRef idx="0">
+        <a:scrgbClr r="0" g="0" b="0"/>
+      </a:lnRef>
+      <a:fillRef idx="1">
+        <a:scrgbClr r="0" g="0" b="0"/>
+      </a:fillRef>
+      <a:effectRef idx="0">
+        <a:scrgbClr r="0" g="0" b="0"/>
+      </a:effectRef>
+      <a:fontRef idx="minor"/>
+    </dgm:style>
+  </dgm:styleLbl>
+  <dgm:styleLbl name="fgShp">
+    <dgm:scene3d>
+      <a:camera prst="orthographicFront"/>
+      <a:lightRig rig="threePt" dir="t"/>
+    </dgm:scene3d>
+    <dgm:sp3d/>
+    <dgm:txPr/>
+    <dgm:style>
+      <a:lnRef idx="2">
+        <a:scrgbClr r="0" g="0" b="0"/>
+      </a:lnRef>
+      <a:fillRef idx="1">
+        <a:scrgbClr r="0" g="0" b="0"/>
+      </a:fillRef>
+      <a:effectRef idx="0">
+        <a:scrgbClr r="0" g="0" b="0"/>
+      </a:effectRef>
+      <a:fontRef idx="minor"/>
+    </dgm:style>
+  </dgm:styleLbl>
+  <dgm:styleLbl name="revTx">
+    <dgm:scene3d>
+      <a:camera prst="orthographicFront"/>
+      <a:lightRig rig="threePt" dir="t"/>
+    </dgm:scene3d>
+    <dgm:sp3d/>
+    <dgm:txPr/>
+    <dgm:style>
+      <a:lnRef idx="0">
+        <a:scrgbClr r="0" g="0" b="0"/>
+      </a:lnRef>
+      <a:fillRef idx="0">
+        <a:scrgbClr r="0" g="0" b="0"/>
+      </a:fillRef>
+      <a:effectRef idx="0">
+        <a:scrgbClr r="0" g="0" b="0"/>
+      </a:effectRef>
+      <a:fontRef idx="minor"/>
+    </dgm:style>
+  </dgm:styleLbl>
+</dgm:styleDef>
 </file>
 
 <file path=ppt/slideLayouts/slideLayout1.xml><?xml version="1.0" encoding="utf-8"?>
@@ -256,7 +2806,7 @@
           <a:p>
             <a:fld id="{DB133C82-7CB5-E24B-B9F4-4643C99F7127}" type="datetimeFigureOut">
               <a:rPr lang="en-GH" smtClean="0"/>
-              <a:t>01/06/2021</a:t>
+              <a:t>06/02/2021</a:t>
             </a:fld>
             <a:endParaRPr lang="en-GH"/>
           </a:p>
@@ -456,7 +3006,7 @@
           <a:p>
             <a:fld id="{DB133C82-7CB5-E24B-B9F4-4643C99F7127}" type="datetimeFigureOut">
               <a:rPr lang="en-GH" smtClean="0"/>
-              <a:t>01/06/2021</a:t>
+              <a:t>06/02/2021</a:t>
             </a:fld>
             <a:endParaRPr lang="en-GH"/>
           </a:p>
@@ -666,7 +3216,7 @@
           <a:p>
             <a:fld id="{DB133C82-7CB5-E24B-B9F4-4643C99F7127}" type="datetimeFigureOut">
               <a:rPr lang="en-GH" smtClean="0"/>
-              <a:t>01/06/2021</a:t>
+              <a:t>06/02/2021</a:t>
             </a:fld>
             <a:endParaRPr lang="en-GH"/>
           </a:p>
@@ -866,7 +3416,7 @@
           <a:p>
             <a:fld id="{DB133C82-7CB5-E24B-B9F4-4643C99F7127}" type="datetimeFigureOut">
               <a:rPr lang="en-GH" smtClean="0"/>
-              <a:t>01/06/2021</a:t>
+              <a:t>06/02/2021</a:t>
             </a:fld>
             <a:endParaRPr lang="en-GH"/>
           </a:p>
@@ -1142,7 +3692,7 @@
           <a:p>
             <a:fld id="{DB133C82-7CB5-E24B-B9F4-4643C99F7127}" type="datetimeFigureOut">
               <a:rPr lang="en-GH" smtClean="0"/>
-              <a:t>01/06/2021</a:t>
+              <a:t>06/02/2021</a:t>
             </a:fld>
             <a:endParaRPr lang="en-GH"/>
           </a:p>
@@ -1410,7 +3960,7 @@
           <a:p>
             <a:fld id="{DB133C82-7CB5-E24B-B9F4-4643C99F7127}" type="datetimeFigureOut">
               <a:rPr lang="en-GH" smtClean="0"/>
-              <a:t>01/06/2021</a:t>
+              <a:t>06/02/2021</a:t>
             </a:fld>
             <a:endParaRPr lang="en-GH"/>
           </a:p>
@@ -1825,7 +4375,7 @@
           <a:p>
             <a:fld id="{DB133C82-7CB5-E24B-B9F4-4643C99F7127}" type="datetimeFigureOut">
               <a:rPr lang="en-GH" smtClean="0"/>
-              <a:t>01/06/2021</a:t>
+              <a:t>06/02/2021</a:t>
             </a:fld>
             <a:endParaRPr lang="en-GH"/>
           </a:p>
@@ -1967,7 +4517,7 @@
           <a:p>
             <a:fld id="{DB133C82-7CB5-E24B-B9F4-4643C99F7127}" type="datetimeFigureOut">
               <a:rPr lang="en-GH" smtClean="0"/>
-              <a:t>01/06/2021</a:t>
+              <a:t>06/02/2021</a:t>
             </a:fld>
             <a:endParaRPr lang="en-GH"/>
           </a:p>
@@ -2080,7 +4630,7 @@
           <a:p>
             <a:fld id="{DB133C82-7CB5-E24B-B9F4-4643C99F7127}" type="datetimeFigureOut">
               <a:rPr lang="en-GH" smtClean="0"/>
-              <a:t>01/06/2021</a:t>
+              <a:t>06/02/2021</a:t>
             </a:fld>
             <a:endParaRPr lang="en-GH"/>
           </a:p>
@@ -2393,7 +4943,7 @@
           <a:p>
             <a:fld id="{DB133C82-7CB5-E24B-B9F4-4643C99F7127}" type="datetimeFigureOut">
               <a:rPr lang="en-GH" smtClean="0"/>
-              <a:t>01/06/2021</a:t>
+              <a:t>06/02/2021</a:t>
             </a:fld>
             <a:endParaRPr lang="en-GH"/>
           </a:p>
@@ -2682,7 +5232,7 @@
           <a:p>
             <a:fld id="{DB133C82-7CB5-E24B-B9F4-4643C99F7127}" type="datetimeFigureOut">
               <a:rPr lang="en-GH" smtClean="0"/>
-              <a:t>01/06/2021</a:t>
+              <a:t>06/02/2021</a:t>
             </a:fld>
             <a:endParaRPr lang="en-GH"/>
           </a:p>
@@ -2925,7 +5475,7 @@
           <a:p>
             <a:fld id="{DB133C82-7CB5-E24B-B9F4-4643C99F7127}" type="datetimeFigureOut">
               <a:rPr lang="en-GH" smtClean="0"/>
-              <a:t>01/06/2021</a:t>
+              <a:t>06/02/2021</a:t>
             </a:fld>
             <a:endParaRPr lang="en-GH"/>
           </a:p>
@@ -3347,7 +5897,7 @@
           <p:cNvPr id="2" name="Title 1">
             <a:extLst>
               <a:ext uri="{FF2B5EF4-FFF2-40B4-BE49-F238E27FC236}">
-                <a16:creationId xmlns:a16="http://schemas.microsoft.com/office/drawing/2014/main" id="{4D9B9409-451B-AB49-A64E-77ED0F77AE71}"/>
+                <a16:creationId xmlns:a16="http://schemas.microsoft.com/office/drawing/2014/main" id="{3DD505FE-D6BA-452B-BAB5-2E0EE2685F04}"/>
               </a:ext>
             </a:extLst>
           </p:cNvPr>
@@ -3356,6 +5906,176 @@
           </p:cNvSpPr>
           <p:nvPr>
             <p:ph type="ctrTitle"/>
+          </p:nvPr>
+        </p:nvSpPr>
+        <p:spPr>
+          <a:xfrm>
+            <a:off x="2581275" y="1349793"/>
+            <a:ext cx="6858000" cy="975770"/>
+          </a:xfrm>
+        </p:spPr>
+        <p:txBody>
+          <a:bodyPr>
+            <a:noAutofit/>
+          </a:bodyPr>
+          <a:lstStyle/>
+          <a:p>
+            <a:pPr>
+              <a:spcBef>
+                <a:spcPts val="0"/>
+              </a:spcBef>
+            </a:pPr>
+            <a:r>
+              <a:rPr lang="en-US" sz="4000" b="1" dirty="0">
+                <a:latin typeface="Lucida Sans Unicode" panose="020B0602030504020204" pitchFamily="34" charset="0"/>
+                <a:ea typeface="Lucida Sans Unicode" panose="020B0602030504020204" pitchFamily="34" charset="0"/>
+              </a:rPr>
+              <a:t>Exploratory Data Analysis Project Report on Chocolate Bar Ratings</a:t>
+            </a:r>
+          </a:p>
+        </p:txBody>
+      </p:sp>
+      <p:sp>
+        <p:nvSpPr>
+          <p:cNvPr id="3" name="Subtitle 2">
+            <a:extLst>
+              <a:ext uri="{FF2B5EF4-FFF2-40B4-BE49-F238E27FC236}">
+                <a16:creationId xmlns:a16="http://schemas.microsoft.com/office/drawing/2014/main" id="{1176CF2F-6D67-4319-BC21-9881F14BF649}"/>
+              </a:ext>
+            </a:extLst>
+          </p:cNvPr>
+          <p:cNvSpPr>
+            <a:spLocks noGrp="1"/>
+          </p:cNvSpPr>
+          <p:nvPr>
+            <p:ph type="subTitle" idx="1"/>
+          </p:nvPr>
+        </p:nvSpPr>
+        <p:spPr>
+          <a:xfrm>
+            <a:off x="2581275" y="3290617"/>
+            <a:ext cx="6858000" cy="1241822"/>
+          </a:xfrm>
+        </p:spPr>
+        <p:txBody>
+          <a:bodyPr>
+            <a:noAutofit/>
+          </a:bodyPr>
+          <a:lstStyle/>
+          <a:p>
+            <a:pPr>
+              <a:spcBef>
+                <a:spcPts val="0"/>
+              </a:spcBef>
+            </a:pPr>
+            <a:r>
+              <a:rPr lang="en-US" sz="3200" dirty="0">
+                <a:latin typeface="Lucida Sans Unicode" panose="020B0602030504020204" pitchFamily="34" charset="0"/>
+                <a:ea typeface="Lucida Sans Unicode" panose="020B0602030504020204" pitchFamily="34" charset="0"/>
+              </a:rPr>
+              <a:t>Group Members</a:t>
+            </a:r>
+          </a:p>
+          <a:p>
+            <a:pPr>
+              <a:spcBef>
+                <a:spcPts val="0"/>
+              </a:spcBef>
+            </a:pPr>
+            <a:r>
+              <a:rPr lang="en-US" sz="3200" dirty="0">
+                <a:latin typeface="Lucida Sans Unicode" panose="020B0602030504020204" pitchFamily="34" charset="0"/>
+                <a:ea typeface="Lucida Sans Unicode" panose="020B0602030504020204" pitchFamily="34" charset="0"/>
+              </a:rPr>
+              <a:t> </a:t>
+            </a:r>
+          </a:p>
+          <a:p>
+            <a:pPr>
+              <a:spcBef>
+                <a:spcPts val="0"/>
+              </a:spcBef>
+            </a:pPr>
+            <a:r>
+              <a:rPr lang="en-US" sz="3200" dirty="0">
+                <a:latin typeface="Lucida Sans Unicode" panose="020B0602030504020204" pitchFamily="34" charset="0"/>
+                <a:ea typeface="Lucida Sans Unicode" panose="020B0602030504020204" pitchFamily="34" charset="0"/>
+              </a:rPr>
+              <a:t>Elliot Kojo Attipoe</a:t>
+            </a:r>
+          </a:p>
+          <a:p>
+            <a:pPr>
+              <a:spcBef>
+                <a:spcPts val="0"/>
+              </a:spcBef>
+            </a:pPr>
+            <a:r>
+              <a:rPr lang="en-US" sz="3200" dirty="0">
+                <a:latin typeface="Lucida Sans Unicode" panose="020B0602030504020204" pitchFamily="34" charset="0"/>
+                <a:ea typeface="Lucida Sans Unicode" panose="020B0602030504020204" pitchFamily="34" charset="0"/>
+              </a:rPr>
+              <a:t>Isaac Armah-Mensah</a:t>
+            </a:r>
+          </a:p>
+          <a:p>
+            <a:pPr>
+              <a:spcBef>
+                <a:spcPts val="0"/>
+              </a:spcBef>
+            </a:pPr>
+            <a:r>
+              <a:rPr lang="en-US" sz="3200" dirty="0">
+                <a:latin typeface="Lucida Sans Unicode" panose="020B0602030504020204" pitchFamily="34" charset="0"/>
+                <a:ea typeface="Lucida Sans Unicode" panose="020B0602030504020204" pitchFamily="34" charset="0"/>
+              </a:rPr>
+              <a:t>Franklin </a:t>
+            </a:r>
+            <a:r>
+              <a:rPr lang="en-US" sz="3200" dirty="0" err="1">
+                <a:latin typeface="Lucida Sans Unicode" panose="020B0602030504020204" pitchFamily="34" charset="0"/>
+                <a:ea typeface="Lucida Sans Unicode" panose="020B0602030504020204" pitchFamily="34" charset="0"/>
+              </a:rPr>
+              <a:t>Kome</a:t>
+            </a:r>
+            <a:r>
+              <a:rPr lang="en-US" sz="3200" dirty="0">
+                <a:latin typeface="Lucida Sans Unicode" panose="020B0602030504020204" pitchFamily="34" charset="0"/>
+                <a:ea typeface="Lucida Sans Unicode" panose="020B0602030504020204" pitchFamily="34" charset="0"/>
+              </a:rPr>
+              <a:t> </a:t>
+            </a:r>
+            <a:r>
+              <a:rPr lang="en-US" sz="3200" dirty="0" err="1">
+                <a:latin typeface="Lucida Sans Unicode" panose="020B0602030504020204" pitchFamily="34" charset="0"/>
+                <a:ea typeface="Lucida Sans Unicode" panose="020B0602030504020204" pitchFamily="34" charset="0"/>
+              </a:rPr>
+              <a:t>Amoo</a:t>
+            </a:r>
+            <a:endParaRPr lang="en-US" sz="3200" dirty="0">
+              <a:latin typeface="Lucida Sans Unicode" panose="020B0602030504020204" pitchFamily="34" charset="0"/>
+              <a:ea typeface="Lucida Sans Unicode" panose="020B0602030504020204" pitchFamily="34" charset="0"/>
+            </a:endParaRPr>
+          </a:p>
+          <a:p>
+            <a:endParaRPr lang="en-US" sz="3200" dirty="0"/>
+          </a:p>
+        </p:txBody>
+      </p:sp>
+      <p:sp>
+        <p:nvSpPr>
+          <p:cNvPr id="4" name="Slide Number Placeholder 3">
+            <a:extLst>
+              <a:ext uri="{FF2B5EF4-FFF2-40B4-BE49-F238E27FC236}">
+                <a16:creationId xmlns:a16="http://schemas.microsoft.com/office/drawing/2014/main" id="{8F087C69-1015-40F4-93E3-DAFD2710DFE3}"/>
+              </a:ext>
+            </a:extLst>
+          </p:cNvPr>
+          <p:cNvSpPr>
+            <a:spLocks noGrp="1"/>
+          </p:cNvSpPr>
+          <p:nvPr>
+            <p:ph type="sldNum" sz="quarter" idx="12"/>
           </p:nvPr>
         </p:nvSpPr>
         <p:spPr/>
@@ -3363,39 +6083,1777 @@
           <a:bodyPr/>
           <a:lstStyle/>
           <a:p>
-            <a:endParaRPr lang="en-GH"/>
-          </a:p>
-        </p:txBody>
-      </p:sp>
-      <p:sp>
-        <p:nvSpPr>
-          <p:cNvPr id="3" name="Subtitle 2">
-            <a:extLst>
-              <a:ext uri="{FF2B5EF4-FFF2-40B4-BE49-F238E27FC236}">
-                <a16:creationId xmlns:a16="http://schemas.microsoft.com/office/drawing/2014/main" id="{2CCC534E-BEEC-DA45-8A79-EB8F4D8B34E2}"/>
-              </a:ext>
-            </a:extLst>
-          </p:cNvPr>
-          <p:cNvSpPr>
-            <a:spLocks noGrp="1"/>
-          </p:cNvSpPr>
-          <p:nvPr>
-            <p:ph type="subTitle" idx="1"/>
-          </p:nvPr>
-        </p:nvSpPr>
-        <p:spPr/>
-        <p:txBody>
-          <a:bodyPr/>
-          <a:lstStyle/>
-          <a:p>
-            <a:endParaRPr lang="en-GH"/>
+            <a:fld id="{7FA81DE9-9325-4540-92B4-5A7DD3142AA3}" type="slidenum">
+              <a:rPr lang="en-US" smtClean="0"/>
+              <a:t>1</a:t>
+            </a:fld>
+            <a:endParaRPr lang="en-US"/>
           </a:p>
         </p:txBody>
       </p:sp>
     </p:spTree>
     <p:extLst>
       <p:ext uri="{BB962C8B-B14F-4D97-AF65-F5344CB8AC3E}">
-        <p14:creationId xmlns:p14="http://schemas.microsoft.com/office/powerpoint/2010/main" val="31355367"/>
+        <p14:creationId xmlns:p14="http://schemas.microsoft.com/office/powerpoint/2010/main" val="3784774180"/>
+      </p:ext>
+    </p:extLst>
+  </p:cSld>
+  <p:clrMapOvr>
+    <a:masterClrMapping/>
+  </p:clrMapOvr>
+</p:sld>
+</file>
+
+<file path=ppt/slides/slide2.xml><?xml version="1.0" encoding="utf-8"?>
+<p:sld xmlns:a="http://schemas.openxmlformats.org/drawingml/2006/main" xmlns:r="http://schemas.openxmlformats.org/officeDocument/2006/relationships" xmlns:p="http://schemas.openxmlformats.org/presentationml/2006/main">
+  <p:cSld>
+    <p:spTree>
+      <p:nvGrpSpPr>
+        <p:cNvPr id="1" name=""/>
+        <p:cNvGrpSpPr/>
+        <p:nvPr/>
+      </p:nvGrpSpPr>
+      <p:grpSpPr>
+        <a:xfrm>
+          <a:off x="0" y="0"/>
+          <a:ext cx="0" cy="0"/>
+          <a:chOff x="0" y="0"/>
+          <a:chExt cx="0" cy="0"/>
+        </a:xfrm>
+      </p:grpSpPr>
+      <p:sp>
+        <p:nvSpPr>
+          <p:cNvPr id="2" name="Title 1">
+            <a:extLst>
+              <a:ext uri="{FF2B5EF4-FFF2-40B4-BE49-F238E27FC236}">
+                <a16:creationId xmlns:a16="http://schemas.microsoft.com/office/drawing/2014/main" id="{B283DF06-38B4-49A4-86D9-D5B080B761FC}"/>
+              </a:ext>
+            </a:extLst>
+          </p:cNvPr>
+          <p:cNvSpPr>
+            <a:spLocks noGrp="1"/>
+          </p:cNvSpPr>
+          <p:nvPr>
+            <p:ph type="title"/>
+          </p:nvPr>
+        </p:nvSpPr>
+        <p:spPr/>
+        <p:txBody>
+          <a:bodyPr/>
+          <a:lstStyle/>
+          <a:p>
+            <a:r>
+              <a:rPr lang="en-US" b="1" dirty="0"/>
+              <a:t>Introduction </a:t>
+            </a:r>
+          </a:p>
+        </p:txBody>
+      </p:sp>
+      <p:sp>
+        <p:nvSpPr>
+          <p:cNvPr id="3" name="Content Placeholder 2">
+            <a:extLst>
+              <a:ext uri="{FF2B5EF4-FFF2-40B4-BE49-F238E27FC236}">
+                <a16:creationId xmlns:a16="http://schemas.microsoft.com/office/drawing/2014/main" id="{DDE555CF-96CC-424B-96D4-696C9FCCBBB8}"/>
+              </a:ext>
+            </a:extLst>
+          </p:cNvPr>
+          <p:cNvSpPr>
+            <a:spLocks noGrp="1"/>
+          </p:cNvSpPr>
+          <p:nvPr>
+            <p:ph idx="1"/>
+          </p:nvPr>
+        </p:nvSpPr>
+        <p:spPr/>
+        <p:txBody>
+          <a:bodyPr/>
+          <a:lstStyle/>
+          <a:p>
+            <a:r>
+              <a:rPr lang="en-US" sz="1350" dirty="0">
+                <a:latin typeface="Lucida Sans Unicode" panose="020B0602030504020204" pitchFamily="34" charset="0"/>
+                <a:ea typeface="Lucida Sans Unicode" panose="020B0602030504020204" pitchFamily="34" charset="0"/>
+              </a:rPr>
+              <a:t>Exploratory Data Analysis is part of the data science lifecycle</a:t>
+            </a:r>
+            <a:r>
+              <a:rPr lang="en-US" dirty="0"/>
+              <a:t> </a:t>
+            </a:r>
+          </a:p>
+        </p:txBody>
+      </p:sp>
+      <p:pic>
+        <p:nvPicPr>
+          <p:cNvPr id="4" name="Picture 3">
+            <a:extLst>
+              <a:ext uri="{FF2B5EF4-FFF2-40B4-BE49-F238E27FC236}">
+                <a16:creationId xmlns:a16="http://schemas.microsoft.com/office/drawing/2014/main" id="{D48F73B5-8A26-4CC2-A3DF-7FC20D303311}"/>
+              </a:ext>
+            </a:extLst>
+          </p:cNvPr>
+          <p:cNvPicPr/>
+          <p:nvPr/>
+        </p:nvPicPr>
+        <p:blipFill>
+          <a:blip r:embed="rId2">
+            <a:extLst>
+              <a:ext uri="{28A0092B-C50C-407E-A947-70E740481C1C}">
+                <a14:useLocalDpi xmlns:a14="http://schemas.microsoft.com/office/drawing/2010/main" val="0"/>
+              </a:ext>
+            </a:extLst>
+          </a:blip>
+          <a:srcRect/>
+          <a:stretch>
+            <a:fillRect/>
+          </a:stretch>
+        </p:blipFill>
+        <p:spPr bwMode="auto">
+          <a:xfrm>
+            <a:off x="3681414" y="2644617"/>
+            <a:ext cx="4383087" cy="3848257"/>
+          </a:xfrm>
+          <a:prstGeom prst="rect">
+            <a:avLst/>
+          </a:prstGeom>
+          <a:noFill/>
+          <a:ln>
+            <a:noFill/>
+          </a:ln>
+        </p:spPr>
+      </p:pic>
+      <p:sp>
+        <p:nvSpPr>
+          <p:cNvPr id="5" name="Slide Number Placeholder 4">
+            <a:extLst>
+              <a:ext uri="{FF2B5EF4-FFF2-40B4-BE49-F238E27FC236}">
+                <a16:creationId xmlns:a16="http://schemas.microsoft.com/office/drawing/2014/main" id="{38BB9C73-5A94-4061-BBBF-6BFBBD39D74E}"/>
+              </a:ext>
+            </a:extLst>
+          </p:cNvPr>
+          <p:cNvSpPr>
+            <a:spLocks noGrp="1"/>
+          </p:cNvSpPr>
+          <p:nvPr>
+            <p:ph type="sldNum" sz="quarter" idx="12"/>
+          </p:nvPr>
+        </p:nvSpPr>
+        <p:spPr/>
+        <p:txBody>
+          <a:bodyPr/>
+          <a:lstStyle/>
+          <a:p>
+            <a:fld id="{7FA81DE9-9325-4540-92B4-5A7DD3142AA3}" type="slidenum">
+              <a:rPr lang="en-US" smtClean="0"/>
+              <a:t>2</a:t>
+            </a:fld>
+            <a:endParaRPr lang="en-US"/>
+          </a:p>
+        </p:txBody>
+      </p:sp>
+    </p:spTree>
+    <p:extLst>
+      <p:ext uri="{BB962C8B-B14F-4D97-AF65-F5344CB8AC3E}">
+        <p14:creationId xmlns:p14="http://schemas.microsoft.com/office/powerpoint/2010/main" val="703792334"/>
+      </p:ext>
+    </p:extLst>
+  </p:cSld>
+  <p:clrMapOvr>
+    <a:masterClrMapping/>
+  </p:clrMapOvr>
+</p:sld>
+</file>
+
+<file path=ppt/slides/slide3.xml><?xml version="1.0" encoding="utf-8"?>
+<p:sld xmlns:a="http://schemas.openxmlformats.org/drawingml/2006/main" xmlns:r="http://schemas.openxmlformats.org/officeDocument/2006/relationships" xmlns:p="http://schemas.openxmlformats.org/presentationml/2006/main">
+  <p:cSld>
+    <p:spTree>
+      <p:nvGrpSpPr>
+        <p:cNvPr id="1" name=""/>
+        <p:cNvGrpSpPr/>
+        <p:nvPr/>
+      </p:nvGrpSpPr>
+      <p:grpSpPr>
+        <a:xfrm>
+          <a:off x="0" y="0"/>
+          <a:ext cx="0" cy="0"/>
+          <a:chOff x="0" y="0"/>
+          <a:chExt cx="0" cy="0"/>
+        </a:xfrm>
+      </p:grpSpPr>
+      <p:sp>
+        <p:nvSpPr>
+          <p:cNvPr id="2" name="Title 1">
+            <a:extLst>
+              <a:ext uri="{FF2B5EF4-FFF2-40B4-BE49-F238E27FC236}">
+                <a16:creationId xmlns:a16="http://schemas.microsoft.com/office/drawing/2014/main" id="{ADA243C0-4B55-48B5-A027-09520AC88E80}"/>
+              </a:ext>
+            </a:extLst>
+          </p:cNvPr>
+          <p:cNvSpPr>
+            <a:spLocks noGrp="1"/>
+          </p:cNvSpPr>
+          <p:nvPr>
+            <p:ph type="title"/>
+          </p:nvPr>
+        </p:nvSpPr>
+        <p:spPr/>
+        <p:txBody>
+          <a:bodyPr/>
+          <a:lstStyle/>
+          <a:p>
+            <a:r>
+              <a:rPr lang="en-US" b="1" dirty="0"/>
+              <a:t>Definition of EDA</a:t>
+            </a:r>
+          </a:p>
+        </p:txBody>
+      </p:sp>
+      <p:sp>
+        <p:nvSpPr>
+          <p:cNvPr id="3" name="Content Placeholder 2">
+            <a:extLst>
+              <a:ext uri="{FF2B5EF4-FFF2-40B4-BE49-F238E27FC236}">
+                <a16:creationId xmlns:a16="http://schemas.microsoft.com/office/drawing/2014/main" id="{0E002F0C-305E-4402-8C58-4FD86712393A}"/>
+              </a:ext>
+            </a:extLst>
+          </p:cNvPr>
+          <p:cNvSpPr>
+            <a:spLocks noGrp="1"/>
+          </p:cNvSpPr>
+          <p:nvPr>
+            <p:ph idx="1"/>
+          </p:nvPr>
+        </p:nvSpPr>
+        <p:spPr/>
+        <p:txBody>
+          <a:bodyPr>
+            <a:normAutofit/>
+          </a:bodyPr>
+          <a:lstStyle/>
+          <a:p>
+            <a:r>
+              <a:rPr lang="en-US" sz="2400" dirty="0">
+                <a:latin typeface="Lucida Sans Unicode" panose="020B0602030504020204" pitchFamily="34" charset="0"/>
+                <a:ea typeface="Lucida Sans Unicode" panose="020B0602030504020204" pitchFamily="34" charset="0"/>
+              </a:rPr>
+              <a:t>Exploratory Data Analysis (EDA) generally refers to the process of performing initial investigations on data with the aim of discovering patterns, anomalies, testing hypothesis or checking assumptions with the aid of descriptive statistics and graphical representations. </a:t>
+            </a:r>
+            <a:endParaRPr lang="en-US" sz="2400" dirty="0"/>
+          </a:p>
+        </p:txBody>
+      </p:sp>
+      <p:sp>
+        <p:nvSpPr>
+          <p:cNvPr id="4" name="Slide Number Placeholder 3">
+            <a:extLst>
+              <a:ext uri="{FF2B5EF4-FFF2-40B4-BE49-F238E27FC236}">
+                <a16:creationId xmlns:a16="http://schemas.microsoft.com/office/drawing/2014/main" id="{BCB46923-A629-434E-BC05-6E7BE1B6E7F2}"/>
+              </a:ext>
+            </a:extLst>
+          </p:cNvPr>
+          <p:cNvSpPr>
+            <a:spLocks noGrp="1"/>
+          </p:cNvSpPr>
+          <p:nvPr>
+            <p:ph type="sldNum" sz="quarter" idx="12"/>
+          </p:nvPr>
+        </p:nvSpPr>
+        <p:spPr/>
+        <p:txBody>
+          <a:bodyPr/>
+          <a:lstStyle/>
+          <a:p>
+            <a:fld id="{7FA81DE9-9325-4540-92B4-5A7DD3142AA3}" type="slidenum">
+              <a:rPr lang="en-US" smtClean="0"/>
+              <a:t>3</a:t>
+            </a:fld>
+            <a:endParaRPr lang="en-US"/>
+          </a:p>
+        </p:txBody>
+      </p:sp>
+    </p:spTree>
+    <p:extLst>
+      <p:ext uri="{BB962C8B-B14F-4D97-AF65-F5344CB8AC3E}">
+        <p14:creationId xmlns:p14="http://schemas.microsoft.com/office/powerpoint/2010/main" val="729263089"/>
+      </p:ext>
+    </p:extLst>
+  </p:cSld>
+  <p:clrMapOvr>
+    <a:masterClrMapping/>
+  </p:clrMapOvr>
+</p:sld>
+</file>
+
+<file path=ppt/slides/slide4.xml><?xml version="1.0" encoding="utf-8"?>
+<p:sld xmlns:a="http://schemas.openxmlformats.org/drawingml/2006/main" xmlns:r="http://schemas.openxmlformats.org/officeDocument/2006/relationships" xmlns:p="http://schemas.openxmlformats.org/presentationml/2006/main">
+  <p:cSld>
+    <p:spTree>
+      <p:nvGrpSpPr>
+        <p:cNvPr id="1" name=""/>
+        <p:cNvGrpSpPr/>
+        <p:nvPr/>
+      </p:nvGrpSpPr>
+      <p:grpSpPr>
+        <a:xfrm>
+          <a:off x="0" y="0"/>
+          <a:ext cx="0" cy="0"/>
+          <a:chOff x="0" y="0"/>
+          <a:chExt cx="0" cy="0"/>
+        </a:xfrm>
+      </p:grpSpPr>
+      <p:sp>
+        <p:nvSpPr>
+          <p:cNvPr id="2" name="Title 1">
+            <a:extLst>
+              <a:ext uri="{FF2B5EF4-FFF2-40B4-BE49-F238E27FC236}">
+                <a16:creationId xmlns:a16="http://schemas.microsoft.com/office/drawing/2014/main" id="{F26BD162-E02C-4250-8517-1DE8F8943EEE}"/>
+              </a:ext>
+            </a:extLst>
+          </p:cNvPr>
+          <p:cNvSpPr>
+            <a:spLocks noGrp="1"/>
+          </p:cNvSpPr>
+          <p:nvPr>
+            <p:ph type="title"/>
+          </p:nvPr>
+        </p:nvSpPr>
+        <p:spPr/>
+        <p:txBody>
+          <a:bodyPr>
+            <a:normAutofit/>
+          </a:bodyPr>
+          <a:lstStyle/>
+          <a:p>
+            <a:r>
+              <a:rPr lang="en-US" b="1" dirty="0">
+                <a:latin typeface="Lucida Sans Unicode" panose="020B0602030504020204" pitchFamily="34" charset="0"/>
+                <a:ea typeface="Lucida Sans Unicode" panose="020B0602030504020204" pitchFamily="34" charset="0"/>
+              </a:rPr>
+              <a:t>Steps involved in EDA </a:t>
+            </a:r>
+            <a:endParaRPr lang="en-US" dirty="0"/>
+          </a:p>
+        </p:txBody>
+      </p:sp>
+      <p:graphicFrame>
+        <p:nvGraphicFramePr>
+          <p:cNvPr id="4" name="Content Placeholder 3">
+            <a:extLst>
+              <a:ext uri="{FF2B5EF4-FFF2-40B4-BE49-F238E27FC236}">
+                <a16:creationId xmlns:a16="http://schemas.microsoft.com/office/drawing/2014/main" id="{B59E2DA4-C1D1-431F-B21F-BD878F486B61}"/>
+              </a:ext>
+            </a:extLst>
+          </p:cNvPr>
+          <p:cNvGraphicFramePr>
+            <a:graphicFrameLocks noGrp="1"/>
+          </p:cNvGraphicFramePr>
+          <p:nvPr>
+            <p:ph idx="1"/>
+          </p:nvPr>
+        </p:nvGraphicFramePr>
+        <p:xfrm>
+          <a:off x="2152650" y="2226469"/>
+          <a:ext cx="7886700" cy="3263504"/>
+        </p:xfrm>
+        <a:graphic>
+          <a:graphicData uri="http://schemas.openxmlformats.org/drawingml/2006/diagram">
+            <dgm:relIds xmlns:dgm="http://schemas.openxmlformats.org/drawingml/2006/diagram" xmlns:r="http://schemas.openxmlformats.org/officeDocument/2006/relationships" r:dm="rId2" r:lo="rId3" r:qs="rId4" r:cs="rId5"/>
+          </a:graphicData>
+        </a:graphic>
+      </p:graphicFrame>
+      <p:sp>
+        <p:nvSpPr>
+          <p:cNvPr id="5" name="Slide Number Placeholder 4">
+            <a:extLst>
+              <a:ext uri="{FF2B5EF4-FFF2-40B4-BE49-F238E27FC236}">
+                <a16:creationId xmlns:a16="http://schemas.microsoft.com/office/drawing/2014/main" id="{EEE14136-F11D-42C5-A8DC-0E457E083F60}"/>
+              </a:ext>
+            </a:extLst>
+          </p:cNvPr>
+          <p:cNvSpPr>
+            <a:spLocks noGrp="1"/>
+          </p:cNvSpPr>
+          <p:nvPr>
+            <p:ph type="sldNum" sz="quarter" idx="12"/>
+          </p:nvPr>
+        </p:nvSpPr>
+        <p:spPr/>
+        <p:txBody>
+          <a:bodyPr/>
+          <a:lstStyle/>
+          <a:p>
+            <a:fld id="{7FA81DE9-9325-4540-92B4-5A7DD3142AA3}" type="slidenum">
+              <a:rPr lang="en-US" smtClean="0"/>
+              <a:t>4</a:t>
+            </a:fld>
+            <a:endParaRPr lang="en-US"/>
+          </a:p>
+        </p:txBody>
+      </p:sp>
+    </p:spTree>
+    <p:extLst>
+      <p:ext uri="{BB962C8B-B14F-4D97-AF65-F5344CB8AC3E}">
+        <p14:creationId xmlns:p14="http://schemas.microsoft.com/office/powerpoint/2010/main" val="2503184177"/>
+      </p:ext>
+    </p:extLst>
+  </p:cSld>
+  <p:clrMapOvr>
+    <a:masterClrMapping/>
+  </p:clrMapOvr>
+</p:sld>
+</file>
+
+<file path=ppt/slides/slide5.xml><?xml version="1.0" encoding="utf-8"?>
+<p:sld xmlns:a="http://schemas.openxmlformats.org/drawingml/2006/main" xmlns:r="http://schemas.openxmlformats.org/officeDocument/2006/relationships" xmlns:p="http://schemas.openxmlformats.org/presentationml/2006/main">
+  <p:cSld>
+    <p:spTree>
+      <p:nvGrpSpPr>
+        <p:cNvPr id="1" name=""/>
+        <p:cNvGrpSpPr/>
+        <p:nvPr/>
+      </p:nvGrpSpPr>
+      <p:grpSpPr>
+        <a:xfrm>
+          <a:off x="0" y="0"/>
+          <a:ext cx="0" cy="0"/>
+          <a:chOff x="0" y="0"/>
+          <a:chExt cx="0" cy="0"/>
+        </a:xfrm>
+      </p:grpSpPr>
+      <p:sp>
+        <p:nvSpPr>
+          <p:cNvPr id="2" name="Title 1">
+            <a:extLst>
+              <a:ext uri="{FF2B5EF4-FFF2-40B4-BE49-F238E27FC236}">
+                <a16:creationId xmlns:a16="http://schemas.microsoft.com/office/drawing/2014/main" id="{B09ACAAD-DAA8-4CFC-814E-B264ADC03E2A}"/>
+              </a:ext>
+            </a:extLst>
+          </p:cNvPr>
+          <p:cNvSpPr>
+            <a:spLocks noGrp="1"/>
+          </p:cNvSpPr>
+          <p:nvPr>
+            <p:ph type="title"/>
+          </p:nvPr>
+        </p:nvSpPr>
+        <p:spPr/>
+        <p:txBody>
+          <a:bodyPr>
+            <a:normAutofit/>
+          </a:bodyPr>
+          <a:lstStyle/>
+          <a:p>
+            <a:r>
+              <a:rPr lang="en-US" b="1" dirty="0">
+                <a:latin typeface="Lucida Sans Unicode" panose="020B0602030504020204" pitchFamily="34" charset="0"/>
+                <a:ea typeface="Lucida Sans Unicode" panose="020B0602030504020204" pitchFamily="34" charset="0"/>
+              </a:rPr>
+              <a:t>Source of dataset </a:t>
+            </a:r>
+            <a:endParaRPr lang="en-US" dirty="0"/>
+          </a:p>
+        </p:txBody>
+      </p:sp>
+      <p:sp>
+        <p:nvSpPr>
+          <p:cNvPr id="3" name="Content Placeholder 2">
+            <a:extLst>
+              <a:ext uri="{FF2B5EF4-FFF2-40B4-BE49-F238E27FC236}">
+                <a16:creationId xmlns:a16="http://schemas.microsoft.com/office/drawing/2014/main" id="{2E45B087-C710-42E4-AC98-7B211DF2DBE8}"/>
+              </a:ext>
+            </a:extLst>
+          </p:cNvPr>
+          <p:cNvSpPr>
+            <a:spLocks noGrp="1"/>
+          </p:cNvSpPr>
+          <p:nvPr>
+            <p:ph idx="1"/>
+          </p:nvPr>
+        </p:nvSpPr>
+        <p:spPr/>
+        <p:txBody>
+          <a:bodyPr/>
+          <a:lstStyle/>
+          <a:p>
+            <a:r>
+              <a:rPr lang="en-US" sz="2000" dirty="0">
+                <a:latin typeface="Lucida Sans Unicode" panose="020B0602030504020204" pitchFamily="34" charset="0"/>
+                <a:ea typeface="Lucida Sans Unicode" panose="020B0602030504020204" pitchFamily="34" charset="0"/>
+              </a:rPr>
+              <a:t>The dataset used for this project is the Chocolate Bar Ratings which is compiled by Brady </a:t>
+            </a:r>
+            <a:r>
+              <a:rPr lang="en-US" sz="2000" dirty="0" err="1">
+                <a:latin typeface="Lucida Sans Unicode" panose="020B0602030504020204" pitchFamily="34" charset="0"/>
+                <a:ea typeface="Lucida Sans Unicode" panose="020B0602030504020204" pitchFamily="34" charset="0"/>
+              </a:rPr>
+              <a:t>Brelinski</a:t>
+            </a:r>
+            <a:r>
+              <a:rPr lang="en-US" sz="2000" dirty="0">
+                <a:latin typeface="Lucida Sans Unicode" panose="020B0602030504020204" pitchFamily="34" charset="0"/>
+                <a:ea typeface="Lucida Sans Unicode" panose="020B0602030504020204" pitchFamily="34" charset="0"/>
+              </a:rPr>
+              <a:t>, Founding Member of the Manhattan Chocolate Society.</a:t>
+            </a:r>
+          </a:p>
+          <a:p>
+            <a:endParaRPr lang="en-US" dirty="0"/>
+          </a:p>
+        </p:txBody>
+      </p:sp>
+      <p:graphicFrame>
+        <p:nvGraphicFramePr>
+          <p:cNvPr id="6" name="Table 5">
+            <a:extLst>
+              <a:ext uri="{FF2B5EF4-FFF2-40B4-BE49-F238E27FC236}">
+                <a16:creationId xmlns:a16="http://schemas.microsoft.com/office/drawing/2014/main" id="{491CD7AF-50E4-4B0B-A9DF-0CA1A5D8732C}"/>
+              </a:ext>
+            </a:extLst>
+          </p:cNvPr>
+          <p:cNvGraphicFramePr>
+            <a:graphicFrameLocks noGrp="1"/>
+          </p:cNvGraphicFramePr>
+          <p:nvPr/>
+        </p:nvGraphicFramePr>
+        <p:xfrm>
+          <a:off x="2300288" y="2822695"/>
+          <a:ext cx="7591425" cy="3703373"/>
+        </p:xfrm>
+        <a:graphic>
+          <a:graphicData uri="http://schemas.openxmlformats.org/drawingml/2006/table">
+            <a:tbl>
+              <a:tblPr firstRow="1" firstCol="1" bandRow="1">
+                <a:tableStyleId>{5C22544A-7EE6-4342-B048-85BDC9FD1C3A}</a:tableStyleId>
+              </a:tblPr>
+              <a:tblGrid>
+                <a:gridCol w="2909888">
+                  <a:extLst>
+                    <a:ext uri="{9D8B030D-6E8A-4147-A177-3AD203B41FA5}">
+                      <a16:colId xmlns:a16="http://schemas.microsoft.com/office/drawing/2014/main" val="3629929019"/>
+                    </a:ext>
+                  </a:extLst>
+                </a:gridCol>
+                <a:gridCol w="4681537">
+                  <a:extLst>
+                    <a:ext uri="{9D8B030D-6E8A-4147-A177-3AD203B41FA5}">
+                      <a16:colId xmlns:a16="http://schemas.microsoft.com/office/drawing/2014/main" val="3875929911"/>
+                    </a:ext>
+                  </a:extLst>
+                </a:gridCol>
+              </a:tblGrid>
+              <a:tr h="315259">
+                <a:tc>
+                  <a:txBody>
+                    <a:bodyPr/>
+                    <a:lstStyle/>
+                    <a:p>
+                      <a:pPr marL="171450" marR="609600">
+                        <a:spcBef>
+                          <a:spcPts val="0"/>
+                        </a:spcBef>
+                        <a:spcAft>
+                          <a:spcPts val="0"/>
+                        </a:spcAft>
+                      </a:pPr>
+                      <a:r>
+                        <a:rPr lang="en-US" sz="1400">
+                          <a:effectLst/>
+                        </a:rPr>
+                        <a:t>Column</a:t>
+                      </a:r>
+                      <a:endParaRPr lang="en-US" sz="1400">
+                        <a:effectLst/>
+                        <a:latin typeface="Lucida Sans Unicode" panose="020B0602030504020204" pitchFamily="34" charset="0"/>
+                        <a:ea typeface="Lucida Sans Unicode" panose="020B0602030504020204" pitchFamily="34" charset="0"/>
+                        <a:cs typeface="Times New Roman" panose="02020603050405020304" pitchFamily="18" charset="0"/>
+                      </a:endParaRPr>
+                    </a:p>
+                  </a:txBody>
+                  <a:tcPr marL="28575" marR="28575" marT="28575" marB="28575" anchor="ctr"/>
+                </a:tc>
+                <a:tc>
+                  <a:txBody>
+                    <a:bodyPr/>
+                    <a:lstStyle/>
+                    <a:p>
+                      <a:pPr marL="162560" marR="609600">
+                        <a:spcBef>
+                          <a:spcPts val="0"/>
+                        </a:spcBef>
+                        <a:spcAft>
+                          <a:spcPts val="0"/>
+                        </a:spcAft>
+                      </a:pPr>
+                      <a:r>
+                        <a:rPr lang="en-US" sz="1400">
+                          <a:effectLst/>
+                        </a:rPr>
+                        <a:t>Description</a:t>
+                      </a:r>
+                      <a:endParaRPr lang="en-US" sz="1400">
+                        <a:effectLst/>
+                        <a:latin typeface="Lucida Sans Unicode" panose="020B0602030504020204" pitchFamily="34" charset="0"/>
+                        <a:ea typeface="Lucida Sans Unicode" panose="020B0602030504020204" pitchFamily="34" charset="0"/>
+                        <a:cs typeface="Times New Roman" panose="02020603050405020304" pitchFamily="18" charset="0"/>
+                      </a:endParaRPr>
+                    </a:p>
+                  </a:txBody>
+                  <a:tcPr marL="28575" marR="28575" marT="28575" marB="28575" anchor="ctr"/>
+                </a:tc>
+                <a:extLst>
+                  <a:ext uri="{0D108BD9-81ED-4DB2-BD59-A6C34878D82A}">
+                    <a16:rowId xmlns:a16="http://schemas.microsoft.com/office/drawing/2014/main" val="3940134062"/>
+                  </a:ext>
+                </a:extLst>
+              </a:tr>
+              <a:tr h="315259">
+                <a:tc>
+                  <a:txBody>
+                    <a:bodyPr/>
+                    <a:lstStyle/>
+                    <a:p>
+                      <a:pPr marL="171450" marR="609600">
+                        <a:spcBef>
+                          <a:spcPts val="0"/>
+                        </a:spcBef>
+                        <a:spcAft>
+                          <a:spcPts val="0"/>
+                        </a:spcAft>
+                      </a:pPr>
+                      <a:r>
+                        <a:rPr lang="en-US" sz="1400">
+                          <a:effectLst/>
+                        </a:rPr>
+                        <a:t>Company (Maker-if known)</a:t>
+                      </a:r>
+                      <a:endParaRPr lang="en-US" sz="1400">
+                        <a:effectLst/>
+                        <a:latin typeface="Lucida Sans Unicode" panose="020B0602030504020204" pitchFamily="34" charset="0"/>
+                        <a:ea typeface="Lucida Sans Unicode" panose="020B0602030504020204" pitchFamily="34" charset="0"/>
+                        <a:cs typeface="Times New Roman" panose="02020603050405020304" pitchFamily="18" charset="0"/>
+                      </a:endParaRPr>
+                    </a:p>
+                  </a:txBody>
+                  <a:tcPr marL="28575" marR="28575" marT="28575" marB="28575" anchor="ctr"/>
+                </a:tc>
+                <a:tc>
+                  <a:txBody>
+                    <a:bodyPr/>
+                    <a:lstStyle/>
+                    <a:p>
+                      <a:pPr marL="162560" marR="609600">
+                        <a:spcBef>
+                          <a:spcPts val="0"/>
+                        </a:spcBef>
+                        <a:spcAft>
+                          <a:spcPts val="0"/>
+                        </a:spcAft>
+                      </a:pPr>
+                      <a:r>
+                        <a:rPr lang="en-US" sz="1400" dirty="0">
+                          <a:effectLst/>
+                        </a:rPr>
+                        <a:t>Name of the company manufacturing the bar.</a:t>
+                      </a:r>
+                      <a:endParaRPr lang="en-US" sz="1400" dirty="0">
+                        <a:effectLst/>
+                        <a:latin typeface="Lucida Sans Unicode" panose="020B0602030504020204" pitchFamily="34" charset="0"/>
+                        <a:ea typeface="Lucida Sans Unicode" panose="020B0602030504020204" pitchFamily="34" charset="0"/>
+                        <a:cs typeface="Times New Roman" panose="02020603050405020304" pitchFamily="18" charset="0"/>
+                      </a:endParaRPr>
+                    </a:p>
+                  </a:txBody>
+                  <a:tcPr marL="28575" marR="28575" marT="28575" marB="28575" anchor="ctr"/>
+                </a:tc>
+                <a:extLst>
+                  <a:ext uri="{0D108BD9-81ED-4DB2-BD59-A6C34878D82A}">
+                    <a16:rowId xmlns:a16="http://schemas.microsoft.com/office/drawing/2014/main" val="2535127174"/>
+                  </a:ext>
+                </a:extLst>
+              </a:tr>
+              <a:tr h="393071">
+                <a:tc>
+                  <a:txBody>
+                    <a:bodyPr/>
+                    <a:lstStyle/>
+                    <a:p>
+                      <a:pPr marL="171450" marR="609600">
+                        <a:spcBef>
+                          <a:spcPts val="0"/>
+                        </a:spcBef>
+                        <a:spcAft>
+                          <a:spcPts val="0"/>
+                        </a:spcAft>
+                      </a:pPr>
+                      <a:r>
+                        <a:rPr lang="en-US" sz="1400">
+                          <a:effectLst/>
+                        </a:rPr>
+                        <a:t>Specific Bean Originor Bar Name</a:t>
+                      </a:r>
+                      <a:endParaRPr lang="en-US" sz="1400">
+                        <a:effectLst/>
+                        <a:latin typeface="Lucida Sans Unicode" panose="020B0602030504020204" pitchFamily="34" charset="0"/>
+                        <a:ea typeface="Lucida Sans Unicode" panose="020B0602030504020204" pitchFamily="34" charset="0"/>
+                        <a:cs typeface="Times New Roman" panose="02020603050405020304" pitchFamily="18" charset="0"/>
+                      </a:endParaRPr>
+                    </a:p>
+                  </a:txBody>
+                  <a:tcPr marL="28575" marR="28575" marT="28575" marB="28575" anchor="ctr"/>
+                </a:tc>
+                <a:tc>
+                  <a:txBody>
+                    <a:bodyPr/>
+                    <a:lstStyle/>
+                    <a:p>
+                      <a:pPr marL="162560" marR="609600">
+                        <a:spcBef>
+                          <a:spcPts val="0"/>
+                        </a:spcBef>
+                        <a:spcAft>
+                          <a:spcPts val="0"/>
+                        </a:spcAft>
+                      </a:pPr>
+                      <a:r>
+                        <a:rPr lang="en-US" sz="1400">
+                          <a:effectLst/>
+                        </a:rPr>
+                        <a:t>The specific geo-region of origin for the bar.</a:t>
+                      </a:r>
+                      <a:endParaRPr lang="en-US" sz="1400">
+                        <a:effectLst/>
+                        <a:latin typeface="Lucida Sans Unicode" panose="020B0602030504020204" pitchFamily="34" charset="0"/>
+                        <a:ea typeface="Lucida Sans Unicode" panose="020B0602030504020204" pitchFamily="34" charset="0"/>
+                        <a:cs typeface="Times New Roman" panose="02020603050405020304" pitchFamily="18" charset="0"/>
+                      </a:endParaRPr>
+                    </a:p>
+                  </a:txBody>
+                  <a:tcPr marL="28575" marR="28575" marT="28575" marB="28575" anchor="ctr"/>
+                </a:tc>
+                <a:extLst>
+                  <a:ext uri="{0D108BD9-81ED-4DB2-BD59-A6C34878D82A}">
+                    <a16:rowId xmlns:a16="http://schemas.microsoft.com/office/drawing/2014/main" val="194432246"/>
+                  </a:ext>
+                </a:extLst>
+              </a:tr>
+              <a:tr h="528820">
+                <a:tc>
+                  <a:txBody>
+                    <a:bodyPr/>
+                    <a:lstStyle/>
+                    <a:p>
+                      <a:pPr marL="171450" marR="609600">
+                        <a:spcBef>
+                          <a:spcPts val="0"/>
+                        </a:spcBef>
+                        <a:spcAft>
+                          <a:spcPts val="0"/>
+                        </a:spcAft>
+                      </a:pPr>
+                      <a:r>
+                        <a:rPr lang="en-US" sz="1400">
+                          <a:effectLst/>
+                        </a:rPr>
+                        <a:t>REF</a:t>
+                      </a:r>
+                      <a:endParaRPr lang="en-US" sz="1400">
+                        <a:effectLst/>
+                        <a:latin typeface="Lucida Sans Unicode" panose="020B0602030504020204" pitchFamily="34" charset="0"/>
+                        <a:ea typeface="Lucida Sans Unicode" panose="020B0602030504020204" pitchFamily="34" charset="0"/>
+                        <a:cs typeface="Times New Roman" panose="02020603050405020304" pitchFamily="18" charset="0"/>
+                      </a:endParaRPr>
+                    </a:p>
+                  </a:txBody>
+                  <a:tcPr marL="28575" marR="28575" marT="28575" marB="28575" anchor="ctr"/>
+                </a:tc>
+                <a:tc>
+                  <a:txBody>
+                    <a:bodyPr/>
+                    <a:lstStyle/>
+                    <a:p>
+                      <a:pPr marL="162560" marR="609600">
+                        <a:spcBef>
+                          <a:spcPts val="0"/>
+                        </a:spcBef>
+                        <a:spcAft>
+                          <a:spcPts val="0"/>
+                        </a:spcAft>
+                      </a:pPr>
+                      <a:r>
+                        <a:rPr lang="en-US" sz="1400">
+                          <a:effectLst/>
+                        </a:rPr>
+                        <a:t>A value linked to when the review was entered in the database. Higher = more recent.</a:t>
+                      </a:r>
+                      <a:endParaRPr lang="en-US" sz="1400">
+                        <a:effectLst/>
+                        <a:latin typeface="Lucida Sans Unicode" panose="020B0602030504020204" pitchFamily="34" charset="0"/>
+                        <a:ea typeface="Lucida Sans Unicode" panose="020B0602030504020204" pitchFamily="34" charset="0"/>
+                        <a:cs typeface="Times New Roman" panose="02020603050405020304" pitchFamily="18" charset="0"/>
+                      </a:endParaRPr>
+                    </a:p>
+                  </a:txBody>
+                  <a:tcPr marL="28575" marR="28575" marT="28575" marB="28575" anchor="ctr"/>
+                </a:tc>
+                <a:extLst>
+                  <a:ext uri="{0D108BD9-81ED-4DB2-BD59-A6C34878D82A}">
+                    <a16:rowId xmlns:a16="http://schemas.microsoft.com/office/drawing/2014/main" val="4258641101"/>
+                  </a:ext>
+                </a:extLst>
+              </a:tr>
+              <a:tr h="315259">
+                <a:tc>
+                  <a:txBody>
+                    <a:bodyPr/>
+                    <a:lstStyle/>
+                    <a:p>
+                      <a:pPr marL="171450" marR="609600">
+                        <a:spcBef>
+                          <a:spcPts val="0"/>
+                        </a:spcBef>
+                        <a:spcAft>
+                          <a:spcPts val="0"/>
+                        </a:spcAft>
+                      </a:pPr>
+                      <a:r>
+                        <a:rPr lang="en-US" sz="1400">
+                          <a:effectLst/>
+                        </a:rPr>
+                        <a:t>ReviewDate</a:t>
+                      </a:r>
+                      <a:endParaRPr lang="en-US" sz="1400">
+                        <a:effectLst/>
+                        <a:latin typeface="Lucida Sans Unicode" panose="020B0602030504020204" pitchFamily="34" charset="0"/>
+                        <a:ea typeface="Lucida Sans Unicode" panose="020B0602030504020204" pitchFamily="34" charset="0"/>
+                        <a:cs typeface="Times New Roman" panose="02020603050405020304" pitchFamily="18" charset="0"/>
+                      </a:endParaRPr>
+                    </a:p>
+                  </a:txBody>
+                  <a:tcPr marL="28575" marR="28575" marT="28575" marB="28575" anchor="ctr"/>
+                </a:tc>
+                <a:tc>
+                  <a:txBody>
+                    <a:bodyPr/>
+                    <a:lstStyle/>
+                    <a:p>
+                      <a:pPr marL="162560" marR="609600">
+                        <a:spcBef>
+                          <a:spcPts val="0"/>
+                        </a:spcBef>
+                        <a:spcAft>
+                          <a:spcPts val="0"/>
+                        </a:spcAft>
+                      </a:pPr>
+                      <a:r>
+                        <a:rPr lang="en-US" sz="1400" dirty="0">
+                          <a:effectLst/>
+                        </a:rPr>
+                        <a:t>Date of publication of the review.</a:t>
+                      </a:r>
+                      <a:endParaRPr lang="en-US" sz="1400" dirty="0">
+                        <a:effectLst/>
+                        <a:latin typeface="Lucida Sans Unicode" panose="020B0602030504020204" pitchFamily="34" charset="0"/>
+                        <a:ea typeface="Lucida Sans Unicode" panose="020B0602030504020204" pitchFamily="34" charset="0"/>
+                        <a:cs typeface="Times New Roman" panose="02020603050405020304" pitchFamily="18" charset="0"/>
+                      </a:endParaRPr>
+                    </a:p>
+                  </a:txBody>
+                  <a:tcPr marL="28575" marR="28575" marT="28575" marB="28575" anchor="ctr"/>
+                </a:tc>
+                <a:extLst>
+                  <a:ext uri="{0D108BD9-81ED-4DB2-BD59-A6C34878D82A}">
+                    <a16:rowId xmlns:a16="http://schemas.microsoft.com/office/drawing/2014/main" val="2608315959"/>
+                  </a:ext>
+                </a:extLst>
+              </a:tr>
+              <a:tr h="315259">
+                <a:tc>
+                  <a:txBody>
+                    <a:bodyPr/>
+                    <a:lstStyle/>
+                    <a:p>
+                      <a:pPr marL="171450" marR="609600">
+                        <a:spcBef>
+                          <a:spcPts val="0"/>
+                        </a:spcBef>
+                        <a:spcAft>
+                          <a:spcPts val="0"/>
+                        </a:spcAft>
+                      </a:pPr>
+                      <a:r>
+                        <a:rPr lang="en-US" sz="1400">
+                          <a:effectLst/>
+                        </a:rPr>
+                        <a:t>CocoaPercent</a:t>
+                      </a:r>
+                      <a:endParaRPr lang="en-US" sz="1400">
+                        <a:effectLst/>
+                        <a:latin typeface="Lucida Sans Unicode" panose="020B0602030504020204" pitchFamily="34" charset="0"/>
+                        <a:ea typeface="Lucida Sans Unicode" panose="020B0602030504020204" pitchFamily="34" charset="0"/>
+                        <a:cs typeface="Times New Roman" panose="02020603050405020304" pitchFamily="18" charset="0"/>
+                      </a:endParaRPr>
+                    </a:p>
+                  </a:txBody>
+                  <a:tcPr marL="28575" marR="28575" marT="28575" marB="28575" anchor="ctr"/>
+                </a:tc>
+                <a:tc>
+                  <a:txBody>
+                    <a:bodyPr/>
+                    <a:lstStyle/>
+                    <a:p>
+                      <a:pPr marL="162560" marR="609600">
+                        <a:spcBef>
+                          <a:spcPts val="0"/>
+                        </a:spcBef>
+                        <a:spcAft>
+                          <a:spcPts val="0"/>
+                        </a:spcAft>
+                      </a:pPr>
+                      <a:r>
+                        <a:rPr lang="en-US" sz="1400">
+                          <a:effectLst/>
+                        </a:rPr>
+                        <a:t>Cocoa percentage (darkness) of the chocolate bar being reviewed.</a:t>
+                      </a:r>
+                      <a:endParaRPr lang="en-US" sz="1400">
+                        <a:effectLst/>
+                        <a:latin typeface="Lucida Sans Unicode" panose="020B0602030504020204" pitchFamily="34" charset="0"/>
+                        <a:ea typeface="Lucida Sans Unicode" panose="020B0602030504020204" pitchFamily="34" charset="0"/>
+                        <a:cs typeface="Times New Roman" panose="02020603050405020304" pitchFamily="18" charset="0"/>
+                      </a:endParaRPr>
+                    </a:p>
+                  </a:txBody>
+                  <a:tcPr marL="28575" marR="28575" marT="28575" marB="28575" anchor="ctr"/>
+                </a:tc>
+                <a:extLst>
+                  <a:ext uri="{0D108BD9-81ED-4DB2-BD59-A6C34878D82A}">
+                    <a16:rowId xmlns:a16="http://schemas.microsoft.com/office/drawing/2014/main" val="1428341647"/>
+                  </a:ext>
+                </a:extLst>
+              </a:tr>
+              <a:tr h="315259">
+                <a:tc>
+                  <a:txBody>
+                    <a:bodyPr/>
+                    <a:lstStyle/>
+                    <a:p>
+                      <a:pPr marL="171450" marR="609600">
+                        <a:spcBef>
+                          <a:spcPts val="0"/>
+                        </a:spcBef>
+                        <a:spcAft>
+                          <a:spcPts val="0"/>
+                        </a:spcAft>
+                      </a:pPr>
+                      <a:r>
+                        <a:rPr lang="en-US" sz="1400">
+                          <a:effectLst/>
+                        </a:rPr>
+                        <a:t>CompanyLocation</a:t>
+                      </a:r>
+                      <a:endParaRPr lang="en-US" sz="1400">
+                        <a:effectLst/>
+                        <a:latin typeface="Lucida Sans Unicode" panose="020B0602030504020204" pitchFamily="34" charset="0"/>
+                        <a:ea typeface="Lucida Sans Unicode" panose="020B0602030504020204" pitchFamily="34" charset="0"/>
+                        <a:cs typeface="Times New Roman" panose="02020603050405020304" pitchFamily="18" charset="0"/>
+                      </a:endParaRPr>
+                    </a:p>
+                  </a:txBody>
+                  <a:tcPr marL="28575" marR="28575" marT="28575" marB="28575" anchor="ctr"/>
+                </a:tc>
+                <a:tc>
+                  <a:txBody>
+                    <a:bodyPr/>
+                    <a:lstStyle/>
+                    <a:p>
+                      <a:pPr marL="162560" marR="609600">
+                        <a:spcBef>
+                          <a:spcPts val="0"/>
+                        </a:spcBef>
+                        <a:spcAft>
+                          <a:spcPts val="0"/>
+                        </a:spcAft>
+                      </a:pPr>
+                      <a:r>
+                        <a:rPr lang="en-US" sz="1400">
+                          <a:effectLst/>
+                        </a:rPr>
+                        <a:t>Manufacturer base country.</a:t>
+                      </a:r>
+                      <a:endParaRPr lang="en-US" sz="1400">
+                        <a:effectLst/>
+                        <a:latin typeface="Lucida Sans Unicode" panose="020B0602030504020204" pitchFamily="34" charset="0"/>
+                        <a:ea typeface="Lucida Sans Unicode" panose="020B0602030504020204" pitchFamily="34" charset="0"/>
+                        <a:cs typeface="Times New Roman" panose="02020603050405020304" pitchFamily="18" charset="0"/>
+                      </a:endParaRPr>
+                    </a:p>
+                  </a:txBody>
+                  <a:tcPr marL="28575" marR="28575" marT="28575" marB="28575" anchor="ctr"/>
+                </a:tc>
+                <a:extLst>
+                  <a:ext uri="{0D108BD9-81ED-4DB2-BD59-A6C34878D82A}">
+                    <a16:rowId xmlns:a16="http://schemas.microsoft.com/office/drawing/2014/main" val="1982046649"/>
+                  </a:ext>
+                </a:extLst>
+              </a:tr>
+              <a:tr h="315259">
+                <a:tc>
+                  <a:txBody>
+                    <a:bodyPr/>
+                    <a:lstStyle/>
+                    <a:p>
+                      <a:pPr marL="171450" marR="609600">
+                        <a:spcBef>
+                          <a:spcPts val="0"/>
+                        </a:spcBef>
+                        <a:spcAft>
+                          <a:spcPts val="0"/>
+                        </a:spcAft>
+                      </a:pPr>
+                      <a:r>
+                        <a:rPr lang="en-US" sz="1400">
+                          <a:effectLst/>
+                        </a:rPr>
+                        <a:t>Rating</a:t>
+                      </a:r>
+                      <a:endParaRPr lang="en-US" sz="1400">
+                        <a:effectLst/>
+                        <a:latin typeface="Lucida Sans Unicode" panose="020B0602030504020204" pitchFamily="34" charset="0"/>
+                        <a:ea typeface="Lucida Sans Unicode" panose="020B0602030504020204" pitchFamily="34" charset="0"/>
+                        <a:cs typeface="Times New Roman" panose="02020603050405020304" pitchFamily="18" charset="0"/>
+                      </a:endParaRPr>
+                    </a:p>
+                  </a:txBody>
+                  <a:tcPr marL="28575" marR="28575" marT="28575" marB="28575" anchor="ctr"/>
+                </a:tc>
+                <a:tc>
+                  <a:txBody>
+                    <a:bodyPr/>
+                    <a:lstStyle/>
+                    <a:p>
+                      <a:pPr marL="162560" marR="609600">
+                        <a:spcBef>
+                          <a:spcPts val="0"/>
+                        </a:spcBef>
+                        <a:spcAft>
+                          <a:spcPts val="0"/>
+                        </a:spcAft>
+                      </a:pPr>
+                      <a:r>
+                        <a:rPr lang="en-US" sz="1400">
+                          <a:effectLst/>
+                        </a:rPr>
+                        <a:t>Expert rating for the bar.</a:t>
+                      </a:r>
+                      <a:endParaRPr lang="en-US" sz="1400">
+                        <a:effectLst/>
+                        <a:latin typeface="Lucida Sans Unicode" panose="020B0602030504020204" pitchFamily="34" charset="0"/>
+                        <a:ea typeface="Lucida Sans Unicode" panose="020B0602030504020204" pitchFamily="34" charset="0"/>
+                        <a:cs typeface="Times New Roman" panose="02020603050405020304" pitchFamily="18" charset="0"/>
+                      </a:endParaRPr>
+                    </a:p>
+                  </a:txBody>
+                  <a:tcPr marL="28575" marR="28575" marT="28575" marB="28575" anchor="ctr"/>
+                </a:tc>
+                <a:extLst>
+                  <a:ext uri="{0D108BD9-81ED-4DB2-BD59-A6C34878D82A}">
+                    <a16:rowId xmlns:a16="http://schemas.microsoft.com/office/drawing/2014/main" val="3540641328"/>
+                  </a:ext>
+                </a:extLst>
+              </a:tr>
+              <a:tr h="315259">
+                <a:tc>
+                  <a:txBody>
+                    <a:bodyPr/>
+                    <a:lstStyle/>
+                    <a:p>
+                      <a:pPr marL="171450" marR="609600">
+                        <a:spcBef>
+                          <a:spcPts val="0"/>
+                        </a:spcBef>
+                        <a:spcAft>
+                          <a:spcPts val="0"/>
+                        </a:spcAft>
+                      </a:pPr>
+                      <a:r>
+                        <a:rPr lang="en-US" sz="1400">
+                          <a:effectLst/>
+                        </a:rPr>
+                        <a:t>BeanType</a:t>
+                      </a:r>
+                      <a:endParaRPr lang="en-US" sz="1400">
+                        <a:effectLst/>
+                        <a:latin typeface="Lucida Sans Unicode" panose="020B0602030504020204" pitchFamily="34" charset="0"/>
+                        <a:ea typeface="Lucida Sans Unicode" panose="020B0602030504020204" pitchFamily="34" charset="0"/>
+                        <a:cs typeface="Times New Roman" panose="02020603050405020304" pitchFamily="18" charset="0"/>
+                      </a:endParaRPr>
+                    </a:p>
+                  </a:txBody>
+                  <a:tcPr marL="28575" marR="28575" marT="28575" marB="28575" anchor="ctr"/>
+                </a:tc>
+                <a:tc>
+                  <a:txBody>
+                    <a:bodyPr/>
+                    <a:lstStyle/>
+                    <a:p>
+                      <a:pPr marL="162560" marR="609600">
+                        <a:spcBef>
+                          <a:spcPts val="0"/>
+                        </a:spcBef>
+                        <a:spcAft>
+                          <a:spcPts val="0"/>
+                        </a:spcAft>
+                      </a:pPr>
+                      <a:r>
+                        <a:rPr lang="en-US" sz="1400">
+                          <a:effectLst/>
+                        </a:rPr>
+                        <a:t>The variety (breed) of bean used, if provided.</a:t>
+                      </a:r>
+                      <a:endParaRPr lang="en-US" sz="1400">
+                        <a:effectLst/>
+                        <a:latin typeface="Lucida Sans Unicode" panose="020B0602030504020204" pitchFamily="34" charset="0"/>
+                        <a:ea typeface="Lucida Sans Unicode" panose="020B0602030504020204" pitchFamily="34" charset="0"/>
+                        <a:cs typeface="Times New Roman" panose="02020603050405020304" pitchFamily="18" charset="0"/>
+                      </a:endParaRPr>
+                    </a:p>
+                  </a:txBody>
+                  <a:tcPr marL="28575" marR="28575" marT="28575" marB="28575" anchor="ctr"/>
+                </a:tc>
+                <a:extLst>
+                  <a:ext uri="{0D108BD9-81ED-4DB2-BD59-A6C34878D82A}">
+                    <a16:rowId xmlns:a16="http://schemas.microsoft.com/office/drawing/2014/main" val="2607457826"/>
+                  </a:ext>
+                </a:extLst>
+              </a:tr>
+              <a:tr h="315259">
+                <a:tc>
+                  <a:txBody>
+                    <a:bodyPr/>
+                    <a:lstStyle/>
+                    <a:p>
+                      <a:pPr marL="171450" marR="609600">
+                        <a:spcBef>
+                          <a:spcPts val="0"/>
+                        </a:spcBef>
+                        <a:spcAft>
+                          <a:spcPts val="0"/>
+                        </a:spcAft>
+                      </a:pPr>
+                      <a:r>
+                        <a:rPr lang="en-US" sz="1400">
+                          <a:effectLst/>
+                        </a:rPr>
+                        <a:t>Broad BeanOrigin</a:t>
+                      </a:r>
+                      <a:endParaRPr lang="en-US" sz="1400">
+                        <a:effectLst/>
+                        <a:latin typeface="Lucida Sans Unicode" panose="020B0602030504020204" pitchFamily="34" charset="0"/>
+                        <a:ea typeface="Lucida Sans Unicode" panose="020B0602030504020204" pitchFamily="34" charset="0"/>
+                        <a:cs typeface="Times New Roman" panose="02020603050405020304" pitchFamily="18" charset="0"/>
+                      </a:endParaRPr>
+                    </a:p>
+                  </a:txBody>
+                  <a:tcPr marL="28575" marR="28575" marT="28575" marB="28575" anchor="ctr"/>
+                </a:tc>
+                <a:tc>
+                  <a:txBody>
+                    <a:bodyPr/>
+                    <a:lstStyle/>
+                    <a:p>
+                      <a:pPr marL="162560" marR="609600">
+                        <a:spcBef>
+                          <a:spcPts val="0"/>
+                        </a:spcBef>
+                        <a:spcAft>
+                          <a:spcPts val="0"/>
+                        </a:spcAft>
+                      </a:pPr>
+                      <a:r>
+                        <a:rPr lang="en-US" sz="1400" dirty="0">
+                          <a:effectLst/>
+                        </a:rPr>
+                        <a:t>The broad geo-region of origin for the bean.</a:t>
+                      </a:r>
+                      <a:endParaRPr lang="en-US" sz="1400" dirty="0">
+                        <a:effectLst/>
+                        <a:latin typeface="Lucida Sans Unicode" panose="020B0602030504020204" pitchFamily="34" charset="0"/>
+                        <a:ea typeface="Lucida Sans Unicode" panose="020B0602030504020204" pitchFamily="34" charset="0"/>
+                        <a:cs typeface="Times New Roman" panose="02020603050405020304" pitchFamily="18" charset="0"/>
+                      </a:endParaRPr>
+                    </a:p>
+                  </a:txBody>
+                  <a:tcPr marL="28575" marR="28575" marT="28575" marB="28575" anchor="ctr"/>
+                </a:tc>
+                <a:extLst>
+                  <a:ext uri="{0D108BD9-81ED-4DB2-BD59-A6C34878D82A}">
+                    <a16:rowId xmlns:a16="http://schemas.microsoft.com/office/drawing/2014/main" val="1571248317"/>
+                  </a:ext>
+                </a:extLst>
+              </a:tr>
+            </a:tbl>
+          </a:graphicData>
+        </a:graphic>
+      </p:graphicFrame>
+      <p:sp>
+        <p:nvSpPr>
+          <p:cNvPr id="7" name="Slide Number Placeholder 6">
+            <a:extLst>
+              <a:ext uri="{FF2B5EF4-FFF2-40B4-BE49-F238E27FC236}">
+                <a16:creationId xmlns:a16="http://schemas.microsoft.com/office/drawing/2014/main" id="{2534CF27-D5B4-4615-A3FD-4779BC12BC9A}"/>
+              </a:ext>
+            </a:extLst>
+          </p:cNvPr>
+          <p:cNvSpPr>
+            <a:spLocks noGrp="1"/>
+          </p:cNvSpPr>
+          <p:nvPr>
+            <p:ph type="sldNum" sz="quarter" idx="12"/>
+          </p:nvPr>
+        </p:nvSpPr>
+        <p:spPr/>
+        <p:txBody>
+          <a:bodyPr/>
+          <a:lstStyle/>
+          <a:p>
+            <a:fld id="{7FA81DE9-9325-4540-92B4-5A7DD3142AA3}" type="slidenum">
+              <a:rPr lang="en-US" smtClean="0"/>
+              <a:t>5</a:t>
+            </a:fld>
+            <a:endParaRPr lang="en-US"/>
+          </a:p>
+        </p:txBody>
+      </p:sp>
+    </p:spTree>
+    <p:extLst>
+      <p:ext uri="{BB962C8B-B14F-4D97-AF65-F5344CB8AC3E}">
+        <p14:creationId xmlns:p14="http://schemas.microsoft.com/office/powerpoint/2010/main" val="1515935445"/>
+      </p:ext>
+    </p:extLst>
+  </p:cSld>
+  <p:clrMapOvr>
+    <a:masterClrMapping/>
+  </p:clrMapOvr>
+</p:sld>
+</file>
+
+<file path=ppt/slides/slide6.xml><?xml version="1.0" encoding="utf-8"?>
+<p:sld xmlns:a="http://schemas.openxmlformats.org/drawingml/2006/main" xmlns:r="http://schemas.openxmlformats.org/officeDocument/2006/relationships" xmlns:p="http://schemas.openxmlformats.org/presentationml/2006/main">
+  <p:cSld>
+    <p:spTree>
+      <p:nvGrpSpPr>
+        <p:cNvPr id="1" name=""/>
+        <p:cNvGrpSpPr/>
+        <p:nvPr/>
+      </p:nvGrpSpPr>
+      <p:grpSpPr>
+        <a:xfrm>
+          <a:off x="0" y="0"/>
+          <a:ext cx="0" cy="0"/>
+          <a:chOff x="0" y="0"/>
+          <a:chExt cx="0" cy="0"/>
+        </a:xfrm>
+      </p:grpSpPr>
+      <p:sp>
+        <p:nvSpPr>
+          <p:cNvPr id="2" name="Title 1">
+            <a:extLst>
+              <a:ext uri="{FF2B5EF4-FFF2-40B4-BE49-F238E27FC236}">
+                <a16:creationId xmlns:a16="http://schemas.microsoft.com/office/drawing/2014/main" id="{11275F64-7B83-4541-B0F5-6AEF97EF1943}"/>
+              </a:ext>
+            </a:extLst>
+          </p:cNvPr>
+          <p:cNvSpPr>
+            <a:spLocks noGrp="1"/>
+          </p:cNvSpPr>
+          <p:nvPr>
+            <p:ph type="title"/>
+          </p:nvPr>
+        </p:nvSpPr>
+        <p:spPr/>
+        <p:txBody>
+          <a:bodyPr>
+            <a:normAutofit/>
+          </a:bodyPr>
+          <a:lstStyle/>
+          <a:p>
+            <a:r>
+              <a:rPr lang="en-US" b="1" dirty="0">
+                <a:latin typeface="Lucida Sans Unicode" panose="020B0602030504020204" pitchFamily="34" charset="0"/>
+                <a:ea typeface="Lucida Sans Unicode" panose="020B0602030504020204" pitchFamily="34" charset="0"/>
+              </a:rPr>
+              <a:t>Hypothesis</a:t>
+            </a:r>
+            <a:endParaRPr lang="en-US" dirty="0"/>
+          </a:p>
+        </p:txBody>
+      </p:sp>
+      <p:sp>
+        <p:nvSpPr>
+          <p:cNvPr id="3" name="Content Placeholder 2">
+            <a:extLst>
+              <a:ext uri="{FF2B5EF4-FFF2-40B4-BE49-F238E27FC236}">
+                <a16:creationId xmlns:a16="http://schemas.microsoft.com/office/drawing/2014/main" id="{DBF20942-7611-4551-9165-4576863561EB}"/>
+              </a:ext>
+            </a:extLst>
+          </p:cNvPr>
+          <p:cNvSpPr>
+            <a:spLocks noGrp="1"/>
+          </p:cNvSpPr>
+          <p:nvPr>
+            <p:ph idx="1"/>
+          </p:nvPr>
+        </p:nvSpPr>
+        <p:spPr/>
+        <p:txBody>
+          <a:bodyPr>
+            <a:normAutofit/>
+          </a:bodyPr>
+          <a:lstStyle/>
+          <a:p>
+            <a:r>
+              <a:rPr lang="en-US" dirty="0">
+                <a:latin typeface="Lucida Sans Unicode" panose="020B0602030504020204" pitchFamily="34" charset="0"/>
+                <a:ea typeface="Lucida Sans Unicode" panose="020B0602030504020204" pitchFamily="34" charset="0"/>
+                <a:cs typeface="Georgia" panose="02040502050405020303" pitchFamily="18" charset="0"/>
+              </a:rPr>
+              <a:t>Over time, there has been a correlation between cocoa ratings and the proportion of cocoa in a chocolate bar, as the quality of cocoa beans and chocolate bars has improved.</a:t>
+            </a:r>
+            <a:endParaRPr lang="en-US" dirty="0">
+              <a:latin typeface="Georgia" panose="02040502050405020303" pitchFamily="18" charset="0"/>
+              <a:ea typeface="Georgia" panose="02040502050405020303" pitchFamily="18" charset="0"/>
+              <a:cs typeface="Georgia" panose="02040502050405020303" pitchFamily="18" charset="0"/>
+            </a:endParaRPr>
+          </a:p>
+          <a:p>
+            <a:pPr marL="0" indent="0">
+              <a:buNone/>
+            </a:pPr>
+            <a:endParaRPr lang="en-US" dirty="0"/>
+          </a:p>
+        </p:txBody>
+      </p:sp>
+      <p:sp>
+        <p:nvSpPr>
+          <p:cNvPr id="4" name="Slide Number Placeholder 3">
+            <a:extLst>
+              <a:ext uri="{FF2B5EF4-FFF2-40B4-BE49-F238E27FC236}">
+                <a16:creationId xmlns:a16="http://schemas.microsoft.com/office/drawing/2014/main" id="{A64C9F99-EAEC-4343-A8E9-6D6FEBBF4B95}"/>
+              </a:ext>
+            </a:extLst>
+          </p:cNvPr>
+          <p:cNvSpPr>
+            <a:spLocks noGrp="1"/>
+          </p:cNvSpPr>
+          <p:nvPr>
+            <p:ph type="sldNum" sz="quarter" idx="12"/>
+          </p:nvPr>
+        </p:nvSpPr>
+        <p:spPr/>
+        <p:txBody>
+          <a:bodyPr/>
+          <a:lstStyle/>
+          <a:p>
+            <a:fld id="{7FA81DE9-9325-4540-92B4-5A7DD3142AA3}" type="slidenum">
+              <a:rPr lang="en-US" smtClean="0"/>
+              <a:t>6</a:t>
+            </a:fld>
+            <a:endParaRPr lang="en-US"/>
+          </a:p>
+        </p:txBody>
+      </p:sp>
+    </p:spTree>
+    <p:extLst>
+      <p:ext uri="{BB962C8B-B14F-4D97-AF65-F5344CB8AC3E}">
+        <p14:creationId xmlns:p14="http://schemas.microsoft.com/office/powerpoint/2010/main" val="1257745111"/>
+      </p:ext>
+    </p:extLst>
+  </p:cSld>
+  <p:clrMapOvr>
+    <a:masterClrMapping/>
+  </p:clrMapOvr>
+</p:sld>
+</file>
+
+<file path=ppt/slides/slide7.xml><?xml version="1.0" encoding="utf-8"?>
+<p:sld xmlns:a="http://schemas.openxmlformats.org/drawingml/2006/main" xmlns:r="http://schemas.openxmlformats.org/officeDocument/2006/relationships" xmlns:p="http://schemas.openxmlformats.org/presentationml/2006/main">
+  <p:cSld>
+    <p:spTree>
+      <p:nvGrpSpPr>
+        <p:cNvPr id="1" name=""/>
+        <p:cNvGrpSpPr/>
+        <p:nvPr/>
+      </p:nvGrpSpPr>
+      <p:grpSpPr>
+        <a:xfrm>
+          <a:off x="0" y="0"/>
+          <a:ext cx="0" cy="0"/>
+          <a:chOff x="0" y="0"/>
+          <a:chExt cx="0" cy="0"/>
+        </a:xfrm>
+      </p:grpSpPr>
+      <p:sp>
+        <p:nvSpPr>
+          <p:cNvPr id="2" name="Title 1">
+            <a:extLst>
+              <a:ext uri="{FF2B5EF4-FFF2-40B4-BE49-F238E27FC236}">
+                <a16:creationId xmlns:a16="http://schemas.microsoft.com/office/drawing/2014/main" id="{B3EFD2F4-6B36-44C0-BB95-B498C311A31E}"/>
+              </a:ext>
+            </a:extLst>
+          </p:cNvPr>
+          <p:cNvSpPr>
+            <a:spLocks noGrp="1"/>
+          </p:cNvSpPr>
+          <p:nvPr>
+            <p:ph type="title"/>
+          </p:nvPr>
+        </p:nvSpPr>
+        <p:spPr/>
+        <p:txBody>
+          <a:bodyPr/>
+          <a:lstStyle/>
+          <a:p>
+            <a:r>
+              <a:rPr lang="en-US" b="1" dirty="0">
+                <a:latin typeface="Lucida Sans Unicode" panose="020B0602030504020204" pitchFamily="34" charset="0"/>
+                <a:ea typeface="Lucida Sans Unicode" panose="020B0602030504020204" pitchFamily="34" charset="0"/>
+              </a:rPr>
+              <a:t>Hypothetical Questions.</a:t>
+            </a:r>
+            <a:endParaRPr lang="en-US" dirty="0"/>
+          </a:p>
+        </p:txBody>
+      </p:sp>
+      <p:sp>
+        <p:nvSpPr>
+          <p:cNvPr id="3" name="Content Placeholder 2">
+            <a:extLst>
+              <a:ext uri="{FF2B5EF4-FFF2-40B4-BE49-F238E27FC236}">
+                <a16:creationId xmlns:a16="http://schemas.microsoft.com/office/drawing/2014/main" id="{E2C411BD-1CDC-4A63-BD25-1C27FFFC5426}"/>
+              </a:ext>
+            </a:extLst>
+          </p:cNvPr>
+          <p:cNvSpPr>
+            <a:spLocks noGrp="1"/>
+          </p:cNvSpPr>
+          <p:nvPr>
+            <p:ph idx="1"/>
+          </p:nvPr>
+        </p:nvSpPr>
+        <p:spPr/>
+        <p:txBody>
+          <a:bodyPr/>
+          <a:lstStyle/>
+          <a:p>
+            <a:pPr marL="342900" indent="-342900">
+              <a:lnSpc>
+                <a:spcPct val="115000"/>
+              </a:lnSpc>
+              <a:spcBef>
+                <a:spcPts val="0"/>
+              </a:spcBef>
+              <a:spcAft>
+                <a:spcPts val="1000"/>
+              </a:spcAft>
+              <a:buFont typeface="+mj-lt"/>
+              <a:buAutoNum type="arabicPeriod"/>
+              <a:tabLst>
+                <a:tab pos="457200" algn="l"/>
+              </a:tabLst>
+            </a:pPr>
+            <a:r>
+              <a:rPr lang="en-US" sz="2400" dirty="0">
+                <a:latin typeface="Calibri" panose="020F0502020204030204" pitchFamily="34" charset="0"/>
+                <a:ea typeface="Calibri" panose="020F0502020204030204" pitchFamily="34" charset="0"/>
+                <a:cs typeface="Times New Roman" panose="02020603050405020304" pitchFamily="18" charset="0"/>
+              </a:rPr>
+              <a:t>Which countries produces the best cocoa beans?</a:t>
+            </a:r>
+          </a:p>
+          <a:p>
+            <a:pPr marL="342900" indent="-342900">
+              <a:lnSpc>
+                <a:spcPct val="115000"/>
+              </a:lnSpc>
+              <a:spcBef>
+                <a:spcPts val="0"/>
+              </a:spcBef>
+              <a:spcAft>
+                <a:spcPts val="1000"/>
+              </a:spcAft>
+              <a:buFont typeface="+mj-lt"/>
+              <a:buAutoNum type="arabicPeriod"/>
+              <a:tabLst>
+                <a:tab pos="457200" algn="l"/>
+              </a:tabLst>
+            </a:pPr>
+            <a:r>
+              <a:rPr lang="en-US" sz="2400" dirty="0">
+                <a:latin typeface="Calibri" panose="020F0502020204030204" pitchFamily="34" charset="0"/>
+                <a:ea typeface="Calibri" panose="020F0502020204030204" pitchFamily="34" charset="0"/>
+                <a:cs typeface="Times New Roman" panose="02020603050405020304" pitchFamily="18" charset="0"/>
+              </a:rPr>
+              <a:t>Which countries have the highest-rated chocolate bars?</a:t>
+            </a:r>
+          </a:p>
+          <a:p>
+            <a:pPr marL="342900" indent="-342900">
+              <a:lnSpc>
+                <a:spcPct val="115000"/>
+              </a:lnSpc>
+              <a:spcBef>
+                <a:spcPts val="0"/>
+              </a:spcBef>
+              <a:spcAft>
+                <a:spcPts val="1000"/>
+              </a:spcAft>
+              <a:buFont typeface="+mj-lt"/>
+              <a:buAutoNum type="arabicPeriod"/>
+              <a:tabLst>
+                <a:tab pos="457200" algn="l"/>
+              </a:tabLst>
+            </a:pPr>
+            <a:r>
+              <a:rPr lang="en-US" sz="2400" dirty="0">
+                <a:latin typeface="Calibri" panose="020F0502020204030204" pitchFamily="34" charset="0"/>
+                <a:ea typeface="Calibri" panose="020F0502020204030204" pitchFamily="34" charset="0"/>
+                <a:cs typeface="Times New Roman" panose="02020603050405020304" pitchFamily="18" charset="0"/>
+              </a:rPr>
+              <a:t>Is there relationship between the proportion of cocoa in chocolate bar and the rating?</a:t>
+            </a:r>
+          </a:p>
+          <a:p>
+            <a:pPr marL="342900" indent="-342900">
+              <a:lnSpc>
+                <a:spcPct val="115000"/>
+              </a:lnSpc>
+              <a:spcBef>
+                <a:spcPts val="0"/>
+              </a:spcBef>
+              <a:spcAft>
+                <a:spcPts val="1000"/>
+              </a:spcAft>
+              <a:buFont typeface="+mj-lt"/>
+              <a:buAutoNum type="arabicPeriod"/>
+              <a:tabLst>
+                <a:tab pos="457200" algn="l"/>
+              </a:tabLst>
+            </a:pPr>
+            <a:r>
+              <a:rPr lang="en-US" sz="2400" dirty="0">
+                <a:latin typeface="Calibri" panose="020F0502020204030204" pitchFamily="34" charset="0"/>
+                <a:ea typeface="Calibri" panose="020F0502020204030204" pitchFamily="34" charset="0"/>
+                <a:cs typeface="Times New Roman" panose="02020603050405020304" pitchFamily="18" charset="0"/>
+              </a:rPr>
+              <a:t>What are the top ten companies with the highest rating?</a:t>
+            </a:r>
+          </a:p>
+          <a:p>
+            <a:pPr marL="342900" indent="-342900">
+              <a:lnSpc>
+                <a:spcPct val="115000"/>
+              </a:lnSpc>
+              <a:spcBef>
+                <a:spcPts val="0"/>
+              </a:spcBef>
+              <a:spcAft>
+                <a:spcPts val="1000"/>
+              </a:spcAft>
+              <a:buFont typeface="+mj-lt"/>
+              <a:buAutoNum type="arabicPeriod"/>
+              <a:tabLst>
+                <a:tab pos="457200" algn="l"/>
+              </a:tabLst>
+            </a:pPr>
+            <a:r>
+              <a:rPr lang="en-US" sz="2400" dirty="0">
+                <a:latin typeface="Calibri" panose="020F0502020204030204" pitchFamily="34" charset="0"/>
+                <a:ea typeface="Calibri" panose="020F0502020204030204" pitchFamily="34" charset="0"/>
+                <a:cs typeface="Times New Roman" panose="02020603050405020304" pitchFamily="18" charset="0"/>
+              </a:rPr>
+              <a:t>What is the pattern over the years with respect to rating?</a:t>
+            </a:r>
+          </a:p>
+          <a:p>
+            <a:pPr marL="342900" indent="-342900">
+              <a:lnSpc>
+                <a:spcPct val="115000"/>
+              </a:lnSpc>
+              <a:spcBef>
+                <a:spcPts val="0"/>
+              </a:spcBef>
+              <a:spcAft>
+                <a:spcPts val="1000"/>
+              </a:spcAft>
+              <a:buFont typeface="+mj-lt"/>
+              <a:buAutoNum type="arabicPeriod"/>
+              <a:tabLst>
+                <a:tab pos="457200" algn="l"/>
+              </a:tabLst>
+            </a:pPr>
+            <a:r>
+              <a:rPr lang="en-US" sz="2400" dirty="0">
+                <a:latin typeface="Calibri" panose="020F0502020204030204" pitchFamily="34" charset="0"/>
+                <a:ea typeface="Calibri" panose="020F0502020204030204" pitchFamily="34" charset="0"/>
+                <a:cs typeface="Times New Roman" panose="02020603050405020304" pitchFamily="18" charset="0"/>
+              </a:rPr>
+              <a:t>Is there a correlation between a bean’s origin and the average rating of bars?</a:t>
+            </a:r>
+          </a:p>
+          <a:p>
+            <a:pPr marL="342900" indent="-342900">
+              <a:lnSpc>
+                <a:spcPct val="115000"/>
+              </a:lnSpc>
+              <a:spcBef>
+                <a:spcPts val="0"/>
+              </a:spcBef>
+              <a:spcAft>
+                <a:spcPts val="1000"/>
+              </a:spcAft>
+              <a:buFont typeface="+mj-lt"/>
+              <a:buAutoNum type="arabicPeriod"/>
+              <a:tabLst>
+                <a:tab pos="457200" algn="l"/>
+              </a:tabLst>
+            </a:pPr>
+            <a:r>
+              <a:rPr lang="en-US" sz="2400" dirty="0">
+                <a:latin typeface="Calibri" panose="020F0502020204030204" pitchFamily="34" charset="0"/>
+                <a:ea typeface="Calibri" panose="020F0502020204030204" pitchFamily="34" charset="0"/>
+                <a:cs typeface="Times New Roman" panose="02020603050405020304" pitchFamily="18" charset="0"/>
+              </a:rPr>
+              <a:t>Which chocolate beans have the highest ratings?</a:t>
+            </a:r>
+          </a:p>
+          <a:p>
+            <a:pPr marL="514350" indent="-514350">
+              <a:buFont typeface="+mj-lt"/>
+              <a:buAutoNum type="arabicPeriod"/>
+            </a:pPr>
+            <a:endParaRPr lang="en-US" dirty="0"/>
+          </a:p>
+        </p:txBody>
+      </p:sp>
+      <p:sp>
+        <p:nvSpPr>
+          <p:cNvPr id="4" name="Slide Number Placeholder 3">
+            <a:extLst>
+              <a:ext uri="{FF2B5EF4-FFF2-40B4-BE49-F238E27FC236}">
+                <a16:creationId xmlns:a16="http://schemas.microsoft.com/office/drawing/2014/main" id="{4C856B44-31C0-4ADF-9970-E6A549B50017}"/>
+              </a:ext>
+            </a:extLst>
+          </p:cNvPr>
+          <p:cNvSpPr>
+            <a:spLocks noGrp="1"/>
+          </p:cNvSpPr>
+          <p:nvPr>
+            <p:ph type="sldNum" sz="quarter" idx="12"/>
+          </p:nvPr>
+        </p:nvSpPr>
+        <p:spPr/>
+        <p:txBody>
+          <a:bodyPr/>
+          <a:lstStyle/>
+          <a:p>
+            <a:fld id="{7FA81DE9-9325-4540-92B4-5A7DD3142AA3}" type="slidenum">
+              <a:rPr lang="en-US" smtClean="0"/>
+              <a:t>7</a:t>
+            </a:fld>
+            <a:endParaRPr lang="en-US"/>
+          </a:p>
+        </p:txBody>
+      </p:sp>
+    </p:spTree>
+    <p:extLst>
+      <p:ext uri="{BB962C8B-B14F-4D97-AF65-F5344CB8AC3E}">
+        <p14:creationId xmlns:p14="http://schemas.microsoft.com/office/powerpoint/2010/main" val="3902494433"/>
+      </p:ext>
+    </p:extLst>
+  </p:cSld>
+  <p:clrMapOvr>
+    <a:masterClrMapping/>
+  </p:clrMapOvr>
+</p:sld>
+</file>
+
+<file path=ppt/slides/slide8.xml><?xml version="1.0" encoding="utf-8"?>
+<p:sld xmlns:a="http://schemas.openxmlformats.org/drawingml/2006/main" xmlns:r="http://schemas.openxmlformats.org/officeDocument/2006/relationships" xmlns:p="http://schemas.openxmlformats.org/presentationml/2006/main">
+  <p:cSld>
+    <p:spTree>
+      <p:nvGrpSpPr>
+        <p:cNvPr id="1" name=""/>
+        <p:cNvGrpSpPr/>
+        <p:nvPr/>
+      </p:nvGrpSpPr>
+      <p:grpSpPr>
+        <a:xfrm>
+          <a:off x="0" y="0"/>
+          <a:ext cx="0" cy="0"/>
+          <a:chOff x="0" y="0"/>
+          <a:chExt cx="0" cy="0"/>
+        </a:xfrm>
+      </p:grpSpPr>
+      <p:sp>
+        <p:nvSpPr>
+          <p:cNvPr id="2" name="Title 1">
+            <a:extLst>
+              <a:ext uri="{FF2B5EF4-FFF2-40B4-BE49-F238E27FC236}">
+                <a16:creationId xmlns:a16="http://schemas.microsoft.com/office/drawing/2014/main" id="{C18EB636-EBD2-4646-85FF-EEDB1A3269BB}"/>
+              </a:ext>
+            </a:extLst>
+          </p:cNvPr>
+          <p:cNvSpPr>
+            <a:spLocks noGrp="1"/>
+          </p:cNvSpPr>
+          <p:nvPr>
+            <p:ph type="title"/>
+          </p:nvPr>
+        </p:nvSpPr>
+        <p:spPr/>
+        <p:txBody>
+          <a:bodyPr/>
+          <a:lstStyle/>
+          <a:p>
+            <a:r>
+              <a:rPr lang="en-US" b="1" dirty="0"/>
+              <a:t>Results</a:t>
+            </a:r>
+          </a:p>
+        </p:txBody>
+      </p:sp>
+      <p:sp>
+        <p:nvSpPr>
+          <p:cNvPr id="3" name="Content Placeholder 2">
+            <a:extLst>
+              <a:ext uri="{FF2B5EF4-FFF2-40B4-BE49-F238E27FC236}">
+                <a16:creationId xmlns:a16="http://schemas.microsoft.com/office/drawing/2014/main" id="{DB037DC6-C4AB-4441-9E39-B42F3B25A95A}"/>
+              </a:ext>
+            </a:extLst>
+          </p:cNvPr>
+          <p:cNvSpPr>
+            <a:spLocks noGrp="1"/>
+          </p:cNvSpPr>
+          <p:nvPr>
+            <p:ph idx="1"/>
+          </p:nvPr>
+        </p:nvSpPr>
+        <p:spPr/>
+        <p:txBody>
+          <a:bodyPr/>
+          <a:lstStyle/>
+          <a:p>
+            <a:endParaRPr lang="en-US" dirty="0"/>
+          </a:p>
+        </p:txBody>
+      </p:sp>
+    </p:spTree>
+    <p:extLst>
+      <p:ext uri="{BB962C8B-B14F-4D97-AF65-F5344CB8AC3E}">
+        <p14:creationId xmlns:p14="http://schemas.microsoft.com/office/powerpoint/2010/main" val="4019859203"/>
       </p:ext>
     </p:extLst>
   </p:cSld>

--- a/EDA on Flavour of Cacao.pptx
+++ b/EDA on Flavour of Cacao.pptx
@@ -4,6 +4,9 @@
   <p:sldMasterIdLst>
     <p:sldMasterId id="2147483648" r:id="rId1"/>
   </p:sldMasterIdLst>
+  <p:notesMasterIdLst>
+    <p:notesMasterId r:id="rId18"/>
+  </p:notesMasterIdLst>
   <p:sldIdLst>
     <p:sldId id="257" r:id="rId2"/>
     <p:sldId id="258" r:id="rId3"/>
@@ -11,8 +14,16 @@
     <p:sldId id="260" r:id="rId5"/>
     <p:sldId id="261" r:id="rId6"/>
     <p:sldId id="262" r:id="rId7"/>
-    <p:sldId id="265" r:id="rId8"/>
-    <p:sldId id="266" r:id="rId9"/>
+    <p:sldId id="267" r:id="rId8"/>
+    <p:sldId id="268" r:id="rId9"/>
+    <p:sldId id="269" r:id="rId10"/>
+    <p:sldId id="270" r:id="rId11"/>
+    <p:sldId id="271" r:id="rId12"/>
+    <p:sldId id="272" r:id="rId13"/>
+    <p:sldId id="273" r:id="rId14"/>
+    <p:sldId id="274" r:id="rId15"/>
+    <p:sldId id="275" r:id="rId16"/>
+    <p:sldId id="276" r:id="rId17"/>
   </p:sldIdLst>
   <p:sldSz cx="12192000" cy="6858000"/>
   <p:notesSz cx="6858000" cy="9144000"/>
@@ -1083,8 +1094,8 @@
       </dsp:nvSpPr>
       <dsp:spPr>
         <a:xfrm>
-          <a:off x="2310" y="1068746"/>
-          <a:ext cx="2815028" cy="1126011"/>
+          <a:off x="2869" y="1538074"/>
+          <a:ext cx="3496433" cy="1398573"/>
         </a:xfrm>
         <a:prstGeom prst="chevron">
           <a:avLst/>
@@ -1126,12 +1137,12 @@
         </a:fontRef>
       </dsp:style>
       <dsp:txBody>
-        <a:bodyPr spcFirstLastPara="0" vert="horz" wrap="square" lIns="80010" tIns="26670" rIns="26670" bIns="26670" numCol="1" spcCol="1270" anchor="ctr" anchorCtr="0">
+        <a:bodyPr spcFirstLastPara="0" vert="horz" wrap="square" lIns="100013" tIns="33338" rIns="33338" bIns="33338" numCol="1" spcCol="1270" anchor="ctr" anchorCtr="0">
           <a:noAutofit/>
         </a:bodyPr>
         <a:lstStyle/>
         <a:p>
-          <a:pPr marL="0" lvl="0" indent="0" algn="ctr" defTabSz="889000">
+          <a:pPr marL="0" lvl="0" indent="0" algn="ctr" defTabSz="1111250">
             <a:lnSpc>
               <a:spcPct val="90000"/>
             </a:lnSpc>
@@ -1144,18 +1155,18 @@
             <a:buNone/>
           </a:pPr>
           <a:r>
-            <a:rPr lang="en-US" sz="2000" b="1" kern="1200"/>
+            <a:rPr lang="en-US" sz="2500" b="1" kern="1200"/>
             <a:t>Step 1: </a:t>
           </a:r>
           <a:r>
-            <a:rPr lang="en-US" sz="2000" kern="1200"/>
+            <a:rPr lang="en-US" sz="2500" kern="1200"/>
             <a:t>Understanding the dataset</a:t>
           </a:r>
         </a:p>
       </dsp:txBody>
       <dsp:txXfrm>
-        <a:off x="565316" y="1068746"/>
-        <a:ext cx="1689017" cy="1126011"/>
+        <a:off x="702156" y="1538074"/>
+        <a:ext cx="2097860" cy="1398573"/>
       </dsp:txXfrm>
     </dsp:sp>
     <dsp:sp modelId="{3CF99ADA-C788-4B33-ADB7-A196388B26DA}">
@@ -1165,8 +1176,8 @@
       </dsp:nvSpPr>
       <dsp:spPr>
         <a:xfrm>
-          <a:off x="2535835" y="1068746"/>
-          <a:ext cx="2815028" cy="1126011"/>
+          <a:off x="3149660" y="1538074"/>
+          <a:ext cx="3496433" cy="1398573"/>
         </a:xfrm>
         <a:prstGeom prst="chevron">
           <a:avLst/>
@@ -1208,12 +1219,12 @@
         </a:fontRef>
       </dsp:style>
       <dsp:txBody>
-        <a:bodyPr spcFirstLastPara="0" vert="horz" wrap="square" lIns="80010" tIns="26670" rIns="26670" bIns="26670" numCol="1" spcCol="1270" anchor="ctr" anchorCtr="0">
+        <a:bodyPr spcFirstLastPara="0" vert="horz" wrap="square" lIns="100013" tIns="33338" rIns="33338" bIns="33338" numCol="1" spcCol="1270" anchor="ctr" anchorCtr="0">
           <a:noAutofit/>
         </a:bodyPr>
         <a:lstStyle/>
         <a:p>
-          <a:pPr marL="0" lvl="0" indent="0" algn="ctr" defTabSz="889000">
+          <a:pPr marL="0" lvl="0" indent="0" algn="ctr" defTabSz="1111250">
             <a:lnSpc>
               <a:spcPct val="90000"/>
             </a:lnSpc>
@@ -1226,18 +1237,18 @@
             <a:buNone/>
           </a:pPr>
           <a:r>
-            <a:rPr lang="en-US" sz="2000" b="1" kern="1200"/>
+            <a:rPr lang="en-US" sz="2500" b="1" kern="1200"/>
             <a:t>Step 2: </a:t>
           </a:r>
           <a:r>
-            <a:rPr lang="en-US" sz="2000" kern="1200"/>
+            <a:rPr lang="en-US" sz="2500" kern="1200"/>
             <a:t>Cleaning the dataset</a:t>
           </a:r>
         </a:p>
       </dsp:txBody>
       <dsp:txXfrm>
-        <a:off x="3098841" y="1068746"/>
-        <a:ext cx="1689017" cy="1126011"/>
+        <a:off x="3848947" y="1538074"/>
+        <a:ext cx="2097860" cy="1398573"/>
       </dsp:txXfrm>
     </dsp:sp>
     <dsp:sp modelId="{9DB26EB4-DDC6-4940-AE4F-E6DB161A0109}">
@@ -1247,8 +1258,8 @@
       </dsp:nvSpPr>
       <dsp:spPr>
         <a:xfrm>
-          <a:off x="5069361" y="1068746"/>
-          <a:ext cx="2815028" cy="1126011"/>
+          <a:off x="6296450" y="1538074"/>
+          <a:ext cx="3496433" cy="1398573"/>
         </a:xfrm>
         <a:prstGeom prst="chevron">
           <a:avLst/>
@@ -1290,12 +1301,12 @@
         </a:fontRef>
       </dsp:style>
       <dsp:txBody>
-        <a:bodyPr spcFirstLastPara="0" vert="horz" wrap="square" lIns="80010" tIns="26670" rIns="26670" bIns="26670" numCol="1" spcCol="1270" anchor="ctr" anchorCtr="0">
+        <a:bodyPr spcFirstLastPara="0" vert="horz" wrap="square" lIns="100013" tIns="33338" rIns="33338" bIns="33338" numCol="1" spcCol="1270" anchor="ctr" anchorCtr="0">
           <a:noAutofit/>
         </a:bodyPr>
         <a:lstStyle/>
         <a:p>
-          <a:pPr marL="0" lvl="0" indent="0" algn="ctr" defTabSz="889000">
+          <a:pPr marL="0" lvl="0" indent="0" algn="ctr" defTabSz="1111250">
             <a:lnSpc>
               <a:spcPct val="90000"/>
             </a:lnSpc>
@@ -1308,12 +1319,12 @@
             <a:buNone/>
           </a:pPr>
           <a:r>
-            <a:rPr lang="en-US" sz="2000" b="1" kern="1200"/>
+            <a:rPr lang="en-US" sz="2500" b="1" kern="1200"/>
             <a:t>Step 3:</a:t>
           </a:r>
         </a:p>
         <a:p>
-          <a:pPr marL="0" lvl="0" indent="0" algn="ctr" defTabSz="889000">
+          <a:pPr marL="0" lvl="0" indent="0" algn="ctr" defTabSz="1111250">
             <a:lnSpc>
               <a:spcPct val="90000"/>
             </a:lnSpc>
@@ -1326,14 +1337,14 @@
             <a:buNone/>
           </a:pPr>
           <a:r>
-            <a:rPr lang="en-US" sz="2000" b="0" kern="1200"/>
+            <a:rPr lang="en-US" sz="2500" b="0" kern="1200"/>
             <a:t>Analysis of relationship </a:t>
           </a:r>
         </a:p>
       </dsp:txBody>
       <dsp:txXfrm>
-        <a:off x="5632367" y="1068746"/>
-        <a:ext cx="1689017" cy="1126011"/>
+        <a:off x="6995737" y="1538074"/>
+        <a:ext cx="2097860" cy="1398573"/>
       </dsp:txXfrm>
     </dsp:sp>
   </dsp:spTree>
@@ -2657,6 +2668,355 @@
 </dgm:styleDef>
 </file>
 
+<file path=ppt/notesMasters/notesMaster1.xml><?xml version="1.0" encoding="utf-8"?>
+<p:notesMaster xmlns:a="http://schemas.openxmlformats.org/drawingml/2006/main" xmlns:r="http://schemas.openxmlformats.org/officeDocument/2006/relationships" xmlns:p="http://schemas.openxmlformats.org/presentationml/2006/main">
+  <p:cSld>
+    <p:bg>
+      <p:bgRef idx="1001">
+        <a:schemeClr val="bg1"/>
+      </p:bgRef>
+    </p:bg>
+    <p:spTree>
+      <p:nvGrpSpPr>
+        <p:cNvPr id="1" name=""/>
+        <p:cNvGrpSpPr/>
+        <p:nvPr/>
+      </p:nvGrpSpPr>
+      <p:grpSpPr>
+        <a:xfrm>
+          <a:off x="0" y="0"/>
+          <a:ext cx="0" cy="0"/>
+          <a:chOff x="0" y="0"/>
+          <a:chExt cx="0" cy="0"/>
+        </a:xfrm>
+      </p:grpSpPr>
+      <p:sp>
+        <p:nvSpPr>
+          <p:cNvPr id="2" name="Header Placeholder 1"/>
+          <p:cNvSpPr>
+            <a:spLocks noGrp="1"/>
+          </p:cNvSpPr>
+          <p:nvPr>
+            <p:ph type="hdr" sz="quarter"/>
+          </p:nvPr>
+        </p:nvSpPr>
+        <p:spPr>
+          <a:xfrm>
+            <a:off x="0" y="0"/>
+            <a:ext cx="2971800" cy="458788"/>
+          </a:xfrm>
+          <a:prstGeom prst="rect">
+            <a:avLst/>
+          </a:prstGeom>
+        </p:spPr>
+        <p:txBody>
+          <a:bodyPr vert="horz" lIns="91440" tIns="45720" rIns="91440" bIns="45720" rtlCol="0"/>
+          <a:lstStyle>
+            <a:lvl1pPr algn="l">
+              <a:defRPr sz="1200"/>
+            </a:lvl1pPr>
+          </a:lstStyle>
+          <a:p>
+            <a:endParaRPr lang="en-US"/>
+          </a:p>
+        </p:txBody>
+      </p:sp>
+      <p:sp>
+        <p:nvSpPr>
+          <p:cNvPr id="3" name="Date Placeholder 2"/>
+          <p:cNvSpPr>
+            <a:spLocks noGrp="1"/>
+          </p:cNvSpPr>
+          <p:nvPr>
+            <p:ph type="dt" idx="1"/>
+          </p:nvPr>
+        </p:nvSpPr>
+        <p:spPr>
+          <a:xfrm>
+            <a:off x="3884613" y="0"/>
+            <a:ext cx="2971800" cy="458788"/>
+          </a:xfrm>
+          <a:prstGeom prst="rect">
+            <a:avLst/>
+          </a:prstGeom>
+        </p:spPr>
+        <p:txBody>
+          <a:bodyPr vert="horz" lIns="91440" tIns="45720" rIns="91440" bIns="45720" rtlCol="0"/>
+          <a:lstStyle>
+            <a:lvl1pPr algn="r">
+              <a:defRPr sz="1200"/>
+            </a:lvl1pPr>
+          </a:lstStyle>
+          <a:p>
+            <a:fld id="{459902FC-1237-42A3-8040-D1D45594FBC5}" type="datetimeFigureOut">
+              <a:rPr lang="en-US" smtClean="0"/>
+              <a:t>6/4/2021</a:t>
+            </a:fld>
+            <a:endParaRPr lang="en-US"/>
+          </a:p>
+        </p:txBody>
+      </p:sp>
+      <p:sp>
+        <p:nvSpPr>
+          <p:cNvPr id="4" name="Slide Image Placeholder 3"/>
+          <p:cNvSpPr>
+            <a:spLocks noGrp="1" noRot="1" noChangeAspect="1"/>
+          </p:cNvSpPr>
+          <p:nvPr>
+            <p:ph type="sldImg" idx="2"/>
+          </p:nvPr>
+        </p:nvSpPr>
+        <p:spPr>
+          <a:xfrm>
+            <a:off x="685800" y="1143000"/>
+            <a:ext cx="5486400" cy="3086100"/>
+          </a:xfrm>
+          <a:prstGeom prst="rect">
+            <a:avLst/>
+          </a:prstGeom>
+          <a:noFill/>
+          <a:ln w="12700">
+            <a:solidFill>
+              <a:prstClr val="black"/>
+            </a:solidFill>
+          </a:ln>
+        </p:spPr>
+        <p:txBody>
+          <a:bodyPr vert="horz" lIns="91440" tIns="45720" rIns="91440" bIns="45720" rtlCol="0" anchor="ctr"/>
+          <a:lstStyle/>
+          <a:p>
+            <a:endParaRPr lang="en-US"/>
+          </a:p>
+        </p:txBody>
+      </p:sp>
+      <p:sp>
+        <p:nvSpPr>
+          <p:cNvPr id="5" name="Notes Placeholder 4"/>
+          <p:cNvSpPr>
+            <a:spLocks noGrp="1"/>
+          </p:cNvSpPr>
+          <p:nvPr>
+            <p:ph type="body" sz="quarter" idx="3"/>
+          </p:nvPr>
+        </p:nvSpPr>
+        <p:spPr>
+          <a:xfrm>
+            <a:off x="685800" y="4400550"/>
+            <a:ext cx="5486400" cy="3600450"/>
+          </a:xfrm>
+          <a:prstGeom prst="rect">
+            <a:avLst/>
+          </a:prstGeom>
+        </p:spPr>
+        <p:txBody>
+          <a:bodyPr vert="horz" lIns="91440" tIns="45720" rIns="91440" bIns="45720" rtlCol="0"/>
+          <a:lstStyle/>
+          <a:p>
+            <a:pPr lvl="0"/>
+            <a:r>
+              <a:rPr lang="en-US"/>
+              <a:t>Click to edit Master text styles</a:t>
+            </a:r>
+          </a:p>
+          <a:p>
+            <a:pPr lvl="1"/>
+            <a:r>
+              <a:rPr lang="en-US"/>
+              <a:t>Second level</a:t>
+            </a:r>
+          </a:p>
+          <a:p>
+            <a:pPr lvl="2"/>
+            <a:r>
+              <a:rPr lang="en-US"/>
+              <a:t>Third level</a:t>
+            </a:r>
+          </a:p>
+          <a:p>
+            <a:pPr lvl="3"/>
+            <a:r>
+              <a:rPr lang="en-US"/>
+              <a:t>Fourth level</a:t>
+            </a:r>
+          </a:p>
+          <a:p>
+            <a:pPr lvl="4"/>
+            <a:r>
+              <a:rPr lang="en-US"/>
+              <a:t>Fifth level</a:t>
+            </a:r>
+          </a:p>
+        </p:txBody>
+      </p:sp>
+      <p:sp>
+        <p:nvSpPr>
+          <p:cNvPr id="6" name="Footer Placeholder 5"/>
+          <p:cNvSpPr>
+            <a:spLocks noGrp="1"/>
+          </p:cNvSpPr>
+          <p:nvPr>
+            <p:ph type="ftr" sz="quarter" idx="4"/>
+          </p:nvPr>
+        </p:nvSpPr>
+        <p:spPr>
+          <a:xfrm>
+            <a:off x="0" y="8685213"/>
+            <a:ext cx="2971800" cy="458787"/>
+          </a:xfrm>
+          <a:prstGeom prst="rect">
+            <a:avLst/>
+          </a:prstGeom>
+        </p:spPr>
+        <p:txBody>
+          <a:bodyPr vert="horz" lIns="91440" tIns="45720" rIns="91440" bIns="45720" rtlCol="0" anchor="b"/>
+          <a:lstStyle>
+            <a:lvl1pPr algn="l">
+              <a:defRPr sz="1200"/>
+            </a:lvl1pPr>
+          </a:lstStyle>
+          <a:p>
+            <a:endParaRPr lang="en-US"/>
+          </a:p>
+        </p:txBody>
+      </p:sp>
+      <p:sp>
+        <p:nvSpPr>
+          <p:cNvPr id="7" name="Slide Number Placeholder 6"/>
+          <p:cNvSpPr>
+            <a:spLocks noGrp="1"/>
+          </p:cNvSpPr>
+          <p:nvPr>
+            <p:ph type="sldNum" sz="quarter" idx="5"/>
+          </p:nvPr>
+        </p:nvSpPr>
+        <p:spPr>
+          <a:xfrm>
+            <a:off x="3884613" y="8685213"/>
+            <a:ext cx="2971800" cy="458787"/>
+          </a:xfrm>
+          <a:prstGeom prst="rect">
+            <a:avLst/>
+          </a:prstGeom>
+        </p:spPr>
+        <p:txBody>
+          <a:bodyPr vert="horz" lIns="91440" tIns="45720" rIns="91440" bIns="45720" rtlCol="0" anchor="b"/>
+          <a:lstStyle>
+            <a:lvl1pPr algn="r">
+              <a:defRPr sz="1200"/>
+            </a:lvl1pPr>
+          </a:lstStyle>
+          <a:p>
+            <a:fld id="{386A84F9-3D1D-4E82-95F1-FC5913886334}" type="slidenum">
+              <a:rPr lang="en-US" smtClean="0"/>
+              <a:t>‹#›</a:t>
+            </a:fld>
+            <a:endParaRPr lang="en-US"/>
+          </a:p>
+        </p:txBody>
+      </p:sp>
+    </p:spTree>
+    <p:extLst>
+      <p:ext uri="{BB962C8B-B14F-4D97-AF65-F5344CB8AC3E}">
+        <p14:creationId xmlns:p14="http://schemas.microsoft.com/office/powerpoint/2010/main" val="1804880062"/>
+      </p:ext>
+    </p:extLst>
+  </p:cSld>
+  <p:clrMap bg1="lt1" tx1="dk1" bg2="lt2" tx2="dk2" accent1="accent1" accent2="accent2" accent3="accent3" accent4="accent4" accent5="accent5" accent6="accent6" hlink="hlink" folHlink="folHlink"/>
+  <p:notesStyle>
+    <a:lvl1pPr marL="0" algn="l" defTabSz="914400" rtl="0" eaLnBrk="1" latinLnBrk="0" hangingPunct="1">
+      <a:defRPr sz="1200" kern="1200">
+        <a:solidFill>
+          <a:schemeClr val="tx1"/>
+        </a:solidFill>
+        <a:latin typeface="+mn-lt"/>
+        <a:ea typeface="+mn-ea"/>
+        <a:cs typeface="+mn-cs"/>
+      </a:defRPr>
+    </a:lvl1pPr>
+    <a:lvl2pPr marL="457200" algn="l" defTabSz="914400" rtl="0" eaLnBrk="1" latinLnBrk="0" hangingPunct="1">
+      <a:defRPr sz="1200" kern="1200">
+        <a:solidFill>
+          <a:schemeClr val="tx1"/>
+        </a:solidFill>
+        <a:latin typeface="+mn-lt"/>
+        <a:ea typeface="+mn-ea"/>
+        <a:cs typeface="+mn-cs"/>
+      </a:defRPr>
+    </a:lvl2pPr>
+    <a:lvl3pPr marL="914400" algn="l" defTabSz="914400" rtl="0" eaLnBrk="1" latinLnBrk="0" hangingPunct="1">
+      <a:defRPr sz="1200" kern="1200">
+        <a:solidFill>
+          <a:schemeClr val="tx1"/>
+        </a:solidFill>
+        <a:latin typeface="+mn-lt"/>
+        <a:ea typeface="+mn-ea"/>
+        <a:cs typeface="+mn-cs"/>
+      </a:defRPr>
+    </a:lvl3pPr>
+    <a:lvl4pPr marL="1371600" algn="l" defTabSz="914400" rtl="0" eaLnBrk="1" latinLnBrk="0" hangingPunct="1">
+      <a:defRPr sz="1200" kern="1200">
+        <a:solidFill>
+          <a:schemeClr val="tx1"/>
+        </a:solidFill>
+        <a:latin typeface="+mn-lt"/>
+        <a:ea typeface="+mn-ea"/>
+        <a:cs typeface="+mn-cs"/>
+      </a:defRPr>
+    </a:lvl4pPr>
+    <a:lvl5pPr marL="1828800" algn="l" defTabSz="914400" rtl="0" eaLnBrk="1" latinLnBrk="0" hangingPunct="1">
+      <a:defRPr sz="1200" kern="1200">
+        <a:solidFill>
+          <a:schemeClr val="tx1"/>
+        </a:solidFill>
+        <a:latin typeface="+mn-lt"/>
+        <a:ea typeface="+mn-ea"/>
+        <a:cs typeface="+mn-cs"/>
+      </a:defRPr>
+    </a:lvl5pPr>
+    <a:lvl6pPr marL="2286000" algn="l" defTabSz="914400" rtl="0" eaLnBrk="1" latinLnBrk="0" hangingPunct="1">
+      <a:defRPr sz="1200" kern="1200">
+        <a:solidFill>
+          <a:schemeClr val="tx1"/>
+        </a:solidFill>
+        <a:latin typeface="+mn-lt"/>
+        <a:ea typeface="+mn-ea"/>
+        <a:cs typeface="+mn-cs"/>
+      </a:defRPr>
+    </a:lvl6pPr>
+    <a:lvl7pPr marL="2743200" algn="l" defTabSz="914400" rtl="0" eaLnBrk="1" latinLnBrk="0" hangingPunct="1">
+      <a:defRPr sz="1200" kern="1200">
+        <a:solidFill>
+          <a:schemeClr val="tx1"/>
+        </a:solidFill>
+        <a:latin typeface="+mn-lt"/>
+        <a:ea typeface="+mn-ea"/>
+        <a:cs typeface="+mn-cs"/>
+      </a:defRPr>
+    </a:lvl7pPr>
+    <a:lvl8pPr marL="3200400" algn="l" defTabSz="914400" rtl="0" eaLnBrk="1" latinLnBrk="0" hangingPunct="1">
+      <a:defRPr sz="1200" kern="1200">
+        <a:solidFill>
+          <a:schemeClr val="tx1"/>
+        </a:solidFill>
+        <a:latin typeface="+mn-lt"/>
+        <a:ea typeface="+mn-ea"/>
+        <a:cs typeface="+mn-cs"/>
+      </a:defRPr>
+    </a:lvl8pPr>
+    <a:lvl9pPr marL="3657600" algn="l" defTabSz="914400" rtl="0" eaLnBrk="1" latinLnBrk="0" hangingPunct="1">
+      <a:defRPr sz="1200" kern="1200">
+        <a:solidFill>
+          <a:schemeClr val="tx1"/>
+        </a:solidFill>
+        <a:latin typeface="+mn-lt"/>
+        <a:ea typeface="+mn-ea"/>
+        <a:cs typeface="+mn-cs"/>
+      </a:defRPr>
+    </a:lvl9pPr>
+  </p:notesStyle>
+</p:notesMaster>
+</file>
+
 <file path=ppt/slideLayouts/slideLayout1.xml><?xml version="1.0" encoding="utf-8"?>
 <p:sldLayout xmlns:a="http://schemas.openxmlformats.org/drawingml/2006/main" xmlns:r="http://schemas.openxmlformats.org/officeDocument/2006/relationships" xmlns:p="http://schemas.openxmlformats.org/presentationml/2006/main" type="title" preserve="1">
   <p:cSld name="Title Slide">
@@ -2804,9 +3164,9 @@
           <a:bodyPr/>
           <a:lstStyle/>
           <a:p>
-            <a:fld id="{DB133C82-7CB5-E24B-B9F4-4643C99F7127}" type="datetimeFigureOut">
-              <a:rPr lang="en-GH" smtClean="0"/>
-              <a:t>06/02/2021</a:t>
+            <a:fld id="{44EF43FC-D7CD-48E1-B043-8C285ABA4E0C}" type="datetime1">
+              <a:rPr lang="LID4096" smtClean="0"/>
+              <a:t>06/04/2021</a:t>
             </a:fld>
             <a:endParaRPr lang="en-GH"/>
           </a:p>
@@ -3004,9 +3364,9 @@
           <a:bodyPr/>
           <a:lstStyle/>
           <a:p>
-            <a:fld id="{DB133C82-7CB5-E24B-B9F4-4643C99F7127}" type="datetimeFigureOut">
-              <a:rPr lang="en-GH" smtClean="0"/>
-              <a:t>06/02/2021</a:t>
+            <a:fld id="{88A5DCBB-1D18-4D69-AA4F-3353BEF91EC3}" type="datetime1">
+              <a:rPr lang="LID4096" smtClean="0"/>
+              <a:t>06/04/2021</a:t>
             </a:fld>
             <a:endParaRPr lang="en-GH"/>
           </a:p>
@@ -3214,9 +3574,9 @@
           <a:bodyPr/>
           <a:lstStyle/>
           <a:p>
-            <a:fld id="{DB133C82-7CB5-E24B-B9F4-4643C99F7127}" type="datetimeFigureOut">
-              <a:rPr lang="en-GH" smtClean="0"/>
-              <a:t>06/02/2021</a:t>
+            <a:fld id="{0E1D1D98-4E93-4EFD-A644-85DA45D20649}" type="datetime1">
+              <a:rPr lang="LID4096" smtClean="0"/>
+              <a:t>06/04/2021</a:t>
             </a:fld>
             <a:endParaRPr lang="en-GH"/>
           </a:p>
@@ -3414,9 +3774,9 @@
           <a:bodyPr/>
           <a:lstStyle/>
           <a:p>
-            <a:fld id="{DB133C82-7CB5-E24B-B9F4-4643C99F7127}" type="datetimeFigureOut">
-              <a:rPr lang="en-GH" smtClean="0"/>
-              <a:t>06/02/2021</a:t>
+            <a:fld id="{30A8BBB2-58BC-4746-AE7C-7769E38F4848}" type="datetime1">
+              <a:rPr lang="LID4096" smtClean="0"/>
+              <a:t>06/04/2021</a:t>
             </a:fld>
             <a:endParaRPr lang="en-GH"/>
           </a:p>
@@ -3690,9 +4050,9 @@
           <a:bodyPr/>
           <a:lstStyle/>
           <a:p>
-            <a:fld id="{DB133C82-7CB5-E24B-B9F4-4643C99F7127}" type="datetimeFigureOut">
-              <a:rPr lang="en-GH" smtClean="0"/>
-              <a:t>06/02/2021</a:t>
+            <a:fld id="{C45240F2-0033-443B-8EB4-30352C2C8F59}" type="datetime1">
+              <a:rPr lang="LID4096" smtClean="0"/>
+              <a:t>06/04/2021</a:t>
             </a:fld>
             <a:endParaRPr lang="en-GH"/>
           </a:p>
@@ -3958,9 +4318,9 @@
           <a:bodyPr/>
           <a:lstStyle/>
           <a:p>
-            <a:fld id="{DB133C82-7CB5-E24B-B9F4-4643C99F7127}" type="datetimeFigureOut">
-              <a:rPr lang="en-GH" smtClean="0"/>
-              <a:t>06/02/2021</a:t>
+            <a:fld id="{3611E741-A52D-4443-B16B-FA35D90A6B6A}" type="datetime1">
+              <a:rPr lang="LID4096" smtClean="0"/>
+              <a:t>06/04/2021</a:t>
             </a:fld>
             <a:endParaRPr lang="en-GH"/>
           </a:p>
@@ -4373,9 +4733,9 @@
           <a:bodyPr/>
           <a:lstStyle/>
           <a:p>
-            <a:fld id="{DB133C82-7CB5-E24B-B9F4-4643C99F7127}" type="datetimeFigureOut">
-              <a:rPr lang="en-GH" smtClean="0"/>
-              <a:t>06/02/2021</a:t>
+            <a:fld id="{9C7EC643-E24D-405A-B8CB-2F1EF50BE68C}" type="datetime1">
+              <a:rPr lang="LID4096" smtClean="0"/>
+              <a:t>06/04/2021</a:t>
             </a:fld>
             <a:endParaRPr lang="en-GH"/>
           </a:p>
@@ -4515,9 +4875,9 @@
           <a:bodyPr/>
           <a:lstStyle/>
           <a:p>
-            <a:fld id="{DB133C82-7CB5-E24B-B9F4-4643C99F7127}" type="datetimeFigureOut">
-              <a:rPr lang="en-GH" smtClean="0"/>
-              <a:t>06/02/2021</a:t>
+            <a:fld id="{A5444DC1-C66B-4C19-9EA0-C23D29410B04}" type="datetime1">
+              <a:rPr lang="LID4096" smtClean="0"/>
+              <a:t>06/04/2021</a:t>
             </a:fld>
             <a:endParaRPr lang="en-GH"/>
           </a:p>
@@ -4628,9 +4988,9 @@
           <a:bodyPr/>
           <a:lstStyle/>
           <a:p>
-            <a:fld id="{DB133C82-7CB5-E24B-B9F4-4643C99F7127}" type="datetimeFigureOut">
-              <a:rPr lang="en-GH" smtClean="0"/>
-              <a:t>06/02/2021</a:t>
+            <a:fld id="{E28DE409-69C2-4383-B0BC-025F03C9DDC9}" type="datetime1">
+              <a:rPr lang="LID4096" smtClean="0"/>
+              <a:t>06/04/2021</a:t>
             </a:fld>
             <a:endParaRPr lang="en-GH"/>
           </a:p>
@@ -4941,9 +5301,9 @@
           <a:bodyPr/>
           <a:lstStyle/>
           <a:p>
-            <a:fld id="{DB133C82-7CB5-E24B-B9F4-4643C99F7127}" type="datetimeFigureOut">
-              <a:rPr lang="en-GH" smtClean="0"/>
-              <a:t>06/02/2021</a:t>
+            <a:fld id="{1845B867-11F4-41A9-BC81-2112D4836D9C}" type="datetime1">
+              <a:rPr lang="LID4096" smtClean="0"/>
+              <a:t>06/04/2021</a:t>
             </a:fld>
             <a:endParaRPr lang="en-GH"/>
           </a:p>
@@ -5230,9 +5590,9 @@
           <a:bodyPr/>
           <a:lstStyle/>
           <a:p>
-            <a:fld id="{DB133C82-7CB5-E24B-B9F4-4643C99F7127}" type="datetimeFigureOut">
-              <a:rPr lang="en-GH" smtClean="0"/>
-              <a:t>06/02/2021</a:t>
+            <a:fld id="{F074D59C-A156-4298-96E9-36BB89D23374}" type="datetime1">
+              <a:rPr lang="LID4096" smtClean="0"/>
+              <a:t>06/04/2021</a:t>
             </a:fld>
             <a:endParaRPr lang="en-GH"/>
           </a:p>
@@ -5473,9 +5833,9 @@
             </a:lvl1pPr>
           </a:lstStyle>
           <a:p>
-            <a:fld id="{DB133C82-7CB5-E24B-B9F4-4643C99F7127}" type="datetimeFigureOut">
-              <a:rPr lang="en-GH" smtClean="0"/>
-              <a:t>06/02/2021</a:t>
+            <a:fld id="{5BFC3DEE-B476-4220-A1AC-7A0C91575BB9}" type="datetime1">
+              <a:rPr lang="LID4096" smtClean="0"/>
+              <a:t>06/04/2021</a:t>
             </a:fld>
             <a:endParaRPr lang="en-GH"/>
           </a:p>
@@ -5592,6 +5952,7 @@
     <p:sldLayoutId id="2147483658" r:id="rId10"/>
     <p:sldLayoutId id="2147483659" r:id="rId11"/>
   </p:sldLayoutIdLst>
+  <p:hf hdr="0" ftr="0" dt="0"/>
   <p:txStyles>
     <p:titleStyle>
       <a:lvl1pPr algn="l" defTabSz="914400" rtl="0" eaLnBrk="1" latinLnBrk="0" hangingPunct="1">
@@ -5910,8 +6271,8 @@
         </p:nvSpPr>
         <p:spPr>
           <a:xfrm>
-            <a:off x="2581275" y="1349793"/>
-            <a:ext cx="6858000" cy="975770"/>
+            <a:off x="710118" y="1349793"/>
+            <a:ext cx="10643681" cy="975770"/>
           </a:xfrm>
         </p:spPr>
         <p:txBody>
@@ -5969,7 +6330,7 @@
               </a:spcBef>
             </a:pPr>
             <a:r>
-              <a:rPr lang="en-US" sz="3200" dirty="0">
+              <a:rPr lang="en-US" sz="3200" b="1" dirty="0">
                 <a:latin typeface="Lucida Sans Unicode" panose="020B0602030504020204" pitchFamily="34" charset="0"/>
                 <a:ea typeface="Lucida Sans Unicode" panose="020B0602030504020204" pitchFamily="34" charset="0"/>
               </a:rPr>
@@ -6104,9 +6465,2068 @@
 </p:sld>
 </file>
 
+<file path=ppt/slides/slide10.xml><?xml version="1.0" encoding="utf-8"?>
+<p:sld xmlns:a="http://schemas.openxmlformats.org/drawingml/2006/main" xmlns:r="http://schemas.openxmlformats.org/officeDocument/2006/relationships" xmlns:p="http://schemas.openxmlformats.org/presentationml/2006/main">
+  <p:cSld>
+    <p:bg>
+      <p:bgPr>
+        <a:solidFill>
+          <a:schemeClr val="bg1"/>
+        </a:solidFill>
+        <a:effectLst/>
+      </p:bgPr>
+    </p:bg>
+    <p:spTree>
+      <p:nvGrpSpPr>
+        <p:cNvPr id="1" name=""/>
+        <p:cNvGrpSpPr/>
+        <p:nvPr/>
+      </p:nvGrpSpPr>
+      <p:grpSpPr>
+        <a:xfrm>
+          <a:off x="0" y="0"/>
+          <a:ext cx="0" cy="0"/>
+          <a:chOff x="0" y="0"/>
+          <a:chExt cx="0" cy="0"/>
+        </a:xfrm>
+      </p:grpSpPr>
+      <p:sp>
+        <p:nvSpPr>
+          <p:cNvPr id="9" name="Rectangle 8">
+            <a:extLst>
+              <a:ext uri="{FF2B5EF4-FFF2-40B4-BE49-F238E27FC236}">
+                <a16:creationId xmlns:a16="http://schemas.microsoft.com/office/drawing/2014/main" id="{7CA0DAA6-33B8-4A25-810D-2F4D816FB40E}"/>
+              </a:ext>
+              <a:ext uri="{C183D7F6-B498-43B3-948B-1728B52AA6E4}">
+                <adec:decorative xmlns:adec="http://schemas.microsoft.com/office/drawing/2017/decorative" val="1"/>
+              </a:ext>
+            </a:extLst>
+          </p:cNvPr>
+          <p:cNvSpPr>
+            <a:spLocks noGrp="1" noRot="1" noChangeAspect="1" noMove="1" noResize="1" noEditPoints="1" noAdjustHandles="1" noChangeArrowheads="1" noChangeShapeType="1" noTextEdit="1"/>
+          </p:cNvSpPr>
+          <p:nvPr>
+            <p:extLst>
+              <p:ext uri="{386F3935-93C4-4BCD-93E2-E3B085C9AB24}">
+                <p16:designElem xmlns:p16="http://schemas.microsoft.com/office/powerpoint/2015/main" val="1"/>
+              </p:ext>
+            </p:extLst>
+          </p:nvPr>
+        </p:nvSpPr>
+        <p:spPr bwMode="white">
+          <a:xfrm>
+            <a:off x="0" y="0"/>
+            <a:ext cx="4654297" cy="6858000"/>
+          </a:xfrm>
+          <a:prstGeom prst="rect">
+            <a:avLst/>
+          </a:prstGeom>
+          <a:solidFill>
+            <a:schemeClr val="tx1">
+              <a:lumMod val="85000"/>
+              <a:lumOff val="15000"/>
+            </a:schemeClr>
+          </a:solidFill>
+          <a:ln>
+            <a:noFill/>
+          </a:ln>
+        </p:spPr>
+        <p:style>
+          <a:lnRef idx="2">
+            <a:schemeClr val="accent1">
+              <a:shade val="50000"/>
+            </a:schemeClr>
+          </a:lnRef>
+          <a:fillRef idx="1">
+            <a:schemeClr val="accent1"/>
+          </a:fillRef>
+          <a:effectRef idx="0">
+            <a:schemeClr val="accent1"/>
+          </a:effectRef>
+          <a:fontRef idx="minor">
+            <a:schemeClr val="lt1"/>
+          </a:fontRef>
+        </p:style>
+        <p:txBody>
+          <a:bodyPr rtlCol="0" anchor="ctr"/>
+          <a:lstStyle/>
+          <a:p>
+            <a:pPr algn="ctr"/>
+            <a:endParaRPr lang="en-US"/>
+          </a:p>
+        </p:txBody>
+      </p:sp>
+      <p:sp>
+        <p:nvSpPr>
+          <p:cNvPr id="2" name="Title 1">
+            <a:extLst>
+              <a:ext uri="{FF2B5EF4-FFF2-40B4-BE49-F238E27FC236}">
+                <a16:creationId xmlns:a16="http://schemas.microsoft.com/office/drawing/2014/main" id="{5AE461B8-8A18-4B75-B91D-84C9AC4F9624}"/>
+              </a:ext>
+            </a:extLst>
+          </p:cNvPr>
+          <p:cNvSpPr>
+            <a:spLocks noGrp="1"/>
+          </p:cNvSpPr>
+          <p:nvPr>
+            <p:ph type="title"/>
+          </p:nvPr>
+        </p:nvSpPr>
+        <p:spPr>
+          <a:xfrm>
+            <a:off x="651307" y="640081"/>
+            <a:ext cx="3377183" cy="3681976"/>
+          </a:xfrm>
+          <a:noFill/>
+        </p:spPr>
+        <p:txBody>
+          <a:bodyPr vert="horz" lIns="91440" tIns="45720" rIns="91440" bIns="45720" rtlCol="0" anchor="b">
+            <a:normAutofit/>
+          </a:bodyPr>
+          <a:lstStyle/>
+          <a:p>
+            <a:r>
+              <a:rPr lang="en-US" sz="3700" b="1" i="1" kern="1200">
+                <a:solidFill>
+                  <a:schemeClr val="bg1"/>
+                </a:solidFill>
+                <a:effectLst/>
+                <a:latin typeface="+mj-lt"/>
+                <a:ea typeface="+mj-ea"/>
+                <a:cs typeface="+mj-cs"/>
+              </a:rPr>
+              <a:t>Is there relationship between the proportion of cocoa in chocolate bar and the rating?</a:t>
+            </a:r>
+            <a:endParaRPr lang="en-US" sz="3700" kern="1200">
+              <a:solidFill>
+                <a:schemeClr val="bg1"/>
+              </a:solidFill>
+              <a:latin typeface="+mj-lt"/>
+              <a:ea typeface="+mj-ea"/>
+              <a:cs typeface="+mj-cs"/>
+            </a:endParaRPr>
+          </a:p>
+        </p:txBody>
+      </p:sp>
+      <p:pic>
+        <p:nvPicPr>
+          <p:cNvPr id="4" name="Content Placeholder 3">
+            <a:extLst>
+              <a:ext uri="{FF2B5EF4-FFF2-40B4-BE49-F238E27FC236}">
+                <a16:creationId xmlns:a16="http://schemas.microsoft.com/office/drawing/2014/main" id="{947BCF5D-DBD4-4ED0-B9DC-7F78C760169A}"/>
+              </a:ext>
+            </a:extLst>
+          </p:cNvPr>
+          <p:cNvPicPr>
+            <a:picLocks noGrp="1"/>
+          </p:cNvPicPr>
+          <p:nvPr>
+            <p:ph idx="1"/>
+          </p:nvPr>
+        </p:nvPicPr>
+        <p:blipFill>
+          <a:blip r:embed="rId2">
+            <a:extLst>
+              <a:ext uri="{28A0092B-C50C-407E-A947-70E740481C1C}">
+                <a14:useLocalDpi xmlns:a14="http://schemas.microsoft.com/office/drawing/2010/main" val="0"/>
+              </a:ext>
+            </a:extLst>
+          </a:blip>
+          <a:stretch>
+            <a:fillRect/>
+          </a:stretch>
+        </p:blipFill>
+        <p:spPr bwMode="auto">
+          <a:xfrm>
+            <a:off x="5584767" y="640080"/>
+            <a:ext cx="5577839" cy="5577839"/>
+          </a:xfrm>
+          <a:prstGeom prst="rect">
+            <a:avLst/>
+          </a:prstGeom>
+          <a:noFill/>
+        </p:spPr>
+      </p:pic>
+      <p:sp>
+        <p:nvSpPr>
+          <p:cNvPr id="5" name="Slide Number Placeholder 4">
+            <a:extLst>
+              <a:ext uri="{FF2B5EF4-FFF2-40B4-BE49-F238E27FC236}">
+                <a16:creationId xmlns:a16="http://schemas.microsoft.com/office/drawing/2014/main" id="{E299B410-4C44-4BFA-B983-34B73BB3906A}"/>
+              </a:ext>
+            </a:extLst>
+          </p:cNvPr>
+          <p:cNvSpPr>
+            <a:spLocks noGrp="1"/>
+          </p:cNvSpPr>
+          <p:nvPr>
+            <p:ph type="sldNum" sz="quarter" idx="12"/>
+          </p:nvPr>
+        </p:nvSpPr>
+        <p:spPr/>
+        <p:txBody>
+          <a:bodyPr/>
+          <a:lstStyle/>
+          <a:p>
+            <a:fld id="{70EC4113-9F95-A845-A634-8A906A6C5F1F}" type="slidenum">
+              <a:rPr lang="en-GH" smtClean="0"/>
+              <a:t>10</a:t>
+            </a:fld>
+            <a:endParaRPr lang="en-GH"/>
+          </a:p>
+        </p:txBody>
+      </p:sp>
+    </p:spTree>
+    <p:extLst>
+      <p:ext uri="{BB962C8B-B14F-4D97-AF65-F5344CB8AC3E}">
+        <p14:creationId xmlns:p14="http://schemas.microsoft.com/office/powerpoint/2010/main" val="1305921831"/>
+      </p:ext>
+    </p:extLst>
+  </p:cSld>
+  <p:clrMapOvr>
+    <a:masterClrMapping/>
+  </p:clrMapOvr>
+</p:sld>
+</file>
+
+<file path=ppt/slides/slide11.xml><?xml version="1.0" encoding="utf-8"?>
+<p:sld xmlns:a="http://schemas.openxmlformats.org/drawingml/2006/main" xmlns:r="http://schemas.openxmlformats.org/officeDocument/2006/relationships" xmlns:p="http://schemas.openxmlformats.org/presentationml/2006/main">
+  <p:cSld>
+    <p:bg>
+      <p:bgPr>
+        <a:solidFill>
+          <a:schemeClr val="bg1"/>
+        </a:solidFill>
+        <a:effectLst/>
+      </p:bgPr>
+    </p:bg>
+    <p:spTree>
+      <p:nvGrpSpPr>
+        <p:cNvPr id="1" name=""/>
+        <p:cNvGrpSpPr/>
+        <p:nvPr/>
+      </p:nvGrpSpPr>
+      <p:grpSpPr>
+        <a:xfrm>
+          <a:off x="0" y="0"/>
+          <a:ext cx="0" cy="0"/>
+          <a:chOff x="0" y="0"/>
+          <a:chExt cx="0" cy="0"/>
+        </a:xfrm>
+      </p:grpSpPr>
+      <p:sp>
+        <p:nvSpPr>
+          <p:cNvPr id="9" name="Down Arrow 7">
+            <a:extLst>
+              <a:ext uri="{FF2B5EF4-FFF2-40B4-BE49-F238E27FC236}">
+                <a16:creationId xmlns:a16="http://schemas.microsoft.com/office/drawing/2014/main" id="{D4771268-CB57-404A-9271-370EB28F6090}"/>
+              </a:ext>
+              <a:ext uri="{C183D7F6-B498-43B3-948B-1728B52AA6E4}">
+                <adec:decorative xmlns:adec="http://schemas.microsoft.com/office/drawing/2017/decorative" val="1"/>
+              </a:ext>
+            </a:extLst>
+          </p:cNvPr>
+          <p:cNvSpPr>
+            <a:spLocks noGrp="1" noRot="1" noChangeAspect="1" noMove="1" noResize="1" noEditPoints="1" noAdjustHandles="1" noChangeArrowheads="1" noChangeShapeType="1" noTextEdit="1"/>
+          </p:cNvSpPr>
+          <p:nvPr>
+            <p:extLst>
+              <p:ext uri="{386F3935-93C4-4BCD-93E2-E3B085C9AB24}">
+                <p16:designElem xmlns:p16="http://schemas.microsoft.com/office/powerpoint/2015/main" val="1"/>
+              </p:ext>
+            </p:extLst>
+          </p:nvPr>
+        </p:nvSpPr>
+        <p:spPr>
+          <a:xfrm rot="16200000">
+            <a:off x="800100" y="1491343"/>
+            <a:ext cx="3333749" cy="3499103"/>
+          </a:xfrm>
+          <a:prstGeom prst="downArrow">
+            <a:avLst>
+              <a:gd name="adj1" fmla="val 100000"/>
+              <a:gd name="adj2" fmla="val 15788"/>
+            </a:avLst>
+          </a:prstGeom>
+          <a:solidFill>
+            <a:srgbClr val="404040"/>
+          </a:solidFill>
+          <a:ln w="53975">
+            <a:noFill/>
+          </a:ln>
+        </p:spPr>
+        <p:style>
+          <a:lnRef idx="2">
+            <a:schemeClr val="accent1">
+              <a:shade val="50000"/>
+            </a:schemeClr>
+          </a:lnRef>
+          <a:fillRef idx="1">
+            <a:schemeClr val="accent1"/>
+          </a:fillRef>
+          <a:effectRef idx="0">
+            <a:schemeClr val="accent1"/>
+          </a:effectRef>
+          <a:fontRef idx="minor">
+            <a:schemeClr val="lt1"/>
+          </a:fontRef>
+        </p:style>
+        <p:txBody>
+          <a:bodyPr rtlCol="0" anchor="ctr"/>
+          <a:lstStyle/>
+          <a:p>
+            <a:pPr algn="ctr"/>
+            <a:endParaRPr lang="en-US"/>
+          </a:p>
+        </p:txBody>
+      </p:sp>
+      <p:sp>
+        <p:nvSpPr>
+          <p:cNvPr id="2" name="Title 1">
+            <a:extLst>
+              <a:ext uri="{FF2B5EF4-FFF2-40B4-BE49-F238E27FC236}">
+                <a16:creationId xmlns:a16="http://schemas.microsoft.com/office/drawing/2014/main" id="{69C84764-7AAD-4A2C-A3CD-3C96A8E9E8DD}"/>
+              </a:ext>
+            </a:extLst>
+          </p:cNvPr>
+          <p:cNvSpPr>
+            <a:spLocks noGrp="1"/>
+          </p:cNvSpPr>
+          <p:nvPr>
+            <p:ph type="title"/>
+          </p:nvPr>
+        </p:nvSpPr>
+        <p:spPr>
+          <a:xfrm>
+            <a:off x="1028700" y="1967266"/>
+            <a:ext cx="2628900" cy="2547257"/>
+          </a:xfrm>
+          <a:noFill/>
+        </p:spPr>
+        <p:txBody>
+          <a:bodyPr vert="horz" lIns="91440" tIns="45720" rIns="91440" bIns="45720" rtlCol="0" anchor="ctr">
+            <a:normAutofit/>
+          </a:bodyPr>
+          <a:lstStyle/>
+          <a:p>
+            <a:pPr algn="ctr"/>
+            <a:r>
+              <a:rPr lang="en-US" sz="3100" b="1" i="1" kern="1200">
+                <a:solidFill>
+                  <a:srgbClr val="FFFFFF"/>
+                </a:solidFill>
+                <a:effectLst/>
+                <a:latin typeface="+mj-lt"/>
+                <a:ea typeface="+mj-ea"/>
+                <a:cs typeface="+mj-cs"/>
+              </a:rPr>
+              <a:t>What are the top ten companies with the highest rating?</a:t>
+            </a:r>
+            <a:endParaRPr lang="en-US" sz="3100" kern="1200">
+              <a:solidFill>
+                <a:srgbClr val="FFFFFF"/>
+              </a:solidFill>
+              <a:latin typeface="+mj-lt"/>
+              <a:ea typeface="+mj-ea"/>
+              <a:cs typeface="+mj-cs"/>
+            </a:endParaRPr>
+          </a:p>
+        </p:txBody>
+      </p:sp>
+      <p:pic>
+        <p:nvPicPr>
+          <p:cNvPr id="4" name="Content Placeholder 3">
+            <a:extLst>
+              <a:ext uri="{FF2B5EF4-FFF2-40B4-BE49-F238E27FC236}">
+                <a16:creationId xmlns:a16="http://schemas.microsoft.com/office/drawing/2014/main" id="{7E29FE0E-D5B5-4F58-8891-664300BCCF49}"/>
+              </a:ext>
+            </a:extLst>
+          </p:cNvPr>
+          <p:cNvPicPr>
+            <a:picLocks noGrp="1"/>
+          </p:cNvPicPr>
+          <p:nvPr>
+            <p:ph idx="1"/>
+          </p:nvPr>
+        </p:nvPicPr>
+        <p:blipFill>
+          <a:blip r:embed="rId2">
+            <a:extLst>
+              <a:ext uri="{28A0092B-C50C-407E-A947-70E740481C1C}">
+                <a14:useLocalDpi xmlns:a14="http://schemas.microsoft.com/office/drawing/2010/main" val="0"/>
+              </a:ext>
+            </a:extLst>
+          </a:blip>
+          <a:stretch>
+            <a:fillRect/>
+          </a:stretch>
+        </p:blipFill>
+        <p:spPr bwMode="auto">
+          <a:xfrm>
+            <a:off x="4777316" y="1300391"/>
+            <a:ext cx="6780700" cy="4254888"/>
+          </a:xfrm>
+          <a:prstGeom prst="rect">
+            <a:avLst/>
+          </a:prstGeom>
+          <a:noFill/>
+        </p:spPr>
+      </p:pic>
+      <p:sp>
+        <p:nvSpPr>
+          <p:cNvPr id="5" name="Slide Number Placeholder 4">
+            <a:extLst>
+              <a:ext uri="{FF2B5EF4-FFF2-40B4-BE49-F238E27FC236}">
+                <a16:creationId xmlns:a16="http://schemas.microsoft.com/office/drawing/2014/main" id="{8A5EDB78-A624-452C-BCA7-12C7A6123674}"/>
+              </a:ext>
+            </a:extLst>
+          </p:cNvPr>
+          <p:cNvSpPr>
+            <a:spLocks noGrp="1"/>
+          </p:cNvSpPr>
+          <p:nvPr>
+            <p:ph type="sldNum" sz="quarter" idx="12"/>
+          </p:nvPr>
+        </p:nvSpPr>
+        <p:spPr/>
+        <p:txBody>
+          <a:bodyPr/>
+          <a:lstStyle/>
+          <a:p>
+            <a:fld id="{70EC4113-9F95-A845-A634-8A906A6C5F1F}" type="slidenum">
+              <a:rPr lang="en-GH" smtClean="0"/>
+              <a:t>11</a:t>
+            </a:fld>
+            <a:endParaRPr lang="en-GH"/>
+          </a:p>
+        </p:txBody>
+      </p:sp>
+    </p:spTree>
+    <p:extLst>
+      <p:ext uri="{BB962C8B-B14F-4D97-AF65-F5344CB8AC3E}">
+        <p14:creationId xmlns:p14="http://schemas.microsoft.com/office/powerpoint/2010/main" val="3372467959"/>
+      </p:ext>
+    </p:extLst>
+  </p:cSld>
+  <p:clrMapOvr>
+    <a:masterClrMapping/>
+  </p:clrMapOvr>
+</p:sld>
+</file>
+
+<file path=ppt/slides/slide12.xml><?xml version="1.0" encoding="utf-8"?>
+<p:sld xmlns:a="http://schemas.openxmlformats.org/drawingml/2006/main" xmlns:r="http://schemas.openxmlformats.org/officeDocument/2006/relationships" xmlns:p="http://schemas.openxmlformats.org/presentationml/2006/main">
+  <p:cSld>
+    <p:bg>
+      <p:bgPr>
+        <a:solidFill>
+          <a:schemeClr val="bg1"/>
+        </a:solidFill>
+        <a:effectLst/>
+      </p:bgPr>
+    </p:bg>
+    <p:spTree>
+      <p:nvGrpSpPr>
+        <p:cNvPr id="1" name=""/>
+        <p:cNvGrpSpPr/>
+        <p:nvPr/>
+      </p:nvGrpSpPr>
+      <p:grpSpPr>
+        <a:xfrm>
+          <a:off x="0" y="0"/>
+          <a:ext cx="0" cy="0"/>
+          <a:chOff x="0" y="0"/>
+          <a:chExt cx="0" cy="0"/>
+        </a:xfrm>
+      </p:grpSpPr>
+      <p:cxnSp>
+        <p:nvCxnSpPr>
+          <p:cNvPr id="9" name="Straight Connector 8">
+            <a:extLst>
+              <a:ext uri="{FF2B5EF4-FFF2-40B4-BE49-F238E27FC236}">
+                <a16:creationId xmlns:a16="http://schemas.microsoft.com/office/drawing/2014/main" id="{D2E961F1-4A28-4A5F-BBD4-6E400E5E6C75}"/>
+              </a:ext>
+              <a:ext uri="{C183D7F6-B498-43B3-948B-1728B52AA6E4}">
+                <adec:decorative xmlns:adec="http://schemas.microsoft.com/office/drawing/2017/decorative" val="1"/>
+              </a:ext>
+            </a:extLst>
+          </p:cNvPr>
+          <p:cNvCxnSpPr>
+            <a:cxnSpLocks noGrp="1" noRot="1" noChangeAspect="1" noMove="1" noResize="1" noEditPoints="1" noAdjustHandles="1" noChangeArrowheads="1" noChangeShapeType="1"/>
+          </p:cNvCxnSpPr>
+          <p:nvPr>
+            <p:extLst>
+              <p:ext uri="{386F3935-93C4-4BCD-93E2-E3B085C9AB24}">
+                <p16:designElem xmlns:p16="http://schemas.microsoft.com/office/powerpoint/2015/main" val="1"/>
+              </p:ext>
+            </p:extLst>
+          </p:nvPr>
+        </p:nvCxnSpPr>
+        <p:spPr bwMode="white">
+          <a:xfrm>
+            <a:off x="0" y="272357"/>
+            <a:ext cx="12188824" cy="0"/>
+          </a:xfrm>
+          <a:prstGeom prst="line">
+            <a:avLst/>
+          </a:prstGeom>
+          <a:ln w="50800">
+            <a:solidFill>
+              <a:schemeClr val="tx1">
+                <a:lumMod val="75000"/>
+                <a:lumOff val="25000"/>
+              </a:schemeClr>
+            </a:solidFill>
+          </a:ln>
+        </p:spPr>
+        <p:style>
+          <a:lnRef idx="1">
+            <a:schemeClr val="accent1"/>
+          </a:lnRef>
+          <a:fillRef idx="0">
+            <a:schemeClr val="accent1"/>
+          </a:fillRef>
+          <a:effectRef idx="0">
+            <a:schemeClr val="accent1"/>
+          </a:effectRef>
+          <a:fontRef idx="minor">
+            <a:schemeClr val="tx1"/>
+          </a:fontRef>
+        </p:style>
+      </p:cxnSp>
+      <p:sp>
+        <p:nvSpPr>
+          <p:cNvPr id="11" name="Rectangle 10">
+            <a:extLst>
+              <a:ext uri="{FF2B5EF4-FFF2-40B4-BE49-F238E27FC236}">
+                <a16:creationId xmlns:a16="http://schemas.microsoft.com/office/drawing/2014/main" id="{7F57BEA8-497D-4AA8-8A18-BDCD696B25FE}"/>
+              </a:ext>
+              <a:ext uri="{C183D7F6-B498-43B3-948B-1728B52AA6E4}">
+                <adec:decorative xmlns:adec="http://schemas.microsoft.com/office/drawing/2017/decorative" val="1"/>
+              </a:ext>
+            </a:extLst>
+          </p:cNvPr>
+          <p:cNvSpPr>
+            <a:spLocks noGrp="1" noRot="1" noChangeAspect="1" noMove="1" noResize="1" noEditPoints="1" noAdjustHandles="1" noChangeArrowheads="1" noChangeShapeType="1" noTextEdit="1"/>
+          </p:cNvSpPr>
+          <p:nvPr>
+            <p:extLst>
+              <p:ext uri="{386F3935-93C4-4BCD-93E2-E3B085C9AB24}">
+                <p16:designElem xmlns:p16="http://schemas.microsoft.com/office/powerpoint/2015/main" val="1"/>
+              </p:ext>
+            </p:extLst>
+          </p:nvPr>
+        </p:nvSpPr>
+        <p:spPr>
+          <a:xfrm>
+            <a:off x="0" y="368596"/>
+            <a:ext cx="12192000" cy="1735555"/>
+          </a:xfrm>
+          <a:prstGeom prst="rect">
+            <a:avLst/>
+          </a:prstGeom>
+          <a:solidFill>
+            <a:schemeClr val="tx1">
+              <a:lumMod val="75000"/>
+              <a:lumOff val="25000"/>
+            </a:schemeClr>
+          </a:solidFill>
+          <a:ln>
+            <a:noFill/>
+          </a:ln>
+        </p:spPr>
+        <p:style>
+          <a:lnRef idx="2">
+            <a:schemeClr val="accent1">
+              <a:shade val="50000"/>
+            </a:schemeClr>
+          </a:lnRef>
+          <a:fillRef idx="1">
+            <a:schemeClr val="accent1"/>
+          </a:fillRef>
+          <a:effectRef idx="0">
+            <a:schemeClr val="accent1"/>
+          </a:effectRef>
+          <a:fontRef idx="minor">
+            <a:schemeClr val="lt1"/>
+          </a:fontRef>
+        </p:style>
+        <p:txBody>
+          <a:bodyPr rtlCol="0" anchor="ctr"/>
+          <a:lstStyle/>
+          <a:p>
+            <a:pPr algn="ctr"/>
+            <a:endParaRPr lang="en-US"/>
+          </a:p>
+        </p:txBody>
+      </p:sp>
+      <p:sp>
+        <p:nvSpPr>
+          <p:cNvPr id="2" name="Title 1">
+            <a:extLst>
+              <a:ext uri="{FF2B5EF4-FFF2-40B4-BE49-F238E27FC236}">
+                <a16:creationId xmlns:a16="http://schemas.microsoft.com/office/drawing/2014/main" id="{AF4C7AF0-7C84-4BF1-8EC1-AF6727E79F9B}"/>
+              </a:ext>
+            </a:extLst>
+          </p:cNvPr>
+          <p:cNvSpPr>
+            <a:spLocks noGrp="1"/>
+          </p:cNvSpPr>
+          <p:nvPr>
+            <p:ph type="title"/>
+          </p:nvPr>
+        </p:nvSpPr>
+        <p:spPr>
+          <a:xfrm>
+            <a:off x="526073" y="489439"/>
+            <a:ext cx="11139854" cy="930447"/>
+          </a:xfrm>
+        </p:spPr>
+        <p:txBody>
+          <a:bodyPr vert="horz" lIns="91440" tIns="45720" rIns="91440" bIns="45720" rtlCol="0" anchor="b">
+            <a:normAutofit/>
+          </a:bodyPr>
+          <a:lstStyle/>
+          <a:p>
+            <a:pPr algn="ctr"/>
+            <a:r>
+              <a:rPr lang="en-US" sz="3800" b="1" i="1" kern="1200">
+                <a:solidFill>
+                  <a:schemeClr val="bg1"/>
+                </a:solidFill>
+                <a:effectLst/>
+                <a:latin typeface="+mj-lt"/>
+                <a:ea typeface="+mj-ea"/>
+                <a:cs typeface="+mj-cs"/>
+              </a:rPr>
+              <a:t>What is the pattern over the years with respect to rating?</a:t>
+            </a:r>
+            <a:endParaRPr lang="en-US" sz="3800" kern="1200">
+              <a:solidFill>
+                <a:schemeClr val="bg1"/>
+              </a:solidFill>
+              <a:latin typeface="+mj-lt"/>
+              <a:ea typeface="+mj-ea"/>
+              <a:cs typeface="+mj-cs"/>
+            </a:endParaRPr>
+          </a:p>
+        </p:txBody>
+      </p:sp>
+      <p:cxnSp>
+        <p:nvCxnSpPr>
+          <p:cNvPr id="13" name="Straight Connector 12">
+            <a:extLst>
+              <a:ext uri="{FF2B5EF4-FFF2-40B4-BE49-F238E27FC236}">
+                <a16:creationId xmlns:a16="http://schemas.microsoft.com/office/drawing/2014/main" id="{A82415D3-DDE5-4D63-8CB3-23A5EC581B27}"/>
+              </a:ext>
+              <a:ext uri="{C183D7F6-B498-43B3-948B-1728B52AA6E4}">
+                <adec:decorative xmlns:adec="http://schemas.microsoft.com/office/drawing/2017/decorative" val="1"/>
+              </a:ext>
+            </a:extLst>
+          </p:cNvPr>
+          <p:cNvCxnSpPr>
+            <a:cxnSpLocks noGrp="1" noRot="1" noChangeAspect="1" noMove="1" noResize="1" noEditPoints="1" noAdjustHandles="1" noChangeArrowheads="1" noChangeShapeType="1"/>
+          </p:cNvCxnSpPr>
+          <p:nvPr>
+            <p:extLst>
+              <p:ext uri="{386F3935-93C4-4BCD-93E2-E3B085C9AB24}">
+                <p16:designElem xmlns:p16="http://schemas.microsoft.com/office/powerpoint/2015/main" val="1"/>
+              </p:ext>
+            </p:extLst>
+          </p:nvPr>
+        </p:nvCxnSpPr>
+        <p:spPr>
+          <a:xfrm>
+            <a:off x="4724400" y="1479733"/>
+            <a:ext cx="2743200" cy="0"/>
+          </a:xfrm>
+          <a:prstGeom prst="line">
+            <a:avLst/>
+          </a:prstGeom>
+          <a:ln w="19050">
+            <a:solidFill>
+              <a:schemeClr val="bg1">
+                <a:alpha val="75000"/>
+              </a:schemeClr>
+            </a:solidFill>
+          </a:ln>
+        </p:spPr>
+        <p:style>
+          <a:lnRef idx="1">
+            <a:schemeClr val="accent1"/>
+          </a:lnRef>
+          <a:fillRef idx="0">
+            <a:schemeClr val="accent1"/>
+          </a:fillRef>
+          <a:effectRef idx="0">
+            <a:schemeClr val="accent1"/>
+          </a:effectRef>
+          <a:fontRef idx="minor">
+            <a:schemeClr val="tx1"/>
+          </a:fontRef>
+        </p:style>
+      </p:cxnSp>
+      <p:cxnSp>
+        <p:nvCxnSpPr>
+          <p:cNvPr id="15" name="Straight Connector 14">
+            <a:extLst>
+              <a:ext uri="{FF2B5EF4-FFF2-40B4-BE49-F238E27FC236}">
+                <a16:creationId xmlns:a16="http://schemas.microsoft.com/office/drawing/2014/main" id="{AD7193FB-6AE6-4B3B-8F89-56B55DD63B4D}"/>
+              </a:ext>
+              <a:ext uri="{C183D7F6-B498-43B3-948B-1728B52AA6E4}">
+                <adec:decorative xmlns:adec="http://schemas.microsoft.com/office/drawing/2017/decorative" val="1"/>
+              </a:ext>
+            </a:extLst>
+          </p:cNvPr>
+          <p:cNvCxnSpPr>
+            <a:cxnSpLocks noGrp="1" noRot="1" noChangeAspect="1" noMove="1" noResize="1" noEditPoints="1" noAdjustHandles="1" noChangeArrowheads="1" noChangeShapeType="1"/>
+          </p:cNvCxnSpPr>
+          <p:nvPr>
+            <p:extLst>
+              <p:ext uri="{386F3935-93C4-4BCD-93E2-E3B085C9AB24}">
+                <p16:designElem xmlns:p16="http://schemas.microsoft.com/office/powerpoint/2015/main" val="1"/>
+              </p:ext>
+            </p:extLst>
+          </p:nvPr>
+        </p:nvCxnSpPr>
+        <p:spPr bwMode="white">
+          <a:xfrm>
+            <a:off x="0" y="2201402"/>
+            <a:ext cx="12188824" cy="0"/>
+          </a:xfrm>
+          <a:prstGeom prst="line">
+            <a:avLst/>
+          </a:prstGeom>
+          <a:ln w="50800">
+            <a:solidFill>
+              <a:schemeClr val="tx1">
+                <a:lumMod val="75000"/>
+                <a:lumOff val="25000"/>
+              </a:schemeClr>
+            </a:solidFill>
+          </a:ln>
+        </p:spPr>
+        <p:style>
+          <a:lnRef idx="1">
+            <a:schemeClr val="accent1"/>
+          </a:lnRef>
+          <a:fillRef idx="0">
+            <a:schemeClr val="accent1"/>
+          </a:fillRef>
+          <a:effectRef idx="0">
+            <a:schemeClr val="accent1"/>
+          </a:effectRef>
+          <a:fontRef idx="minor">
+            <a:schemeClr val="tx1"/>
+          </a:fontRef>
+        </p:style>
+      </p:cxnSp>
+      <p:pic>
+        <p:nvPicPr>
+          <p:cNvPr id="4" name="Content Placeholder 3">
+            <a:extLst>
+              <a:ext uri="{FF2B5EF4-FFF2-40B4-BE49-F238E27FC236}">
+                <a16:creationId xmlns:a16="http://schemas.microsoft.com/office/drawing/2014/main" id="{6157E2A6-82D0-481E-90A4-E98B9C607F00}"/>
+              </a:ext>
+            </a:extLst>
+          </p:cNvPr>
+          <p:cNvPicPr>
+            <a:picLocks noGrp="1"/>
+          </p:cNvPicPr>
+          <p:nvPr>
+            <p:ph idx="1"/>
+          </p:nvPr>
+        </p:nvPicPr>
+        <p:blipFill>
+          <a:blip r:embed="rId2">
+            <a:extLst>
+              <a:ext uri="{28A0092B-C50C-407E-A947-70E740481C1C}">
+                <a14:useLocalDpi xmlns:a14="http://schemas.microsoft.com/office/drawing/2010/main" val="0"/>
+              </a:ext>
+            </a:extLst>
+          </a:blip>
+          <a:stretch>
+            <a:fillRect/>
+          </a:stretch>
+        </p:blipFill>
+        <p:spPr bwMode="auto">
+          <a:xfrm>
+            <a:off x="320040" y="2500642"/>
+            <a:ext cx="11496821" cy="3851435"/>
+          </a:xfrm>
+          <a:prstGeom prst="rect">
+            <a:avLst/>
+          </a:prstGeom>
+          <a:noFill/>
+        </p:spPr>
+      </p:pic>
+      <p:sp>
+        <p:nvSpPr>
+          <p:cNvPr id="5" name="Slide Number Placeholder 4">
+            <a:extLst>
+              <a:ext uri="{FF2B5EF4-FFF2-40B4-BE49-F238E27FC236}">
+                <a16:creationId xmlns:a16="http://schemas.microsoft.com/office/drawing/2014/main" id="{08939F95-5D9C-4917-9AE3-3578DB75E13E}"/>
+              </a:ext>
+            </a:extLst>
+          </p:cNvPr>
+          <p:cNvSpPr>
+            <a:spLocks noGrp="1"/>
+          </p:cNvSpPr>
+          <p:nvPr>
+            <p:ph type="sldNum" sz="quarter" idx="12"/>
+          </p:nvPr>
+        </p:nvSpPr>
+        <p:spPr/>
+        <p:txBody>
+          <a:bodyPr/>
+          <a:lstStyle/>
+          <a:p>
+            <a:fld id="{70EC4113-9F95-A845-A634-8A906A6C5F1F}" type="slidenum">
+              <a:rPr lang="en-GH" smtClean="0"/>
+              <a:t>12</a:t>
+            </a:fld>
+            <a:endParaRPr lang="en-GH"/>
+          </a:p>
+        </p:txBody>
+      </p:sp>
+    </p:spTree>
+    <p:extLst>
+      <p:ext uri="{BB962C8B-B14F-4D97-AF65-F5344CB8AC3E}">
+        <p14:creationId xmlns:p14="http://schemas.microsoft.com/office/powerpoint/2010/main" val="3401911003"/>
+      </p:ext>
+    </p:extLst>
+  </p:cSld>
+  <p:clrMapOvr>
+    <a:masterClrMapping/>
+  </p:clrMapOvr>
+</p:sld>
+</file>
+
+<file path=ppt/slides/slide13.xml><?xml version="1.0" encoding="utf-8"?>
+<p:sld xmlns:a="http://schemas.openxmlformats.org/drawingml/2006/main" xmlns:r="http://schemas.openxmlformats.org/officeDocument/2006/relationships" xmlns:p="http://schemas.openxmlformats.org/presentationml/2006/main">
+  <p:cSld>
+    <p:bg>
+      <p:bgPr>
+        <a:solidFill>
+          <a:schemeClr val="bg1"/>
+        </a:solidFill>
+        <a:effectLst/>
+      </p:bgPr>
+    </p:bg>
+    <p:spTree>
+      <p:nvGrpSpPr>
+        <p:cNvPr id="1" name=""/>
+        <p:cNvGrpSpPr/>
+        <p:nvPr/>
+      </p:nvGrpSpPr>
+      <p:grpSpPr>
+        <a:xfrm>
+          <a:off x="0" y="0"/>
+          <a:ext cx="0" cy="0"/>
+          <a:chOff x="0" y="0"/>
+          <a:chExt cx="0" cy="0"/>
+        </a:xfrm>
+      </p:grpSpPr>
+      <p:sp>
+        <p:nvSpPr>
+          <p:cNvPr id="9" name="Down Arrow 7">
+            <a:extLst>
+              <a:ext uri="{FF2B5EF4-FFF2-40B4-BE49-F238E27FC236}">
+                <a16:creationId xmlns:a16="http://schemas.microsoft.com/office/drawing/2014/main" id="{D4771268-CB57-404A-9271-370EB28F6090}"/>
+              </a:ext>
+              <a:ext uri="{C183D7F6-B498-43B3-948B-1728B52AA6E4}">
+                <adec:decorative xmlns:adec="http://schemas.microsoft.com/office/drawing/2017/decorative" val="1"/>
+              </a:ext>
+            </a:extLst>
+          </p:cNvPr>
+          <p:cNvSpPr>
+            <a:spLocks noGrp="1" noRot="1" noChangeAspect="1" noMove="1" noResize="1" noEditPoints="1" noAdjustHandles="1" noChangeArrowheads="1" noChangeShapeType="1" noTextEdit="1"/>
+          </p:cNvSpPr>
+          <p:nvPr>
+            <p:extLst>
+              <p:ext uri="{386F3935-93C4-4BCD-93E2-E3B085C9AB24}">
+                <p16:designElem xmlns:p16="http://schemas.microsoft.com/office/powerpoint/2015/main" val="1"/>
+              </p:ext>
+            </p:extLst>
+          </p:nvPr>
+        </p:nvSpPr>
+        <p:spPr>
+          <a:xfrm rot="16200000">
+            <a:off x="800100" y="1491343"/>
+            <a:ext cx="3333749" cy="3499103"/>
+          </a:xfrm>
+          <a:prstGeom prst="downArrow">
+            <a:avLst>
+              <a:gd name="adj1" fmla="val 100000"/>
+              <a:gd name="adj2" fmla="val 15788"/>
+            </a:avLst>
+          </a:prstGeom>
+          <a:solidFill>
+            <a:srgbClr val="404040"/>
+          </a:solidFill>
+          <a:ln w="53975">
+            <a:noFill/>
+          </a:ln>
+        </p:spPr>
+        <p:style>
+          <a:lnRef idx="2">
+            <a:schemeClr val="accent1">
+              <a:shade val="50000"/>
+            </a:schemeClr>
+          </a:lnRef>
+          <a:fillRef idx="1">
+            <a:schemeClr val="accent1"/>
+          </a:fillRef>
+          <a:effectRef idx="0">
+            <a:schemeClr val="accent1"/>
+          </a:effectRef>
+          <a:fontRef idx="minor">
+            <a:schemeClr val="lt1"/>
+          </a:fontRef>
+        </p:style>
+        <p:txBody>
+          <a:bodyPr rtlCol="0" anchor="ctr"/>
+          <a:lstStyle/>
+          <a:p>
+            <a:pPr algn="ctr"/>
+            <a:endParaRPr lang="en-US"/>
+          </a:p>
+        </p:txBody>
+      </p:sp>
+      <p:sp>
+        <p:nvSpPr>
+          <p:cNvPr id="2" name="Title 1">
+            <a:extLst>
+              <a:ext uri="{FF2B5EF4-FFF2-40B4-BE49-F238E27FC236}">
+                <a16:creationId xmlns:a16="http://schemas.microsoft.com/office/drawing/2014/main" id="{3431A1EE-4805-4C96-AB61-C71F51D94F25}"/>
+              </a:ext>
+            </a:extLst>
+          </p:cNvPr>
+          <p:cNvSpPr>
+            <a:spLocks noGrp="1"/>
+          </p:cNvSpPr>
+          <p:nvPr>
+            <p:ph type="title"/>
+          </p:nvPr>
+        </p:nvSpPr>
+        <p:spPr>
+          <a:xfrm>
+            <a:off x="1028700" y="1967266"/>
+            <a:ext cx="2628900" cy="2547257"/>
+          </a:xfrm>
+          <a:noFill/>
+        </p:spPr>
+        <p:txBody>
+          <a:bodyPr vert="horz" lIns="91440" tIns="45720" rIns="91440" bIns="45720" rtlCol="0" anchor="ctr">
+            <a:normAutofit/>
+          </a:bodyPr>
+          <a:lstStyle/>
+          <a:p>
+            <a:pPr algn="ctr"/>
+            <a:r>
+              <a:rPr lang="en-US" sz="2800" b="1" i="1" kern="1200">
+                <a:solidFill>
+                  <a:srgbClr val="FFFFFF"/>
+                </a:solidFill>
+                <a:effectLst/>
+                <a:latin typeface="+mj-lt"/>
+                <a:ea typeface="+mj-ea"/>
+                <a:cs typeface="+mj-cs"/>
+              </a:rPr>
+              <a:t>Which Countries produces the best chocolate bars?</a:t>
+            </a:r>
+            <a:br>
+              <a:rPr lang="en-US" sz="2800" b="1" i="1" kern="1200">
+                <a:solidFill>
+                  <a:srgbClr val="FFFFFF"/>
+                </a:solidFill>
+                <a:effectLst/>
+                <a:latin typeface="+mj-lt"/>
+                <a:ea typeface="+mj-ea"/>
+                <a:cs typeface="+mj-cs"/>
+              </a:rPr>
+            </a:br>
+            <a:endParaRPr lang="en-US" sz="2800" kern="1200">
+              <a:solidFill>
+                <a:srgbClr val="FFFFFF"/>
+              </a:solidFill>
+              <a:latin typeface="+mj-lt"/>
+              <a:ea typeface="+mj-ea"/>
+              <a:cs typeface="+mj-cs"/>
+            </a:endParaRPr>
+          </a:p>
+        </p:txBody>
+      </p:sp>
+      <p:pic>
+        <p:nvPicPr>
+          <p:cNvPr id="4" name="Content Placeholder 3">
+            <a:extLst>
+              <a:ext uri="{FF2B5EF4-FFF2-40B4-BE49-F238E27FC236}">
+                <a16:creationId xmlns:a16="http://schemas.microsoft.com/office/drawing/2014/main" id="{E3544064-36CB-483A-98B3-0DBF29CE527F}"/>
+              </a:ext>
+            </a:extLst>
+          </p:cNvPr>
+          <p:cNvPicPr>
+            <a:picLocks noGrp="1"/>
+          </p:cNvPicPr>
+          <p:nvPr>
+            <p:ph idx="1"/>
+          </p:nvPr>
+        </p:nvPicPr>
+        <p:blipFill>
+          <a:blip r:embed="rId2">
+            <a:extLst>
+              <a:ext uri="{28A0092B-C50C-407E-A947-70E740481C1C}">
+                <a14:useLocalDpi xmlns:a14="http://schemas.microsoft.com/office/drawing/2010/main" val="0"/>
+              </a:ext>
+            </a:extLst>
+          </a:blip>
+          <a:stretch>
+            <a:fillRect/>
+          </a:stretch>
+        </p:blipFill>
+        <p:spPr bwMode="auto">
+          <a:xfrm>
+            <a:off x="4777316" y="1715709"/>
+            <a:ext cx="6780700" cy="3424253"/>
+          </a:xfrm>
+          <a:prstGeom prst="rect">
+            <a:avLst/>
+          </a:prstGeom>
+          <a:noFill/>
+        </p:spPr>
+      </p:pic>
+      <p:sp>
+        <p:nvSpPr>
+          <p:cNvPr id="5" name="Slide Number Placeholder 4">
+            <a:extLst>
+              <a:ext uri="{FF2B5EF4-FFF2-40B4-BE49-F238E27FC236}">
+                <a16:creationId xmlns:a16="http://schemas.microsoft.com/office/drawing/2014/main" id="{BFF18290-4C74-401A-A51F-D759A7C5165A}"/>
+              </a:ext>
+            </a:extLst>
+          </p:cNvPr>
+          <p:cNvSpPr>
+            <a:spLocks noGrp="1"/>
+          </p:cNvSpPr>
+          <p:nvPr>
+            <p:ph type="sldNum" sz="quarter" idx="12"/>
+          </p:nvPr>
+        </p:nvSpPr>
+        <p:spPr/>
+        <p:txBody>
+          <a:bodyPr/>
+          <a:lstStyle/>
+          <a:p>
+            <a:fld id="{70EC4113-9F95-A845-A634-8A906A6C5F1F}" type="slidenum">
+              <a:rPr lang="en-GH" smtClean="0"/>
+              <a:t>13</a:t>
+            </a:fld>
+            <a:endParaRPr lang="en-GH"/>
+          </a:p>
+        </p:txBody>
+      </p:sp>
+    </p:spTree>
+    <p:extLst>
+      <p:ext uri="{BB962C8B-B14F-4D97-AF65-F5344CB8AC3E}">
+        <p14:creationId xmlns:p14="http://schemas.microsoft.com/office/powerpoint/2010/main" val="378740669"/>
+      </p:ext>
+    </p:extLst>
+  </p:cSld>
+  <p:clrMapOvr>
+    <a:masterClrMapping/>
+  </p:clrMapOvr>
+</p:sld>
+</file>
+
+<file path=ppt/slides/slide14.xml><?xml version="1.0" encoding="utf-8"?>
+<p:sld xmlns:a="http://schemas.openxmlformats.org/drawingml/2006/main" xmlns:r="http://schemas.openxmlformats.org/officeDocument/2006/relationships" xmlns:p="http://schemas.openxmlformats.org/presentationml/2006/main">
+  <p:cSld>
+    <p:bg>
+      <p:bgPr>
+        <a:solidFill>
+          <a:schemeClr val="bg1"/>
+        </a:solidFill>
+        <a:effectLst/>
+      </p:bgPr>
+    </p:bg>
+    <p:spTree>
+      <p:nvGrpSpPr>
+        <p:cNvPr id="1" name=""/>
+        <p:cNvGrpSpPr/>
+        <p:nvPr/>
+      </p:nvGrpSpPr>
+      <p:grpSpPr>
+        <a:xfrm>
+          <a:off x="0" y="0"/>
+          <a:ext cx="0" cy="0"/>
+          <a:chOff x="0" y="0"/>
+          <a:chExt cx="0" cy="0"/>
+        </a:xfrm>
+      </p:grpSpPr>
+      <p:sp>
+        <p:nvSpPr>
+          <p:cNvPr id="9" name="Rectangle 8">
+            <a:extLst>
+              <a:ext uri="{FF2B5EF4-FFF2-40B4-BE49-F238E27FC236}">
+                <a16:creationId xmlns:a16="http://schemas.microsoft.com/office/drawing/2014/main" id="{AB45A142-4255-493C-8284-5D566C121B10}"/>
+              </a:ext>
+              <a:ext uri="{C183D7F6-B498-43B3-948B-1728B52AA6E4}">
+                <adec:decorative xmlns:adec="http://schemas.microsoft.com/office/drawing/2017/decorative" val="1"/>
+              </a:ext>
+            </a:extLst>
+          </p:cNvPr>
+          <p:cNvSpPr>
+            <a:spLocks noGrp="1" noRot="1" noChangeAspect="1" noMove="1" noResize="1" noEditPoints="1" noAdjustHandles="1" noChangeArrowheads="1" noChangeShapeType="1" noTextEdit="1"/>
+          </p:cNvSpPr>
+          <p:nvPr>
+            <p:extLst>
+              <p:ext uri="{386F3935-93C4-4BCD-93E2-E3B085C9AB24}">
+                <p16:designElem xmlns:p16="http://schemas.microsoft.com/office/powerpoint/2015/main" val="1"/>
+              </p:ext>
+            </p:extLst>
+          </p:nvPr>
+        </p:nvSpPr>
+        <p:spPr bwMode="ltGray">
+          <a:xfrm>
+            <a:off x="336884" y="321177"/>
+            <a:ext cx="4332307" cy="6179552"/>
+          </a:xfrm>
+          <a:prstGeom prst="rect">
+            <a:avLst/>
+          </a:prstGeom>
+          <a:solidFill>
+            <a:srgbClr val="404040">
+              <a:alpha val="89804"/>
+            </a:srgbClr>
+          </a:solidFill>
+          <a:ln w="127000" cap="sq" cmpd="thinThick">
+            <a:solidFill>
+              <a:srgbClr val="595959">
+                <a:alpha val="80000"/>
+              </a:srgbClr>
+            </a:solidFill>
+          </a:ln>
+        </p:spPr>
+        <p:style>
+          <a:lnRef idx="2">
+            <a:schemeClr val="accent1">
+              <a:shade val="50000"/>
+            </a:schemeClr>
+          </a:lnRef>
+          <a:fillRef idx="1">
+            <a:schemeClr val="accent1"/>
+          </a:fillRef>
+          <a:effectRef idx="0">
+            <a:schemeClr val="accent1"/>
+          </a:effectRef>
+          <a:fontRef idx="minor">
+            <a:schemeClr val="lt1"/>
+          </a:fontRef>
+        </p:style>
+        <p:txBody>
+          <a:bodyPr rtlCol="0" anchor="ctr"/>
+          <a:lstStyle/>
+          <a:p>
+            <a:pPr algn="ctr"/>
+            <a:endParaRPr lang="en-US"/>
+          </a:p>
+        </p:txBody>
+      </p:sp>
+      <p:sp>
+        <p:nvSpPr>
+          <p:cNvPr id="2" name="Title 1">
+            <a:extLst>
+              <a:ext uri="{FF2B5EF4-FFF2-40B4-BE49-F238E27FC236}">
+                <a16:creationId xmlns:a16="http://schemas.microsoft.com/office/drawing/2014/main" id="{3FB68CE4-D666-482D-9894-CF0ABBFAC5A7}"/>
+              </a:ext>
+            </a:extLst>
+          </p:cNvPr>
+          <p:cNvSpPr>
+            <a:spLocks noGrp="1"/>
+          </p:cNvSpPr>
+          <p:nvPr>
+            <p:ph type="title"/>
+          </p:nvPr>
+        </p:nvSpPr>
+        <p:spPr>
+          <a:xfrm>
+            <a:off x="674237" y="914400"/>
+            <a:ext cx="3657600" cy="2887579"/>
+          </a:xfrm>
+        </p:spPr>
+        <p:txBody>
+          <a:bodyPr vert="horz" lIns="91440" tIns="45720" rIns="91440" bIns="45720" rtlCol="0" anchor="b">
+            <a:normAutofit/>
+          </a:bodyPr>
+          <a:lstStyle/>
+          <a:p>
+            <a:pPr algn="ctr"/>
+            <a:r>
+              <a:rPr lang="en-US" sz="4100" b="1" i="1" kern="1200">
+                <a:solidFill>
+                  <a:srgbClr val="FFFFFF"/>
+                </a:solidFill>
+                <a:effectLst/>
+                <a:latin typeface="+mj-lt"/>
+                <a:ea typeface="+mj-ea"/>
+                <a:cs typeface="+mj-cs"/>
+              </a:rPr>
+              <a:t>Which chocolate beans have the highest ratings?</a:t>
+            </a:r>
+            <a:endParaRPr lang="en-US" sz="4100" kern="1200">
+              <a:solidFill>
+                <a:srgbClr val="FFFFFF"/>
+              </a:solidFill>
+              <a:latin typeface="+mj-lt"/>
+              <a:ea typeface="+mj-ea"/>
+              <a:cs typeface="+mj-cs"/>
+            </a:endParaRPr>
+          </a:p>
+        </p:txBody>
+      </p:sp>
+      <p:cxnSp>
+        <p:nvCxnSpPr>
+          <p:cNvPr id="11" name="Straight Connector 10">
+            <a:extLst>
+              <a:ext uri="{FF2B5EF4-FFF2-40B4-BE49-F238E27FC236}">
+                <a16:creationId xmlns:a16="http://schemas.microsoft.com/office/drawing/2014/main" id="{38FB9660-F42F-4313-BBC4-47C007FE484C}"/>
+              </a:ext>
+              <a:ext uri="{C183D7F6-B498-43B3-948B-1728B52AA6E4}">
+                <adec:decorative xmlns:adec="http://schemas.microsoft.com/office/drawing/2017/decorative" val="1"/>
+              </a:ext>
+            </a:extLst>
+          </p:cNvPr>
+          <p:cNvCxnSpPr>
+            <a:cxnSpLocks noGrp="1" noRot="1" noChangeAspect="1" noMove="1" noResize="1" noEditPoints="1" noAdjustHandles="1" noChangeArrowheads="1" noChangeShapeType="1"/>
+          </p:cNvCxnSpPr>
+          <p:nvPr>
+            <p:extLst>
+              <p:ext uri="{386F3935-93C4-4BCD-93E2-E3B085C9AB24}">
+                <p16:designElem xmlns:p16="http://schemas.microsoft.com/office/powerpoint/2015/main" val="1"/>
+              </p:ext>
+            </p:extLst>
+          </p:nvPr>
+        </p:nvCxnSpPr>
+        <p:spPr>
+          <a:xfrm>
+            <a:off x="1191126" y="3910267"/>
+            <a:ext cx="2586790" cy="0"/>
+          </a:xfrm>
+          <a:prstGeom prst="line">
+            <a:avLst/>
+          </a:prstGeom>
+          <a:ln w="22225">
+            <a:solidFill>
+              <a:srgbClr val="D9D9D9"/>
+            </a:solidFill>
+          </a:ln>
+        </p:spPr>
+        <p:style>
+          <a:lnRef idx="1">
+            <a:schemeClr val="accent1"/>
+          </a:lnRef>
+          <a:fillRef idx="0">
+            <a:schemeClr val="accent1"/>
+          </a:fillRef>
+          <a:effectRef idx="0">
+            <a:schemeClr val="accent1"/>
+          </a:effectRef>
+          <a:fontRef idx="minor">
+            <a:schemeClr val="tx1"/>
+          </a:fontRef>
+        </p:style>
+      </p:cxnSp>
+      <p:pic>
+        <p:nvPicPr>
+          <p:cNvPr id="4" name="Content Placeholder 3">
+            <a:extLst>
+              <a:ext uri="{FF2B5EF4-FFF2-40B4-BE49-F238E27FC236}">
+                <a16:creationId xmlns:a16="http://schemas.microsoft.com/office/drawing/2014/main" id="{1DB7CE6E-1639-45FC-B1A5-F190EFA69DD5}"/>
+              </a:ext>
+            </a:extLst>
+          </p:cNvPr>
+          <p:cNvPicPr>
+            <a:picLocks noGrp="1"/>
+          </p:cNvPicPr>
+          <p:nvPr>
+            <p:ph idx="1"/>
+          </p:nvPr>
+        </p:nvPicPr>
+        <p:blipFill>
+          <a:blip r:embed="rId2">
+            <a:extLst>
+              <a:ext uri="{28A0092B-C50C-407E-A947-70E740481C1C}">
+                <a14:useLocalDpi xmlns:a14="http://schemas.microsoft.com/office/drawing/2010/main" val="0"/>
+              </a:ext>
+            </a:extLst>
+          </a:blip>
+          <a:stretch>
+            <a:fillRect/>
+          </a:stretch>
+        </p:blipFill>
+        <p:spPr bwMode="auto">
+          <a:xfrm>
+            <a:off x="5482827" y="492573"/>
+            <a:ext cx="5895534" cy="5880796"/>
+          </a:xfrm>
+          <a:prstGeom prst="rect">
+            <a:avLst/>
+          </a:prstGeom>
+          <a:noFill/>
+        </p:spPr>
+      </p:pic>
+      <p:sp>
+        <p:nvSpPr>
+          <p:cNvPr id="5" name="Slide Number Placeholder 4">
+            <a:extLst>
+              <a:ext uri="{FF2B5EF4-FFF2-40B4-BE49-F238E27FC236}">
+                <a16:creationId xmlns:a16="http://schemas.microsoft.com/office/drawing/2014/main" id="{50B892F9-70B8-4B05-BDBF-1B48330B7BEC}"/>
+              </a:ext>
+            </a:extLst>
+          </p:cNvPr>
+          <p:cNvSpPr>
+            <a:spLocks noGrp="1"/>
+          </p:cNvSpPr>
+          <p:nvPr>
+            <p:ph type="sldNum" sz="quarter" idx="12"/>
+          </p:nvPr>
+        </p:nvSpPr>
+        <p:spPr/>
+        <p:txBody>
+          <a:bodyPr/>
+          <a:lstStyle/>
+          <a:p>
+            <a:fld id="{70EC4113-9F95-A845-A634-8A906A6C5F1F}" type="slidenum">
+              <a:rPr lang="en-GH" smtClean="0"/>
+              <a:t>14</a:t>
+            </a:fld>
+            <a:endParaRPr lang="en-GH"/>
+          </a:p>
+        </p:txBody>
+      </p:sp>
+    </p:spTree>
+    <p:extLst>
+      <p:ext uri="{BB962C8B-B14F-4D97-AF65-F5344CB8AC3E}">
+        <p14:creationId xmlns:p14="http://schemas.microsoft.com/office/powerpoint/2010/main" val="2543583794"/>
+      </p:ext>
+    </p:extLst>
+  </p:cSld>
+  <p:clrMapOvr>
+    <a:masterClrMapping/>
+  </p:clrMapOvr>
+</p:sld>
+</file>
+
+<file path=ppt/slides/slide15.xml><?xml version="1.0" encoding="utf-8"?>
+<p:sld xmlns:a="http://schemas.openxmlformats.org/drawingml/2006/main" xmlns:r="http://schemas.openxmlformats.org/officeDocument/2006/relationships" xmlns:p="http://schemas.openxmlformats.org/presentationml/2006/main">
+  <p:cSld>
+    <p:bg>
+      <p:bgPr>
+        <a:solidFill>
+          <a:schemeClr val="bg1"/>
+        </a:solidFill>
+        <a:effectLst/>
+      </p:bgPr>
+    </p:bg>
+    <p:spTree>
+      <p:nvGrpSpPr>
+        <p:cNvPr id="1" name=""/>
+        <p:cNvGrpSpPr/>
+        <p:nvPr/>
+      </p:nvGrpSpPr>
+      <p:grpSpPr>
+        <a:xfrm>
+          <a:off x="0" y="0"/>
+          <a:ext cx="0" cy="0"/>
+          <a:chOff x="0" y="0"/>
+          <a:chExt cx="0" cy="0"/>
+        </a:xfrm>
+      </p:grpSpPr>
+      <p:sp>
+        <p:nvSpPr>
+          <p:cNvPr id="9" name="Down Arrow 7">
+            <a:extLst>
+              <a:ext uri="{FF2B5EF4-FFF2-40B4-BE49-F238E27FC236}">
+                <a16:creationId xmlns:a16="http://schemas.microsoft.com/office/drawing/2014/main" id="{D4771268-CB57-404A-9271-370EB28F6090}"/>
+              </a:ext>
+              <a:ext uri="{C183D7F6-B498-43B3-948B-1728B52AA6E4}">
+                <adec:decorative xmlns:adec="http://schemas.microsoft.com/office/drawing/2017/decorative" val="1"/>
+              </a:ext>
+            </a:extLst>
+          </p:cNvPr>
+          <p:cNvSpPr>
+            <a:spLocks noGrp="1" noRot="1" noChangeAspect="1" noMove="1" noResize="1" noEditPoints="1" noAdjustHandles="1" noChangeArrowheads="1" noChangeShapeType="1" noTextEdit="1"/>
+          </p:cNvSpPr>
+          <p:nvPr>
+            <p:extLst>
+              <p:ext uri="{386F3935-93C4-4BCD-93E2-E3B085C9AB24}">
+                <p16:designElem xmlns:p16="http://schemas.microsoft.com/office/powerpoint/2015/main" val="1"/>
+              </p:ext>
+            </p:extLst>
+          </p:nvPr>
+        </p:nvSpPr>
+        <p:spPr>
+          <a:xfrm rot="16200000">
+            <a:off x="800100" y="1491343"/>
+            <a:ext cx="3333749" cy="3499103"/>
+          </a:xfrm>
+          <a:prstGeom prst="downArrow">
+            <a:avLst>
+              <a:gd name="adj1" fmla="val 100000"/>
+              <a:gd name="adj2" fmla="val 15788"/>
+            </a:avLst>
+          </a:prstGeom>
+          <a:solidFill>
+            <a:srgbClr val="404040"/>
+          </a:solidFill>
+          <a:ln w="53975">
+            <a:noFill/>
+          </a:ln>
+        </p:spPr>
+        <p:style>
+          <a:lnRef idx="2">
+            <a:schemeClr val="accent1">
+              <a:shade val="50000"/>
+            </a:schemeClr>
+          </a:lnRef>
+          <a:fillRef idx="1">
+            <a:schemeClr val="accent1"/>
+          </a:fillRef>
+          <a:effectRef idx="0">
+            <a:schemeClr val="accent1"/>
+          </a:effectRef>
+          <a:fontRef idx="minor">
+            <a:schemeClr val="lt1"/>
+          </a:fontRef>
+        </p:style>
+        <p:txBody>
+          <a:bodyPr rtlCol="0" anchor="ctr"/>
+          <a:lstStyle/>
+          <a:p>
+            <a:pPr algn="ctr"/>
+            <a:endParaRPr lang="en-US"/>
+          </a:p>
+        </p:txBody>
+      </p:sp>
+      <p:sp>
+        <p:nvSpPr>
+          <p:cNvPr id="2" name="Title 1">
+            <a:extLst>
+              <a:ext uri="{FF2B5EF4-FFF2-40B4-BE49-F238E27FC236}">
+                <a16:creationId xmlns:a16="http://schemas.microsoft.com/office/drawing/2014/main" id="{E378B35F-F9BF-4277-82C2-534B3A8BC924}"/>
+              </a:ext>
+            </a:extLst>
+          </p:cNvPr>
+          <p:cNvSpPr>
+            <a:spLocks noGrp="1"/>
+          </p:cNvSpPr>
+          <p:nvPr>
+            <p:ph type="title"/>
+          </p:nvPr>
+        </p:nvSpPr>
+        <p:spPr>
+          <a:xfrm>
+            <a:off x="1028700" y="1967266"/>
+            <a:ext cx="2628900" cy="2547257"/>
+          </a:xfrm>
+          <a:noFill/>
+        </p:spPr>
+        <p:txBody>
+          <a:bodyPr vert="horz" lIns="91440" tIns="45720" rIns="91440" bIns="45720" rtlCol="0" anchor="ctr">
+            <a:normAutofit/>
+          </a:bodyPr>
+          <a:lstStyle/>
+          <a:p>
+            <a:pPr algn="ctr"/>
+            <a:r>
+              <a:rPr lang="en-US" sz="3300" b="1" i="1" kern="1200">
+                <a:solidFill>
+                  <a:srgbClr val="FFFFFF"/>
+                </a:solidFill>
+                <a:effectLst/>
+                <a:latin typeface="+mj-lt"/>
+                <a:ea typeface="+mj-ea"/>
+                <a:cs typeface="+mj-cs"/>
+              </a:rPr>
+              <a:t>Has the quality of chocolate change over the years?</a:t>
+            </a:r>
+            <a:endParaRPr lang="en-US" sz="3300" kern="1200">
+              <a:solidFill>
+                <a:srgbClr val="FFFFFF"/>
+              </a:solidFill>
+              <a:latin typeface="+mj-lt"/>
+              <a:ea typeface="+mj-ea"/>
+              <a:cs typeface="+mj-cs"/>
+            </a:endParaRPr>
+          </a:p>
+        </p:txBody>
+      </p:sp>
+      <p:pic>
+        <p:nvPicPr>
+          <p:cNvPr id="4" name="Content Placeholder 3">
+            <a:extLst>
+              <a:ext uri="{FF2B5EF4-FFF2-40B4-BE49-F238E27FC236}">
+                <a16:creationId xmlns:a16="http://schemas.microsoft.com/office/drawing/2014/main" id="{3850154B-AEAE-4087-A714-2CACF75B9DA5}"/>
+              </a:ext>
+            </a:extLst>
+          </p:cNvPr>
+          <p:cNvPicPr>
+            <a:picLocks noGrp="1"/>
+          </p:cNvPicPr>
+          <p:nvPr>
+            <p:ph idx="1"/>
+          </p:nvPr>
+        </p:nvPicPr>
+        <p:blipFill>
+          <a:blip r:embed="rId2">
+            <a:extLst>
+              <a:ext uri="{28A0092B-C50C-407E-A947-70E740481C1C}">
+                <a14:useLocalDpi xmlns:a14="http://schemas.microsoft.com/office/drawing/2010/main" val="0"/>
+              </a:ext>
+            </a:extLst>
+          </a:blip>
+          <a:stretch>
+            <a:fillRect/>
+          </a:stretch>
+        </p:blipFill>
+        <p:spPr bwMode="auto">
+          <a:xfrm>
+            <a:off x="4777316" y="1385150"/>
+            <a:ext cx="6780700" cy="4085370"/>
+          </a:xfrm>
+          <a:prstGeom prst="rect">
+            <a:avLst/>
+          </a:prstGeom>
+          <a:noFill/>
+        </p:spPr>
+      </p:pic>
+      <p:sp>
+        <p:nvSpPr>
+          <p:cNvPr id="5" name="Slide Number Placeholder 4">
+            <a:extLst>
+              <a:ext uri="{FF2B5EF4-FFF2-40B4-BE49-F238E27FC236}">
+                <a16:creationId xmlns:a16="http://schemas.microsoft.com/office/drawing/2014/main" id="{8D760A0F-BBFF-4C21-8E2D-ED7F09BEE38F}"/>
+              </a:ext>
+            </a:extLst>
+          </p:cNvPr>
+          <p:cNvSpPr>
+            <a:spLocks noGrp="1"/>
+          </p:cNvSpPr>
+          <p:nvPr>
+            <p:ph type="sldNum" sz="quarter" idx="12"/>
+          </p:nvPr>
+        </p:nvSpPr>
+        <p:spPr/>
+        <p:txBody>
+          <a:bodyPr/>
+          <a:lstStyle/>
+          <a:p>
+            <a:fld id="{70EC4113-9F95-A845-A634-8A906A6C5F1F}" type="slidenum">
+              <a:rPr lang="en-GH" smtClean="0"/>
+              <a:t>15</a:t>
+            </a:fld>
+            <a:endParaRPr lang="en-GH"/>
+          </a:p>
+        </p:txBody>
+      </p:sp>
+    </p:spTree>
+    <p:extLst>
+      <p:ext uri="{BB962C8B-B14F-4D97-AF65-F5344CB8AC3E}">
+        <p14:creationId xmlns:p14="http://schemas.microsoft.com/office/powerpoint/2010/main" val="1214092476"/>
+      </p:ext>
+    </p:extLst>
+  </p:cSld>
+  <p:clrMapOvr>
+    <a:masterClrMapping/>
+  </p:clrMapOvr>
+</p:sld>
+</file>
+
+<file path=ppt/slides/slide16.xml><?xml version="1.0" encoding="utf-8"?>
+<p:sld xmlns:a="http://schemas.openxmlformats.org/drawingml/2006/main" xmlns:r="http://schemas.openxmlformats.org/officeDocument/2006/relationships" xmlns:p="http://schemas.openxmlformats.org/presentationml/2006/main">
+  <p:cSld>
+    <p:bg>
+      <p:bgPr>
+        <a:solidFill>
+          <a:schemeClr val="bg1"/>
+        </a:solidFill>
+        <a:effectLst/>
+      </p:bgPr>
+    </p:bg>
+    <p:spTree>
+      <p:nvGrpSpPr>
+        <p:cNvPr id="1" name=""/>
+        <p:cNvGrpSpPr/>
+        <p:nvPr/>
+      </p:nvGrpSpPr>
+      <p:grpSpPr>
+        <a:xfrm>
+          <a:off x="0" y="0"/>
+          <a:ext cx="0" cy="0"/>
+          <a:chOff x="0" y="0"/>
+          <a:chExt cx="0" cy="0"/>
+        </a:xfrm>
+      </p:grpSpPr>
+      <p:sp useBgFill="1">
+        <p:nvSpPr>
+          <p:cNvPr id="8" name="Rectangle 7">
+            <a:extLst>
+              <a:ext uri="{FF2B5EF4-FFF2-40B4-BE49-F238E27FC236}">
+                <a16:creationId xmlns:a16="http://schemas.microsoft.com/office/drawing/2014/main" id="{907EF6B7-1338-4443-8C46-6A318D952DFD}"/>
+              </a:ext>
+              <a:ext uri="{C183D7F6-B498-43B3-948B-1728B52AA6E4}">
+                <adec:decorative xmlns:adec="http://schemas.microsoft.com/office/drawing/2017/decorative" val="1"/>
+              </a:ext>
+            </a:extLst>
+          </p:cNvPr>
+          <p:cNvSpPr>
+            <a:spLocks noGrp="1" noRot="1" noChangeAspect="1" noMove="1" noResize="1" noEditPoints="1" noAdjustHandles="1" noChangeArrowheads="1" noChangeShapeType="1" noTextEdit="1"/>
+          </p:cNvSpPr>
+          <p:nvPr>
+            <p:extLst>
+              <p:ext uri="{386F3935-93C4-4BCD-93E2-E3B085C9AB24}">
+                <p16:designElem xmlns:p16="http://schemas.microsoft.com/office/powerpoint/2015/main" val="1"/>
+              </p:ext>
+            </p:extLst>
+          </p:nvPr>
+        </p:nvSpPr>
+        <p:spPr>
+          <a:xfrm>
+            <a:off x="3048" y="0"/>
+            <a:ext cx="12188952" cy="6858000"/>
+          </a:xfrm>
+          <a:prstGeom prst="rect">
+            <a:avLst/>
+          </a:prstGeom>
+          <a:ln>
+            <a:noFill/>
+          </a:ln>
+        </p:spPr>
+        <p:style>
+          <a:lnRef idx="2">
+            <a:schemeClr val="accent1">
+              <a:shade val="50000"/>
+            </a:schemeClr>
+          </a:lnRef>
+          <a:fillRef idx="1">
+            <a:schemeClr val="accent1"/>
+          </a:fillRef>
+          <a:effectRef idx="0">
+            <a:schemeClr val="accent1"/>
+          </a:effectRef>
+          <a:fontRef idx="minor">
+            <a:schemeClr val="lt1"/>
+          </a:fontRef>
+        </p:style>
+        <p:txBody>
+          <a:bodyPr rtlCol="0" anchor="ctr"/>
+          <a:lstStyle/>
+          <a:p>
+            <a:pPr algn="ctr"/>
+            <a:endParaRPr lang="en-US"/>
+          </a:p>
+        </p:txBody>
+      </p:sp>
+      <p:sp>
+        <p:nvSpPr>
+          <p:cNvPr id="10" name="Freeform: Shape 9">
+            <a:extLst>
+              <a:ext uri="{FF2B5EF4-FFF2-40B4-BE49-F238E27FC236}">
+                <a16:creationId xmlns:a16="http://schemas.microsoft.com/office/drawing/2014/main" id="{DAAE4CDD-124C-4DCF-9584-B6033B545DD5}"/>
+              </a:ext>
+              <a:ext uri="{C183D7F6-B498-43B3-948B-1728B52AA6E4}">
+                <adec:decorative xmlns:adec="http://schemas.microsoft.com/office/drawing/2017/decorative" val="1"/>
+              </a:ext>
+            </a:extLst>
+          </p:cNvPr>
+          <p:cNvSpPr>
+            <a:spLocks noGrp="1" noRot="1" noChangeAspect="1" noMove="1" noResize="1" noEditPoints="1" noAdjustHandles="1" noChangeArrowheads="1" noChangeShapeType="1" noTextEdit="1"/>
+          </p:cNvSpPr>
+          <p:nvPr>
+            <p:extLst>
+              <p:ext uri="{386F3935-93C4-4BCD-93E2-E3B085C9AB24}">
+                <p16:designElem xmlns:p16="http://schemas.microsoft.com/office/powerpoint/2015/main" val="1"/>
+              </p:ext>
+            </p:extLst>
+          </p:nvPr>
+        </p:nvSpPr>
+        <p:spPr>
+          <a:xfrm>
+            <a:off x="1" y="0"/>
+            <a:ext cx="4167271" cy="6858000"/>
+          </a:xfrm>
+          <a:custGeom>
+            <a:avLst/>
+            <a:gdLst>
+              <a:gd name="connsiteX0" fmla="*/ 0 w 4167271"/>
+              <a:gd name="connsiteY0" fmla="*/ 0 h 6858000"/>
+              <a:gd name="connsiteX1" fmla="*/ 2259550 w 4167271"/>
+              <a:gd name="connsiteY1" fmla="*/ 0 h 6858000"/>
+              <a:gd name="connsiteX2" fmla="*/ 2387803 w 4167271"/>
+              <a:gd name="connsiteY2" fmla="*/ 82222 h 6858000"/>
+              <a:gd name="connsiteX3" fmla="*/ 4167271 w 4167271"/>
+              <a:gd name="connsiteY3" fmla="*/ 3429000 h 6858000"/>
+              <a:gd name="connsiteX4" fmla="*/ 2387803 w 4167271"/>
+              <a:gd name="connsiteY4" fmla="*/ 6775779 h 6858000"/>
+              <a:gd name="connsiteX5" fmla="*/ 2259550 w 4167271"/>
+              <a:gd name="connsiteY5" fmla="*/ 6858000 h 6858000"/>
+              <a:gd name="connsiteX6" fmla="*/ 0 w 4167271"/>
+              <a:gd name="connsiteY6" fmla="*/ 6858000 h 6858000"/>
+            </a:gdLst>
+            <a:ahLst/>
+            <a:cxnLst>
+              <a:cxn ang="0">
+                <a:pos x="connsiteX0" y="connsiteY0"/>
+              </a:cxn>
+              <a:cxn ang="0">
+                <a:pos x="connsiteX1" y="connsiteY1"/>
+              </a:cxn>
+              <a:cxn ang="0">
+                <a:pos x="connsiteX2" y="connsiteY2"/>
+              </a:cxn>
+              <a:cxn ang="0">
+                <a:pos x="connsiteX3" y="connsiteY3"/>
+              </a:cxn>
+              <a:cxn ang="0">
+                <a:pos x="connsiteX4" y="connsiteY4"/>
+              </a:cxn>
+              <a:cxn ang="0">
+                <a:pos x="connsiteX5" y="connsiteY5"/>
+              </a:cxn>
+              <a:cxn ang="0">
+                <a:pos x="connsiteX6" y="connsiteY6"/>
+              </a:cxn>
+            </a:cxnLst>
+            <a:rect l="l" t="t" r="r" b="b"/>
+            <a:pathLst>
+              <a:path w="4167271" h="6858000">
+                <a:moveTo>
+                  <a:pt x="0" y="0"/>
+                </a:moveTo>
+                <a:lnTo>
+                  <a:pt x="2259550" y="0"/>
+                </a:lnTo>
+                <a:lnTo>
+                  <a:pt x="2387803" y="82222"/>
+                </a:lnTo>
+                <a:cubicBezTo>
+                  <a:pt x="3461407" y="807534"/>
+                  <a:pt x="4167271" y="2035835"/>
+                  <a:pt x="4167271" y="3429000"/>
+                </a:cubicBezTo>
+                <a:cubicBezTo>
+                  <a:pt x="4167271" y="4822165"/>
+                  <a:pt x="3461407" y="6050467"/>
+                  <a:pt x="2387803" y="6775779"/>
+                </a:cubicBezTo>
+                <a:lnTo>
+                  <a:pt x="2259550" y="6858000"/>
+                </a:lnTo>
+                <a:lnTo>
+                  <a:pt x="0" y="6858000"/>
+                </a:lnTo>
+                <a:close/>
+              </a:path>
+            </a:pathLst>
+          </a:custGeom>
+          <a:solidFill>
+            <a:schemeClr val="accent2"/>
+          </a:solidFill>
+          <a:ln>
+            <a:noFill/>
+          </a:ln>
+        </p:spPr>
+        <p:style>
+          <a:lnRef idx="2">
+            <a:schemeClr val="accent1">
+              <a:shade val="50000"/>
+            </a:schemeClr>
+          </a:lnRef>
+          <a:fillRef idx="1">
+            <a:schemeClr val="accent1"/>
+          </a:fillRef>
+          <a:effectRef idx="0">
+            <a:schemeClr val="accent1"/>
+          </a:effectRef>
+          <a:fontRef idx="minor">
+            <a:schemeClr val="lt1"/>
+          </a:fontRef>
+        </p:style>
+        <p:txBody>
+          <a:bodyPr rtlCol="0" anchor="ctr"/>
+          <a:lstStyle/>
+          <a:p>
+            <a:pPr algn="ctr"/>
+            <a:endParaRPr lang="en-US"/>
+          </a:p>
+        </p:txBody>
+      </p:sp>
+      <p:sp>
+        <p:nvSpPr>
+          <p:cNvPr id="2" name="Title 1">
+            <a:extLst>
+              <a:ext uri="{FF2B5EF4-FFF2-40B4-BE49-F238E27FC236}">
+                <a16:creationId xmlns:a16="http://schemas.microsoft.com/office/drawing/2014/main" id="{88EEA75E-7EFA-454E-8F61-93DEF0C0AAED}"/>
+              </a:ext>
+            </a:extLst>
+          </p:cNvPr>
+          <p:cNvSpPr>
+            <a:spLocks noGrp="1"/>
+          </p:cNvSpPr>
+          <p:nvPr>
+            <p:ph type="title"/>
+          </p:nvPr>
+        </p:nvSpPr>
+        <p:spPr>
+          <a:xfrm>
+            <a:off x="686834" y="1153572"/>
+            <a:ext cx="3200400" cy="4461163"/>
+          </a:xfrm>
+        </p:spPr>
+        <p:txBody>
+          <a:bodyPr>
+            <a:normAutofit/>
+          </a:bodyPr>
+          <a:lstStyle/>
+          <a:p>
+            <a:r>
+              <a:rPr lang="en-US" b="1">
+                <a:solidFill>
+                  <a:srgbClr val="FFFFFF"/>
+                </a:solidFill>
+              </a:rPr>
+              <a:t>Conclusion </a:t>
+            </a:r>
+          </a:p>
+        </p:txBody>
+      </p:sp>
+      <p:sp>
+        <p:nvSpPr>
+          <p:cNvPr id="12" name="Arc 11">
+            <a:extLst>
+              <a:ext uri="{FF2B5EF4-FFF2-40B4-BE49-F238E27FC236}">
+                <a16:creationId xmlns:a16="http://schemas.microsoft.com/office/drawing/2014/main" id="{081E4A58-353D-44AE-B2FC-2A74E2E400F7}"/>
+              </a:ext>
+              <a:ext uri="{C183D7F6-B498-43B3-948B-1728B52AA6E4}">
+                <adec:decorative xmlns:adec="http://schemas.microsoft.com/office/drawing/2017/decorative" val="1"/>
+              </a:ext>
+            </a:extLst>
+          </p:cNvPr>
+          <p:cNvSpPr>
+            <a:spLocks noGrp="1" noRot="1" noChangeAspect="1" noMove="1" noResize="1" noEditPoints="1" noAdjustHandles="1" noChangeArrowheads="1" noChangeShapeType="1" noTextEdit="1"/>
+          </p:cNvSpPr>
+          <p:nvPr>
+            <p:extLst>
+              <p:ext uri="{386F3935-93C4-4BCD-93E2-E3B085C9AB24}">
+                <p16:designElem xmlns:p16="http://schemas.microsoft.com/office/powerpoint/2015/main" val="1"/>
+              </p:ext>
+            </p:extLst>
+          </p:nvPr>
+        </p:nvSpPr>
+        <p:spPr>
+          <a:xfrm flipV="1">
+            <a:off x="7550402" y="2455479"/>
+            <a:ext cx="4083433" cy="4083433"/>
+          </a:xfrm>
+          <a:prstGeom prst="arc">
+            <a:avLst/>
+          </a:prstGeom>
+          <a:ln w="127000" cap="rnd">
+            <a:solidFill>
+              <a:schemeClr val="accent4"/>
+            </a:solidFill>
+            <a:prstDash val="dash"/>
+          </a:ln>
+        </p:spPr>
+        <p:style>
+          <a:lnRef idx="1">
+            <a:schemeClr val="accent1"/>
+          </a:lnRef>
+          <a:fillRef idx="0">
+            <a:schemeClr val="accent1"/>
+          </a:fillRef>
+          <a:effectRef idx="0">
+            <a:schemeClr val="accent1"/>
+          </a:effectRef>
+          <a:fontRef idx="minor">
+            <a:schemeClr val="tx1"/>
+          </a:fontRef>
+        </p:style>
+        <p:txBody>
+          <a:bodyPr rtlCol="0" anchor="ctr"/>
+          <a:lstStyle/>
+          <a:p>
+            <a:pPr algn="ctr"/>
+            <a:endParaRPr lang="en-US" dirty="0"/>
+          </a:p>
+        </p:txBody>
+      </p:sp>
+      <p:sp>
+        <p:nvSpPr>
+          <p:cNvPr id="3" name="Content Placeholder 2">
+            <a:extLst>
+              <a:ext uri="{FF2B5EF4-FFF2-40B4-BE49-F238E27FC236}">
+                <a16:creationId xmlns:a16="http://schemas.microsoft.com/office/drawing/2014/main" id="{11F21564-AD0A-498B-8AE6-3BCD0BD1070C}"/>
+              </a:ext>
+            </a:extLst>
+          </p:cNvPr>
+          <p:cNvSpPr>
+            <a:spLocks noGrp="1"/>
+          </p:cNvSpPr>
+          <p:nvPr>
+            <p:ph idx="1"/>
+          </p:nvPr>
+        </p:nvSpPr>
+        <p:spPr>
+          <a:xfrm>
+            <a:off x="4447308" y="591344"/>
+            <a:ext cx="6906491" cy="5585619"/>
+          </a:xfrm>
+        </p:spPr>
+        <p:txBody>
+          <a:bodyPr anchor="ctr">
+            <a:normAutofit/>
+          </a:bodyPr>
+          <a:lstStyle/>
+          <a:p>
+            <a:pPr>
+              <a:spcBef>
+                <a:spcPts val="0"/>
+              </a:spcBef>
+            </a:pPr>
+            <a:r>
+              <a:rPr lang="en-US" sz="2400">
+                <a:effectLst/>
+                <a:ea typeface="Lucida Sans Unicode" panose="020B0602030504020204" pitchFamily="34" charset="0"/>
+              </a:rPr>
+              <a:t>From the exploratory data analysis, our hypothesis turns out to be false. </a:t>
+            </a:r>
+          </a:p>
+          <a:p>
+            <a:pPr>
+              <a:spcBef>
+                <a:spcPts val="0"/>
+              </a:spcBef>
+            </a:pPr>
+            <a:r>
+              <a:rPr lang="en-US" sz="2400">
+                <a:effectLst/>
+                <a:ea typeface="Lucida Sans Unicode" panose="020B0602030504020204" pitchFamily="34" charset="0"/>
+              </a:rPr>
+              <a:t>It was our expectation that the percentage of cocoa used in producing a chocolate bar should determine the quality and taste of the chocolate hence the chocolate bar getting high ratings from reviewers. </a:t>
+            </a:r>
+          </a:p>
+          <a:p>
+            <a:pPr>
+              <a:spcBef>
+                <a:spcPts val="0"/>
+              </a:spcBef>
+            </a:pPr>
+            <a:r>
+              <a:rPr lang="en-US" sz="2400">
+                <a:effectLst/>
+                <a:ea typeface="Lucida Sans Unicode" panose="020B0602030504020204" pitchFamily="34" charset="0"/>
+              </a:rPr>
+              <a:t>But from the analysis, the rating does not have a correlation with the percentage of cocoa in chocolate bar. </a:t>
+            </a:r>
+          </a:p>
+          <a:p>
+            <a:pPr>
+              <a:spcBef>
+                <a:spcPts val="0"/>
+              </a:spcBef>
+            </a:pPr>
+            <a:r>
+              <a:rPr lang="en-US" sz="2400">
+                <a:effectLst/>
+                <a:ea typeface="Lucida Sans Unicode" panose="020B0602030504020204" pitchFamily="34" charset="0"/>
+              </a:rPr>
+              <a:t>The second part of our hypothesis which stated that the quality of chocolate bar should be improving over the year was also proven to be false. </a:t>
+            </a:r>
+          </a:p>
+          <a:p>
+            <a:pPr>
+              <a:spcBef>
+                <a:spcPts val="0"/>
+              </a:spcBef>
+            </a:pPr>
+            <a:r>
+              <a:rPr lang="en-US" sz="2400">
+                <a:effectLst/>
+                <a:ea typeface="Lucida Sans Unicode" panose="020B0602030504020204" pitchFamily="34" charset="0"/>
+              </a:rPr>
+              <a:t>From the analysis, the average rating of chocolate bars was fluctuating over the years which implied that the quality of the chocolate bar was not improving over the years as expected.  </a:t>
+            </a:r>
+            <a:r>
+              <a:rPr lang="en-US" sz="2400">
+                <a:effectLst/>
+                <a:ea typeface="Georgia" panose="02040502050405020303" pitchFamily="18" charset="0"/>
+              </a:rPr>
+              <a:t>   </a:t>
+            </a:r>
+            <a:endParaRPr lang="en-US" sz="2400">
+              <a:effectLst/>
+              <a:ea typeface="Lucida Sans Unicode" panose="020B0602030504020204" pitchFamily="34" charset="0"/>
+            </a:endParaRPr>
+          </a:p>
+          <a:p>
+            <a:endParaRPr lang="en-US" sz="2400"/>
+          </a:p>
+        </p:txBody>
+      </p:sp>
+      <p:sp>
+        <p:nvSpPr>
+          <p:cNvPr id="4" name="Slide Number Placeholder 3">
+            <a:extLst>
+              <a:ext uri="{FF2B5EF4-FFF2-40B4-BE49-F238E27FC236}">
+                <a16:creationId xmlns:a16="http://schemas.microsoft.com/office/drawing/2014/main" id="{6BB186B4-3438-4918-9AFF-4A6447E1B233}"/>
+              </a:ext>
+            </a:extLst>
+          </p:cNvPr>
+          <p:cNvSpPr>
+            <a:spLocks noGrp="1"/>
+          </p:cNvSpPr>
+          <p:nvPr>
+            <p:ph type="sldNum" sz="quarter" idx="12"/>
+          </p:nvPr>
+        </p:nvSpPr>
+        <p:spPr/>
+        <p:txBody>
+          <a:bodyPr/>
+          <a:lstStyle/>
+          <a:p>
+            <a:fld id="{70EC4113-9F95-A845-A634-8A906A6C5F1F}" type="slidenum">
+              <a:rPr lang="en-GH" smtClean="0"/>
+              <a:t>16</a:t>
+            </a:fld>
+            <a:endParaRPr lang="en-GH"/>
+          </a:p>
+        </p:txBody>
+      </p:sp>
+    </p:spTree>
+    <p:extLst>
+      <p:ext uri="{BB962C8B-B14F-4D97-AF65-F5344CB8AC3E}">
+        <p14:creationId xmlns:p14="http://schemas.microsoft.com/office/powerpoint/2010/main" val="1458517340"/>
+      </p:ext>
+    </p:extLst>
+  </p:cSld>
+  <p:clrMapOvr>
+    <a:masterClrMapping/>
+  </p:clrMapOvr>
+</p:sld>
+</file>
+
 <file path=ppt/slides/slide2.xml><?xml version="1.0" encoding="utf-8"?>
 <p:sld xmlns:a="http://schemas.openxmlformats.org/drawingml/2006/main" xmlns:r="http://schemas.openxmlformats.org/officeDocument/2006/relationships" xmlns:p="http://schemas.openxmlformats.org/presentationml/2006/main">
   <p:cSld>
+    <p:bg>
+      <p:bgPr>
+        <a:solidFill>
+          <a:schemeClr val="bg1"/>
+        </a:solidFill>
+        <a:effectLst/>
+      </p:bgPr>
+    </p:bg>
     <p:spTree>
       <p:nvGrpSpPr>
         <p:cNvPr id="1" name=""/>
@@ -6137,9 +8557,16 @@
             <p:ph type="title"/>
           </p:nvPr>
         </p:nvSpPr>
-        <p:spPr/>
+        <p:spPr>
+          <a:xfrm>
+            <a:off x="648929" y="629266"/>
+            <a:ext cx="3505495" cy="1622321"/>
+          </a:xfrm>
+        </p:spPr>
         <p:txBody>
-          <a:bodyPr/>
+          <a:bodyPr>
+            <a:normAutofit/>
+          </a:bodyPr>
           <a:lstStyle/>
           <a:p>
             <a:r>
@@ -6165,22 +8592,166 @@
             <p:ph idx="1"/>
           </p:nvPr>
         </p:nvSpPr>
-        <p:spPr/>
+        <p:spPr>
+          <a:xfrm>
+            <a:off x="648931" y="2438400"/>
+            <a:ext cx="3505494" cy="3785419"/>
+          </a:xfrm>
+        </p:spPr>
         <p:txBody>
-          <a:bodyPr/>
+          <a:bodyPr>
+            <a:normAutofit/>
+          </a:bodyPr>
           <a:lstStyle/>
           <a:p>
             <a:r>
-              <a:rPr lang="en-US" sz="1350" dirty="0">
+              <a:rPr lang="en-US" sz="2000">
                 <a:latin typeface="Lucida Sans Unicode" panose="020B0602030504020204" pitchFamily="34" charset="0"/>
                 <a:ea typeface="Lucida Sans Unicode" panose="020B0602030504020204" pitchFamily="34" charset="0"/>
               </a:rPr>
               <a:t>Exploratory Data Analysis is part of the data science lifecycle</a:t>
             </a:r>
             <a:r>
-              <a:rPr lang="en-US" dirty="0"/>
+              <a:rPr lang="en-US" sz="2000"/>
               <a:t> </a:t>
             </a:r>
+          </a:p>
+        </p:txBody>
+      </p:sp>
+      <p:sp>
+        <p:nvSpPr>
+          <p:cNvPr id="10" name="Rectangle 9">
+            <a:extLst>
+              <a:ext uri="{FF2B5EF4-FFF2-40B4-BE49-F238E27FC236}">
+                <a16:creationId xmlns:a16="http://schemas.microsoft.com/office/drawing/2014/main" id="{5E39A796-BE83-48B1-B33F-35C4A32AAB57}"/>
+              </a:ext>
+              <a:ext uri="{C183D7F6-B498-43B3-948B-1728B52AA6E4}">
+                <adec:decorative xmlns:adec="http://schemas.microsoft.com/office/drawing/2017/decorative" val="1"/>
+              </a:ext>
+            </a:extLst>
+          </p:cNvPr>
+          <p:cNvSpPr>
+            <a:spLocks noGrp="1" noRot="1" noChangeAspect="1" noMove="1" noResize="1" noEditPoints="1" noAdjustHandles="1" noChangeArrowheads="1" noChangeShapeType="1" noTextEdit="1"/>
+          </p:cNvSpPr>
+          <p:nvPr>
+            <p:extLst>
+              <p:ext uri="{386F3935-93C4-4BCD-93E2-E3B085C9AB24}">
+                <p16:designElem xmlns:p16="http://schemas.microsoft.com/office/powerpoint/2015/main" val="1"/>
+              </p:ext>
+            </p:extLst>
+          </p:nvPr>
+        </p:nvSpPr>
+        <p:spPr>
+          <a:xfrm>
+            <a:off x="4639056" y="0"/>
+            <a:ext cx="7552944" cy="6858000"/>
+          </a:xfrm>
+          <a:prstGeom prst="rect">
+            <a:avLst/>
+          </a:prstGeom>
+          <a:solidFill>
+            <a:srgbClr val="C8CACA"/>
+          </a:solidFill>
+          <a:ln>
+            <a:noFill/>
+          </a:ln>
+        </p:spPr>
+        <p:style>
+          <a:lnRef idx="2">
+            <a:schemeClr val="accent1">
+              <a:shade val="50000"/>
+            </a:schemeClr>
+          </a:lnRef>
+          <a:fillRef idx="1">
+            <a:schemeClr val="accent1"/>
+          </a:fillRef>
+          <a:effectRef idx="0">
+            <a:schemeClr val="accent1"/>
+          </a:effectRef>
+          <a:fontRef idx="minor">
+            <a:schemeClr val="lt1"/>
+          </a:fontRef>
+        </p:style>
+        <p:txBody>
+          <a:bodyPr rtlCol="0" anchor="ctr"/>
+          <a:lstStyle/>
+          <a:p>
+            <a:pPr algn="ctr"/>
+            <a:endParaRPr lang="en-US"/>
+          </a:p>
+        </p:txBody>
+      </p:sp>
+      <p:sp>
+        <p:nvSpPr>
+          <p:cNvPr id="12" name="Rounded Rectangle 9">
+            <a:extLst>
+              <a:ext uri="{FF2B5EF4-FFF2-40B4-BE49-F238E27FC236}">
+                <a16:creationId xmlns:a16="http://schemas.microsoft.com/office/drawing/2014/main" id="{72F84B47-E267-4194-8194-831DB7B5547F}"/>
+              </a:ext>
+              <a:ext uri="{C183D7F6-B498-43B3-948B-1728B52AA6E4}">
+                <adec:decorative xmlns:adec="http://schemas.microsoft.com/office/drawing/2017/decorative" val="1"/>
+              </a:ext>
+            </a:extLst>
+          </p:cNvPr>
+          <p:cNvSpPr>
+            <a:spLocks noGrp="1" noRot="1" noChangeAspect="1" noMove="1" noResize="1" noEditPoints="1" noAdjustHandles="1" noChangeArrowheads="1" noChangeShapeType="1" noTextEdit="1"/>
+          </p:cNvSpPr>
+          <p:nvPr>
+            <p:extLst>
+              <p:ext uri="{386F3935-93C4-4BCD-93E2-E3B085C9AB24}">
+                <p16:designElem xmlns:p16="http://schemas.microsoft.com/office/powerpoint/2015/main" val="1"/>
+              </p:ext>
+            </p:extLst>
+          </p:nvPr>
+        </p:nvSpPr>
+        <p:spPr>
+          <a:xfrm>
+            <a:off x="5123688" y="557784"/>
+            <a:ext cx="6584098" cy="5739187"/>
+          </a:xfrm>
+          <a:prstGeom prst="roundRect">
+            <a:avLst>
+              <a:gd name="adj" fmla="val 0"/>
+            </a:avLst>
+          </a:prstGeom>
+          <a:solidFill>
+            <a:srgbClr val="FFFFFF"/>
+          </a:solidFill>
+          <a:ln w="9525">
+            <a:solidFill>
+              <a:srgbClr val="C8CACA"/>
+            </a:solidFill>
+          </a:ln>
+          <a:effectLst>
+            <a:outerShdw blurRad="57150" dist="19050" dir="5400000" algn="t" rotWithShape="0">
+              <a:prstClr val="black">
+                <a:alpha val="63000"/>
+              </a:prstClr>
+            </a:outerShdw>
+          </a:effectLst>
+        </p:spPr>
+        <p:style>
+          <a:lnRef idx="2">
+            <a:schemeClr val="accent1">
+              <a:shade val="50000"/>
+            </a:schemeClr>
+          </a:lnRef>
+          <a:fillRef idx="1">
+            <a:schemeClr val="accent1"/>
+          </a:fillRef>
+          <a:effectRef idx="0">
+            <a:schemeClr val="accent1"/>
+          </a:effectRef>
+          <a:fontRef idx="minor">
+            <a:schemeClr val="lt1"/>
+          </a:fontRef>
+        </p:style>
+        <p:txBody>
+          <a:bodyPr rtlCol="0" anchor="ctr"/>
+          <a:lstStyle/>
+          <a:p>
+            <a:pPr algn="ctr"/>
+            <a:endParaRPr lang="en-US"/>
           </a:p>
         </p:txBody>
       </p:sp>
@@ -6204,23 +8775,20 @@
               </a:ext>
             </a:extLst>
           </a:blip>
-          <a:srcRect/>
           <a:stretch>
             <a:fillRect/>
           </a:stretch>
         </p:blipFill>
         <p:spPr bwMode="auto">
           <a:xfrm>
-            <a:off x="3681414" y="2644617"/>
-            <a:ext cx="4383087" cy="3848257"/>
+            <a:off x="5808843" y="807593"/>
+            <a:ext cx="5213369" cy="5239568"/>
           </a:xfrm>
           <a:prstGeom prst="rect">
             <a:avLst/>
           </a:prstGeom>
           <a:noFill/>
-          <a:ln>
-            <a:noFill/>
-          </a:ln>
+          <a:effectLst/>
         </p:spPr>
       </p:pic>
       <p:sp>
@@ -6239,16 +8807,41 @@
             <p:ph type="sldNum" sz="quarter" idx="12"/>
           </p:nvPr>
         </p:nvSpPr>
-        <p:spPr/>
+        <p:spPr>
+          <a:xfrm>
+            <a:off x="8610600" y="6356350"/>
+            <a:ext cx="2743200" cy="365125"/>
+          </a:xfrm>
+        </p:spPr>
         <p:txBody>
-          <a:bodyPr/>
+          <a:bodyPr>
+            <a:normAutofit/>
+          </a:bodyPr>
           <a:lstStyle/>
           <a:p>
+            <a:pPr>
+              <a:spcAft>
+                <a:spcPts val="600"/>
+              </a:spcAft>
+            </a:pPr>
             <a:fld id="{7FA81DE9-9325-4540-92B4-5A7DD3142AA3}" type="slidenum">
-              <a:rPr lang="en-US" smtClean="0"/>
+              <a:rPr lang="en-US">
+                <a:solidFill>
+                  <a:srgbClr val="303030"/>
+                </a:solidFill>
+              </a:rPr>
+              <a:pPr>
+                <a:spcAft>
+                  <a:spcPts val="600"/>
+                </a:spcAft>
+              </a:pPr>
               <a:t>2</a:t>
             </a:fld>
-            <a:endParaRPr lang="en-US"/>
+            <a:endParaRPr lang="en-US">
+              <a:solidFill>
+                <a:srgbClr val="303030"/>
+              </a:solidFill>
+            </a:endParaRPr>
           </a:p>
         </p:txBody>
       </p:sp>
@@ -6268,6 +8861,14 @@
 <file path=ppt/slides/slide3.xml><?xml version="1.0" encoding="utf-8"?>
 <p:sld xmlns:a="http://schemas.openxmlformats.org/drawingml/2006/main" xmlns:r="http://schemas.openxmlformats.org/officeDocument/2006/relationships" xmlns:p="http://schemas.openxmlformats.org/presentationml/2006/main">
   <p:cSld>
+    <p:bg>
+      <p:bgPr>
+        <a:solidFill>
+          <a:schemeClr val="bg1"/>
+        </a:solidFill>
+        <a:effectLst/>
+      </p:bgPr>
+    </p:bg>
     <p:spTree>
       <p:nvGrpSpPr>
         <p:cNvPr id="1" name=""/>
@@ -6282,6 +8883,528 @@
           <a:chExt cx="0" cy="0"/>
         </a:xfrm>
       </p:grpSpPr>
+      <p:sp useBgFill="1">
+        <p:nvSpPr>
+          <p:cNvPr id="9" name="Rectangle 8">
+            <a:extLst>
+              <a:ext uri="{FF2B5EF4-FFF2-40B4-BE49-F238E27FC236}">
+                <a16:creationId xmlns:a16="http://schemas.microsoft.com/office/drawing/2014/main" id="{827B839B-9ADE-406B-8590-F1CAEDED45A1}"/>
+              </a:ext>
+              <a:ext uri="{C183D7F6-B498-43B3-948B-1728B52AA6E4}">
+                <adec:decorative xmlns:adec="http://schemas.microsoft.com/office/drawing/2017/decorative" val="1"/>
+              </a:ext>
+            </a:extLst>
+          </p:cNvPr>
+          <p:cNvSpPr>
+            <a:spLocks noGrp="1" noRot="1" noChangeAspect="1" noMove="1" noResize="1" noEditPoints="1" noAdjustHandles="1" noChangeArrowheads="1" noChangeShapeType="1" noTextEdit="1"/>
+          </p:cNvSpPr>
+          <p:nvPr>
+            <p:extLst>
+              <p:ext uri="{386F3935-93C4-4BCD-93E2-E3B085C9AB24}">
+                <p16:designElem xmlns:p16="http://schemas.microsoft.com/office/powerpoint/2015/main" val="1"/>
+              </p:ext>
+            </p:extLst>
+          </p:nvPr>
+        </p:nvSpPr>
+        <p:spPr>
+          <a:xfrm>
+            <a:off x="0" y="0"/>
+            <a:ext cx="12188952" cy="6858000"/>
+          </a:xfrm>
+          <a:prstGeom prst="rect">
+            <a:avLst/>
+          </a:prstGeom>
+          <a:ln>
+            <a:noFill/>
+          </a:ln>
+        </p:spPr>
+        <p:style>
+          <a:lnRef idx="2">
+            <a:schemeClr val="accent1">
+              <a:shade val="50000"/>
+            </a:schemeClr>
+          </a:lnRef>
+          <a:fillRef idx="1">
+            <a:schemeClr val="accent1"/>
+          </a:fillRef>
+          <a:effectRef idx="0">
+            <a:schemeClr val="accent1"/>
+          </a:effectRef>
+          <a:fontRef idx="minor">
+            <a:schemeClr val="lt1"/>
+          </a:fontRef>
+        </p:style>
+        <p:txBody>
+          <a:bodyPr rtlCol="0" anchor="ctr"/>
+          <a:lstStyle/>
+          <a:p>
+            <a:pPr algn="ctr"/>
+            <a:endParaRPr lang="en-US"/>
+          </a:p>
+        </p:txBody>
+      </p:sp>
+      <p:sp>
+        <p:nvSpPr>
+          <p:cNvPr id="11" name="Freeform 45">
+            <a:extLst>
+              <a:ext uri="{FF2B5EF4-FFF2-40B4-BE49-F238E27FC236}">
+                <a16:creationId xmlns:a16="http://schemas.microsoft.com/office/drawing/2014/main" id="{CFE45BF0-46DB-408C-B5F7-7B11716805D4}"/>
+              </a:ext>
+              <a:ext uri="{C183D7F6-B498-43B3-948B-1728B52AA6E4}">
+                <adec:decorative xmlns:adec="http://schemas.microsoft.com/office/drawing/2017/decorative" val="1"/>
+              </a:ext>
+            </a:extLst>
+          </p:cNvPr>
+          <p:cNvSpPr>
+            <a:spLocks noGrp="1" noRot="1" noChangeAspect="1" noMove="1" noResize="1" noEditPoints="1" noAdjustHandles="1" noChangeArrowheads="1" noChangeShapeType="1" noTextEdit="1"/>
+          </p:cNvSpPr>
+          <p:nvPr>
+            <p:extLst>
+              <p:ext uri="{386F3935-93C4-4BCD-93E2-E3B085C9AB24}">
+                <p16:designElem xmlns:p16="http://schemas.microsoft.com/office/powerpoint/2015/main" val="1"/>
+              </p:ext>
+            </p:extLst>
+          </p:nvPr>
+        </p:nvSpPr>
+        <p:spPr bwMode="auto">
+          <a:xfrm>
+            <a:off x="409710" y="1022350"/>
+            <a:ext cx="709612" cy="2095501"/>
+          </a:xfrm>
+          <a:custGeom>
+            <a:avLst/>
+            <a:gdLst>
+              <a:gd name="T0" fmla="*/ 447 w 447"/>
+              <a:gd name="T1" fmla="*/ 1363 h 1363"/>
+              <a:gd name="T2" fmla="*/ 0 w 447"/>
+              <a:gd name="T3" fmla="*/ 987 h 1363"/>
+              <a:gd name="T4" fmla="*/ 0 w 447"/>
+              <a:gd name="T5" fmla="*/ 0 h 1363"/>
+              <a:gd name="T6" fmla="*/ 447 w 447"/>
+              <a:gd name="T7" fmla="*/ 376 h 1363"/>
+              <a:gd name="T8" fmla="*/ 447 w 447"/>
+              <a:gd name="T9" fmla="*/ 1363 h 1363"/>
+            </a:gdLst>
+            <a:ahLst/>
+            <a:cxnLst>
+              <a:cxn ang="0">
+                <a:pos x="T0" y="T1"/>
+              </a:cxn>
+              <a:cxn ang="0">
+                <a:pos x="T2" y="T3"/>
+              </a:cxn>
+              <a:cxn ang="0">
+                <a:pos x="T4" y="T5"/>
+              </a:cxn>
+              <a:cxn ang="0">
+                <a:pos x="T6" y="T7"/>
+              </a:cxn>
+              <a:cxn ang="0">
+                <a:pos x="T8" y="T9"/>
+              </a:cxn>
+            </a:cxnLst>
+            <a:rect l="0" t="0" r="r" b="b"/>
+            <a:pathLst>
+              <a:path w="447" h="1363">
+                <a:moveTo>
+                  <a:pt x="447" y="1363"/>
+                </a:moveTo>
+                <a:lnTo>
+                  <a:pt x="0" y="987"/>
+                </a:lnTo>
+                <a:lnTo>
+                  <a:pt x="0" y="0"/>
+                </a:lnTo>
+                <a:lnTo>
+                  <a:pt x="447" y="376"/>
+                </a:lnTo>
+                <a:lnTo>
+                  <a:pt x="447" y="1363"/>
+                </a:lnTo>
+                <a:close/>
+              </a:path>
+            </a:pathLst>
+          </a:custGeom>
+          <a:solidFill>
+            <a:schemeClr val="accent1">
+              <a:lumMod val="50000"/>
+            </a:schemeClr>
+          </a:solidFill>
+          <a:ln>
+            <a:noFill/>
+          </a:ln>
+        </p:spPr>
+        <p:txBody>
+          <a:bodyPr vert="horz" wrap="square" lIns="91440" tIns="45720" rIns="91440" bIns="45720" numCol="1" anchor="t" anchorCtr="0" compatLnSpc="1">
+            <a:prstTxWarp prst="textNoShape">
+              <a:avLst/>
+            </a:prstTxWarp>
+          </a:bodyPr>
+          <a:lstStyle/>
+          <a:p>
+            <a:endParaRPr lang="en-US"/>
+          </a:p>
+        </p:txBody>
+      </p:sp>
+      <p:sp>
+        <p:nvSpPr>
+          <p:cNvPr id="13" name="Freeform 46">
+            <a:extLst>
+              <a:ext uri="{FF2B5EF4-FFF2-40B4-BE49-F238E27FC236}">
+                <a16:creationId xmlns:a16="http://schemas.microsoft.com/office/drawing/2014/main" id="{2AEBC8F2-97B1-41B4-93F1-2D289E197FBA}"/>
+              </a:ext>
+              <a:ext uri="{C183D7F6-B498-43B3-948B-1728B52AA6E4}">
+                <adec:decorative xmlns:adec="http://schemas.microsoft.com/office/drawing/2017/decorative" val="1"/>
+              </a:ext>
+            </a:extLst>
+          </p:cNvPr>
+          <p:cNvSpPr>
+            <a:spLocks noGrp="1" noRot="1" noChangeAspect="1" noMove="1" noResize="1" noEditPoints="1" noAdjustHandles="1" noChangeArrowheads="1" noChangeShapeType="1" noTextEdit="1"/>
+          </p:cNvSpPr>
+          <p:nvPr>
+            <p:extLst>
+              <p:ext uri="{386F3935-93C4-4BCD-93E2-E3B085C9AB24}">
+                <p16:designElem xmlns:p16="http://schemas.microsoft.com/office/powerpoint/2015/main" val="1"/>
+              </p:ext>
+            </p:extLst>
+          </p:nvPr>
+        </p:nvSpPr>
+        <p:spPr bwMode="auto">
+          <a:xfrm>
+            <a:off x="409710" y="837744"/>
+            <a:ext cx="403225" cy="1705431"/>
+          </a:xfrm>
+          <a:custGeom>
+            <a:avLst/>
+            <a:gdLst>
+              <a:gd name="T0" fmla="*/ 254 w 254"/>
+              <a:gd name="T1" fmla="*/ 987 h 1109"/>
+              <a:gd name="T2" fmla="*/ 0 w 254"/>
+              <a:gd name="T3" fmla="*/ 1109 h 1109"/>
+              <a:gd name="T4" fmla="*/ 0 w 254"/>
+              <a:gd name="T5" fmla="*/ 119 h 1109"/>
+              <a:gd name="T6" fmla="*/ 254 w 254"/>
+              <a:gd name="T7" fmla="*/ 0 h 1109"/>
+              <a:gd name="T8" fmla="*/ 254 w 254"/>
+              <a:gd name="T9" fmla="*/ 987 h 1109"/>
+            </a:gdLst>
+            <a:ahLst/>
+            <a:cxnLst>
+              <a:cxn ang="0">
+                <a:pos x="T0" y="T1"/>
+              </a:cxn>
+              <a:cxn ang="0">
+                <a:pos x="T2" y="T3"/>
+              </a:cxn>
+              <a:cxn ang="0">
+                <a:pos x="T4" y="T5"/>
+              </a:cxn>
+              <a:cxn ang="0">
+                <a:pos x="T6" y="T7"/>
+              </a:cxn>
+              <a:cxn ang="0">
+                <a:pos x="T8" y="T9"/>
+              </a:cxn>
+            </a:cxnLst>
+            <a:rect l="0" t="0" r="r" b="b"/>
+            <a:pathLst>
+              <a:path w="254" h="1109">
+                <a:moveTo>
+                  <a:pt x="254" y="987"/>
+                </a:moveTo>
+                <a:lnTo>
+                  <a:pt x="0" y="1109"/>
+                </a:lnTo>
+                <a:lnTo>
+                  <a:pt x="0" y="119"/>
+                </a:lnTo>
+                <a:lnTo>
+                  <a:pt x="254" y="0"/>
+                </a:lnTo>
+                <a:lnTo>
+                  <a:pt x="254" y="987"/>
+                </a:lnTo>
+                <a:close/>
+              </a:path>
+            </a:pathLst>
+          </a:custGeom>
+          <a:solidFill>
+            <a:schemeClr val="accent1">
+              <a:lumMod val="75000"/>
+            </a:schemeClr>
+          </a:solidFill>
+          <a:ln>
+            <a:noFill/>
+          </a:ln>
+        </p:spPr>
+        <p:txBody>
+          <a:bodyPr vert="horz" wrap="square" lIns="91440" tIns="45720" rIns="91440" bIns="45720" numCol="1" anchor="t" anchorCtr="0" compatLnSpc="1">
+            <a:prstTxWarp prst="textNoShape">
+              <a:avLst/>
+            </a:prstTxWarp>
+          </a:bodyPr>
+          <a:lstStyle/>
+          <a:p>
+            <a:endParaRPr lang="en-US"/>
+          </a:p>
+        </p:txBody>
+      </p:sp>
+      <p:sp>
+        <p:nvSpPr>
+          <p:cNvPr id="15" name="Freeform 47">
+            <a:extLst>
+              <a:ext uri="{FF2B5EF4-FFF2-40B4-BE49-F238E27FC236}">
+                <a16:creationId xmlns:a16="http://schemas.microsoft.com/office/drawing/2014/main" id="{472E3A19-F5D5-48FC-BB9C-48C2F68F598B}"/>
+              </a:ext>
+              <a:ext uri="{C183D7F6-B498-43B3-948B-1728B52AA6E4}">
+                <adec:decorative xmlns:adec="http://schemas.microsoft.com/office/drawing/2017/decorative" val="1"/>
+              </a:ext>
+            </a:extLst>
+          </p:cNvPr>
+          <p:cNvSpPr>
+            <a:spLocks noGrp="1" noRot="1" noChangeAspect="1" noMove="1" noResize="1" noEditPoints="1" noAdjustHandles="1" noChangeArrowheads="1" noChangeShapeType="1" noTextEdit="1"/>
+          </p:cNvSpPr>
+          <p:nvPr>
+            <p:extLst>
+              <p:ext uri="{386F3935-93C4-4BCD-93E2-E3B085C9AB24}">
+                <p16:designElem xmlns:p16="http://schemas.microsoft.com/office/powerpoint/2015/main" val="1"/>
+              </p:ext>
+            </p:extLst>
+          </p:nvPr>
+        </p:nvSpPr>
+        <p:spPr bwMode="auto">
+          <a:xfrm>
+            <a:off x="644660" y="640894"/>
+            <a:ext cx="168275" cy="1713195"/>
+          </a:xfrm>
+          <a:custGeom>
+            <a:avLst/>
+            <a:gdLst>
+              <a:gd name="T0" fmla="*/ 106 w 106"/>
+              <a:gd name="T1" fmla="*/ 1114 h 1114"/>
+              <a:gd name="T2" fmla="*/ 0 w 106"/>
+              <a:gd name="T3" fmla="*/ 1005 h 1114"/>
+              <a:gd name="T4" fmla="*/ 0 w 106"/>
+              <a:gd name="T5" fmla="*/ 0 h 1114"/>
+              <a:gd name="T6" fmla="*/ 106 w 106"/>
+              <a:gd name="T7" fmla="*/ 110 h 1114"/>
+              <a:gd name="T8" fmla="*/ 106 w 106"/>
+              <a:gd name="T9" fmla="*/ 1114 h 1114"/>
+            </a:gdLst>
+            <a:ahLst/>
+            <a:cxnLst>
+              <a:cxn ang="0">
+                <a:pos x="T0" y="T1"/>
+              </a:cxn>
+              <a:cxn ang="0">
+                <a:pos x="T2" y="T3"/>
+              </a:cxn>
+              <a:cxn ang="0">
+                <a:pos x="T4" y="T5"/>
+              </a:cxn>
+              <a:cxn ang="0">
+                <a:pos x="T6" y="T7"/>
+              </a:cxn>
+              <a:cxn ang="0">
+                <a:pos x="T8" y="T9"/>
+              </a:cxn>
+            </a:cxnLst>
+            <a:rect l="0" t="0" r="r" b="b"/>
+            <a:pathLst>
+              <a:path w="106" h="1114">
+                <a:moveTo>
+                  <a:pt x="106" y="1114"/>
+                </a:moveTo>
+                <a:lnTo>
+                  <a:pt x="0" y="1005"/>
+                </a:lnTo>
+                <a:lnTo>
+                  <a:pt x="0" y="0"/>
+                </a:lnTo>
+                <a:lnTo>
+                  <a:pt x="106" y="110"/>
+                </a:lnTo>
+                <a:lnTo>
+                  <a:pt x="106" y="1114"/>
+                </a:lnTo>
+                <a:close/>
+              </a:path>
+            </a:pathLst>
+          </a:custGeom>
+          <a:solidFill>
+            <a:schemeClr val="accent1">
+              <a:lumMod val="50000"/>
+            </a:schemeClr>
+          </a:solidFill>
+          <a:ln>
+            <a:noFill/>
+          </a:ln>
+        </p:spPr>
+        <p:txBody>
+          <a:bodyPr vert="horz" wrap="square" lIns="91440" tIns="45720" rIns="91440" bIns="45720" numCol="1" anchor="t" anchorCtr="0" compatLnSpc="1">
+            <a:prstTxWarp prst="textNoShape">
+              <a:avLst/>
+            </a:prstTxWarp>
+          </a:bodyPr>
+          <a:lstStyle/>
+          <a:p>
+            <a:endParaRPr lang="en-US"/>
+          </a:p>
+        </p:txBody>
+      </p:sp>
+      <p:sp>
+        <p:nvSpPr>
+          <p:cNvPr id="17" name="Freeform 44">
+            <a:extLst>
+              <a:ext uri="{FF2B5EF4-FFF2-40B4-BE49-F238E27FC236}">
+                <a16:creationId xmlns:a16="http://schemas.microsoft.com/office/drawing/2014/main" id="{7A62E32F-BB65-43A8-8EB5-92346890E549}"/>
+              </a:ext>
+              <a:ext uri="{C183D7F6-B498-43B3-948B-1728B52AA6E4}">
+                <adec:decorative xmlns:adec="http://schemas.microsoft.com/office/drawing/2017/decorative" val="1"/>
+              </a:ext>
+            </a:extLst>
+          </p:cNvPr>
+          <p:cNvSpPr>
+            <a:spLocks noGrp="1" noRot="1" noChangeAspect="1" noMove="1" noResize="1" noEditPoints="1" noAdjustHandles="1" noChangeArrowheads="1" noChangeShapeType="1" noTextEdit="1"/>
+          </p:cNvSpPr>
+          <p:nvPr>
+            <p:extLst>
+              <p:ext uri="{386F3935-93C4-4BCD-93E2-E3B085C9AB24}">
+                <p16:designElem xmlns:p16="http://schemas.microsoft.com/office/powerpoint/2015/main" val="1"/>
+              </p:ext>
+            </p:extLst>
+          </p:nvPr>
+        </p:nvSpPr>
+        <p:spPr bwMode="auto">
+          <a:xfrm>
+            <a:off x="11223203" y="635716"/>
+            <a:ext cx="328612" cy="1742360"/>
+          </a:xfrm>
+          <a:custGeom>
+            <a:avLst/>
+            <a:gdLst>
+              <a:gd name="T0" fmla="*/ 207 w 207"/>
+              <a:gd name="T1" fmla="*/ 987 h 1114"/>
+              <a:gd name="T2" fmla="*/ 0 w 207"/>
+              <a:gd name="T3" fmla="*/ 1114 h 1114"/>
+              <a:gd name="T4" fmla="*/ 0 w 207"/>
+              <a:gd name="T5" fmla="*/ 127 h 1114"/>
+              <a:gd name="T6" fmla="*/ 207 w 207"/>
+              <a:gd name="T7" fmla="*/ 0 h 1114"/>
+              <a:gd name="T8" fmla="*/ 207 w 207"/>
+              <a:gd name="T9" fmla="*/ 987 h 1114"/>
+            </a:gdLst>
+            <a:ahLst/>
+            <a:cxnLst>
+              <a:cxn ang="0">
+                <a:pos x="T0" y="T1"/>
+              </a:cxn>
+              <a:cxn ang="0">
+                <a:pos x="T2" y="T3"/>
+              </a:cxn>
+              <a:cxn ang="0">
+                <a:pos x="T4" y="T5"/>
+              </a:cxn>
+              <a:cxn ang="0">
+                <a:pos x="T6" y="T7"/>
+              </a:cxn>
+              <a:cxn ang="0">
+                <a:pos x="T8" y="T9"/>
+              </a:cxn>
+            </a:cxnLst>
+            <a:rect l="0" t="0" r="r" b="b"/>
+            <a:pathLst>
+              <a:path w="207" h="1114">
+                <a:moveTo>
+                  <a:pt x="207" y="987"/>
+                </a:moveTo>
+                <a:lnTo>
+                  <a:pt x="0" y="1114"/>
+                </a:lnTo>
+                <a:lnTo>
+                  <a:pt x="0" y="127"/>
+                </a:lnTo>
+                <a:lnTo>
+                  <a:pt x="207" y="0"/>
+                </a:lnTo>
+                <a:lnTo>
+                  <a:pt x="207" y="987"/>
+                </a:lnTo>
+                <a:close/>
+              </a:path>
+            </a:pathLst>
+          </a:custGeom>
+          <a:solidFill>
+            <a:schemeClr val="accent1">
+              <a:lumMod val="50000"/>
+            </a:schemeClr>
+          </a:solidFill>
+          <a:ln>
+            <a:noFill/>
+          </a:ln>
+        </p:spPr>
+        <p:txBody>
+          <a:bodyPr vert="horz" wrap="square" lIns="91440" tIns="45720" rIns="91440" bIns="45720" numCol="1" anchor="t" anchorCtr="0" compatLnSpc="1">
+            <a:prstTxWarp prst="textNoShape">
+              <a:avLst/>
+            </a:prstTxWarp>
+          </a:bodyPr>
+          <a:lstStyle/>
+          <a:p>
+            <a:endParaRPr lang="en-US"/>
+          </a:p>
+        </p:txBody>
+      </p:sp>
+      <p:sp>
+        <p:nvSpPr>
+          <p:cNvPr id="19" name="Rectangle 18">
+            <a:extLst>
+              <a:ext uri="{FF2B5EF4-FFF2-40B4-BE49-F238E27FC236}">
+                <a16:creationId xmlns:a16="http://schemas.microsoft.com/office/drawing/2014/main" id="{14E91B64-9FCC-451E-AFB4-A827D6329367}"/>
+              </a:ext>
+              <a:ext uri="{C183D7F6-B498-43B3-948B-1728B52AA6E4}">
+                <adec:decorative xmlns:adec="http://schemas.microsoft.com/office/drawing/2017/decorative" val="1"/>
+              </a:ext>
+            </a:extLst>
+          </p:cNvPr>
+          <p:cNvSpPr>
+            <a:spLocks noGrp="1" noRot="1" noChangeAspect="1" noMove="1" noResize="1" noEditPoints="1" noAdjustHandles="1" noChangeArrowheads="1" noChangeShapeType="1" noTextEdit="1"/>
+          </p:cNvSpPr>
+          <p:nvPr>
+            <p:extLst>
+              <p:ext uri="{386F3935-93C4-4BCD-93E2-E3B085C9AB24}">
+                <p16:designElem xmlns:p16="http://schemas.microsoft.com/office/powerpoint/2015/main" val="1"/>
+              </p:ext>
+            </p:extLst>
+          </p:nvPr>
+        </p:nvSpPr>
+        <p:spPr bwMode="auto">
+          <a:xfrm>
+            <a:off x="644055" y="635715"/>
+            <a:ext cx="10907863" cy="1541457"/>
+          </a:xfrm>
+          <a:prstGeom prst="rect">
+            <a:avLst/>
+          </a:prstGeom>
+          <a:solidFill>
+            <a:schemeClr val="accent1"/>
+          </a:solidFill>
+          <a:ln>
+            <a:noFill/>
+          </a:ln>
+        </p:spPr>
+        <p:txBody>
+          <a:bodyPr vert="horz" wrap="square" lIns="91440" tIns="45720" rIns="91440" bIns="45720" numCol="1" anchor="t" anchorCtr="0" compatLnSpc="1">
+            <a:prstTxWarp prst="textNoShape">
+              <a:avLst/>
+            </a:prstTxWarp>
+          </a:bodyPr>
+          <a:lstStyle/>
+          <a:p>
+            <a:endParaRPr lang="en-US"/>
+          </a:p>
+        </p:txBody>
+      </p:sp>
       <p:sp>
         <p:nvSpPr>
           <p:cNvPr id="2" name="Title 1">
@@ -6298,13 +9421,24 @@
             <p:ph type="title"/>
           </p:nvPr>
         </p:nvSpPr>
-        <p:spPr/>
+        <p:spPr>
+          <a:xfrm>
+            <a:off x="958506" y="800392"/>
+            <a:ext cx="10264697" cy="1212102"/>
+          </a:xfrm>
+        </p:spPr>
         <p:txBody>
-          <a:bodyPr/>
+          <a:bodyPr>
+            <a:normAutofit/>
+          </a:bodyPr>
           <a:lstStyle/>
           <a:p>
             <a:r>
-              <a:rPr lang="en-US" b="1" dirty="0"/>
+              <a:rPr lang="en-US" sz="4000" b="1" dirty="0">
+                <a:solidFill>
+                  <a:srgbClr val="FFFFFF"/>
+                </a:solidFill>
+              </a:rPr>
               <a:t>Definition of EDA</a:t>
             </a:r>
           </a:p>
@@ -6326,9 +9460,14 @@
             <p:ph idx="1"/>
           </p:nvPr>
         </p:nvSpPr>
-        <p:spPr/>
+        <p:spPr>
+          <a:xfrm>
+            <a:off x="1367624" y="2490436"/>
+            <a:ext cx="9708995" cy="3567173"/>
+          </a:xfrm>
+        </p:spPr>
         <p:txBody>
-          <a:bodyPr>
+          <a:bodyPr anchor="ctr">
             <a:normAutofit/>
           </a:bodyPr>
           <a:lstStyle/>
@@ -6360,16 +9499,33 @@
             <p:ph type="sldNum" sz="quarter" idx="12"/>
           </p:nvPr>
         </p:nvSpPr>
-        <p:spPr/>
+        <p:spPr>
+          <a:xfrm>
+            <a:off x="10707624" y="6382512"/>
+            <a:ext cx="685800" cy="320040"/>
+          </a:xfrm>
+        </p:spPr>
         <p:txBody>
-          <a:bodyPr/>
+          <a:bodyPr>
+            <a:normAutofit/>
+          </a:bodyPr>
           <a:lstStyle/>
           <a:p>
+            <a:pPr>
+              <a:spcAft>
+                <a:spcPts val="600"/>
+              </a:spcAft>
+            </a:pPr>
             <a:fld id="{7FA81DE9-9325-4540-92B4-5A7DD3142AA3}" type="slidenum">
-              <a:rPr lang="en-US" smtClean="0"/>
+              <a:rPr lang="en-US" sz="1000"/>
+              <a:pPr>
+                <a:spcAft>
+                  <a:spcPts val="600"/>
+                </a:spcAft>
+              </a:pPr>
               <a:t>3</a:t>
             </a:fld>
-            <a:endParaRPr lang="en-US"/>
+            <a:endParaRPr lang="en-US" sz="1000"/>
           </a:p>
         </p:txBody>
       </p:sp>
@@ -6451,11 +9607,16 @@
           </p:cNvGraphicFramePr>
           <p:nvPr>
             <p:ph idx="1"/>
+            <p:extLst>
+              <p:ext uri="{D42A27DB-BD31-4B8C-83A1-F6EECF244321}">
+                <p14:modId xmlns:p14="http://schemas.microsoft.com/office/powerpoint/2010/main" val="3994674284"/>
+              </p:ext>
+            </p:extLst>
           </p:nvPr>
         </p:nvGraphicFramePr>
         <p:xfrm>
-          <a:off x="2152650" y="2226469"/>
-          <a:ext cx="7886700" cy="3263504"/>
+          <a:off x="1643974" y="1468876"/>
+          <a:ext cx="9795754" cy="4474723"/>
         </p:xfrm>
         <a:graphic>
           <a:graphicData uri="http://schemas.openxmlformats.org/drawingml/2006/diagram">
@@ -6508,6 +9669,14 @@
 <file path=ppt/slides/slide5.xml><?xml version="1.0" encoding="utf-8"?>
 <p:sld xmlns:a="http://schemas.openxmlformats.org/drawingml/2006/main" xmlns:r="http://schemas.openxmlformats.org/officeDocument/2006/relationships" xmlns:p="http://schemas.openxmlformats.org/presentationml/2006/main">
   <p:cSld>
+    <p:bg>
+      <p:bgPr>
+        <a:solidFill>
+          <a:schemeClr val="bg1"/>
+        </a:solidFill>
+        <a:effectLst/>
+      </p:bgPr>
+    </p:bg>
     <p:spTree>
       <p:nvGrpSpPr>
         <p:cNvPr id="1" name=""/>
@@ -6522,6 +9691,560 @@
           <a:chExt cx="0" cy="0"/>
         </a:xfrm>
       </p:grpSpPr>
+      <p:sp useBgFill="1">
+        <p:nvSpPr>
+          <p:cNvPr id="12" name="Rectangle 11">
+            <a:extLst>
+              <a:ext uri="{FF2B5EF4-FFF2-40B4-BE49-F238E27FC236}">
+                <a16:creationId xmlns:a16="http://schemas.microsoft.com/office/drawing/2014/main" id="{DD38EE57-B708-47C9-A4A4-E25F09FAB029}"/>
+              </a:ext>
+              <a:ext uri="{C183D7F6-B498-43B3-948B-1728B52AA6E4}">
+                <adec:decorative xmlns:adec="http://schemas.microsoft.com/office/drawing/2017/decorative" val="1"/>
+              </a:ext>
+            </a:extLst>
+          </p:cNvPr>
+          <p:cNvSpPr>
+            <a:spLocks noGrp="1" noRot="1" noChangeAspect="1" noMove="1" noResize="1" noEditPoints="1" noAdjustHandles="1" noChangeArrowheads="1" noChangeShapeType="1" noTextEdit="1"/>
+          </p:cNvSpPr>
+          <p:nvPr>
+            <p:extLst>
+              <p:ext uri="{386F3935-93C4-4BCD-93E2-E3B085C9AB24}">
+                <p16:designElem xmlns:p16="http://schemas.microsoft.com/office/powerpoint/2015/main" val="1"/>
+              </p:ext>
+            </p:extLst>
+          </p:nvPr>
+        </p:nvSpPr>
+        <p:spPr>
+          <a:xfrm>
+            <a:off x="0" y="0"/>
+            <a:ext cx="12188952" cy="6858000"/>
+          </a:xfrm>
+          <a:prstGeom prst="rect">
+            <a:avLst/>
+          </a:prstGeom>
+          <a:ln>
+            <a:noFill/>
+          </a:ln>
+        </p:spPr>
+        <p:style>
+          <a:lnRef idx="2">
+            <a:schemeClr val="accent1">
+              <a:shade val="50000"/>
+            </a:schemeClr>
+          </a:lnRef>
+          <a:fillRef idx="1">
+            <a:schemeClr val="accent1"/>
+          </a:fillRef>
+          <a:effectRef idx="0">
+            <a:schemeClr val="accent1"/>
+          </a:effectRef>
+          <a:fontRef idx="minor">
+            <a:schemeClr val="lt1"/>
+          </a:fontRef>
+        </p:style>
+        <p:txBody>
+          <a:bodyPr rtlCol="0" anchor="ctr"/>
+          <a:lstStyle/>
+          <a:p>
+            <a:pPr algn="ctr"/>
+            <a:endParaRPr lang="en-US"/>
+          </a:p>
+        </p:txBody>
+      </p:sp>
+      <p:grpSp>
+        <p:nvGrpSpPr>
+          <p:cNvPr id="14" name="Group 13">
+            <a:extLst>
+              <a:ext uri="{FF2B5EF4-FFF2-40B4-BE49-F238E27FC236}">
+                <a16:creationId xmlns:a16="http://schemas.microsoft.com/office/drawing/2014/main" id="{57A28182-58A5-4DBB-8F64-BD944BCA8154}"/>
+              </a:ext>
+              <a:ext uri="{C183D7F6-B498-43B3-948B-1728B52AA6E4}">
+                <adec:decorative xmlns:adec="http://schemas.microsoft.com/office/drawing/2017/decorative" val="1"/>
+              </a:ext>
+            </a:extLst>
+          </p:cNvPr>
+          <p:cNvGrpSpPr>
+            <a:grpSpLocks noGrp="1" noUngrp="1" noRot="1" noChangeAspect="1" noMove="1" noResize="1"/>
+          </p:cNvGrpSpPr>
+          <p:nvPr>
+            <p:extLst>
+              <p:ext uri="{386F3935-93C4-4BCD-93E2-E3B085C9AB24}">
+                <p16:designElem xmlns:p16="http://schemas.microsoft.com/office/powerpoint/2015/main" val="1"/>
+              </p:ext>
+            </p:extLst>
+          </p:nvPr>
+        </p:nvGrpSpPr>
+        <p:grpSpPr>
+          <a:xfrm>
+            <a:off x="409710" y="635715"/>
+            <a:ext cx="11142208" cy="2482136"/>
+            <a:chOff x="409710" y="635715"/>
+            <a:chExt cx="11142208" cy="2482136"/>
+          </a:xfrm>
+        </p:grpSpPr>
+        <p:sp>
+          <p:nvSpPr>
+            <p:cNvPr id="15" name="Freeform 44">
+              <a:extLst>
+                <a:ext uri="{FF2B5EF4-FFF2-40B4-BE49-F238E27FC236}">
+                  <a16:creationId xmlns:a16="http://schemas.microsoft.com/office/drawing/2014/main" id="{E4A9080E-7BA6-45FC-8677-8B9D5F4DAFE0}"/>
+                </a:ext>
+                <a:ext uri="{C183D7F6-B498-43B3-948B-1728B52AA6E4}">
+                  <adec:decorative xmlns:adec="http://schemas.microsoft.com/office/drawing/2017/decorative" val="1"/>
+                </a:ext>
+              </a:extLst>
+            </p:cNvPr>
+            <p:cNvSpPr>
+              <a:spLocks/>
+            </p:cNvSpPr>
+            <p:nvPr>
+              <p:extLst>
+                <p:ext uri="{386F3935-93C4-4BCD-93E2-E3B085C9AB24}">
+                  <p16:designElem xmlns:p16="http://schemas.microsoft.com/office/powerpoint/2015/main" val="1"/>
+                </p:ext>
+              </p:extLst>
+            </p:nvPr>
+          </p:nvSpPr>
+          <p:spPr bwMode="auto">
+            <a:xfrm>
+              <a:off x="11223203" y="635716"/>
+              <a:ext cx="328612" cy="1742360"/>
+            </a:xfrm>
+            <a:custGeom>
+              <a:avLst/>
+              <a:gdLst>
+                <a:gd name="T0" fmla="*/ 207 w 207"/>
+                <a:gd name="T1" fmla="*/ 987 h 1114"/>
+                <a:gd name="T2" fmla="*/ 0 w 207"/>
+                <a:gd name="T3" fmla="*/ 1114 h 1114"/>
+                <a:gd name="T4" fmla="*/ 0 w 207"/>
+                <a:gd name="T5" fmla="*/ 127 h 1114"/>
+                <a:gd name="T6" fmla="*/ 207 w 207"/>
+                <a:gd name="T7" fmla="*/ 0 h 1114"/>
+                <a:gd name="T8" fmla="*/ 207 w 207"/>
+                <a:gd name="T9" fmla="*/ 987 h 1114"/>
+              </a:gdLst>
+              <a:ahLst/>
+              <a:cxnLst>
+                <a:cxn ang="0">
+                  <a:pos x="T0" y="T1"/>
+                </a:cxn>
+                <a:cxn ang="0">
+                  <a:pos x="T2" y="T3"/>
+                </a:cxn>
+                <a:cxn ang="0">
+                  <a:pos x="T4" y="T5"/>
+                </a:cxn>
+                <a:cxn ang="0">
+                  <a:pos x="T6" y="T7"/>
+                </a:cxn>
+                <a:cxn ang="0">
+                  <a:pos x="T8" y="T9"/>
+                </a:cxn>
+              </a:cxnLst>
+              <a:rect l="0" t="0" r="r" b="b"/>
+              <a:pathLst>
+                <a:path w="207" h="1114">
+                  <a:moveTo>
+                    <a:pt x="207" y="987"/>
+                  </a:moveTo>
+                  <a:lnTo>
+                    <a:pt x="0" y="1114"/>
+                  </a:lnTo>
+                  <a:lnTo>
+                    <a:pt x="0" y="127"/>
+                  </a:lnTo>
+                  <a:lnTo>
+                    <a:pt x="207" y="0"/>
+                  </a:lnTo>
+                  <a:lnTo>
+                    <a:pt x="207" y="987"/>
+                  </a:lnTo>
+                  <a:close/>
+                </a:path>
+              </a:pathLst>
+            </a:custGeom>
+            <a:solidFill>
+              <a:schemeClr val="accent1">
+                <a:lumMod val="50000"/>
+              </a:schemeClr>
+            </a:solidFill>
+            <a:ln>
+              <a:noFill/>
+            </a:ln>
+          </p:spPr>
+          <p:txBody>
+            <a:bodyPr vert="horz" wrap="square" lIns="91440" tIns="45720" rIns="91440" bIns="45720" numCol="1" anchor="t" anchorCtr="0" compatLnSpc="1">
+              <a:prstTxWarp prst="textNoShape">
+                <a:avLst/>
+              </a:prstTxWarp>
+            </a:bodyPr>
+            <a:lstStyle/>
+            <a:p>
+              <a:endParaRPr lang="en-US"/>
+            </a:p>
+          </p:txBody>
+        </p:sp>
+        <p:sp>
+          <p:nvSpPr>
+            <p:cNvPr id="16" name="Freeform 45">
+              <a:extLst>
+                <a:ext uri="{FF2B5EF4-FFF2-40B4-BE49-F238E27FC236}">
+                  <a16:creationId xmlns:a16="http://schemas.microsoft.com/office/drawing/2014/main" id="{2163D516-75D4-4DE0-AC27-63719125AE52}"/>
+                </a:ext>
+                <a:ext uri="{C183D7F6-B498-43B3-948B-1728B52AA6E4}">
+                  <adec:decorative xmlns:adec="http://schemas.microsoft.com/office/drawing/2017/decorative" val="1"/>
+                </a:ext>
+              </a:extLst>
+            </p:cNvPr>
+            <p:cNvSpPr>
+              <a:spLocks/>
+            </p:cNvSpPr>
+            <p:nvPr>
+              <p:extLst>
+                <p:ext uri="{386F3935-93C4-4BCD-93E2-E3B085C9AB24}">
+                  <p16:designElem xmlns:p16="http://schemas.microsoft.com/office/powerpoint/2015/main" val="1"/>
+                </p:ext>
+              </p:extLst>
+            </p:nvPr>
+          </p:nvSpPr>
+          <p:spPr bwMode="auto">
+            <a:xfrm>
+              <a:off x="409710" y="1022350"/>
+              <a:ext cx="709612" cy="2095501"/>
+            </a:xfrm>
+            <a:custGeom>
+              <a:avLst/>
+              <a:gdLst>
+                <a:gd name="T0" fmla="*/ 447 w 447"/>
+                <a:gd name="T1" fmla="*/ 1363 h 1363"/>
+                <a:gd name="T2" fmla="*/ 0 w 447"/>
+                <a:gd name="T3" fmla="*/ 987 h 1363"/>
+                <a:gd name="T4" fmla="*/ 0 w 447"/>
+                <a:gd name="T5" fmla="*/ 0 h 1363"/>
+                <a:gd name="T6" fmla="*/ 447 w 447"/>
+                <a:gd name="T7" fmla="*/ 376 h 1363"/>
+                <a:gd name="T8" fmla="*/ 447 w 447"/>
+                <a:gd name="T9" fmla="*/ 1363 h 1363"/>
+              </a:gdLst>
+              <a:ahLst/>
+              <a:cxnLst>
+                <a:cxn ang="0">
+                  <a:pos x="T0" y="T1"/>
+                </a:cxn>
+                <a:cxn ang="0">
+                  <a:pos x="T2" y="T3"/>
+                </a:cxn>
+                <a:cxn ang="0">
+                  <a:pos x="T4" y="T5"/>
+                </a:cxn>
+                <a:cxn ang="0">
+                  <a:pos x="T6" y="T7"/>
+                </a:cxn>
+                <a:cxn ang="0">
+                  <a:pos x="T8" y="T9"/>
+                </a:cxn>
+              </a:cxnLst>
+              <a:rect l="0" t="0" r="r" b="b"/>
+              <a:pathLst>
+                <a:path w="447" h="1363">
+                  <a:moveTo>
+                    <a:pt x="447" y="1363"/>
+                  </a:moveTo>
+                  <a:lnTo>
+                    <a:pt x="0" y="987"/>
+                  </a:lnTo>
+                  <a:lnTo>
+                    <a:pt x="0" y="0"/>
+                  </a:lnTo>
+                  <a:lnTo>
+                    <a:pt x="447" y="376"/>
+                  </a:lnTo>
+                  <a:lnTo>
+                    <a:pt x="447" y="1363"/>
+                  </a:lnTo>
+                  <a:close/>
+                </a:path>
+              </a:pathLst>
+            </a:custGeom>
+            <a:solidFill>
+              <a:schemeClr val="accent1">
+                <a:lumMod val="50000"/>
+              </a:schemeClr>
+            </a:solidFill>
+            <a:ln>
+              <a:noFill/>
+            </a:ln>
+          </p:spPr>
+          <p:txBody>
+            <a:bodyPr vert="horz" wrap="square" lIns="91440" tIns="45720" rIns="91440" bIns="45720" numCol="1" anchor="t" anchorCtr="0" compatLnSpc="1">
+              <a:prstTxWarp prst="textNoShape">
+                <a:avLst/>
+              </a:prstTxWarp>
+            </a:bodyPr>
+            <a:lstStyle/>
+            <a:p>
+              <a:endParaRPr lang="en-US"/>
+            </a:p>
+          </p:txBody>
+        </p:sp>
+        <p:sp>
+          <p:nvSpPr>
+            <p:cNvPr id="17" name="Freeform 46">
+              <a:extLst>
+                <a:ext uri="{FF2B5EF4-FFF2-40B4-BE49-F238E27FC236}">
+                  <a16:creationId xmlns:a16="http://schemas.microsoft.com/office/drawing/2014/main" id="{E74A26A5-C23A-46D4-B0FF-155FB3834621}"/>
+                </a:ext>
+                <a:ext uri="{C183D7F6-B498-43B3-948B-1728B52AA6E4}">
+                  <adec:decorative xmlns:adec="http://schemas.microsoft.com/office/drawing/2017/decorative" val="1"/>
+                </a:ext>
+              </a:extLst>
+            </p:cNvPr>
+            <p:cNvSpPr>
+              <a:spLocks/>
+            </p:cNvSpPr>
+            <p:nvPr>
+              <p:extLst>
+                <p:ext uri="{386F3935-93C4-4BCD-93E2-E3B085C9AB24}">
+                  <p16:designElem xmlns:p16="http://schemas.microsoft.com/office/powerpoint/2015/main" val="1"/>
+                </p:ext>
+              </p:extLst>
+            </p:nvPr>
+          </p:nvSpPr>
+          <p:spPr bwMode="auto">
+            <a:xfrm>
+              <a:off x="409710" y="837744"/>
+              <a:ext cx="403225" cy="1705431"/>
+            </a:xfrm>
+            <a:custGeom>
+              <a:avLst/>
+              <a:gdLst>
+                <a:gd name="T0" fmla="*/ 254 w 254"/>
+                <a:gd name="T1" fmla="*/ 987 h 1109"/>
+                <a:gd name="T2" fmla="*/ 0 w 254"/>
+                <a:gd name="T3" fmla="*/ 1109 h 1109"/>
+                <a:gd name="T4" fmla="*/ 0 w 254"/>
+                <a:gd name="T5" fmla="*/ 119 h 1109"/>
+                <a:gd name="T6" fmla="*/ 254 w 254"/>
+                <a:gd name="T7" fmla="*/ 0 h 1109"/>
+                <a:gd name="T8" fmla="*/ 254 w 254"/>
+                <a:gd name="T9" fmla="*/ 987 h 1109"/>
+              </a:gdLst>
+              <a:ahLst/>
+              <a:cxnLst>
+                <a:cxn ang="0">
+                  <a:pos x="T0" y="T1"/>
+                </a:cxn>
+                <a:cxn ang="0">
+                  <a:pos x="T2" y="T3"/>
+                </a:cxn>
+                <a:cxn ang="0">
+                  <a:pos x="T4" y="T5"/>
+                </a:cxn>
+                <a:cxn ang="0">
+                  <a:pos x="T6" y="T7"/>
+                </a:cxn>
+                <a:cxn ang="0">
+                  <a:pos x="T8" y="T9"/>
+                </a:cxn>
+              </a:cxnLst>
+              <a:rect l="0" t="0" r="r" b="b"/>
+              <a:pathLst>
+                <a:path w="254" h="1109">
+                  <a:moveTo>
+                    <a:pt x="254" y="987"/>
+                  </a:moveTo>
+                  <a:lnTo>
+                    <a:pt x="0" y="1109"/>
+                  </a:lnTo>
+                  <a:lnTo>
+                    <a:pt x="0" y="119"/>
+                  </a:lnTo>
+                  <a:lnTo>
+                    <a:pt x="254" y="0"/>
+                  </a:lnTo>
+                  <a:lnTo>
+                    <a:pt x="254" y="987"/>
+                  </a:lnTo>
+                  <a:close/>
+                </a:path>
+              </a:pathLst>
+            </a:custGeom>
+            <a:solidFill>
+              <a:schemeClr val="accent1">
+                <a:lumMod val="75000"/>
+              </a:schemeClr>
+            </a:solidFill>
+            <a:ln>
+              <a:noFill/>
+            </a:ln>
+          </p:spPr>
+          <p:txBody>
+            <a:bodyPr vert="horz" wrap="square" lIns="91440" tIns="45720" rIns="91440" bIns="45720" numCol="1" anchor="t" anchorCtr="0" compatLnSpc="1">
+              <a:prstTxWarp prst="textNoShape">
+                <a:avLst/>
+              </a:prstTxWarp>
+            </a:bodyPr>
+            <a:lstStyle/>
+            <a:p>
+              <a:endParaRPr lang="en-US"/>
+            </a:p>
+          </p:txBody>
+        </p:sp>
+        <p:sp>
+          <p:nvSpPr>
+            <p:cNvPr id="18" name="Freeform 47">
+              <a:extLst>
+                <a:ext uri="{FF2B5EF4-FFF2-40B4-BE49-F238E27FC236}">
+                  <a16:creationId xmlns:a16="http://schemas.microsoft.com/office/drawing/2014/main" id="{08E0243F-1062-43C6-AD04-130DFF66840E}"/>
+                </a:ext>
+                <a:ext uri="{C183D7F6-B498-43B3-948B-1728B52AA6E4}">
+                  <adec:decorative xmlns:adec="http://schemas.microsoft.com/office/drawing/2017/decorative" val="1"/>
+                </a:ext>
+              </a:extLst>
+            </p:cNvPr>
+            <p:cNvSpPr>
+              <a:spLocks/>
+            </p:cNvSpPr>
+            <p:nvPr>
+              <p:extLst>
+                <p:ext uri="{386F3935-93C4-4BCD-93E2-E3B085C9AB24}">
+                  <p16:designElem xmlns:p16="http://schemas.microsoft.com/office/powerpoint/2015/main" val="1"/>
+                </p:ext>
+              </p:extLst>
+            </p:nvPr>
+          </p:nvSpPr>
+          <p:spPr bwMode="auto">
+            <a:xfrm>
+              <a:off x="644660" y="640894"/>
+              <a:ext cx="168275" cy="1713195"/>
+            </a:xfrm>
+            <a:custGeom>
+              <a:avLst/>
+              <a:gdLst>
+                <a:gd name="T0" fmla="*/ 106 w 106"/>
+                <a:gd name="T1" fmla="*/ 1114 h 1114"/>
+                <a:gd name="T2" fmla="*/ 0 w 106"/>
+                <a:gd name="T3" fmla="*/ 1005 h 1114"/>
+                <a:gd name="T4" fmla="*/ 0 w 106"/>
+                <a:gd name="T5" fmla="*/ 0 h 1114"/>
+                <a:gd name="T6" fmla="*/ 106 w 106"/>
+                <a:gd name="T7" fmla="*/ 110 h 1114"/>
+                <a:gd name="T8" fmla="*/ 106 w 106"/>
+                <a:gd name="T9" fmla="*/ 1114 h 1114"/>
+              </a:gdLst>
+              <a:ahLst/>
+              <a:cxnLst>
+                <a:cxn ang="0">
+                  <a:pos x="T0" y="T1"/>
+                </a:cxn>
+                <a:cxn ang="0">
+                  <a:pos x="T2" y="T3"/>
+                </a:cxn>
+                <a:cxn ang="0">
+                  <a:pos x="T4" y="T5"/>
+                </a:cxn>
+                <a:cxn ang="0">
+                  <a:pos x="T6" y="T7"/>
+                </a:cxn>
+                <a:cxn ang="0">
+                  <a:pos x="T8" y="T9"/>
+                </a:cxn>
+              </a:cxnLst>
+              <a:rect l="0" t="0" r="r" b="b"/>
+              <a:pathLst>
+                <a:path w="106" h="1114">
+                  <a:moveTo>
+                    <a:pt x="106" y="1114"/>
+                  </a:moveTo>
+                  <a:lnTo>
+                    <a:pt x="0" y="1005"/>
+                  </a:lnTo>
+                  <a:lnTo>
+                    <a:pt x="0" y="0"/>
+                  </a:lnTo>
+                  <a:lnTo>
+                    <a:pt x="106" y="110"/>
+                  </a:lnTo>
+                  <a:lnTo>
+                    <a:pt x="106" y="1114"/>
+                  </a:lnTo>
+                  <a:close/>
+                </a:path>
+              </a:pathLst>
+            </a:custGeom>
+            <a:solidFill>
+              <a:schemeClr val="accent1">
+                <a:lumMod val="50000"/>
+              </a:schemeClr>
+            </a:solidFill>
+            <a:ln>
+              <a:noFill/>
+            </a:ln>
+          </p:spPr>
+          <p:txBody>
+            <a:bodyPr vert="horz" wrap="square" lIns="91440" tIns="45720" rIns="91440" bIns="45720" numCol="1" anchor="t" anchorCtr="0" compatLnSpc="1">
+              <a:prstTxWarp prst="textNoShape">
+                <a:avLst/>
+              </a:prstTxWarp>
+            </a:bodyPr>
+            <a:lstStyle/>
+            <a:p>
+              <a:endParaRPr lang="en-US"/>
+            </a:p>
+          </p:txBody>
+        </p:sp>
+        <p:sp>
+          <p:nvSpPr>
+            <p:cNvPr id="19" name="Rectangle 18">
+              <a:extLst>
+                <a:ext uri="{FF2B5EF4-FFF2-40B4-BE49-F238E27FC236}">
+                  <a16:creationId xmlns:a16="http://schemas.microsoft.com/office/drawing/2014/main" id="{94C5517B-1B0F-47AA-93A5-36718996986F}"/>
+                </a:ext>
+                <a:ext uri="{C183D7F6-B498-43B3-948B-1728B52AA6E4}">
+                  <adec:decorative xmlns:adec="http://schemas.microsoft.com/office/drawing/2017/decorative" val="1"/>
+                </a:ext>
+              </a:extLst>
+            </p:cNvPr>
+            <p:cNvSpPr>
+              <a:spLocks noChangeArrowheads="1"/>
+            </p:cNvSpPr>
+            <p:nvPr>
+              <p:extLst>
+                <p:ext uri="{386F3935-93C4-4BCD-93E2-E3B085C9AB24}">
+                  <p16:designElem xmlns:p16="http://schemas.microsoft.com/office/powerpoint/2015/main" val="1"/>
+                </p:ext>
+              </p:extLst>
+            </p:nvPr>
+          </p:nvSpPr>
+          <p:spPr bwMode="auto">
+            <a:xfrm>
+              <a:off x="644055" y="635715"/>
+              <a:ext cx="10907863" cy="1541457"/>
+            </a:xfrm>
+            <a:prstGeom prst="rect">
+              <a:avLst/>
+            </a:prstGeom>
+            <a:solidFill>
+              <a:schemeClr val="accent1"/>
+            </a:solidFill>
+            <a:ln>
+              <a:noFill/>
+            </a:ln>
+          </p:spPr>
+          <p:txBody>
+            <a:bodyPr vert="horz" wrap="square" lIns="91440" tIns="45720" rIns="91440" bIns="45720" numCol="1" anchor="t" anchorCtr="0" compatLnSpc="1">
+              <a:prstTxWarp prst="textNoShape">
+                <a:avLst/>
+              </a:prstTxWarp>
+            </a:bodyPr>
+            <a:lstStyle/>
+            <a:p>
+              <a:endParaRPr lang="en-US"/>
+            </a:p>
+          </p:txBody>
+        </p:sp>
+      </p:grpSp>
       <p:sp>
         <p:nvSpPr>
           <p:cNvPr id="2" name="Title 1">
@@ -6538,7 +10261,12 @@
             <p:ph type="title"/>
           </p:nvPr>
         </p:nvSpPr>
-        <p:spPr/>
+        <p:spPr>
+          <a:xfrm>
+            <a:off x="1047280" y="759805"/>
+            <a:ext cx="10306520" cy="1325563"/>
+          </a:xfrm>
+        </p:spPr>
         <p:txBody>
           <a:bodyPr>
             <a:normAutofit/>
@@ -6546,13 +10274,20 @@
           <a:lstStyle/>
           <a:p>
             <a:r>
-              <a:rPr lang="en-US" b="1" dirty="0">
+              <a:rPr lang="en-US" sz="4000" b="1">
+                <a:solidFill>
+                  <a:srgbClr val="FFFFFF"/>
+                </a:solidFill>
                 <a:latin typeface="Lucida Sans Unicode" panose="020B0602030504020204" pitchFamily="34" charset="0"/>
                 <a:ea typeface="Lucida Sans Unicode" panose="020B0602030504020204" pitchFamily="34" charset="0"/>
               </a:rPr>
               <a:t>Source of dataset </a:t>
             </a:r>
-            <a:endParaRPr lang="en-US" dirty="0"/>
+            <a:endParaRPr lang="en-US" sz="4000">
+              <a:solidFill>
+                <a:srgbClr val="FFFFFF"/>
+              </a:solidFill>
+            </a:endParaRPr>
           </a:p>
         </p:txBody>
       </p:sp>
@@ -6572,35 +10307,74 @@
             <p:ph idx="1"/>
           </p:nvPr>
         </p:nvSpPr>
-        <p:spPr/>
+        <p:spPr>
+          <a:xfrm>
+            <a:off x="1424904" y="2494450"/>
+            <a:ext cx="4053545" cy="3563159"/>
+          </a:xfrm>
+        </p:spPr>
         <p:txBody>
-          <a:bodyPr/>
+          <a:bodyPr>
+            <a:normAutofit/>
+          </a:bodyPr>
           <a:lstStyle/>
           <a:p>
             <a:r>
-              <a:rPr lang="en-US" sz="2000" dirty="0">
+              <a:rPr lang="en-US" sz="2400">
                 <a:latin typeface="Lucida Sans Unicode" panose="020B0602030504020204" pitchFamily="34" charset="0"/>
                 <a:ea typeface="Lucida Sans Unicode" panose="020B0602030504020204" pitchFamily="34" charset="0"/>
               </a:rPr>
-              <a:t>The dataset used for this project is the Chocolate Bar Ratings which is compiled by Brady </a:t>
+              <a:t>The dataset used for this project is the Chocolate Bar Ratings which is compiled by Brady Brelinski, Founding Member of the Manhattan Chocolate Society.</a:t>
             </a:r>
-            <a:r>
-              <a:rPr lang="en-US" sz="2000" dirty="0" err="1">
-                <a:latin typeface="Lucida Sans Unicode" panose="020B0602030504020204" pitchFamily="34" charset="0"/>
-                <a:ea typeface="Lucida Sans Unicode" panose="020B0602030504020204" pitchFamily="34" charset="0"/>
-              </a:rPr>
-              <a:t>Brelinski</a:t>
-            </a:r>
-            <a:r>
-              <a:rPr lang="en-US" sz="2000" dirty="0">
-                <a:latin typeface="Lucida Sans Unicode" panose="020B0602030504020204" pitchFamily="34" charset="0"/>
-                <a:ea typeface="Lucida Sans Unicode" panose="020B0602030504020204" pitchFamily="34" charset="0"/>
-              </a:rPr>
-              <a:t>, Founding Member of the Manhattan Chocolate Society.</a:t>
-            </a:r>
-          </a:p>
-          <a:p>
-            <a:endParaRPr lang="en-US" dirty="0"/>
+          </a:p>
+          <a:p>
+            <a:endParaRPr lang="en-US" sz="2400"/>
+          </a:p>
+        </p:txBody>
+      </p:sp>
+      <p:sp>
+        <p:nvSpPr>
+          <p:cNvPr id="7" name="Slide Number Placeholder 6">
+            <a:extLst>
+              <a:ext uri="{FF2B5EF4-FFF2-40B4-BE49-F238E27FC236}">
+                <a16:creationId xmlns:a16="http://schemas.microsoft.com/office/drawing/2014/main" id="{2534CF27-D5B4-4615-A3FD-4779BC12BC9A}"/>
+              </a:ext>
+            </a:extLst>
+          </p:cNvPr>
+          <p:cNvSpPr>
+            <a:spLocks noGrp="1"/>
+          </p:cNvSpPr>
+          <p:nvPr>
+            <p:ph type="sldNum" sz="quarter" idx="12"/>
+          </p:nvPr>
+        </p:nvSpPr>
+        <p:spPr>
+          <a:xfrm>
+            <a:off x="10707624" y="6382512"/>
+            <a:ext cx="685800" cy="320040"/>
+          </a:xfrm>
+        </p:spPr>
+        <p:txBody>
+          <a:bodyPr>
+            <a:normAutofit/>
+          </a:bodyPr>
+          <a:lstStyle/>
+          <a:p>
+            <a:pPr>
+              <a:spcAft>
+                <a:spcPts val="600"/>
+              </a:spcAft>
+            </a:pPr>
+            <a:fld id="{7FA81DE9-9325-4540-92B4-5A7DD3142AA3}" type="slidenum">
+              <a:rPr lang="en-US" sz="1000"/>
+              <a:pPr>
+                <a:spcAft>
+                  <a:spcPts val="600"/>
+                </a:spcAft>
+              </a:pPr>
+              <a:t>5</a:t>
+            </a:fld>
+            <a:endParaRPr lang="en-US" sz="1000"/>
           </a:p>
         </p:txBody>
       </p:sp>
@@ -6616,11 +10390,17 @@
           <p:cNvGraphicFramePr>
             <a:graphicFrameLocks noGrp="1"/>
           </p:cNvGraphicFramePr>
-          <p:nvPr/>
+          <p:nvPr>
+            <p:extLst>
+              <p:ext uri="{D42A27DB-BD31-4B8C-83A1-F6EECF244321}">
+                <p14:modId xmlns:p14="http://schemas.microsoft.com/office/powerpoint/2010/main" val="2944886018"/>
+              </p:ext>
+            </p:extLst>
+          </p:nvPr>
         </p:nvGraphicFramePr>
         <p:xfrm>
-          <a:off x="2300288" y="2822695"/>
-          <a:ext cx="7591425" cy="3703373"/>
+          <a:off x="6098892" y="2532315"/>
+          <a:ext cx="4802405" cy="3777365"/>
         </p:xfrm>
         <a:graphic>
           <a:graphicData uri="http://schemas.openxmlformats.org/drawingml/2006/table">
@@ -6629,14 +10409,14 @@
                 <a:tableStyleId>{5C22544A-7EE6-4342-B048-85BDC9FD1C3A}</a:tableStyleId>
               </a:tblPr>
               <a:tblGrid>
-                <a:gridCol w="2909888">
+                <a:gridCol w="1862419">
                   <a:extLst>
                     <a:ext uri="{9D8B030D-6E8A-4147-A177-3AD203B41FA5}">
                       <a16:colId xmlns:a16="http://schemas.microsoft.com/office/drawing/2014/main" val="3629929019"/>
                     </a:ext>
                   </a:extLst>
                 </a:gridCol>
-                <a:gridCol w="4681537">
+                <a:gridCol w="2939986">
                   <a:extLst>
                     <a:ext uri="{9D8B030D-6E8A-4147-A177-3AD203B41FA5}">
                       <a16:colId xmlns:a16="http://schemas.microsoft.com/office/drawing/2014/main" val="3875929911"/>
@@ -6644,7 +10424,7 @@
                   </a:extLst>
                 </a:gridCol>
               </a:tblGrid>
-              <a:tr h="315259">
+              <a:tr h="234366">
                 <a:tc>
                   <a:txBody>
                     <a:bodyPr/>
@@ -6659,12 +10439,12 @@
                         </a:spcAft>
                       </a:pPr>
                       <a:r>
-                        <a:rPr lang="en-US" sz="1400">
+                        <a:rPr lang="en-US" sz="1100">
                           <a:effectLst/>
                         </a:rPr>
                         <a:t>Column</a:t>
                       </a:r>
-                      <a:endParaRPr lang="en-US" sz="1400">
+                      <a:endParaRPr lang="en-US" sz="1100">
                         <a:effectLst/>
                         <a:latin typeface="Lucida Sans Unicode" panose="020B0602030504020204" pitchFamily="34" charset="0"/>
                         <a:ea typeface="Lucida Sans Unicode" panose="020B0602030504020204" pitchFamily="34" charset="0"/>
@@ -6672,7 +10452,7 @@
                       </a:endParaRPr>
                     </a:p>
                   </a:txBody>
-                  <a:tcPr marL="28575" marR="28575" marT="28575" marB="28575" anchor="ctr"/>
+                  <a:tcPr marL="21808" marR="21808" marT="21808" marB="21808" anchor="ctr"/>
                 </a:tc>
                 <a:tc>
                   <a:txBody>
@@ -6688,12 +10468,12 @@
                         </a:spcAft>
                       </a:pPr>
                       <a:r>
-                        <a:rPr lang="en-US" sz="1400">
+                        <a:rPr lang="en-US" sz="1100">
                           <a:effectLst/>
                         </a:rPr>
                         <a:t>Description</a:t>
                       </a:r>
-                      <a:endParaRPr lang="en-US" sz="1400">
+                      <a:endParaRPr lang="en-US" sz="1100">
                         <a:effectLst/>
                         <a:latin typeface="Lucida Sans Unicode" panose="020B0602030504020204" pitchFamily="34" charset="0"/>
                         <a:ea typeface="Lucida Sans Unicode" panose="020B0602030504020204" pitchFamily="34" charset="0"/>
@@ -6701,7 +10481,7 @@
                       </a:endParaRPr>
                     </a:p>
                   </a:txBody>
-                  <a:tcPr marL="28575" marR="28575" marT="28575" marB="28575" anchor="ctr"/>
+                  <a:tcPr marL="21808" marR="21808" marT="21808" marB="21808" anchor="ctr"/>
                 </a:tc>
                 <a:extLst>
                   <a:ext uri="{0D108BD9-81ED-4DB2-BD59-A6C34878D82A}">
@@ -6709,7 +10489,7 @@
                   </a:ext>
                 </a:extLst>
               </a:tr>
-              <a:tr h="315259">
+              <a:tr h="397200">
                 <a:tc>
                   <a:txBody>
                     <a:bodyPr/>
@@ -6724,12 +10504,12 @@
                         </a:spcAft>
                       </a:pPr>
                       <a:r>
-                        <a:rPr lang="en-US" sz="1400">
+                        <a:rPr lang="en-US" sz="1100">
                           <a:effectLst/>
                         </a:rPr>
                         <a:t>Company (Maker-if known)</a:t>
                       </a:r>
-                      <a:endParaRPr lang="en-US" sz="1400">
+                      <a:endParaRPr lang="en-US" sz="1100">
                         <a:effectLst/>
                         <a:latin typeface="Lucida Sans Unicode" panose="020B0602030504020204" pitchFamily="34" charset="0"/>
                         <a:ea typeface="Lucida Sans Unicode" panose="020B0602030504020204" pitchFamily="34" charset="0"/>
@@ -6737,7 +10517,7 @@
                       </a:endParaRPr>
                     </a:p>
                   </a:txBody>
-                  <a:tcPr marL="28575" marR="28575" marT="28575" marB="28575" anchor="ctr"/>
+                  <a:tcPr marL="21808" marR="21808" marT="21808" marB="21808" anchor="ctr"/>
                 </a:tc>
                 <a:tc>
                   <a:txBody>
@@ -6753,12 +10533,12 @@
                         </a:spcAft>
                       </a:pPr>
                       <a:r>
-                        <a:rPr lang="en-US" sz="1400" dirty="0">
+                        <a:rPr lang="en-US" sz="1100">
                           <a:effectLst/>
                         </a:rPr>
                         <a:t>Name of the company manufacturing the bar.</a:t>
                       </a:r>
-                      <a:endParaRPr lang="en-US" sz="1400" dirty="0">
+                      <a:endParaRPr lang="en-US" sz="1100">
                         <a:effectLst/>
                         <a:latin typeface="Lucida Sans Unicode" panose="020B0602030504020204" pitchFamily="34" charset="0"/>
                         <a:ea typeface="Lucida Sans Unicode" panose="020B0602030504020204" pitchFamily="34" charset="0"/>
@@ -6766,7 +10546,7 @@
                       </a:endParaRPr>
                     </a:p>
                   </a:txBody>
-                  <a:tcPr marL="28575" marR="28575" marT="28575" marB="28575" anchor="ctr"/>
+                  <a:tcPr marL="21808" marR="21808" marT="21808" marB="21808" anchor="ctr"/>
                 </a:tc>
                 <a:extLst>
                   <a:ext uri="{0D108BD9-81ED-4DB2-BD59-A6C34878D82A}">
@@ -6774,7 +10554,7 @@
                   </a:ext>
                 </a:extLst>
               </a:tr>
-              <a:tr h="393071">
+              <a:tr h="397200">
                 <a:tc>
                   <a:txBody>
                     <a:bodyPr/>
@@ -6789,12 +10569,12 @@
                         </a:spcAft>
                       </a:pPr>
                       <a:r>
-                        <a:rPr lang="en-US" sz="1400">
+                        <a:rPr lang="en-US" sz="1100">
                           <a:effectLst/>
                         </a:rPr>
                         <a:t>Specific Bean Originor Bar Name</a:t>
                       </a:r>
-                      <a:endParaRPr lang="en-US" sz="1400">
+                      <a:endParaRPr lang="en-US" sz="1100">
                         <a:effectLst/>
                         <a:latin typeface="Lucida Sans Unicode" panose="020B0602030504020204" pitchFamily="34" charset="0"/>
                         <a:ea typeface="Lucida Sans Unicode" panose="020B0602030504020204" pitchFamily="34" charset="0"/>
@@ -6802,7 +10582,7 @@
                       </a:endParaRPr>
                     </a:p>
                   </a:txBody>
-                  <a:tcPr marL="28575" marR="28575" marT="28575" marB="28575" anchor="ctr"/>
+                  <a:tcPr marL="21808" marR="21808" marT="21808" marB="21808" anchor="ctr"/>
                 </a:tc>
                 <a:tc>
                   <a:txBody>
@@ -6818,12 +10598,12 @@
                         </a:spcAft>
                       </a:pPr>
                       <a:r>
-                        <a:rPr lang="en-US" sz="1400">
+                        <a:rPr lang="en-US" sz="1100">
                           <a:effectLst/>
                         </a:rPr>
                         <a:t>The specific geo-region of origin for the bar.</a:t>
                       </a:r>
-                      <a:endParaRPr lang="en-US" sz="1400">
+                      <a:endParaRPr lang="en-US" sz="1100">
                         <a:effectLst/>
                         <a:latin typeface="Lucida Sans Unicode" panose="020B0602030504020204" pitchFamily="34" charset="0"/>
                         <a:ea typeface="Lucida Sans Unicode" panose="020B0602030504020204" pitchFamily="34" charset="0"/>
@@ -6831,7 +10611,7 @@
                       </a:endParaRPr>
                     </a:p>
                   </a:txBody>
-                  <a:tcPr marL="28575" marR="28575" marT="28575" marB="28575" anchor="ctr"/>
+                  <a:tcPr marL="21808" marR="21808" marT="21808" marB="21808" anchor="ctr"/>
                 </a:tc>
                 <a:extLst>
                   <a:ext uri="{0D108BD9-81ED-4DB2-BD59-A6C34878D82A}">
@@ -6839,7 +10619,7 @@
                   </a:ext>
                 </a:extLst>
               </a:tr>
-              <a:tr h="528820">
+              <a:tr h="560035">
                 <a:tc>
                   <a:txBody>
                     <a:bodyPr/>
@@ -6854,12 +10634,12 @@
                         </a:spcAft>
                       </a:pPr>
                       <a:r>
-                        <a:rPr lang="en-US" sz="1400">
+                        <a:rPr lang="en-US" sz="1100">
                           <a:effectLst/>
                         </a:rPr>
                         <a:t>REF</a:t>
                       </a:r>
-                      <a:endParaRPr lang="en-US" sz="1400">
+                      <a:endParaRPr lang="en-US" sz="1100">
                         <a:effectLst/>
                         <a:latin typeface="Lucida Sans Unicode" panose="020B0602030504020204" pitchFamily="34" charset="0"/>
                         <a:ea typeface="Lucida Sans Unicode" panose="020B0602030504020204" pitchFamily="34" charset="0"/>
@@ -6867,7 +10647,7 @@
                       </a:endParaRPr>
                     </a:p>
                   </a:txBody>
-                  <a:tcPr marL="28575" marR="28575" marT="28575" marB="28575" anchor="ctr"/>
+                  <a:tcPr marL="21808" marR="21808" marT="21808" marB="21808" anchor="ctr"/>
                 </a:tc>
                 <a:tc>
                   <a:txBody>
@@ -6883,12 +10663,12 @@
                         </a:spcAft>
                       </a:pPr>
                       <a:r>
-                        <a:rPr lang="en-US" sz="1400">
+                        <a:rPr lang="en-US" sz="1100">
                           <a:effectLst/>
                         </a:rPr>
                         <a:t>A value linked to when the review was entered in the database. Higher = more recent.</a:t>
                       </a:r>
-                      <a:endParaRPr lang="en-US" sz="1400">
+                      <a:endParaRPr lang="en-US" sz="1100">
                         <a:effectLst/>
                         <a:latin typeface="Lucida Sans Unicode" panose="020B0602030504020204" pitchFamily="34" charset="0"/>
                         <a:ea typeface="Lucida Sans Unicode" panose="020B0602030504020204" pitchFamily="34" charset="0"/>
@@ -6896,7 +10676,7 @@
                       </a:endParaRPr>
                     </a:p>
                   </a:txBody>
-                  <a:tcPr marL="28575" marR="28575" marT="28575" marB="28575" anchor="ctr"/>
+                  <a:tcPr marL="21808" marR="21808" marT="21808" marB="21808" anchor="ctr"/>
                 </a:tc>
                 <a:extLst>
                   <a:ext uri="{0D108BD9-81ED-4DB2-BD59-A6C34878D82A}">
@@ -6904,7 +10684,7 @@
                   </a:ext>
                 </a:extLst>
               </a:tr>
-              <a:tr h="315259">
+              <a:tr h="234366">
                 <a:tc>
                   <a:txBody>
                     <a:bodyPr/>
@@ -6919,12 +10699,12 @@
                         </a:spcAft>
                       </a:pPr>
                       <a:r>
-                        <a:rPr lang="en-US" sz="1400">
+                        <a:rPr lang="en-US" sz="1100">
                           <a:effectLst/>
                         </a:rPr>
                         <a:t>ReviewDate</a:t>
                       </a:r>
-                      <a:endParaRPr lang="en-US" sz="1400">
+                      <a:endParaRPr lang="en-US" sz="1100">
                         <a:effectLst/>
                         <a:latin typeface="Lucida Sans Unicode" panose="020B0602030504020204" pitchFamily="34" charset="0"/>
                         <a:ea typeface="Lucida Sans Unicode" panose="020B0602030504020204" pitchFamily="34" charset="0"/>
@@ -6932,7 +10712,7 @@
                       </a:endParaRPr>
                     </a:p>
                   </a:txBody>
-                  <a:tcPr marL="28575" marR="28575" marT="28575" marB="28575" anchor="ctr"/>
+                  <a:tcPr marL="21808" marR="21808" marT="21808" marB="21808" anchor="ctr"/>
                 </a:tc>
                 <a:tc>
                   <a:txBody>
@@ -6948,12 +10728,12 @@
                         </a:spcAft>
                       </a:pPr>
                       <a:r>
-                        <a:rPr lang="en-US" sz="1400" dirty="0">
+                        <a:rPr lang="en-US" sz="1100">
                           <a:effectLst/>
                         </a:rPr>
                         <a:t>Date of publication of the review.</a:t>
                       </a:r>
-                      <a:endParaRPr lang="en-US" sz="1400" dirty="0">
+                      <a:endParaRPr lang="en-US" sz="1100">
                         <a:effectLst/>
                         <a:latin typeface="Lucida Sans Unicode" panose="020B0602030504020204" pitchFamily="34" charset="0"/>
                         <a:ea typeface="Lucida Sans Unicode" panose="020B0602030504020204" pitchFamily="34" charset="0"/>
@@ -6961,7 +10741,7 @@
                       </a:endParaRPr>
                     </a:p>
                   </a:txBody>
-                  <a:tcPr marL="28575" marR="28575" marT="28575" marB="28575" anchor="ctr"/>
+                  <a:tcPr marL="21808" marR="21808" marT="21808" marB="21808" anchor="ctr"/>
                 </a:tc>
                 <a:extLst>
                   <a:ext uri="{0D108BD9-81ED-4DB2-BD59-A6C34878D82A}">
@@ -6969,7 +10749,7 @@
                   </a:ext>
                 </a:extLst>
               </a:tr>
-              <a:tr h="315259">
+              <a:tr h="397200">
                 <a:tc>
                   <a:txBody>
                     <a:bodyPr/>
@@ -6984,12 +10764,12 @@
                         </a:spcAft>
                       </a:pPr>
                       <a:r>
-                        <a:rPr lang="en-US" sz="1400">
+                        <a:rPr lang="en-US" sz="1100">
                           <a:effectLst/>
                         </a:rPr>
                         <a:t>CocoaPercent</a:t>
                       </a:r>
-                      <a:endParaRPr lang="en-US" sz="1400">
+                      <a:endParaRPr lang="en-US" sz="1100">
                         <a:effectLst/>
                         <a:latin typeface="Lucida Sans Unicode" panose="020B0602030504020204" pitchFamily="34" charset="0"/>
                         <a:ea typeface="Lucida Sans Unicode" panose="020B0602030504020204" pitchFamily="34" charset="0"/>
@@ -6997,7 +10777,7 @@
                       </a:endParaRPr>
                     </a:p>
                   </a:txBody>
-                  <a:tcPr marL="28575" marR="28575" marT="28575" marB="28575" anchor="ctr"/>
+                  <a:tcPr marL="21808" marR="21808" marT="21808" marB="21808" anchor="ctr"/>
                 </a:tc>
                 <a:tc>
                   <a:txBody>
@@ -7013,12 +10793,12 @@
                         </a:spcAft>
                       </a:pPr>
                       <a:r>
-                        <a:rPr lang="en-US" sz="1400">
+                        <a:rPr lang="en-US" sz="1100">
                           <a:effectLst/>
                         </a:rPr>
                         <a:t>Cocoa percentage (darkness) of the chocolate bar being reviewed.</a:t>
                       </a:r>
-                      <a:endParaRPr lang="en-US" sz="1400">
+                      <a:endParaRPr lang="en-US" sz="1100">
                         <a:effectLst/>
                         <a:latin typeface="Lucida Sans Unicode" panose="020B0602030504020204" pitchFamily="34" charset="0"/>
                         <a:ea typeface="Lucida Sans Unicode" panose="020B0602030504020204" pitchFamily="34" charset="0"/>
@@ -7026,7 +10806,7 @@
                       </a:endParaRPr>
                     </a:p>
                   </a:txBody>
-                  <a:tcPr marL="28575" marR="28575" marT="28575" marB="28575" anchor="ctr"/>
+                  <a:tcPr marL="21808" marR="21808" marT="21808" marB="21808" anchor="ctr"/>
                 </a:tc>
                 <a:extLst>
                   <a:ext uri="{0D108BD9-81ED-4DB2-BD59-A6C34878D82A}">
@@ -7034,7 +10814,7 @@
                   </a:ext>
                 </a:extLst>
               </a:tr>
-              <a:tr h="315259">
+              <a:tr h="234366">
                 <a:tc>
                   <a:txBody>
                     <a:bodyPr/>
@@ -7049,12 +10829,12 @@
                         </a:spcAft>
                       </a:pPr>
                       <a:r>
-                        <a:rPr lang="en-US" sz="1400">
+                        <a:rPr lang="en-US" sz="1100">
                           <a:effectLst/>
                         </a:rPr>
                         <a:t>CompanyLocation</a:t>
                       </a:r>
-                      <a:endParaRPr lang="en-US" sz="1400">
+                      <a:endParaRPr lang="en-US" sz="1100">
                         <a:effectLst/>
                         <a:latin typeface="Lucida Sans Unicode" panose="020B0602030504020204" pitchFamily="34" charset="0"/>
                         <a:ea typeface="Lucida Sans Unicode" panose="020B0602030504020204" pitchFamily="34" charset="0"/>
@@ -7062,7 +10842,7 @@
                       </a:endParaRPr>
                     </a:p>
                   </a:txBody>
-                  <a:tcPr marL="28575" marR="28575" marT="28575" marB="28575" anchor="ctr"/>
+                  <a:tcPr marL="21808" marR="21808" marT="21808" marB="21808" anchor="ctr"/>
                 </a:tc>
                 <a:tc>
                   <a:txBody>
@@ -7078,12 +10858,12 @@
                         </a:spcAft>
                       </a:pPr>
                       <a:r>
-                        <a:rPr lang="en-US" sz="1400">
+                        <a:rPr lang="en-US" sz="1100">
                           <a:effectLst/>
                         </a:rPr>
                         <a:t>Manufacturer base country.</a:t>
                       </a:r>
-                      <a:endParaRPr lang="en-US" sz="1400">
+                      <a:endParaRPr lang="en-US" sz="1100">
                         <a:effectLst/>
                         <a:latin typeface="Lucida Sans Unicode" panose="020B0602030504020204" pitchFamily="34" charset="0"/>
                         <a:ea typeface="Lucida Sans Unicode" panose="020B0602030504020204" pitchFamily="34" charset="0"/>
@@ -7091,7 +10871,7 @@
                       </a:endParaRPr>
                     </a:p>
                   </a:txBody>
-                  <a:tcPr marL="28575" marR="28575" marT="28575" marB="28575" anchor="ctr"/>
+                  <a:tcPr marL="21808" marR="21808" marT="21808" marB="21808" anchor="ctr"/>
                 </a:tc>
                 <a:extLst>
                   <a:ext uri="{0D108BD9-81ED-4DB2-BD59-A6C34878D82A}">
@@ -7099,7 +10879,7 @@
                   </a:ext>
                 </a:extLst>
               </a:tr>
-              <a:tr h="315259">
+              <a:tr h="234366">
                 <a:tc>
                   <a:txBody>
                     <a:bodyPr/>
@@ -7114,12 +10894,12 @@
                         </a:spcAft>
                       </a:pPr>
                       <a:r>
-                        <a:rPr lang="en-US" sz="1400">
+                        <a:rPr lang="en-US" sz="1100">
                           <a:effectLst/>
                         </a:rPr>
                         <a:t>Rating</a:t>
                       </a:r>
-                      <a:endParaRPr lang="en-US" sz="1400">
+                      <a:endParaRPr lang="en-US" sz="1100">
                         <a:effectLst/>
                         <a:latin typeface="Lucida Sans Unicode" panose="020B0602030504020204" pitchFamily="34" charset="0"/>
                         <a:ea typeface="Lucida Sans Unicode" panose="020B0602030504020204" pitchFamily="34" charset="0"/>
@@ -7127,7 +10907,7 @@
                       </a:endParaRPr>
                     </a:p>
                   </a:txBody>
-                  <a:tcPr marL="28575" marR="28575" marT="28575" marB="28575" anchor="ctr"/>
+                  <a:tcPr marL="21808" marR="21808" marT="21808" marB="21808" anchor="ctr"/>
                 </a:tc>
                 <a:tc>
                   <a:txBody>
@@ -7143,12 +10923,12 @@
                         </a:spcAft>
                       </a:pPr>
                       <a:r>
-                        <a:rPr lang="en-US" sz="1400">
+                        <a:rPr lang="en-US" sz="1100">
                           <a:effectLst/>
                         </a:rPr>
                         <a:t>Expert rating for the bar.</a:t>
                       </a:r>
-                      <a:endParaRPr lang="en-US" sz="1400">
+                      <a:endParaRPr lang="en-US" sz="1100">
                         <a:effectLst/>
                         <a:latin typeface="Lucida Sans Unicode" panose="020B0602030504020204" pitchFamily="34" charset="0"/>
                         <a:ea typeface="Lucida Sans Unicode" panose="020B0602030504020204" pitchFamily="34" charset="0"/>
@@ -7156,7 +10936,7 @@
                       </a:endParaRPr>
                     </a:p>
                   </a:txBody>
-                  <a:tcPr marL="28575" marR="28575" marT="28575" marB="28575" anchor="ctr"/>
+                  <a:tcPr marL="21808" marR="21808" marT="21808" marB="21808" anchor="ctr"/>
                 </a:tc>
                 <a:extLst>
                   <a:ext uri="{0D108BD9-81ED-4DB2-BD59-A6C34878D82A}">
@@ -7164,7 +10944,7 @@
                   </a:ext>
                 </a:extLst>
               </a:tr>
-              <a:tr h="315259">
+              <a:tr h="397200">
                 <a:tc>
                   <a:txBody>
                     <a:bodyPr/>
@@ -7179,12 +10959,12 @@
                         </a:spcAft>
                       </a:pPr>
                       <a:r>
-                        <a:rPr lang="en-US" sz="1400">
+                        <a:rPr lang="en-US" sz="1100">
                           <a:effectLst/>
                         </a:rPr>
                         <a:t>BeanType</a:t>
                       </a:r>
-                      <a:endParaRPr lang="en-US" sz="1400">
+                      <a:endParaRPr lang="en-US" sz="1100">
                         <a:effectLst/>
                         <a:latin typeface="Lucida Sans Unicode" panose="020B0602030504020204" pitchFamily="34" charset="0"/>
                         <a:ea typeface="Lucida Sans Unicode" panose="020B0602030504020204" pitchFamily="34" charset="0"/>
@@ -7192,7 +10972,7 @@
                       </a:endParaRPr>
                     </a:p>
                   </a:txBody>
-                  <a:tcPr marL="28575" marR="28575" marT="28575" marB="28575" anchor="ctr"/>
+                  <a:tcPr marL="21808" marR="21808" marT="21808" marB="21808" anchor="ctr"/>
                 </a:tc>
                 <a:tc>
                   <a:txBody>
@@ -7208,12 +10988,12 @@
                         </a:spcAft>
                       </a:pPr>
                       <a:r>
-                        <a:rPr lang="en-US" sz="1400">
+                        <a:rPr lang="en-US" sz="1100">
                           <a:effectLst/>
                         </a:rPr>
                         <a:t>The variety (breed) of bean used, if provided.</a:t>
                       </a:r>
-                      <a:endParaRPr lang="en-US" sz="1400">
+                      <a:endParaRPr lang="en-US" sz="1100">
                         <a:effectLst/>
                         <a:latin typeface="Lucida Sans Unicode" panose="020B0602030504020204" pitchFamily="34" charset="0"/>
                         <a:ea typeface="Lucida Sans Unicode" panose="020B0602030504020204" pitchFamily="34" charset="0"/>
@@ -7221,7 +11001,7 @@
                       </a:endParaRPr>
                     </a:p>
                   </a:txBody>
-                  <a:tcPr marL="28575" marR="28575" marT="28575" marB="28575" anchor="ctr"/>
+                  <a:tcPr marL="21808" marR="21808" marT="21808" marB="21808" anchor="ctr"/>
                 </a:tc>
                 <a:extLst>
                   <a:ext uri="{0D108BD9-81ED-4DB2-BD59-A6C34878D82A}">
@@ -7229,7 +11009,7 @@
                   </a:ext>
                 </a:extLst>
               </a:tr>
-              <a:tr h="315259">
+              <a:tr h="397200">
                 <a:tc>
                   <a:txBody>
                     <a:bodyPr/>
@@ -7244,12 +11024,12 @@
                         </a:spcAft>
                       </a:pPr>
                       <a:r>
-                        <a:rPr lang="en-US" sz="1400">
+                        <a:rPr lang="en-US" sz="1100">
                           <a:effectLst/>
                         </a:rPr>
                         <a:t>Broad BeanOrigin</a:t>
                       </a:r>
-                      <a:endParaRPr lang="en-US" sz="1400">
+                      <a:endParaRPr lang="en-US" sz="1100">
                         <a:effectLst/>
                         <a:latin typeface="Lucida Sans Unicode" panose="020B0602030504020204" pitchFamily="34" charset="0"/>
                         <a:ea typeface="Lucida Sans Unicode" panose="020B0602030504020204" pitchFamily="34" charset="0"/>
@@ -7257,7 +11037,7 @@
                       </a:endParaRPr>
                     </a:p>
                   </a:txBody>
-                  <a:tcPr marL="28575" marR="28575" marT="28575" marB="28575" anchor="ctr"/>
+                  <a:tcPr marL="21808" marR="21808" marT="21808" marB="21808" anchor="ctr"/>
                 </a:tc>
                 <a:tc>
                   <a:txBody>
@@ -7273,12 +11053,12 @@
                         </a:spcAft>
                       </a:pPr>
                       <a:r>
-                        <a:rPr lang="en-US" sz="1400" dirty="0">
+                        <a:rPr lang="en-US" sz="1100">
                           <a:effectLst/>
                         </a:rPr>
                         <a:t>The broad geo-region of origin for the bean.</a:t>
                       </a:r>
-                      <a:endParaRPr lang="en-US" sz="1400" dirty="0">
+                      <a:endParaRPr lang="en-US" sz="1100">
                         <a:effectLst/>
                         <a:latin typeface="Lucida Sans Unicode" panose="020B0602030504020204" pitchFamily="34" charset="0"/>
                         <a:ea typeface="Lucida Sans Unicode" panose="020B0602030504020204" pitchFamily="34" charset="0"/>
@@ -7286,7 +11066,7 @@
                       </a:endParaRPr>
                     </a:p>
                   </a:txBody>
-                  <a:tcPr marL="28575" marR="28575" marT="28575" marB="28575" anchor="ctr"/>
+                  <a:tcPr marL="21808" marR="21808" marT="21808" marB="21808" anchor="ctr"/>
                 </a:tc>
                 <a:extLst>
                   <a:ext uri="{0D108BD9-81ED-4DB2-BD59-A6C34878D82A}">
@@ -7298,35 +11078,6 @@
           </a:graphicData>
         </a:graphic>
       </p:graphicFrame>
-      <p:sp>
-        <p:nvSpPr>
-          <p:cNvPr id="7" name="Slide Number Placeholder 6">
-            <a:extLst>
-              <a:ext uri="{FF2B5EF4-FFF2-40B4-BE49-F238E27FC236}">
-                <a16:creationId xmlns:a16="http://schemas.microsoft.com/office/drawing/2014/main" id="{2534CF27-D5B4-4615-A3FD-4779BC12BC9A}"/>
-              </a:ext>
-            </a:extLst>
-          </p:cNvPr>
-          <p:cNvSpPr>
-            <a:spLocks noGrp="1"/>
-          </p:cNvSpPr>
-          <p:nvPr>
-            <p:ph type="sldNum" sz="quarter" idx="12"/>
-          </p:nvPr>
-        </p:nvSpPr>
-        <p:spPr/>
-        <p:txBody>
-          <a:bodyPr/>
-          <a:lstStyle/>
-          <a:p>
-            <a:fld id="{7FA81DE9-9325-4540-92B4-5A7DD3142AA3}" type="slidenum">
-              <a:rPr lang="en-US" smtClean="0"/>
-              <a:t>5</a:t>
-            </a:fld>
-            <a:endParaRPr lang="en-US"/>
-          </a:p>
-        </p:txBody>
-      </p:sp>
     </p:spTree>
     <p:extLst>
       <p:ext uri="{BB962C8B-B14F-4D97-AF65-F5344CB8AC3E}">
@@ -7343,6 +11094,14 @@
 <file path=ppt/slides/slide6.xml><?xml version="1.0" encoding="utf-8"?>
 <p:sld xmlns:a="http://schemas.openxmlformats.org/drawingml/2006/main" xmlns:r="http://schemas.openxmlformats.org/officeDocument/2006/relationships" xmlns:p="http://schemas.openxmlformats.org/presentationml/2006/main">
   <p:cSld>
+    <p:bg>
+      <p:bgPr>
+        <a:solidFill>
+          <a:schemeClr val="bg1"/>
+        </a:solidFill>
+        <a:effectLst/>
+      </p:bgPr>
+    </p:bg>
     <p:spTree>
       <p:nvGrpSpPr>
         <p:cNvPr id="1" name=""/>
@@ -7357,6 +11116,354 @@
           <a:chExt cx="0" cy="0"/>
         </a:xfrm>
       </p:grpSpPr>
+      <p:sp useBgFill="1">
+        <p:nvSpPr>
+          <p:cNvPr id="9" name="Rectangle 8">
+            <a:extLst>
+              <a:ext uri="{FF2B5EF4-FFF2-40B4-BE49-F238E27FC236}">
+                <a16:creationId xmlns:a16="http://schemas.microsoft.com/office/drawing/2014/main" id="{6A1473A6-3F22-483E-8A30-80B9D2B14592}"/>
+              </a:ext>
+              <a:ext uri="{C183D7F6-B498-43B3-948B-1728B52AA6E4}">
+                <adec:decorative xmlns:adec="http://schemas.microsoft.com/office/drawing/2017/decorative" val="1"/>
+              </a:ext>
+            </a:extLst>
+          </p:cNvPr>
+          <p:cNvSpPr>
+            <a:spLocks noGrp="1" noRot="1" noChangeAspect="1" noMove="1" noResize="1" noEditPoints="1" noAdjustHandles="1" noChangeArrowheads="1" noChangeShapeType="1" noTextEdit="1"/>
+          </p:cNvSpPr>
+          <p:nvPr>
+            <p:extLst>
+              <p:ext uri="{386F3935-93C4-4BCD-93E2-E3B085C9AB24}">
+                <p16:designElem xmlns:p16="http://schemas.microsoft.com/office/powerpoint/2015/main" val="1"/>
+              </p:ext>
+            </p:extLst>
+          </p:nvPr>
+        </p:nvSpPr>
+        <p:spPr>
+          <a:xfrm>
+            <a:off x="0" y="0"/>
+            <a:ext cx="12188952" cy="6858000"/>
+          </a:xfrm>
+          <a:prstGeom prst="rect">
+            <a:avLst/>
+          </a:prstGeom>
+          <a:ln>
+            <a:noFill/>
+          </a:ln>
+        </p:spPr>
+        <p:style>
+          <a:lnRef idx="2">
+            <a:schemeClr val="accent1">
+              <a:shade val="50000"/>
+            </a:schemeClr>
+          </a:lnRef>
+          <a:fillRef idx="1">
+            <a:schemeClr val="accent1"/>
+          </a:fillRef>
+          <a:effectRef idx="0">
+            <a:schemeClr val="accent1"/>
+          </a:effectRef>
+          <a:fontRef idx="minor">
+            <a:schemeClr val="lt1"/>
+          </a:fontRef>
+        </p:style>
+        <p:txBody>
+          <a:bodyPr rtlCol="0" anchor="ctr"/>
+          <a:lstStyle/>
+          <a:p>
+            <a:pPr algn="ctr"/>
+            <a:endParaRPr lang="en-US" dirty="0"/>
+          </a:p>
+        </p:txBody>
+      </p:sp>
+      <p:grpSp>
+        <p:nvGrpSpPr>
+          <p:cNvPr id="11" name="Group 10">
+            <a:extLst>
+              <a:ext uri="{FF2B5EF4-FFF2-40B4-BE49-F238E27FC236}">
+                <a16:creationId xmlns:a16="http://schemas.microsoft.com/office/drawing/2014/main" id="{AA1375E3-3E53-4D75-BAB7-E5929BFCB25F}"/>
+              </a:ext>
+              <a:ext uri="{C183D7F6-B498-43B3-948B-1728B52AA6E4}">
+                <adec:decorative xmlns:adec="http://schemas.microsoft.com/office/drawing/2017/decorative" val="1"/>
+              </a:ext>
+            </a:extLst>
+          </p:cNvPr>
+          <p:cNvGrpSpPr>
+            <a:grpSpLocks noGrp="1" noUngrp="1" noRot="1" noChangeAspect="1" noMove="1" noResize="1"/>
+          </p:cNvGrpSpPr>
+          <p:nvPr>
+            <p:extLst>
+              <p:ext uri="{386F3935-93C4-4BCD-93E2-E3B085C9AB24}">
+                <p16:designElem xmlns:p16="http://schemas.microsoft.com/office/powerpoint/2015/main" val="1"/>
+              </p:ext>
+            </p:extLst>
+          </p:nvPr>
+        </p:nvGrpSpPr>
+        <p:grpSpPr>
+          <a:xfrm flipH="1">
+            <a:off x="534368" y="563918"/>
+            <a:ext cx="4119932" cy="5978614"/>
+            <a:chOff x="7513372" y="803186"/>
+            <a:chExt cx="4163968" cy="5978614"/>
+          </a:xfrm>
+        </p:grpSpPr>
+        <p:sp>
+          <p:nvSpPr>
+            <p:cNvPr id="12" name="Freeform 6">
+              <a:extLst>
+                <a:ext uri="{FF2B5EF4-FFF2-40B4-BE49-F238E27FC236}">
+                  <a16:creationId xmlns:a16="http://schemas.microsoft.com/office/drawing/2014/main" id="{0BBEEF67-3DDF-46CF-8CD5-EA5F0E4FB07D}"/>
+                </a:ext>
+                <a:ext uri="{C183D7F6-B498-43B3-948B-1728B52AA6E4}">
+                  <adec:decorative xmlns:adec="http://schemas.microsoft.com/office/drawing/2017/decorative" val="1"/>
+                </a:ext>
+              </a:extLst>
+            </p:cNvPr>
+            <p:cNvSpPr>
+              <a:spLocks/>
+            </p:cNvSpPr>
+            <p:nvPr>
+              <p:extLst>
+                <p:ext uri="{386F3935-93C4-4BCD-93E2-E3B085C9AB24}">
+                  <p16:designElem xmlns:p16="http://schemas.microsoft.com/office/powerpoint/2015/main" val="1"/>
+                </p:ext>
+              </p:extLst>
+            </p:nvPr>
+          </p:nvSpPr>
+          <p:spPr bwMode="auto">
+            <a:xfrm>
+              <a:off x="10989586" y="1070835"/>
+              <a:ext cx="687754" cy="5710965"/>
+            </a:xfrm>
+            <a:custGeom>
+              <a:avLst/>
+              <a:gdLst>
+                <a:gd name="T0" fmla="*/ 414 w 414"/>
+                <a:gd name="T1" fmla="*/ 2447 h 2447"/>
+                <a:gd name="T2" fmla="*/ 0 w 414"/>
+                <a:gd name="T3" fmla="*/ 2247 h 2447"/>
+                <a:gd name="T4" fmla="*/ 0 w 414"/>
+                <a:gd name="T5" fmla="*/ 0 h 2447"/>
+                <a:gd name="T6" fmla="*/ 414 w 414"/>
+                <a:gd name="T7" fmla="*/ 200 h 2447"/>
+                <a:gd name="T8" fmla="*/ 414 w 414"/>
+                <a:gd name="T9" fmla="*/ 2447 h 2447"/>
+              </a:gdLst>
+              <a:ahLst/>
+              <a:cxnLst>
+                <a:cxn ang="0">
+                  <a:pos x="T0" y="T1"/>
+                </a:cxn>
+                <a:cxn ang="0">
+                  <a:pos x="T2" y="T3"/>
+                </a:cxn>
+                <a:cxn ang="0">
+                  <a:pos x="T4" y="T5"/>
+                </a:cxn>
+                <a:cxn ang="0">
+                  <a:pos x="T6" y="T7"/>
+                </a:cxn>
+                <a:cxn ang="0">
+                  <a:pos x="T8" y="T9"/>
+                </a:cxn>
+              </a:cxnLst>
+              <a:rect l="0" t="0" r="r" b="b"/>
+              <a:pathLst>
+                <a:path w="414" h="2447">
+                  <a:moveTo>
+                    <a:pt x="414" y="2447"/>
+                  </a:moveTo>
+                  <a:lnTo>
+                    <a:pt x="0" y="2247"/>
+                  </a:lnTo>
+                  <a:lnTo>
+                    <a:pt x="0" y="0"/>
+                  </a:lnTo>
+                  <a:lnTo>
+                    <a:pt x="414" y="200"/>
+                  </a:lnTo>
+                  <a:lnTo>
+                    <a:pt x="414" y="2447"/>
+                  </a:lnTo>
+                  <a:close/>
+                </a:path>
+              </a:pathLst>
+            </a:custGeom>
+            <a:solidFill>
+              <a:schemeClr val="accent1">
+                <a:lumMod val="75000"/>
+              </a:schemeClr>
+            </a:solidFill>
+            <a:ln>
+              <a:noFill/>
+            </a:ln>
+          </p:spPr>
+          <p:txBody>
+            <a:bodyPr vert="horz" wrap="square" lIns="91440" tIns="45720" rIns="91440" bIns="45720" numCol="1" anchor="t" anchorCtr="0" compatLnSpc="1">
+              <a:prstTxWarp prst="textNoShape">
+                <a:avLst/>
+              </a:prstTxWarp>
+            </a:bodyPr>
+            <a:lstStyle/>
+            <a:p>
+              <a:endParaRPr lang="en-US"/>
+            </a:p>
+          </p:txBody>
+        </p:sp>
+        <p:sp>
+          <p:nvSpPr>
+            <p:cNvPr id="13" name="Freeform 7">
+              <a:extLst>
+                <a:ext uri="{FF2B5EF4-FFF2-40B4-BE49-F238E27FC236}">
+                  <a16:creationId xmlns:a16="http://schemas.microsoft.com/office/drawing/2014/main" id="{8FAC1C95-F817-487C-B8B2-CF141FBB1C2E}"/>
+                </a:ext>
+                <a:ext uri="{C183D7F6-B498-43B3-948B-1728B52AA6E4}">
+                  <adec:decorative xmlns:adec="http://schemas.microsoft.com/office/drawing/2017/decorative" val="1"/>
+                </a:ext>
+              </a:extLst>
+            </p:cNvPr>
+            <p:cNvSpPr>
+              <a:spLocks/>
+            </p:cNvSpPr>
+            <p:nvPr>
+              <p:extLst>
+                <p:ext uri="{386F3935-93C4-4BCD-93E2-E3B085C9AB24}">
+                  <p16:designElem xmlns:p16="http://schemas.microsoft.com/office/powerpoint/2015/main" val="1"/>
+                </p:ext>
+              </p:extLst>
+            </p:nvPr>
+          </p:nvSpPr>
+          <p:spPr bwMode="auto">
+            <a:xfrm>
+              <a:off x="10988949" y="803186"/>
+              <a:ext cx="409371" cy="5521414"/>
+            </a:xfrm>
+            <a:custGeom>
+              <a:avLst/>
+              <a:gdLst>
+                <a:gd name="T0" fmla="*/ 209 w 209"/>
+                <a:gd name="T1" fmla="*/ 2246 h 2358"/>
+                <a:gd name="T2" fmla="*/ 0 w 209"/>
+                <a:gd name="T3" fmla="*/ 2358 h 2358"/>
+                <a:gd name="T4" fmla="*/ 0 w 209"/>
+                <a:gd name="T5" fmla="*/ 111 h 2358"/>
+                <a:gd name="T6" fmla="*/ 209 w 209"/>
+                <a:gd name="T7" fmla="*/ 0 h 2358"/>
+                <a:gd name="T8" fmla="*/ 209 w 209"/>
+                <a:gd name="T9" fmla="*/ 2246 h 2358"/>
+              </a:gdLst>
+              <a:ahLst/>
+              <a:cxnLst>
+                <a:cxn ang="0">
+                  <a:pos x="T0" y="T1"/>
+                </a:cxn>
+                <a:cxn ang="0">
+                  <a:pos x="T2" y="T3"/>
+                </a:cxn>
+                <a:cxn ang="0">
+                  <a:pos x="T4" y="T5"/>
+                </a:cxn>
+                <a:cxn ang="0">
+                  <a:pos x="T6" y="T7"/>
+                </a:cxn>
+                <a:cxn ang="0">
+                  <a:pos x="T8" y="T9"/>
+                </a:cxn>
+              </a:cxnLst>
+              <a:rect l="0" t="0" r="r" b="b"/>
+              <a:pathLst>
+                <a:path w="209" h="2358">
+                  <a:moveTo>
+                    <a:pt x="209" y="2246"/>
+                  </a:moveTo>
+                  <a:lnTo>
+                    <a:pt x="0" y="2358"/>
+                  </a:lnTo>
+                  <a:lnTo>
+                    <a:pt x="0" y="111"/>
+                  </a:lnTo>
+                  <a:lnTo>
+                    <a:pt x="209" y="0"/>
+                  </a:lnTo>
+                  <a:lnTo>
+                    <a:pt x="209" y="2246"/>
+                  </a:lnTo>
+                  <a:close/>
+                </a:path>
+              </a:pathLst>
+            </a:custGeom>
+            <a:solidFill>
+              <a:schemeClr val="accent1">
+                <a:lumMod val="50000"/>
+              </a:schemeClr>
+            </a:solidFill>
+            <a:ln>
+              <a:noFill/>
+            </a:ln>
+          </p:spPr>
+          <p:txBody>
+            <a:bodyPr vert="horz" wrap="square" lIns="91440" tIns="45720" rIns="91440" bIns="45720" numCol="1" anchor="t" anchorCtr="0" compatLnSpc="1">
+              <a:prstTxWarp prst="textNoShape">
+                <a:avLst/>
+              </a:prstTxWarp>
+            </a:bodyPr>
+            <a:lstStyle/>
+            <a:p>
+              <a:endParaRPr lang="en-US"/>
+            </a:p>
+          </p:txBody>
+        </p:sp>
+        <p:sp>
+          <p:nvSpPr>
+            <p:cNvPr id="14" name="Rectangle 8">
+              <a:extLst>
+                <a:ext uri="{FF2B5EF4-FFF2-40B4-BE49-F238E27FC236}">
+                  <a16:creationId xmlns:a16="http://schemas.microsoft.com/office/drawing/2014/main" id="{C2C5363A-D941-4AA1-8D38-D7E44A1E2E01}"/>
+                </a:ext>
+                <a:ext uri="{C183D7F6-B498-43B3-948B-1728B52AA6E4}">
+                  <adec:decorative xmlns:adec="http://schemas.microsoft.com/office/drawing/2017/decorative" val="1"/>
+                </a:ext>
+              </a:extLst>
+            </p:cNvPr>
+            <p:cNvSpPr>
+              <a:spLocks noChangeArrowheads="1"/>
+            </p:cNvSpPr>
+            <p:nvPr>
+              <p:extLst>
+                <p:ext uri="{386F3935-93C4-4BCD-93E2-E3B085C9AB24}">
+                  <p16:designElem xmlns:p16="http://schemas.microsoft.com/office/powerpoint/2015/main" val="1"/>
+                </p:ext>
+              </p:extLst>
+            </p:nvPr>
+          </p:nvSpPr>
+          <p:spPr bwMode="auto">
+            <a:xfrm>
+              <a:off x="7513372" y="804101"/>
+              <a:ext cx="3880238" cy="5251646"/>
+            </a:xfrm>
+            <a:prstGeom prst="rect">
+              <a:avLst/>
+            </a:prstGeom>
+            <a:solidFill>
+              <a:schemeClr val="accent1"/>
+            </a:solidFill>
+            <a:ln>
+              <a:noFill/>
+            </a:ln>
+          </p:spPr>
+          <p:txBody>
+            <a:bodyPr vert="horz" wrap="square" lIns="91440" tIns="45720" rIns="91440" bIns="45720" numCol="1" anchor="t" anchorCtr="0" compatLnSpc="1">
+              <a:prstTxWarp prst="textNoShape">
+                <a:avLst/>
+              </a:prstTxWarp>
+            </a:bodyPr>
+            <a:lstStyle/>
+            <a:p>
+              <a:endParaRPr lang="en-US"/>
+            </a:p>
+          </p:txBody>
+        </p:sp>
+      </p:grpSp>
       <p:sp>
         <p:nvSpPr>
           <p:cNvPr id="2" name="Title 1">
@@ -7373,7 +11480,12 @@
             <p:ph type="title"/>
           </p:nvPr>
         </p:nvSpPr>
-        <p:spPr/>
+        <p:spPr>
+          <a:xfrm>
+            <a:off x="1098468" y="885651"/>
+            <a:ext cx="3229803" cy="4624603"/>
+          </a:xfrm>
+        </p:spPr>
         <p:txBody>
           <a:bodyPr>
             <a:normAutofit/>
@@ -7381,13 +11493,20 @@
           <a:lstStyle/>
           <a:p>
             <a:r>
-              <a:rPr lang="en-US" b="1" dirty="0">
+              <a:rPr lang="en-US" b="1">
+                <a:solidFill>
+                  <a:srgbClr val="FFFFFF"/>
+                </a:solidFill>
                 <a:latin typeface="Lucida Sans Unicode" panose="020B0602030504020204" pitchFamily="34" charset="0"/>
                 <a:ea typeface="Lucida Sans Unicode" panose="020B0602030504020204" pitchFamily="34" charset="0"/>
               </a:rPr>
               <a:t>Hypothesis</a:t>
             </a:r>
-            <a:endParaRPr lang="en-US" dirty="0"/>
+            <a:endParaRPr lang="en-US">
+              <a:solidFill>
+                <a:srgbClr val="FFFFFF"/>
+              </a:solidFill>
+            </a:endParaRPr>
           </a:p>
         </p:txBody>
       </p:sp>
@@ -7407,22 +11526,27 @@
             <p:ph idx="1"/>
           </p:nvPr>
         </p:nvSpPr>
-        <p:spPr/>
+        <p:spPr>
+          <a:xfrm>
+            <a:off x="4978708" y="885651"/>
+            <a:ext cx="6525220" cy="4616849"/>
+          </a:xfrm>
+        </p:spPr>
         <p:txBody>
-          <a:bodyPr>
+          <a:bodyPr anchor="ctr">
             <a:normAutofit/>
           </a:bodyPr>
           <a:lstStyle/>
           <a:p>
             <a:r>
-              <a:rPr lang="en-US" dirty="0">
+              <a:rPr lang="en-US" sz="2400" dirty="0">
                 <a:latin typeface="Lucida Sans Unicode" panose="020B0602030504020204" pitchFamily="34" charset="0"/>
                 <a:ea typeface="Lucida Sans Unicode" panose="020B0602030504020204" pitchFamily="34" charset="0"/>
                 <a:cs typeface="Georgia" panose="02040502050405020303" pitchFamily="18" charset="0"/>
               </a:rPr>
               <a:t>Over time, there has been a correlation between cocoa ratings and the proportion of cocoa in a chocolate bar, as the quality of cocoa beans and chocolate bars has improved.</a:t>
             </a:r>
-            <a:endParaRPr lang="en-US" dirty="0">
+            <a:endParaRPr lang="en-US" sz="2400" dirty="0">
               <a:latin typeface="Georgia" panose="02040502050405020303" pitchFamily="18" charset="0"/>
               <a:ea typeface="Georgia" panose="02040502050405020303" pitchFamily="18" charset="0"/>
               <a:cs typeface="Georgia" panose="02040502050405020303" pitchFamily="18" charset="0"/>
@@ -7432,7 +11556,7 @@
             <a:pPr marL="0" indent="0">
               <a:buNone/>
             </a:pPr>
-            <a:endParaRPr lang="en-US" dirty="0"/>
+            <a:endParaRPr lang="en-US" sz="2400" dirty="0"/>
           </a:p>
         </p:txBody>
       </p:sp>
@@ -7452,16 +11576,33 @@
             <p:ph type="sldNum" sz="quarter" idx="12"/>
           </p:nvPr>
         </p:nvSpPr>
-        <p:spPr/>
+        <p:spPr>
+          <a:xfrm>
+            <a:off x="10707624" y="6382512"/>
+            <a:ext cx="685800" cy="320040"/>
+          </a:xfrm>
+        </p:spPr>
         <p:txBody>
-          <a:bodyPr/>
+          <a:bodyPr>
+            <a:normAutofit/>
+          </a:bodyPr>
           <a:lstStyle/>
           <a:p>
+            <a:pPr>
+              <a:spcAft>
+                <a:spcPts val="600"/>
+              </a:spcAft>
+            </a:pPr>
             <a:fld id="{7FA81DE9-9325-4540-92B4-5A7DD3142AA3}" type="slidenum">
-              <a:rPr lang="en-US" smtClean="0"/>
+              <a:rPr lang="en-US" sz="1000"/>
+              <a:pPr>
+                <a:spcAft>
+                  <a:spcPts val="600"/>
+                </a:spcAft>
+              </a:pPr>
               <a:t>6</a:t>
             </a:fld>
-            <a:endParaRPr lang="en-US"/>
+            <a:endParaRPr lang="en-US" sz="1000"/>
           </a:p>
         </p:txBody>
       </p:sp>
@@ -7481,6 +11622,824 @@
 <file path=ppt/slides/slide7.xml><?xml version="1.0" encoding="utf-8"?>
 <p:sld xmlns:a="http://schemas.openxmlformats.org/drawingml/2006/main" xmlns:r="http://schemas.openxmlformats.org/officeDocument/2006/relationships" xmlns:p="http://schemas.openxmlformats.org/presentationml/2006/main">
   <p:cSld>
+    <p:bg>
+      <p:bgPr>
+        <a:solidFill>
+          <a:schemeClr val="bg1"/>
+        </a:solidFill>
+        <a:effectLst/>
+      </p:bgPr>
+    </p:bg>
+    <p:spTree>
+      <p:nvGrpSpPr>
+        <p:cNvPr id="1" name=""/>
+        <p:cNvGrpSpPr/>
+        <p:nvPr/>
+      </p:nvGrpSpPr>
+      <p:grpSpPr>
+        <a:xfrm>
+          <a:off x="0" y="0"/>
+          <a:ext cx="0" cy="0"/>
+          <a:chOff x="0" y="0"/>
+          <a:chExt cx="0" cy="0"/>
+        </a:xfrm>
+      </p:grpSpPr>
+      <p:sp useBgFill="1">
+        <p:nvSpPr>
+          <p:cNvPr id="8" name="Rectangle 7">
+            <a:extLst>
+              <a:ext uri="{FF2B5EF4-FFF2-40B4-BE49-F238E27FC236}">
+                <a16:creationId xmlns:a16="http://schemas.microsoft.com/office/drawing/2014/main" id="{827B839B-9ADE-406B-8590-F1CAEDED45A1}"/>
+              </a:ext>
+              <a:ext uri="{C183D7F6-B498-43B3-948B-1728B52AA6E4}">
+                <adec:decorative xmlns:adec="http://schemas.microsoft.com/office/drawing/2017/decorative" val="1"/>
+              </a:ext>
+            </a:extLst>
+          </p:cNvPr>
+          <p:cNvSpPr>
+            <a:spLocks noGrp="1" noRot="1" noChangeAspect="1" noMove="1" noResize="1" noEditPoints="1" noAdjustHandles="1" noChangeArrowheads="1" noChangeShapeType="1" noTextEdit="1"/>
+          </p:cNvSpPr>
+          <p:nvPr>
+            <p:extLst>
+              <p:ext uri="{386F3935-93C4-4BCD-93E2-E3B085C9AB24}">
+                <p16:designElem xmlns:p16="http://schemas.microsoft.com/office/powerpoint/2015/main" val="1"/>
+              </p:ext>
+            </p:extLst>
+          </p:nvPr>
+        </p:nvSpPr>
+        <p:spPr>
+          <a:xfrm>
+            <a:off x="0" y="0"/>
+            <a:ext cx="12188952" cy="6858000"/>
+          </a:xfrm>
+          <a:prstGeom prst="rect">
+            <a:avLst/>
+          </a:prstGeom>
+          <a:ln>
+            <a:noFill/>
+          </a:ln>
+        </p:spPr>
+        <p:style>
+          <a:lnRef idx="2">
+            <a:schemeClr val="accent1">
+              <a:shade val="50000"/>
+            </a:schemeClr>
+          </a:lnRef>
+          <a:fillRef idx="1">
+            <a:schemeClr val="accent1"/>
+          </a:fillRef>
+          <a:effectRef idx="0">
+            <a:schemeClr val="accent1"/>
+          </a:effectRef>
+          <a:fontRef idx="minor">
+            <a:schemeClr val="lt1"/>
+          </a:fontRef>
+        </p:style>
+        <p:txBody>
+          <a:bodyPr rtlCol="0" anchor="ctr"/>
+          <a:lstStyle/>
+          <a:p>
+            <a:pPr algn="ctr"/>
+            <a:endParaRPr lang="en-US"/>
+          </a:p>
+        </p:txBody>
+      </p:sp>
+      <p:sp>
+        <p:nvSpPr>
+          <p:cNvPr id="10" name="Freeform 45">
+            <a:extLst>
+              <a:ext uri="{FF2B5EF4-FFF2-40B4-BE49-F238E27FC236}">
+                <a16:creationId xmlns:a16="http://schemas.microsoft.com/office/drawing/2014/main" id="{CFE45BF0-46DB-408C-B5F7-7B11716805D4}"/>
+              </a:ext>
+              <a:ext uri="{C183D7F6-B498-43B3-948B-1728B52AA6E4}">
+                <adec:decorative xmlns:adec="http://schemas.microsoft.com/office/drawing/2017/decorative" val="1"/>
+              </a:ext>
+            </a:extLst>
+          </p:cNvPr>
+          <p:cNvSpPr>
+            <a:spLocks noGrp="1" noRot="1" noChangeAspect="1" noMove="1" noResize="1" noEditPoints="1" noAdjustHandles="1" noChangeArrowheads="1" noChangeShapeType="1" noTextEdit="1"/>
+          </p:cNvSpPr>
+          <p:nvPr>
+            <p:extLst>
+              <p:ext uri="{386F3935-93C4-4BCD-93E2-E3B085C9AB24}">
+                <p16:designElem xmlns:p16="http://schemas.microsoft.com/office/powerpoint/2015/main" val="1"/>
+              </p:ext>
+            </p:extLst>
+          </p:nvPr>
+        </p:nvSpPr>
+        <p:spPr bwMode="auto">
+          <a:xfrm>
+            <a:off x="409710" y="1022350"/>
+            <a:ext cx="709612" cy="2095501"/>
+          </a:xfrm>
+          <a:custGeom>
+            <a:avLst/>
+            <a:gdLst>
+              <a:gd name="T0" fmla="*/ 447 w 447"/>
+              <a:gd name="T1" fmla="*/ 1363 h 1363"/>
+              <a:gd name="T2" fmla="*/ 0 w 447"/>
+              <a:gd name="T3" fmla="*/ 987 h 1363"/>
+              <a:gd name="T4" fmla="*/ 0 w 447"/>
+              <a:gd name="T5" fmla="*/ 0 h 1363"/>
+              <a:gd name="T6" fmla="*/ 447 w 447"/>
+              <a:gd name="T7" fmla="*/ 376 h 1363"/>
+              <a:gd name="T8" fmla="*/ 447 w 447"/>
+              <a:gd name="T9" fmla="*/ 1363 h 1363"/>
+            </a:gdLst>
+            <a:ahLst/>
+            <a:cxnLst>
+              <a:cxn ang="0">
+                <a:pos x="T0" y="T1"/>
+              </a:cxn>
+              <a:cxn ang="0">
+                <a:pos x="T2" y="T3"/>
+              </a:cxn>
+              <a:cxn ang="0">
+                <a:pos x="T4" y="T5"/>
+              </a:cxn>
+              <a:cxn ang="0">
+                <a:pos x="T6" y="T7"/>
+              </a:cxn>
+              <a:cxn ang="0">
+                <a:pos x="T8" y="T9"/>
+              </a:cxn>
+            </a:cxnLst>
+            <a:rect l="0" t="0" r="r" b="b"/>
+            <a:pathLst>
+              <a:path w="447" h="1363">
+                <a:moveTo>
+                  <a:pt x="447" y="1363"/>
+                </a:moveTo>
+                <a:lnTo>
+                  <a:pt x="0" y="987"/>
+                </a:lnTo>
+                <a:lnTo>
+                  <a:pt x="0" y="0"/>
+                </a:lnTo>
+                <a:lnTo>
+                  <a:pt x="447" y="376"/>
+                </a:lnTo>
+                <a:lnTo>
+                  <a:pt x="447" y="1363"/>
+                </a:lnTo>
+                <a:close/>
+              </a:path>
+            </a:pathLst>
+          </a:custGeom>
+          <a:solidFill>
+            <a:schemeClr val="accent1">
+              <a:lumMod val="50000"/>
+            </a:schemeClr>
+          </a:solidFill>
+          <a:ln>
+            <a:noFill/>
+          </a:ln>
+        </p:spPr>
+        <p:txBody>
+          <a:bodyPr vert="horz" wrap="square" lIns="91440" tIns="45720" rIns="91440" bIns="45720" numCol="1" anchor="t" anchorCtr="0" compatLnSpc="1">
+            <a:prstTxWarp prst="textNoShape">
+              <a:avLst/>
+            </a:prstTxWarp>
+          </a:bodyPr>
+          <a:lstStyle/>
+          <a:p>
+            <a:endParaRPr lang="en-US"/>
+          </a:p>
+        </p:txBody>
+      </p:sp>
+      <p:sp>
+        <p:nvSpPr>
+          <p:cNvPr id="12" name="Freeform 46">
+            <a:extLst>
+              <a:ext uri="{FF2B5EF4-FFF2-40B4-BE49-F238E27FC236}">
+                <a16:creationId xmlns:a16="http://schemas.microsoft.com/office/drawing/2014/main" id="{2AEBC8F2-97B1-41B4-93F1-2D289E197FBA}"/>
+              </a:ext>
+              <a:ext uri="{C183D7F6-B498-43B3-948B-1728B52AA6E4}">
+                <adec:decorative xmlns:adec="http://schemas.microsoft.com/office/drawing/2017/decorative" val="1"/>
+              </a:ext>
+            </a:extLst>
+          </p:cNvPr>
+          <p:cNvSpPr>
+            <a:spLocks noGrp="1" noRot="1" noChangeAspect="1" noMove="1" noResize="1" noEditPoints="1" noAdjustHandles="1" noChangeArrowheads="1" noChangeShapeType="1" noTextEdit="1"/>
+          </p:cNvSpPr>
+          <p:nvPr>
+            <p:extLst>
+              <p:ext uri="{386F3935-93C4-4BCD-93E2-E3B085C9AB24}">
+                <p16:designElem xmlns:p16="http://schemas.microsoft.com/office/powerpoint/2015/main" val="1"/>
+              </p:ext>
+            </p:extLst>
+          </p:nvPr>
+        </p:nvSpPr>
+        <p:spPr bwMode="auto">
+          <a:xfrm>
+            <a:off x="409710" y="837744"/>
+            <a:ext cx="403225" cy="1705431"/>
+          </a:xfrm>
+          <a:custGeom>
+            <a:avLst/>
+            <a:gdLst>
+              <a:gd name="T0" fmla="*/ 254 w 254"/>
+              <a:gd name="T1" fmla="*/ 987 h 1109"/>
+              <a:gd name="T2" fmla="*/ 0 w 254"/>
+              <a:gd name="T3" fmla="*/ 1109 h 1109"/>
+              <a:gd name="T4" fmla="*/ 0 w 254"/>
+              <a:gd name="T5" fmla="*/ 119 h 1109"/>
+              <a:gd name="T6" fmla="*/ 254 w 254"/>
+              <a:gd name="T7" fmla="*/ 0 h 1109"/>
+              <a:gd name="T8" fmla="*/ 254 w 254"/>
+              <a:gd name="T9" fmla="*/ 987 h 1109"/>
+            </a:gdLst>
+            <a:ahLst/>
+            <a:cxnLst>
+              <a:cxn ang="0">
+                <a:pos x="T0" y="T1"/>
+              </a:cxn>
+              <a:cxn ang="0">
+                <a:pos x="T2" y="T3"/>
+              </a:cxn>
+              <a:cxn ang="0">
+                <a:pos x="T4" y="T5"/>
+              </a:cxn>
+              <a:cxn ang="0">
+                <a:pos x="T6" y="T7"/>
+              </a:cxn>
+              <a:cxn ang="0">
+                <a:pos x="T8" y="T9"/>
+              </a:cxn>
+            </a:cxnLst>
+            <a:rect l="0" t="0" r="r" b="b"/>
+            <a:pathLst>
+              <a:path w="254" h="1109">
+                <a:moveTo>
+                  <a:pt x="254" y="987"/>
+                </a:moveTo>
+                <a:lnTo>
+                  <a:pt x="0" y="1109"/>
+                </a:lnTo>
+                <a:lnTo>
+                  <a:pt x="0" y="119"/>
+                </a:lnTo>
+                <a:lnTo>
+                  <a:pt x="254" y="0"/>
+                </a:lnTo>
+                <a:lnTo>
+                  <a:pt x="254" y="987"/>
+                </a:lnTo>
+                <a:close/>
+              </a:path>
+            </a:pathLst>
+          </a:custGeom>
+          <a:solidFill>
+            <a:schemeClr val="accent1">
+              <a:lumMod val="75000"/>
+            </a:schemeClr>
+          </a:solidFill>
+          <a:ln>
+            <a:noFill/>
+          </a:ln>
+        </p:spPr>
+        <p:txBody>
+          <a:bodyPr vert="horz" wrap="square" lIns="91440" tIns="45720" rIns="91440" bIns="45720" numCol="1" anchor="t" anchorCtr="0" compatLnSpc="1">
+            <a:prstTxWarp prst="textNoShape">
+              <a:avLst/>
+            </a:prstTxWarp>
+          </a:bodyPr>
+          <a:lstStyle/>
+          <a:p>
+            <a:endParaRPr lang="en-US"/>
+          </a:p>
+        </p:txBody>
+      </p:sp>
+      <p:sp>
+        <p:nvSpPr>
+          <p:cNvPr id="14" name="Freeform 47">
+            <a:extLst>
+              <a:ext uri="{FF2B5EF4-FFF2-40B4-BE49-F238E27FC236}">
+                <a16:creationId xmlns:a16="http://schemas.microsoft.com/office/drawing/2014/main" id="{472E3A19-F5D5-48FC-BB9C-48C2F68F598B}"/>
+              </a:ext>
+              <a:ext uri="{C183D7F6-B498-43B3-948B-1728B52AA6E4}">
+                <adec:decorative xmlns:adec="http://schemas.microsoft.com/office/drawing/2017/decorative" val="1"/>
+              </a:ext>
+            </a:extLst>
+          </p:cNvPr>
+          <p:cNvSpPr>
+            <a:spLocks noGrp="1" noRot="1" noChangeAspect="1" noMove="1" noResize="1" noEditPoints="1" noAdjustHandles="1" noChangeArrowheads="1" noChangeShapeType="1" noTextEdit="1"/>
+          </p:cNvSpPr>
+          <p:nvPr>
+            <p:extLst>
+              <p:ext uri="{386F3935-93C4-4BCD-93E2-E3B085C9AB24}">
+                <p16:designElem xmlns:p16="http://schemas.microsoft.com/office/powerpoint/2015/main" val="1"/>
+              </p:ext>
+            </p:extLst>
+          </p:nvPr>
+        </p:nvSpPr>
+        <p:spPr bwMode="auto">
+          <a:xfrm>
+            <a:off x="644660" y="640894"/>
+            <a:ext cx="168275" cy="1713195"/>
+          </a:xfrm>
+          <a:custGeom>
+            <a:avLst/>
+            <a:gdLst>
+              <a:gd name="T0" fmla="*/ 106 w 106"/>
+              <a:gd name="T1" fmla="*/ 1114 h 1114"/>
+              <a:gd name="T2" fmla="*/ 0 w 106"/>
+              <a:gd name="T3" fmla="*/ 1005 h 1114"/>
+              <a:gd name="T4" fmla="*/ 0 w 106"/>
+              <a:gd name="T5" fmla="*/ 0 h 1114"/>
+              <a:gd name="T6" fmla="*/ 106 w 106"/>
+              <a:gd name="T7" fmla="*/ 110 h 1114"/>
+              <a:gd name="T8" fmla="*/ 106 w 106"/>
+              <a:gd name="T9" fmla="*/ 1114 h 1114"/>
+            </a:gdLst>
+            <a:ahLst/>
+            <a:cxnLst>
+              <a:cxn ang="0">
+                <a:pos x="T0" y="T1"/>
+              </a:cxn>
+              <a:cxn ang="0">
+                <a:pos x="T2" y="T3"/>
+              </a:cxn>
+              <a:cxn ang="0">
+                <a:pos x="T4" y="T5"/>
+              </a:cxn>
+              <a:cxn ang="0">
+                <a:pos x="T6" y="T7"/>
+              </a:cxn>
+              <a:cxn ang="0">
+                <a:pos x="T8" y="T9"/>
+              </a:cxn>
+            </a:cxnLst>
+            <a:rect l="0" t="0" r="r" b="b"/>
+            <a:pathLst>
+              <a:path w="106" h="1114">
+                <a:moveTo>
+                  <a:pt x="106" y="1114"/>
+                </a:moveTo>
+                <a:lnTo>
+                  <a:pt x="0" y="1005"/>
+                </a:lnTo>
+                <a:lnTo>
+                  <a:pt x="0" y="0"/>
+                </a:lnTo>
+                <a:lnTo>
+                  <a:pt x="106" y="110"/>
+                </a:lnTo>
+                <a:lnTo>
+                  <a:pt x="106" y="1114"/>
+                </a:lnTo>
+                <a:close/>
+              </a:path>
+            </a:pathLst>
+          </a:custGeom>
+          <a:solidFill>
+            <a:schemeClr val="accent1">
+              <a:lumMod val="50000"/>
+            </a:schemeClr>
+          </a:solidFill>
+          <a:ln>
+            <a:noFill/>
+          </a:ln>
+        </p:spPr>
+        <p:txBody>
+          <a:bodyPr vert="horz" wrap="square" lIns="91440" tIns="45720" rIns="91440" bIns="45720" numCol="1" anchor="t" anchorCtr="0" compatLnSpc="1">
+            <a:prstTxWarp prst="textNoShape">
+              <a:avLst/>
+            </a:prstTxWarp>
+          </a:bodyPr>
+          <a:lstStyle/>
+          <a:p>
+            <a:endParaRPr lang="en-US"/>
+          </a:p>
+        </p:txBody>
+      </p:sp>
+      <p:sp>
+        <p:nvSpPr>
+          <p:cNvPr id="16" name="Freeform 44">
+            <a:extLst>
+              <a:ext uri="{FF2B5EF4-FFF2-40B4-BE49-F238E27FC236}">
+                <a16:creationId xmlns:a16="http://schemas.microsoft.com/office/drawing/2014/main" id="{7A62E32F-BB65-43A8-8EB5-92346890E549}"/>
+              </a:ext>
+              <a:ext uri="{C183D7F6-B498-43B3-948B-1728B52AA6E4}">
+                <adec:decorative xmlns:adec="http://schemas.microsoft.com/office/drawing/2017/decorative" val="1"/>
+              </a:ext>
+            </a:extLst>
+          </p:cNvPr>
+          <p:cNvSpPr>
+            <a:spLocks noGrp="1" noRot="1" noChangeAspect="1" noMove="1" noResize="1" noEditPoints="1" noAdjustHandles="1" noChangeArrowheads="1" noChangeShapeType="1" noTextEdit="1"/>
+          </p:cNvSpPr>
+          <p:nvPr>
+            <p:extLst>
+              <p:ext uri="{386F3935-93C4-4BCD-93E2-E3B085C9AB24}">
+                <p16:designElem xmlns:p16="http://schemas.microsoft.com/office/powerpoint/2015/main" val="1"/>
+              </p:ext>
+            </p:extLst>
+          </p:nvPr>
+        </p:nvSpPr>
+        <p:spPr bwMode="auto">
+          <a:xfrm>
+            <a:off x="11223203" y="635716"/>
+            <a:ext cx="328612" cy="1742360"/>
+          </a:xfrm>
+          <a:custGeom>
+            <a:avLst/>
+            <a:gdLst>
+              <a:gd name="T0" fmla="*/ 207 w 207"/>
+              <a:gd name="T1" fmla="*/ 987 h 1114"/>
+              <a:gd name="T2" fmla="*/ 0 w 207"/>
+              <a:gd name="T3" fmla="*/ 1114 h 1114"/>
+              <a:gd name="T4" fmla="*/ 0 w 207"/>
+              <a:gd name="T5" fmla="*/ 127 h 1114"/>
+              <a:gd name="T6" fmla="*/ 207 w 207"/>
+              <a:gd name="T7" fmla="*/ 0 h 1114"/>
+              <a:gd name="T8" fmla="*/ 207 w 207"/>
+              <a:gd name="T9" fmla="*/ 987 h 1114"/>
+            </a:gdLst>
+            <a:ahLst/>
+            <a:cxnLst>
+              <a:cxn ang="0">
+                <a:pos x="T0" y="T1"/>
+              </a:cxn>
+              <a:cxn ang="0">
+                <a:pos x="T2" y="T3"/>
+              </a:cxn>
+              <a:cxn ang="0">
+                <a:pos x="T4" y="T5"/>
+              </a:cxn>
+              <a:cxn ang="0">
+                <a:pos x="T6" y="T7"/>
+              </a:cxn>
+              <a:cxn ang="0">
+                <a:pos x="T8" y="T9"/>
+              </a:cxn>
+            </a:cxnLst>
+            <a:rect l="0" t="0" r="r" b="b"/>
+            <a:pathLst>
+              <a:path w="207" h="1114">
+                <a:moveTo>
+                  <a:pt x="207" y="987"/>
+                </a:moveTo>
+                <a:lnTo>
+                  <a:pt x="0" y="1114"/>
+                </a:lnTo>
+                <a:lnTo>
+                  <a:pt x="0" y="127"/>
+                </a:lnTo>
+                <a:lnTo>
+                  <a:pt x="207" y="0"/>
+                </a:lnTo>
+                <a:lnTo>
+                  <a:pt x="207" y="987"/>
+                </a:lnTo>
+                <a:close/>
+              </a:path>
+            </a:pathLst>
+          </a:custGeom>
+          <a:solidFill>
+            <a:schemeClr val="accent1">
+              <a:lumMod val="50000"/>
+            </a:schemeClr>
+          </a:solidFill>
+          <a:ln>
+            <a:noFill/>
+          </a:ln>
+        </p:spPr>
+        <p:txBody>
+          <a:bodyPr vert="horz" wrap="square" lIns="91440" tIns="45720" rIns="91440" bIns="45720" numCol="1" anchor="t" anchorCtr="0" compatLnSpc="1">
+            <a:prstTxWarp prst="textNoShape">
+              <a:avLst/>
+            </a:prstTxWarp>
+          </a:bodyPr>
+          <a:lstStyle/>
+          <a:p>
+            <a:endParaRPr lang="en-US"/>
+          </a:p>
+        </p:txBody>
+      </p:sp>
+      <p:sp>
+        <p:nvSpPr>
+          <p:cNvPr id="18" name="Rectangle 17">
+            <a:extLst>
+              <a:ext uri="{FF2B5EF4-FFF2-40B4-BE49-F238E27FC236}">
+                <a16:creationId xmlns:a16="http://schemas.microsoft.com/office/drawing/2014/main" id="{14E91B64-9FCC-451E-AFB4-A827D6329367}"/>
+              </a:ext>
+              <a:ext uri="{C183D7F6-B498-43B3-948B-1728B52AA6E4}">
+                <adec:decorative xmlns:adec="http://schemas.microsoft.com/office/drawing/2017/decorative" val="1"/>
+              </a:ext>
+            </a:extLst>
+          </p:cNvPr>
+          <p:cNvSpPr>
+            <a:spLocks noGrp="1" noRot="1" noChangeAspect="1" noMove="1" noResize="1" noEditPoints="1" noAdjustHandles="1" noChangeArrowheads="1" noChangeShapeType="1" noTextEdit="1"/>
+          </p:cNvSpPr>
+          <p:nvPr>
+            <p:extLst>
+              <p:ext uri="{386F3935-93C4-4BCD-93E2-E3B085C9AB24}">
+                <p16:designElem xmlns:p16="http://schemas.microsoft.com/office/powerpoint/2015/main" val="1"/>
+              </p:ext>
+            </p:extLst>
+          </p:nvPr>
+        </p:nvSpPr>
+        <p:spPr bwMode="auto">
+          <a:xfrm>
+            <a:off x="644055" y="635715"/>
+            <a:ext cx="10907863" cy="1541457"/>
+          </a:xfrm>
+          <a:prstGeom prst="rect">
+            <a:avLst/>
+          </a:prstGeom>
+          <a:solidFill>
+            <a:schemeClr val="accent1"/>
+          </a:solidFill>
+          <a:ln>
+            <a:noFill/>
+          </a:ln>
+        </p:spPr>
+        <p:txBody>
+          <a:bodyPr vert="horz" wrap="square" lIns="91440" tIns="45720" rIns="91440" bIns="45720" numCol="1" anchor="t" anchorCtr="0" compatLnSpc="1">
+            <a:prstTxWarp prst="textNoShape">
+              <a:avLst/>
+            </a:prstTxWarp>
+          </a:bodyPr>
+          <a:lstStyle/>
+          <a:p>
+            <a:endParaRPr lang="en-US"/>
+          </a:p>
+        </p:txBody>
+      </p:sp>
+      <p:sp>
+        <p:nvSpPr>
+          <p:cNvPr id="2" name="Title 1">
+            <a:extLst>
+              <a:ext uri="{FF2B5EF4-FFF2-40B4-BE49-F238E27FC236}">
+                <a16:creationId xmlns:a16="http://schemas.microsoft.com/office/drawing/2014/main" id="{B5014F03-1AAD-40E0-AC0D-C59A46BEB6EE}"/>
+              </a:ext>
+            </a:extLst>
+          </p:cNvPr>
+          <p:cNvSpPr>
+            <a:spLocks noGrp="1"/>
+          </p:cNvSpPr>
+          <p:nvPr>
+            <p:ph type="title"/>
+          </p:nvPr>
+        </p:nvSpPr>
+        <p:spPr>
+          <a:xfrm>
+            <a:off x="958506" y="800392"/>
+            <a:ext cx="10264697" cy="1212102"/>
+          </a:xfrm>
+        </p:spPr>
+        <p:txBody>
+          <a:bodyPr>
+            <a:normAutofit/>
+          </a:bodyPr>
+          <a:lstStyle/>
+          <a:p>
+            <a:r>
+              <a:rPr lang="en-US" sz="4000" b="1">
+                <a:solidFill>
+                  <a:srgbClr val="FFFFFF"/>
+                </a:solidFill>
+                <a:latin typeface="Lucida Sans Unicode" panose="020B0602030504020204" pitchFamily="34" charset="0"/>
+                <a:ea typeface="Lucida Sans Unicode" panose="020B0602030504020204" pitchFamily="34" charset="0"/>
+              </a:rPr>
+              <a:t>Hypothetical Questions.</a:t>
+            </a:r>
+            <a:endParaRPr lang="en-US" sz="4000">
+              <a:solidFill>
+                <a:srgbClr val="FFFFFF"/>
+              </a:solidFill>
+            </a:endParaRPr>
+          </a:p>
+        </p:txBody>
+      </p:sp>
+      <p:sp>
+        <p:nvSpPr>
+          <p:cNvPr id="3" name="Content Placeholder 2">
+            <a:extLst>
+              <a:ext uri="{FF2B5EF4-FFF2-40B4-BE49-F238E27FC236}">
+                <a16:creationId xmlns:a16="http://schemas.microsoft.com/office/drawing/2014/main" id="{5D06989B-EA22-4719-9388-9E91B4070967}"/>
+              </a:ext>
+            </a:extLst>
+          </p:cNvPr>
+          <p:cNvSpPr>
+            <a:spLocks noGrp="1"/>
+          </p:cNvSpPr>
+          <p:nvPr>
+            <p:ph idx="1"/>
+          </p:nvPr>
+        </p:nvSpPr>
+        <p:spPr>
+          <a:xfrm>
+            <a:off x="1367624" y="2490436"/>
+            <a:ext cx="9708995" cy="3567173"/>
+          </a:xfrm>
+        </p:spPr>
+        <p:txBody>
+          <a:bodyPr anchor="ctr">
+            <a:normAutofit/>
+          </a:bodyPr>
+          <a:lstStyle/>
+          <a:p>
+            <a:pPr marL="342900" indent="-342900" algn="l">
+              <a:buFont typeface="+mj-lt"/>
+              <a:buAutoNum type="arabicPeriod"/>
+            </a:pPr>
+            <a:r>
+              <a:rPr lang="en-US" sz="2000" b="0" i="0" dirty="0">
+                <a:solidFill>
+                  <a:srgbClr val="000000"/>
+                </a:solidFill>
+                <a:effectLst/>
+                <a:latin typeface="Times New Roman" panose="02020603050405020304" pitchFamily="18" charset="0"/>
+                <a:cs typeface="Times New Roman" panose="02020603050405020304" pitchFamily="18" charset="0"/>
+              </a:rPr>
+              <a:t>Which countries produces the best cocoa beans?</a:t>
+            </a:r>
+          </a:p>
+          <a:p>
+            <a:pPr marL="342900" indent="-342900" algn="l">
+              <a:buFont typeface="+mj-lt"/>
+              <a:buAutoNum type="arabicPeriod"/>
+            </a:pPr>
+            <a:r>
+              <a:rPr lang="en-US" sz="2000" b="0" i="0" dirty="0">
+                <a:solidFill>
+                  <a:srgbClr val="000000"/>
+                </a:solidFill>
+                <a:effectLst/>
+                <a:latin typeface="Times New Roman" panose="02020603050405020304" pitchFamily="18" charset="0"/>
+                <a:cs typeface="Times New Roman" panose="02020603050405020304" pitchFamily="18" charset="0"/>
+              </a:rPr>
+              <a:t>Which countries have the highest-rated chocolate bars?</a:t>
+            </a:r>
+          </a:p>
+          <a:p>
+            <a:pPr marL="342900" indent="-342900" algn="l">
+              <a:buFont typeface="+mj-lt"/>
+              <a:buAutoNum type="arabicPeriod"/>
+            </a:pPr>
+            <a:r>
+              <a:rPr lang="en-US" sz="2000" b="0" i="0" dirty="0">
+                <a:solidFill>
+                  <a:srgbClr val="000000"/>
+                </a:solidFill>
+                <a:effectLst/>
+                <a:latin typeface="Times New Roman" panose="02020603050405020304" pitchFamily="18" charset="0"/>
+                <a:cs typeface="Times New Roman" panose="02020603050405020304" pitchFamily="18" charset="0"/>
+              </a:rPr>
+              <a:t>Is there relationship between the proportion of cocoa in chocolate bar and the rating?</a:t>
+            </a:r>
+          </a:p>
+          <a:p>
+            <a:pPr marL="342900" indent="-342900" algn="l">
+              <a:buFont typeface="+mj-lt"/>
+              <a:buAutoNum type="arabicPeriod"/>
+            </a:pPr>
+            <a:r>
+              <a:rPr lang="en-US" sz="2000" b="0" i="0" dirty="0">
+                <a:solidFill>
+                  <a:srgbClr val="000000"/>
+                </a:solidFill>
+                <a:effectLst/>
+                <a:latin typeface="Times New Roman" panose="02020603050405020304" pitchFamily="18" charset="0"/>
+                <a:cs typeface="Times New Roman" panose="02020603050405020304" pitchFamily="18" charset="0"/>
+              </a:rPr>
+              <a:t>What are the top ten companies with the highest rating?</a:t>
+            </a:r>
+          </a:p>
+          <a:p>
+            <a:pPr marL="342900" indent="-342900" algn="l">
+              <a:buFont typeface="+mj-lt"/>
+              <a:buAutoNum type="arabicPeriod"/>
+            </a:pPr>
+            <a:r>
+              <a:rPr lang="en-US" sz="2000" b="0" i="0" dirty="0">
+                <a:solidFill>
+                  <a:srgbClr val="000000"/>
+                </a:solidFill>
+                <a:effectLst/>
+                <a:latin typeface="Times New Roman" panose="02020603050405020304" pitchFamily="18" charset="0"/>
+                <a:cs typeface="Times New Roman" panose="02020603050405020304" pitchFamily="18" charset="0"/>
+              </a:rPr>
+              <a:t>What is the pattern over the years with respect to Cocoa percentage in bar?</a:t>
+            </a:r>
+          </a:p>
+          <a:p>
+            <a:pPr marL="342900" indent="-342900" algn="l">
+              <a:buFont typeface="+mj-lt"/>
+              <a:buAutoNum type="arabicPeriod"/>
+            </a:pPr>
+            <a:r>
+              <a:rPr lang="en-US" sz="2000" b="0" i="0" dirty="0">
+                <a:solidFill>
+                  <a:srgbClr val="000000"/>
+                </a:solidFill>
+                <a:effectLst/>
+                <a:latin typeface="Times New Roman" panose="02020603050405020304" pitchFamily="18" charset="0"/>
+                <a:cs typeface="Times New Roman" panose="02020603050405020304" pitchFamily="18" charset="0"/>
+              </a:rPr>
+              <a:t>Which Countries produces the best chocolate bars?</a:t>
+            </a:r>
+          </a:p>
+          <a:p>
+            <a:pPr marL="342900" indent="-342900" algn="l">
+              <a:buFont typeface="+mj-lt"/>
+              <a:buAutoNum type="arabicPeriod"/>
+            </a:pPr>
+            <a:r>
+              <a:rPr lang="en-US" sz="2000" b="0" i="0" dirty="0">
+                <a:solidFill>
+                  <a:srgbClr val="000000"/>
+                </a:solidFill>
+                <a:effectLst/>
+                <a:latin typeface="Times New Roman" panose="02020603050405020304" pitchFamily="18" charset="0"/>
+                <a:cs typeface="Times New Roman" panose="02020603050405020304" pitchFamily="18" charset="0"/>
+              </a:rPr>
+              <a:t>Which chocolate beans have the highest ratings?</a:t>
+            </a:r>
+          </a:p>
+          <a:p>
+            <a:pPr marL="342900" indent="-342900" algn="l">
+              <a:buFont typeface="+mj-lt"/>
+              <a:buAutoNum type="arabicPeriod"/>
+            </a:pPr>
+            <a:r>
+              <a:rPr lang="en-US" sz="2000" b="0" i="0" dirty="0">
+                <a:solidFill>
+                  <a:srgbClr val="000000"/>
+                </a:solidFill>
+                <a:effectLst/>
+                <a:latin typeface="Times New Roman" panose="02020603050405020304" pitchFamily="18" charset="0"/>
+                <a:cs typeface="Times New Roman" panose="02020603050405020304" pitchFamily="18" charset="0"/>
+              </a:rPr>
+              <a:t>Has the quality of cocoa change over the years?</a:t>
+            </a:r>
+          </a:p>
+          <a:p>
+            <a:pPr marL="457200" indent="-457200">
+              <a:buFont typeface="+mj-lt"/>
+              <a:buAutoNum type="arabicPeriod"/>
+            </a:pPr>
+            <a:endParaRPr lang="en-US" sz="2000" dirty="0">
+              <a:latin typeface="Times New Roman" panose="02020603050405020304" pitchFamily="18" charset="0"/>
+              <a:cs typeface="Times New Roman" panose="02020603050405020304" pitchFamily="18" charset="0"/>
+            </a:endParaRPr>
+          </a:p>
+        </p:txBody>
+      </p:sp>
+      <p:sp>
+        <p:nvSpPr>
+          <p:cNvPr id="4" name="Slide Number Placeholder 3">
+            <a:extLst>
+              <a:ext uri="{FF2B5EF4-FFF2-40B4-BE49-F238E27FC236}">
+                <a16:creationId xmlns:a16="http://schemas.microsoft.com/office/drawing/2014/main" id="{C4430BCF-4531-47B9-9433-36604E434939}"/>
+              </a:ext>
+            </a:extLst>
+          </p:cNvPr>
+          <p:cNvSpPr>
+            <a:spLocks noGrp="1"/>
+          </p:cNvSpPr>
+          <p:nvPr>
+            <p:ph type="sldNum" sz="quarter" idx="12"/>
+          </p:nvPr>
+        </p:nvSpPr>
+        <p:spPr/>
+        <p:txBody>
+          <a:bodyPr/>
+          <a:lstStyle/>
+          <a:p>
+            <a:fld id="{70EC4113-9F95-A845-A634-8A906A6C5F1F}" type="slidenum">
+              <a:rPr lang="en-GH" smtClean="0"/>
+              <a:t>7</a:t>
+            </a:fld>
+            <a:endParaRPr lang="en-GH"/>
+          </a:p>
+        </p:txBody>
+      </p:sp>
+    </p:spTree>
+    <p:extLst>
+      <p:ext uri="{BB962C8B-B14F-4D97-AF65-F5344CB8AC3E}">
+        <p14:creationId xmlns:p14="http://schemas.microsoft.com/office/powerpoint/2010/main" val="1206758064"/>
+      </p:ext>
+    </p:extLst>
+  </p:cSld>
+  <p:clrMapOvr>
+    <a:masterClrMapping/>
+  </p:clrMapOvr>
+</p:sld>
+</file>
+
+<file path=ppt/slides/slide8.xml><?xml version="1.0" encoding="utf-8"?>
+<p:sld xmlns:a="http://schemas.openxmlformats.org/drawingml/2006/main" xmlns:r="http://schemas.openxmlformats.org/officeDocument/2006/relationships" xmlns:p="http://schemas.openxmlformats.org/presentationml/2006/main">
+  <p:cSld>
+    <p:bg>
+      <p:bgPr>
+        <a:solidFill>
+          <a:schemeClr val="bg1"/>
+        </a:solidFill>
+        <a:effectLst/>
+      </p:bgPr>
+    </p:bg>
     <p:spTree>
       <p:nvGrpSpPr>
         <p:cNvPr id="1" name=""/>
@@ -7497,10 +12456,76 @@
       </p:grpSpPr>
       <p:sp>
         <p:nvSpPr>
+          <p:cNvPr id="9" name="Down Arrow 7">
+            <a:extLst>
+              <a:ext uri="{FF2B5EF4-FFF2-40B4-BE49-F238E27FC236}">
+                <a16:creationId xmlns:a16="http://schemas.microsoft.com/office/drawing/2014/main" id="{D4771268-CB57-404A-9271-370EB28F6090}"/>
+              </a:ext>
+              <a:ext uri="{C183D7F6-B498-43B3-948B-1728B52AA6E4}">
+                <adec:decorative xmlns:adec="http://schemas.microsoft.com/office/drawing/2017/decorative" val="1"/>
+              </a:ext>
+            </a:extLst>
+          </p:cNvPr>
+          <p:cNvSpPr>
+            <a:spLocks noGrp="1" noRot="1" noChangeAspect="1" noMove="1" noResize="1" noEditPoints="1" noAdjustHandles="1" noChangeArrowheads="1" noChangeShapeType="1" noTextEdit="1"/>
+          </p:cNvSpPr>
+          <p:nvPr>
+            <p:extLst>
+              <p:ext uri="{386F3935-93C4-4BCD-93E2-E3B085C9AB24}">
+                <p16:designElem xmlns:p16="http://schemas.microsoft.com/office/powerpoint/2015/main" val="1"/>
+              </p:ext>
+            </p:extLst>
+          </p:nvPr>
+        </p:nvSpPr>
+        <p:spPr>
+          <a:xfrm rot="16200000">
+            <a:off x="800100" y="1491343"/>
+            <a:ext cx="3333749" cy="3499103"/>
+          </a:xfrm>
+          <a:prstGeom prst="downArrow">
+            <a:avLst>
+              <a:gd name="adj1" fmla="val 100000"/>
+              <a:gd name="adj2" fmla="val 15788"/>
+            </a:avLst>
+          </a:prstGeom>
+          <a:solidFill>
+            <a:srgbClr val="404040"/>
+          </a:solidFill>
+          <a:ln w="53975">
+            <a:noFill/>
+          </a:ln>
+        </p:spPr>
+        <p:style>
+          <a:lnRef idx="2">
+            <a:schemeClr val="accent1">
+              <a:shade val="50000"/>
+            </a:schemeClr>
+          </a:lnRef>
+          <a:fillRef idx="1">
+            <a:schemeClr val="accent1"/>
+          </a:fillRef>
+          <a:effectRef idx="0">
+            <a:schemeClr val="accent1"/>
+          </a:effectRef>
+          <a:fontRef idx="minor">
+            <a:schemeClr val="lt1"/>
+          </a:fontRef>
+        </p:style>
+        <p:txBody>
+          <a:bodyPr rtlCol="0" anchor="ctr"/>
+          <a:lstStyle/>
+          <a:p>
+            <a:pPr algn="ctr"/>
+            <a:endParaRPr lang="en-US"/>
+          </a:p>
+        </p:txBody>
+      </p:sp>
+      <p:sp>
+        <p:nvSpPr>
           <p:cNvPr id="2" name="Title 1">
             <a:extLst>
               <a:ext uri="{FF2B5EF4-FFF2-40B4-BE49-F238E27FC236}">
-                <a16:creationId xmlns:a16="http://schemas.microsoft.com/office/drawing/2014/main" id="{B3EFD2F4-6B36-44C0-BB95-B498C311A31E}"/>
+                <a16:creationId xmlns:a16="http://schemas.microsoft.com/office/drawing/2014/main" id="{779EE8A5-5E8E-46BE-810E-DFA752DFACE5}"/>
               </a:ext>
             </a:extLst>
           </p:cNvPr>
@@ -7509,6 +12534,98 @@
           </p:cNvSpPr>
           <p:nvPr>
             <p:ph type="title"/>
+          </p:nvPr>
+        </p:nvSpPr>
+        <p:spPr>
+          <a:xfrm>
+            <a:off x="1028700" y="1967266"/>
+            <a:ext cx="2628900" cy="2547257"/>
+          </a:xfrm>
+          <a:noFill/>
+        </p:spPr>
+        <p:txBody>
+          <a:bodyPr vert="horz" lIns="91440" tIns="45720" rIns="91440" bIns="45720" rtlCol="0" anchor="ctr">
+            <a:normAutofit/>
+          </a:bodyPr>
+          <a:lstStyle/>
+          <a:p>
+            <a:pPr algn="ctr"/>
+            <a:r>
+              <a:rPr lang="en-US" sz="3300" b="1" kern="1200">
+                <a:solidFill>
+                  <a:srgbClr val="FFFFFF"/>
+                </a:solidFill>
+                <a:effectLst/>
+                <a:latin typeface="+mj-lt"/>
+                <a:ea typeface="+mj-ea"/>
+                <a:cs typeface="+mj-cs"/>
+              </a:rPr>
+              <a:t>Which countries produces the best cocoa beans?</a:t>
+            </a:r>
+            <a:endParaRPr lang="en-US" sz="3300" kern="1200">
+              <a:solidFill>
+                <a:srgbClr val="FFFFFF"/>
+              </a:solidFill>
+              <a:latin typeface="+mj-lt"/>
+              <a:ea typeface="+mj-ea"/>
+              <a:cs typeface="+mj-cs"/>
+            </a:endParaRPr>
+          </a:p>
+        </p:txBody>
+      </p:sp>
+      <p:pic>
+        <p:nvPicPr>
+          <p:cNvPr id="4" name="Content Placeholder 3">
+            <a:extLst>
+              <a:ext uri="{FF2B5EF4-FFF2-40B4-BE49-F238E27FC236}">
+                <a16:creationId xmlns:a16="http://schemas.microsoft.com/office/drawing/2014/main" id="{E1804B6B-EAD2-4B62-8E3E-0C0826800E5D}"/>
+              </a:ext>
+            </a:extLst>
+          </p:cNvPr>
+          <p:cNvPicPr>
+            <a:picLocks noGrp="1"/>
+          </p:cNvPicPr>
+          <p:nvPr>
+            <p:ph idx="1"/>
+          </p:nvPr>
+        </p:nvPicPr>
+        <p:blipFill>
+          <a:blip r:embed="rId2">
+            <a:extLst>
+              <a:ext uri="{28A0092B-C50C-407E-A947-70E740481C1C}">
+                <a14:useLocalDpi xmlns:a14="http://schemas.microsoft.com/office/drawing/2010/main" val="0"/>
+              </a:ext>
+            </a:extLst>
+          </a:blip>
+          <a:stretch>
+            <a:fillRect/>
+          </a:stretch>
+        </p:blipFill>
+        <p:spPr bwMode="auto">
+          <a:xfrm>
+            <a:off x="4777316" y="1376674"/>
+            <a:ext cx="6780700" cy="4102322"/>
+          </a:xfrm>
+          <a:prstGeom prst="rect">
+            <a:avLst/>
+          </a:prstGeom>
+          <a:noFill/>
+        </p:spPr>
+      </p:pic>
+      <p:sp>
+        <p:nvSpPr>
+          <p:cNvPr id="5" name="Slide Number Placeholder 4">
+            <a:extLst>
+              <a:ext uri="{FF2B5EF4-FFF2-40B4-BE49-F238E27FC236}">
+                <a16:creationId xmlns:a16="http://schemas.microsoft.com/office/drawing/2014/main" id="{59CC81E7-F39F-4D5B-8D35-81D5770DA4E6}"/>
+              </a:ext>
+            </a:extLst>
+          </p:cNvPr>
+          <p:cNvSpPr>
+            <a:spLocks noGrp="1"/>
+          </p:cNvSpPr>
+          <p:nvPr>
+            <p:ph type="sldNum" sz="quarter" idx="12"/>
           </p:nvPr>
         </p:nvSpPr>
         <p:spPr/>
@@ -7516,261 +12633,18 @@
           <a:bodyPr/>
           <a:lstStyle/>
           <a:p>
-            <a:r>
-              <a:rPr lang="en-US" b="1" dirty="0">
-                <a:latin typeface="Lucida Sans Unicode" panose="020B0602030504020204" pitchFamily="34" charset="0"/>
-                <a:ea typeface="Lucida Sans Unicode" panose="020B0602030504020204" pitchFamily="34" charset="0"/>
-              </a:rPr>
-              <a:t>Hypothetical Questions.</a:t>
-            </a:r>
-            <a:endParaRPr lang="en-US" dirty="0"/>
-          </a:p>
-        </p:txBody>
-      </p:sp>
-      <p:sp>
-        <p:nvSpPr>
-          <p:cNvPr id="3" name="Content Placeholder 2">
-            <a:extLst>
-              <a:ext uri="{FF2B5EF4-FFF2-40B4-BE49-F238E27FC236}">
-                <a16:creationId xmlns:a16="http://schemas.microsoft.com/office/drawing/2014/main" id="{E2C411BD-1CDC-4A63-BD25-1C27FFFC5426}"/>
-              </a:ext>
-            </a:extLst>
-          </p:cNvPr>
-          <p:cNvSpPr>
-            <a:spLocks noGrp="1"/>
-          </p:cNvSpPr>
-          <p:nvPr>
-            <p:ph idx="1"/>
-          </p:nvPr>
-        </p:nvSpPr>
-        <p:spPr/>
-        <p:txBody>
-          <a:bodyPr/>
-          <a:lstStyle/>
-          <a:p>
-            <a:pPr marL="342900" indent="-342900">
-              <a:lnSpc>
-                <a:spcPct val="115000"/>
-              </a:lnSpc>
-              <a:spcBef>
-                <a:spcPts val="0"/>
-              </a:spcBef>
-              <a:spcAft>
-                <a:spcPts val="1000"/>
-              </a:spcAft>
-              <a:buFont typeface="+mj-lt"/>
-              <a:buAutoNum type="arabicPeriod"/>
-              <a:tabLst>
-                <a:tab pos="457200" algn="l"/>
-              </a:tabLst>
-            </a:pPr>
-            <a:r>
-              <a:rPr lang="en-US" sz="2400" dirty="0">
-                <a:latin typeface="Calibri" panose="020F0502020204030204" pitchFamily="34" charset="0"/>
-                <a:ea typeface="Calibri" panose="020F0502020204030204" pitchFamily="34" charset="0"/>
-                <a:cs typeface="Times New Roman" panose="02020603050405020304" pitchFamily="18" charset="0"/>
-              </a:rPr>
-              <a:t>Which countries produces the best cocoa beans?</a:t>
-            </a:r>
-          </a:p>
-          <a:p>
-            <a:pPr marL="342900" indent="-342900">
-              <a:lnSpc>
-                <a:spcPct val="115000"/>
-              </a:lnSpc>
-              <a:spcBef>
-                <a:spcPts val="0"/>
-              </a:spcBef>
-              <a:spcAft>
-                <a:spcPts val="1000"/>
-              </a:spcAft>
-              <a:buFont typeface="+mj-lt"/>
-              <a:buAutoNum type="arabicPeriod"/>
-              <a:tabLst>
-                <a:tab pos="457200" algn="l"/>
-              </a:tabLst>
-            </a:pPr>
-            <a:r>
-              <a:rPr lang="en-US" sz="2400" dirty="0">
-                <a:latin typeface="Calibri" panose="020F0502020204030204" pitchFamily="34" charset="0"/>
-                <a:ea typeface="Calibri" panose="020F0502020204030204" pitchFamily="34" charset="0"/>
-                <a:cs typeface="Times New Roman" panose="02020603050405020304" pitchFamily="18" charset="0"/>
-              </a:rPr>
-              <a:t>Which countries have the highest-rated chocolate bars?</a:t>
-            </a:r>
-          </a:p>
-          <a:p>
-            <a:pPr marL="342900" indent="-342900">
-              <a:lnSpc>
-                <a:spcPct val="115000"/>
-              </a:lnSpc>
-              <a:spcBef>
-                <a:spcPts val="0"/>
-              </a:spcBef>
-              <a:spcAft>
-                <a:spcPts val="1000"/>
-              </a:spcAft>
-              <a:buFont typeface="+mj-lt"/>
-              <a:buAutoNum type="arabicPeriod"/>
-              <a:tabLst>
-                <a:tab pos="457200" algn="l"/>
-              </a:tabLst>
-            </a:pPr>
-            <a:r>
-              <a:rPr lang="en-US" sz="2400" dirty="0">
-                <a:latin typeface="Calibri" panose="020F0502020204030204" pitchFamily="34" charset="0"/>
-                <a:ea typeface="Calibri" panose="020F0502020204030204" pitchFamily="34" charset="0"/>
-                <a:cs typeface="Times New Roman" panose="02020603050405020304" pitchFamily="18" charset="0"/>
-              </a:rPr>
-              <a:t>Is there relationship between the proportion of cocoa in chocolate bar and the rating?</a:t>
-            </a:r>
-          </a:p>
-          <a:p>
-            <a:pPr marL="342900" indent="-342900">
-              <a:lnSpc>
-                <a:spcPct val="115000"/>
-              </a:lnSpc>
-              <a:spcBef>
-                <a:spcPts val="0"/>
-              </a:spcBef>
-              <a:spcAft>
-                <a:spcPts val="1000"/>
-              </a:spcAft>
-              <a:buFont typeface="+mj-lt"/>
-              <a:buAutoNum type="arabicPeriod"/>
-              <a:tabLst>
-                <a:tab pos="457200" algn="l"/>
-              </a:tabLst>
-            </a:pPr>
-            <a:r>
-              <a:rPr lang="en-US" sz="2400" dirty="0">
-                <a:latin typeface="Calibri" panose="020F0502020204030204" pitchFamily="34" charset="0"/>
-                <a:ea typeface="Calibri" panose="020F0502020204030204" pitchFamily="34" charset="0"/>
-                <a:cs typeface="Times New Roman" panose="02020603050405020304" pitchFamily="18" charset="0"/>
-              </a:rPr>
-              <a:t>What are the top ten companies with the highest rating?</a:t>
-            </a:r>
-          </a:p>
-          <a:p>
-            <a:pPr marL="342900" indent="-342900">
-              <a:lnSpc>
-                <a:spcPct val="115000"/>
-              </a:lnSpc>
-              <a:spcBef>
-                <a:spcPts val="0"/>
-              </a:spcBef>
-              <a:spcAft>
-                <a:spcPts val="1000"/>
-              </a:spcAft>
-              <a:buFont typeface="+mj-lt"/>
-              <a:buAutoNum type="arabicPeriod"/>
-              <a:tabLst>
-                <a:tab pos="457200" algn="l"/>
-              </a:tabLst>
-            </a:pPr>
-            <a:r>
-              <a:rPr lang="en-US" sz="2400" dirty="0">
-                <a:latin typeface="Calibri" panose="020F0502020204030204" pitchFamily="34" charset="0"/>
-                <a:ea typeface="Calibri" panose="020F0502020204030204" pitchFamily="34" charset="0"/>
-                <a:cs typeface="Times New Roman" panose="02020603050405020304" pitchFamily="18" charset="0"/>
-              </a:rPr>
-              <a:t>What is the pattern over the years with respect to rating?</a:t>
-            </a:r>
-          </a:p>
-          <a:p>
-            <a:pPr marL="342900" indent="-342900">
-              <a:lnSpc>
-                <a:spcPct val="115000"/>
-              </a:lnSpc>
-              <a:spcBef>
-                <a:spcPts val="0"/>
-              </a:spcBef>
-              <a:spcAft>
-                <a:spcPts val="1000"/>
-              </a:spcAft>
-              <a:buFont typeface="+mj-lt"/>
-              <a:buAutoNum type="arabicPeriod"/>
-              <a:tabLst>
-                <a:tab pos="457200" algn="l"/>
-              </a:tabLst>
-            </a:pPr>
-            <a:r>
-              <a:rPr lang="en-US" sz="2400" dirty="0">
-                <a:latin typeface="Calibri" panose="020F0502020204030204" pitchFamily="34" charset="0"/>
-                <a:ea typeface="Calibri" panose="020F0502020204030204" pitchFamily="34" charset="0"/>
-                <a:cs typeface="Times New Roman" panose="02020603050405020304" pitchFamily="18" charset="0"/>
-              </a:rPr>
-              <a:t>Is there a correlation between a bean’s origin and the average rating of bars?</a:t>
-            </a:r>
-          </a:p>
-          <a:p>
-            <a:pPr marL="342900" indent="-342900">
-              <a:lnSpc>
-                <a:spcPct val="115000"/>
-              </a:lnSpc>
-              <a:spcBef>
-                <a:spcPts val="0"/>
-              </a:spcBef>
-              <a:spcAft>
-                <a:spcPts val="1000"/>
-              </a:spcAft>
-              <a:buFont typeface="+mj-lt"/>
-              <a:buAutoNum type="arabicPeriod"/>
-              <a:tabLst>
-                <a:tab pos="457200" algn="l"/>
-              </a:tabLst>
-            </a:pPr>
-            <a:r>
-              <a:rPr lang="en-US" sz="2400" dirty="0">
-                <a:latin typeface="Calibri" panose="020F0502020204030204" pitchFamily="34" charset="0"/>
-                <a:ea typeface="Calibri" panose="020F0502020204030204" pitchFamily="34" charset="0"/>
-                <a:cs typeface="Times New Roman" panose="02020603050405020304" pitchFamily="18" charset="0"/>
-              </a:rPr>
-              <a:t>Which chocolate beans have the highest ratings?</a:t>
-            </a:r>
-          </a:p>
-          <a:p>
-            <a:pPr marL="514350" indent="-514350">
-              <a:buFont typeface="+mj-lt"/>
-              <a:buAutoNum type="arabicPeriod"/>
-            </a:pPr>
-            <a:endParaRPr lang="en-US" dirty="0"/>
-          </a:p>
-        </p:txBody>
-      </p:sp>
-      <p:sp>
-        <p:nvSpPr>
-          <p:cNvPr id="4" name="Slide Number Placeholder 3">
-            <a:extLst>
-              <a:ext uri="{FF2B5EF4-FFF2-40B4-BE49-F238E27FC236}">
-                <a16:creationId xmlns:a16="http://schemas.microsoft.com/office/drawing/2014/main" id="{4C856B44-31C0-4ADF-9970-E6A549B50017}"/>
-              </a:ext>
-            </a:extLst>
-          </p:cNvPr>
-          <p:cNvSpPr>
-            <a:spLocks noGrp="1"/>
-          </p:cNvSpPr>
-          <p:nvPr>
-            <p:ph type="sldNum" sz="quarter" idx="12"/>
-          </p:nvPr>
-        </p:nvSpPr>
-        <p:spPr/>
-        <p:txBody>
-          <a:bodyPr/>
-          <a:lstStyle/>
-          <a:p>
-            <a:fld id="{7FA81DE9-9325-4540-92B4-5A7DD3142AA3}" type="slidenum">
-              <a:rPr lang="en-US" smtClean="0"/>
-              <a:t>7</a:t>
+            <a:fld id="{70EC4113-9F95-A845-A634-8A906A6C5F1F}" type="slidenum">
+              <a:rPr lang="en-GH" smtClean="0"/>
+              <a:t>8</a:t>
             </a:fld>
-            <a:endParaRPr lang="en-US"/>
+            <a:endParaRPr lang="en-GH"/>
           </a:p>
         </p:txBody>
       </p:sp>
     </p:spTree>
     <p:extLst>
       <p:ext uri="{BB962C8B-B14F-4D97-AF65-F5344CB8AC3E}">
-        <p14:creationId xmlns:p14="http://schemas.microsoft.com/office/powerpoint/2010/main" val="3902494433"/>
+        <p14:creationId xmlns:p14="http://schemas.microsoft.com/office/powerpoint/2010/main" val="2691184092"/>
       </p:ext>
     </p:extLst>
   </p:cSld>
@@ -7780,9 +12654,17 @@
 </p:sld>
 </file>
 
-<file path=ppt/slides/slide8.xml><?xml version="1.0" encoding="utf-8"?>
+<file path=ppt/slides/slide9.xml><?xml version="1.0" encoding="utf-8"?>
 <p:sld xmlns:a="http://schemas.openxmlformats.org/drawingml/2006/main" xmlns:r="http://schemas.openxmlformats.org/officeDocument/2006/relationships" xmlns:p="http://schemas.openxmlformats.org/presentationml/2006/main">
   <p:cSld>
+    <p:bg>
+      <p:bgPr>
+        <a:solidFill>
+          <a:schemeClr val="bg1"/>
+        </a:solidFill>
+        <a:effectLst/>
+      </p:bgPr>
+    </p:bg>
     <p:spTree>
       <p:nvGrpSpPr>
         <p:cNvPr id="1" name=""/>
@@ -7799,10 +12681,76 @@
       </p:grpSpPr>
       <p:sp>
         <p:nvSpPr>
+          <p:cNvPr id="9" name="Rectangle 8">
+            <a:extLst>
+              <a:ext uri="{FF2B5EF4-FFF2-40B4-BE49-F238E27FC236}">
+                <a16:creationId xmlns:a16="http://schemas.microsoft.com/office/drawing/2014/main" id="{7CA0DAA6-33B8-4A25-810D-2F4D816FB40E}"/>
+              </a:ext>
+              <a:ext uri="{C183D7F6-B498-43B3-948B-1728B52AA6E4}">
+                <adec:decorative xmlns:adec="http://schemas.microsoft.com/office/drawing/2017/decorative" val="1"/>
+              </a:ext>
+            </a:extLst>
+          </p:cNvPr>
+          <p:cNvSpPr>
+            <a:spLocks noGrp="1" noRot="1" noChangeAspect="1" noMove="1" noResize="1" noEditPoints="1" noAdjustHandles="1" noChangeArrowheads="1" noChangeShapeType="1" noTextEdit="1"/>
+          </p:cNvSpPr>
+          <p:nvPr>
+            <p:extLst>
+              <p:ext uri="{386F3935-93C4-4BCD-93E2-E3B085C9AB24}">
+                <p16:designElem xmlns:p16="http://schemas.microsoft.com/office/powerpoint/2015/main" val="1"/>
+              </p:ext>
+            </p:extLst>
+          </p:nvPr>
+        </p:nvSpPr>
+        <p:spPr bwMode="white">
+          <a:xfrm>
+            <a:off x="0" y="0"/>
+            <a:ext cx="4654297" cy="6858000"/>
+          </a:xfrm>
+          <a:prstGeom prst="rect">
+            <a:avLst/>
+          </a:prstGeom>
+          <a:solidFill>
+            <a:schemeClr val="tx1">
+              <a:lumMod val="85000"/>
+              <a:lumOff val="15000"/>
+            </a:schemeClr>
+          </a:solidFill>
+          <a:ln>
+            <a:noFill/>
+          </a:ln>
+        </p:spPr>
+        <p:style>
+          <a:lnRef idx="2">
+            <a:schemeClr val="accent1">
+              <a:shade val="50000"/>
+            </a:schemeClr>
+          </a:lnRef>
+          <a:fillRef idx="1">
+            <a:schemeClr val="accent1"/>
+          </a:fillRef>
+          <a:effectRef idx="0">
+            <a:schemeClr val="accent1"/>
+          </a:effectRef>
+          <a:fontRef idx="minor">
+            <a:schemeClr val="lt1"/>
+          </a:fontRef>
+        </p:style>
+        <p:txBody>
+          <a:bodyPr rtlCol="0" anchor="ctr"/>
+          <a:lstStyle/>
+          <a:p>
+            <a:pPr algn="ctr"/>
+            <a:endParaRPr lang="en-US"/>
+          </a:p>
+        </p:txBody>
+      </p:sp>
+      <p:sp>
+        <p:nvSpPr>
           <p:cNvPr id="2" name="Title 1">
             <a:extLst>
               <a:ext uri="{FF2B5EF4-FFF2-40B4-BE49-F238E27FC236}">
-                <a16:creationId xmlns:a16="http://schemas.microsoft.com/office/drawing/2014/main" id="{C18EB636-EBD2-4646-85FF-EEDB1A3269BB}"/>
+                <a16:creationId xmlns:a16="http://schemas.microsoft.com/office/drawing/2014/main" id="{E0629C13-4168-4FB3-B3D3-3345A5E510DB}"/>
               </a:ext>
             </a:extLst>
           </p:cNvPr>
@@ -7811,6 +12759,97 @@
           </p:cNvSpPr>
           <p:nvPr>
             <p:ph type="title"/>
+          </p:nvPr>
+        </p:nvSpPr>
+        <p:spPr>
+          <a:xfrm>
+            <a:off x="651307" y="640081"/>
+            <a:ext cx="3377183" cy="3681976"/>
+          </a:xfrm>
+          <a:noFill/>
+        </p:spPr>
+        <p:txBody>
+          <a:bodyPr vert="horz" lIns="91440" tIns="45720" rIns="91440" bIns="45720" rtlCol="0" anchor="b">
+            <a:normAutofit/>
+          </a:bodyPr>
+          <a:lstStyle/>
+          <a:p>
+            <a:r>
+              <a:rPr lang="en-US" sz="4100" b="1" kern="1200">
+                <a:solidFill>
+                  <a:schemeClr val="bg1"/>
+                </a:solidFill>
+                <a:effectLst/>
+                <a:latin typeface="+mj-lt"/>
+                <a:ea typeface="+mj-ea"/>
+                <a:cs typeface="+mj-cs"/>
+              </a:rPr>
+              <a:t>Which countries have the highest-rated chocolate bars?</a:t>
+            </a:r>
+            <a:endParaRPr lang="en-US" sz="4100" kern="1200">
+              <a:solidFill>
+                <a:schemeClr val="bg1"/>
+              </a:solidFill>
+              <a:latin typeface="+mj-lt"/>
+              <a:ea typeface="+mj-ea"/>
+              <a:cs typeface="+mj-cs"/>
+            </a:endParaRPr>
+          </a:p>
+        </p:txBody>
+      </p:sp>
+      <p:pic>
+        <p:nvPicPr>
+          <p:cNvPr id="4" name="Content Placeholder 3">
+            <a:extLst>
+              <a:ext uri="{FF2B5EF4-FFF2-40B4-BE49-F238E27FC236}">
+                <a16:creationId xmlns:a16="http://schemas.microsoft.com/office/drawing/2014/main" id="{6418E17F-2CBF-4F83-8D90-ABD179CF0B52}"/>
+              </a:ext>
+            </a:extLst>
+          </p:cNvPr>
+          <p:cNvPicPr>
+            <a:picLocks noGrp="1"/>
+          </p:cNvPicPr>
+          <p:nvPr>
+            <p:ph idx="1"/>
+          </p:nvPr>
+        </p:nvPicPr>
+        <p:blipFill>
+          <a:blip r:embed="rId2">
+            <a:extLst>
+              <a:ext uri="{28A0092B-C50C-407E-A947-70E740481C1C}">
+                <a14:useLocalDpi xmlns:a14="http://schemas.microsoft.com/office/drawing/2010/main" val="0"/>
+              </a:ext>
+            </a:extLst>
+          </a:blip>
+          <a:stretch>
+            <a:fillRect/>
+          </a:stretch>
+        </p:blipFill>
+        <p:spPr bwMode="auto">
+          <a:xfrm>
+            <a:off x="5943552" y="428018"/>
+            <a:ext cx="4654297" cy="5789902"/>
+          </a:xfrm>
+          <a:prstGeom prst="rect">
+            <a:avLst/>
+          </a:prstGeom>
+          <a:noFill/>
+        </p:spPr>
+      </p:pic>
+      <p:sp>
+        <p:nvSpPr>
+          <p:cNvPr id="5" name="Slide Number Placeholder 4">
+            <a:extLst>
+              <a:ext uri="{FF2B5EF4-FFF2-40B4-BE49-F238E27FC236}">
+                <a16:creationId xmlns:a16="http://schemas.microsoft.com/office/drawing/2014/main" id="{F0E009E3-CDE9-45CD-B37A-584AD20C2E5D}"/>
+              </a:ext>
+            </a:extLst>
+          </p:cNvPr>
+          <p:cNvSpPr>
+            <a:spLocks noGrp="1"/>
+          </p:cNvSpPr>
+          <p:nvPr>
+            <p:ph type="sldNum" sz="quarter" idx="12"/>
           </p:nvPr>
         </p:nvSpPr>
         <p:spPr/>
@@ -7818,42 +12857,18 @@
           <a:bodyPr/>
           <a:lstStyle/>
           <a:p>
-            <a:r>
-              <a:rPr lang="en-US" b="1" dirty="0"/>
-              <a:t>Results</a:t>
-            </a:r>
-          </a:p>
-        </p:txBody>
-      </p:sp>
-      <p:sp>
-        <p:nvSpPr>
-          <p:cNvPr id="3" name="Content Placeholder 2">
-            <a:extLst>
-              <a:ext uri="{FF2B5EF4-FFF2-40B4-BE49-F238E27FC236}">
-                <a16:creationId xmlns:a16="http://schemas.microsoft.com/office/drawing/2014/main" id="{DB037DC6-C4AB-4441-9E39-B42F3B25A95A}"/>
-              </a:ext>
-            </a:extLst>
-          </p:cNvPr>
-          <p:cNvSpPr>
-            <a:spLocks noGrp="1"/>
-          </p:cNvSpPr>
-          <p:nvPr>
-            <p:ph idx="1"/>
-          </p:nvPr>
-        </p:nvSpPr>
-        <p:spPr/>
-        <p:txBody>
-          <a:bodyPr/>
-          <a:lstStyle/>
-          <a:p>
-            <a:endParaRPr lang="en-US" dirty="0"/>
+            <a:fld id="{70EC4113-9F95-A845-A634-8A906A6C5F1F}" type="slidenum">
+              <a:rPr lang="en-GH" smtClean="0"/>
+              <a:t>9</a:t>
+            </a:fld>
+            <a:endParaRPr lang="en-GH"/>
           </a:p>
         </p:txBody>
       </p:sp>
     </p:spTree>
     <p:extLst>
       <p:ext uri="{BB962C8B-B14F-4D97-AF65-F5344CB8AC3E}">
-        <p14:creationId xmlns:p14="http://schemas.microsoft.com/office/powerpoint/2010/main" val="4019859203"/>
+        <p14:creationId xmlns:p14="http://schemas.microsoft.com/office/powerpoint/2010/main" val="2843733006"/>
       </p:ext>
     </p:extLst>
   </p:cSld>
@@ -8156,4 +13171,299 @@
     </a:ext>
   </a:extLst>
 </a:theme>
+</file>
+
+<file path=ppt/theme/theme2.xml><?xml version="1.0" encoding="utf-8"?>
+<a:theme xmlns:a="http://schemas.openxmlformats.org/drawingml/2006/main" name="Office Theme">
+  <a:themeElements>
+    <a:clrScheme name="Office">
+      <a:dk1>
+        <a:sysClr val="windowText" lastClr="000000"/>
+      </a:dk1>
+      <a:lt1>
+        <a:sysClr val="window" lastClr="FFFFFF"/>
+      </a:lt1>
+      <a:dk2>
+        <a:srgbClr val="44546A"/>
+      </a:dk2>
+      <a:lt2>
+        <a:srgbClr val="E7E6E6"/>
+      </a:lt2>
+      <a:accent1>
+        <a:srgbClr val="4472C4"/>
+      </a:accent1>
+      <a:accent2>
+        <a:srgbClr val="ED7D31"/>
+      </a:accent2>
+      <a:accent3>
+        <a:srgbClr val="A5A5A5"/>
+      </a:accent3>
+      <a:accent4>
+        <a:srgbClr val="FFC000"/>
+      </a:accent4>
+      <a:accent5>
+        <a:srgbClr val="5B9BD5"/>
+      </a:accent5>
+      <a:accent6>
+        <a:srgbClr val="70AD47"/>
+      </a:accent6>
+      <a:hlink>
+        <a:srgbClr val="0563C1"/>
+      </a:hlink>
+      <a:folHlink>
+        <a:srgbClr val="954F72"/>
+      </a:folHlink>
+    </a:clrScheme>
+    <a:fontScheme name="Office">
+      <a:majorFont>
+        <a:latin typeface="Calibri Light" panose="020F0302020204030204"/>
+        <a:ea typeface=""/>
+        <a:cs typeface=""/>
+        <a:font script="Jpan" typeface="游ゴシック Light"/>
+        <a:font script="Hang" typeface="맑은 고딕"/>
+        <a:font script="Hans" typeface="等线 Light"/>
+        <a:font script="Hant" typeface="新細明體"/>
+        <a:font script="Arab" typeface="Times New Roman"/>
+        <a:font script="Hebr" typeface="Times New Roman"/>
+        <a:font script="Thai" typeface="Angsana New"/>
+        <a:font script="Ethi" typeface="Nyala"/>
+        <a:font script="Beng" typeface="Vrinda"/>
+        <a:font script="Gujr" typeface="Shruti"/>
+        <a:font script="Khmr" typeface="MoolBoran"/>
+        <a:font script="Knda" typeface="Tunga"/>
+        <a:font script="Guru" typeface="Raavi"/>
+        <a:font script="Cans" typeface="Euphemia"/>
+        <a:font script="Cher" typeface="Plantagenet Cherokee"/>
+        <a:font script="Yiii" typeface="Microsoft Yi Baiti"/>
+        <a:font script="Tibt" typeface="Microsoft Himalaya"/>
+        <a:font script="Thaa" typeface="MV Boli"/>
+        <a:font script="Deva" typeface="Mangal"/>
+        <a:font script="Telu" typeface="Gautami"/>
+        <a:font script="Taml" typeface="Latha"/>
+        <a:font script="Syrc" typeface="Estrangelo Edessa"/>
+        <a:font script="Orya" typeface="Kalinga"/>
+        <a:font script="Mlym" typeface="Kartika"/>
+        <a:font script="Laoo" typeface="DokChampa"/>
+        <a:font script="Sinh" typeface="Iskoola Pota"/>
+        <a:font script="Mong" typeface="Mongolian Baiti"/>
+        <a:font script="Viet" typeface="Times New Roman"/>
+        <a:font script="Uigh" typeface="Microsoft Uighur"/>
+        <a:font script="Geor" typeface="Sylfaen"/>
+        <a:font script="Armn" typeface="Arial"/>
+        <a:font script="Bugi" typeface="Leelawadee UI"/>
+        <a:font script="Bopo" typeface="Microsoft JhengHei"/>
+        <a:font script="Java" typeface="Javanese Text"/>
+        <a:font script="Lisu" typeface="Segoe UI"/>
+        <a:font script="Mymr" typeface="Myanmar Text"/>
+        <a:font script="Nkoo" typeface="Ebrima"/>
+        <a:font script="Olck" typeface="Nirmala UI"/>
+        <a:font script="Osma" typeface="Ebrima"/>
+        <a:font script="Phag" typeface="Phagspa"/>
+        <a:font script="Syrn" typeface="Estrangelo Edessa"/>
+        <a:font script="Syrj" typeface="Estrangelo Edessa"/>
+        <a:font script="Syre" typeface="Estrangelo Edessa"/>
+        <a:font script="Sora" typeface="Nirmala UI"/>
+        <a:font script="Tale" typeface="Microsoft Tai Le"/>
+        <a:font script="Talu" typeface="Microsoft New Tai Lue"/>
+        <a:font script="Tfng" typeface="Ebrima"/>
+      </a:majorFont>
+      <a:minorFont>
+        <a:latin typeface="Calibri" panose="020F0502020204030204"/>
+        <a:ea typeface=""/>
+        <a:cs typeface=""/>
+        <a:font script="Jpan" typeface="游ゴシック"/>
+        <a:font script="Hang" typeface="맑은 고딕"/>
+        <a:font script="Hans" typeface="等线"/>
+        <a:font script="Hant" typeface="新細明體"/>
+        <a:font script="Arab" typeface="Arial"/>
+        <a:font script="Hebr" typeface="Arial"/>
+        <a:font script="Thai" typeface="Cordia New"/>
+        <a:font script="Ethi" typeface="Nyala"/>
+        <a:font script="Beng" typeface="Vrinda"/>
+        <a:font script="Gujr" typeface="Shruti"/>
+        <a:font script="Khmr" typeface="DaunPenh"/>
+        <a:font script="Knda" typeface="Tunga"/>
+        <a:font script="Guru" typeface="Raavi"/>
+        <a:font script="Cans" typeface="Euphemia"/>
+        <a:font script="Cher" typeface="Plantagenet Cherokee"/>
+        <a:font script="Yiii" typeface="Microsoft Yi Baiti"/>
+        <a:font script="Tibt" typeface="Microsoft Himalaya"/>
+        <a:font script="Thaa" typeface="MV Boli"/>
+        <a:font script="Deva" typeface="Mangal"/>
+        <a:font script="Telu" typeface="Gautami"/>
+        <a:font script="Taml" typeface="Latha"/>
+        <a:font script="Syrc" typeface="Estrangelo Edessa"/>
+        <a:font script="Orya" typeface="Kalinga"/>
+        <a:font script="Mlym" typeface="Kartika"/>
+        <a:font script="Laoo" typeface="DokChampa"/>
+        <a:font script="Sinh" typeface="Iskoola Pota"/>
+        <a:font script="Mong" typeface="Mongolian Baiti"/>
+        <a:font script="Viet" typeface="Arial"/>
+        <a:font script="Uigh" typeface="Microsoft Uighur"/>
+        <a:font script="Geor" typeface="Sylfaen"/>
+        <a:font script="Armn" typeface="Arial"/>
+        <a:font script="Bugi" typeface="Leelawadee UI"/>
+        <a:font script="Bopo" typeface="Microsoft JhengHei"/>
+        <a:font script="Java" typeface="Javanese Text"/>
+        <a:font script="Lisu" typeface="Segoe UI"/>
+        <a:font script="Mymr" typeface="Myanmar Text"/>
+        <a:font script="Nkoo" typeface="Ebrima"/>
+        <a:font script="Olck" typeface="Nirmala UI"/>
+        <a:font script="Osma" typeface="Ebrima"/>
+        <a:font script="Phag" typeface="Phagspa"/>
+        <a:font script="Syrn" typeface="Estrangelo Edessa"/>
+        <a:font script="Syrj" typeface="Estrangelo Edessa"/>
+        <a:font script="Syre" typeface="Estrangelo Edessa"/>
+        <a:font script="Sora" typeface="Nirmala UI"/>
+        <a:font script="Tale" typeface="Microsoft Tai Le"/>
+        <a:font script="Talu" typeface="Microsoft New Tai Lue"/>
+        <a:font script="Tfng" typeface="Ebrima"/>
+      </a:minorFont>
+    </a:fontScheme>
+    <a:fmtScheme name="Office">
+      <a:fillStyleLst>
+        <a:solidFill>
+          <a:schemeClr val="phClr"/>
+        </a:solidFill>
+        <a:gradFill rotWithShape="1">
+          <a:gsLst>
+            <a:gs pos="0">
+              <a:schemeClr val="phClr">
+                <a:lumMod val="110000"/>
+                <a:satMod val="105000"/>
+                <a:tint val="67000"/>
+              </a:schemeClr>
+            </a:gs>
+            <a:gs pos="50000">
+              <a:schemeClr val="phClr">
+                <a:lumMod val="105000"/>
+                <a:satMod val="103000"/>
+                <a:tint val="73000"/>
+              </a:schemeClr>
+            </a:gs>
+            <a:gs pos="100000">
+              <a:schemeClr val="phClr">
+                <a:lumMod val="105000"/>
+                <a:satMod val="109000"/>
+                <a:tint val="81000"/>
+              </a:schemeClr>
+            </a:gs>
+          </a:gsLst>
+          <a:lin ang="5400000" scaled="0"/>
+        </a:gradFill>
+        <a:gradFill rotWithShape="1">
+          <a:gsLst>
+            <a:gs pos="0">
+              <a:schemeClr val="phClr">
+                <a:satMod val="103000"/>
+                <a:lumMod val="102000"/>
+                <a:tint val="94000"/>
+              </a:schemeClr>
+            </a:gs>
+            <a:gs pos="50000">
+              <a:schemeClr val="phClr">
+                <a:satMod val="110000"/>
+                <a:lumMod val="100000"/>
+                <a:shade val="100000"/>
+              </a:schemeClr>
+            </a:gs>
+            <a:gs pos="100000">
+              <a:schemeClr val="phClr">
+                <a:lumMod val="99000"/>
+                <a:satMod val="120000"/>
+                <a:shade val="78000"/>
+              </a:schemeClr>
+            </a:gs>
+          </a:gsLst>
+          <a:lin ang="5400000" scaled="0"/>
+        </a:gradFill>
+      </a:fillStyleLst>
+      <a:lnStyleLst>
+        <a:ln w="6350" cap="flat" cmpd="sng" algn="ctr">
+          <a:solidFill>
+            <a:schemeClr val="phClr"/>
+          </a:solidFill>
+          <a:prstDash val="solid"/>
+          <a:miter lim="800000"/>
+        </a:ln>
+        <a:ln w="12700" cap="flat" cmpd="sng" algn="ctr">
+          <a:solidFill>
+            <a:schemeClr val="phClr"/>
+          </a:solidFill>
+          <a:prstDash val="solid"/>
+          <a:miter lim="800000"/>
+        </a:ln>
+        <a:ln w="19050" cap="flat" cmpd="sng" algn="ctr">
+          <a:solidFill>
+            <a:schemeClr val="phClr"/>
+          </a:solidFill>
+          <a:prstDash val="solid"/>
+          <a:miter lim="800000"/>
+        </a:ln>
+      </a:lnStyleLst>
+      <a:effectStyleLst>
+        <a:effectStyle>
+          <a:effectLst/>
+        </a:effectStyle>
+        <a:effectStyle>
+          <a:effectLst/>
+        </a:effectStyle>
+        <a:effectStyle>
+          <a:effectLst>
+            <a:outerShdw blurRad="57150" dist="19050" dir="5400000" algn="ctr" rotWithShape="0">
+              <a:srgbClr val="000000">
+                <a:alpha val="63000"/>
+              </a:srgbClr>
+            </a:outerShdw>
+          </a:effectLst>
+        </a:effectStyle>
+      </a:effectStyleLst>
+      <a:bgFillStyleLst>
+        <a:solidFill>
+          <a:schemeClr val="phClr"/>
+        </a:solidFill>
+        <a:solidFill>
+          <a:schemeClr val="phClr">
+            <a:tint val="95000"/>
+            <a:satMod val="170000"/>
+          </a:schemeClr>
+        </a:solidFill>
+        <a:gradFill rotWithShape="1">
+          <a:gsLst>
+            <a:gs pos="0">
+              <a:schemeClr val="phClr">
+                <a:tint val="93000"/>
+                <a:satMod val="150000"/>
+                <a:shade val="98000"/>
+                <a:lumMod val="102000"/>
+              </a:schemeClr>
+            </a:gs>
+            <a:gs pos="50000">
+              <a:schemeClr val="phClr">
+                <a:tint val="98000"/>
+                <a:satMod val="130000"/>
+                <a:shade val="90000"/>
+                <a:lumMod val="103000"/>
+              </a:schemeClr>
+            </a:gs>
+            <a:gs pos="100000">
+              <a:schemeClr val="phClr">
+                <a:shade val="63000"/>
+                <a:satMod val="120000"/>
+              </a:schemeClr>
+            </a:gs>
+          </a:gsLst>
+          <a:lin ang="5400000" scaled="0"/>
+        </a:gradFill>
+      </a:bgFillStyleLst>
+    </a:fmtScheme>
+  </a:themeElements>
+  <a:objectDefaults/>
+  <a:extraClrSchemeLst/>
+  <a:extLst>
+    <a:ext uri="{05A4C25C-085E-4340-85A3-A5531E510DB2}">
+      <thm15:themeFamily xmlns:thm15="http://schemas.microsoft.com/office/thememl/2012/main" name="Office Theme" id="{62F939B6-93AF-4DB8-9C6B-D6C7DFDC589F}" vid="{4A3C46E8-61CC-4603-A589-7422A47A8E4A}"/>
+    </a:ext>
+  </a:extLst>
+</a:theme>
 </file>